--- a/Presentation for Data Science 101.pptx
+++ b/Presentation for Data Science 101.pptx
@@ -117,6 +117,35 @@
     </p:ext>
   </p:extLst>
 </p:presentation>
+</file>
+
+<file path=ppt/changesInfos/changesInfo1.xml><?xml version="1.0" encoding="utf-8"?>
+<pc:chgInfo xmlns:a="http://schemas.openxmlformats.org/drawingml/2006/main" xmlns:r="http://schemas.openxmlformats.org/officeDocument/2006/relationships" xmlns:ac="http://schemas.microsoft.com/office/drawing/2013/main/command" xmlns:pc="http://schemas.microsoft.com/office/powerpoint/2013/main/command">
+  <pc:docChgLst>
+    <pc:chgData name="Nema Puthan" userId="8633c7f78c2ff340" providerId="LiveId" clId="{4DB9177E-1A48-474A-9CAF-4124783C27DA}"/>
+    <pc:docChg chg="custSel modSld">
+      <pc:chgData name="Nema Puthan" userId="8633c7f78c2ff340" providerId="LiveId" clId="{4DB9177E-1A48-474A-9CAF-4124783C27DA}" dt="2023-10-24T21:45:55.575" v="23" actId="20577"/>
+      <pc:docMkLst>
+        <pc:docMk/>
+      </pc:docMkLst>
+      <pc:sldChg chg="modSp mod">
+        <pc:chgData name="Nema Puthan" userId="8633c7f78c2ff340" providerId="LiveId" clId="{4DB9177E-1A48-474A-9CAF-4124783C27DA}" dt="2023-10-24T21:45:55.575" v="23" actId="20577"/>
+        <pc:sldMkLst>
+          <pc:docMk/>
+          <pc:sldMk cId="807467318" sldId="262"/>
+        </pc:sldMkLst>
+        <pc:spChg chg="mod">
+          <ac:chgData name="Nema Puthan" userId="8633c7f78c2ff340" providerId="LiveId" clId="{4DB9177E-1A48-474A-9CAF-4124783C27DA}" dt="2023-10-24T21:45:55.575" v="23" actId="20577"/>
+          <ac:spMkLst>
+            <pc:docMk/>
+            <pc:sldMk cId="807467318" sldId="262"/>
+            <ac:spMk id="6" creationId="{BBF26071-F77F-7993-F2B2-44F8B1219379}"/>
+          </ac:spMkLst>
+        </pc:spChg>
+      </pc:sldChg>
+    </pc:docChg>
+  </pc:docChgLst>
+</pc:chgInfo>
 </file>
 
 <file path=ppt/diagrams/colors1.xml><?xml version="1.0" encoding="utf-8"?>
@@ -1502,8 +1531,8 @@
   </dgm:ptLst>
   <dgm:cxnLst>
     <dgm:cxn modelId="{C9D32F31-5447-40AD-AAD2-EE2B13F7FDEE}" type="presOf" srcId="{085F711A-E98E-44D9-8916-1AAF7DEE1605}" destId="{B05D4E13-537B-423E-8BC9-19502FC11B24}" srcOrd="0" destOrd="0" presId="urn:microsoft.com/office/officeart/2018/2/layout/IconVerticalSolidList"/>
+    <dgm:cxn modelId="{71E08B5C-67F7-4A7B-BEB4-7C969FBACE54}" srcId="{A15AA906-191F-4549-8436-FEBEA94677CB}" destId="{9BF04D48-1CC6-4839-B8D1-95B4FA3524D9}" srcOrd="2" destOrd="0" parTransId="{1E1A71A2-066E-423E-ACA7-E558022CC34E}" sibTransId="{01144C6F-0F9D-4D43-BBA8-3220226F28E1}"/>
     <dgm:cxn modelId="{524E7647-98C3-42F1-BD5B-BA6318FF2019}" srcId="{A15AA906-191F-4549-8436-FEBEA94677CB}" destId="{085F711A-E98E-44D9-8916-1AAF7DEE1605}" srcOrd="1" destOrd="0" parTransId="{289A7E90-80B2-4526-BD64-37C430D0F225}" sibTransId="{71B19766-5D3C-4FB6-A972-87DD9A732667}"/>
-    <dgm:cxn modelId="{71E08B5C-67F7-4A7B-BEB4-7C969FBACE54}" srcId="{A15AA906-191F-4549-8436-FEBEA94677CB}" destId="{9BF04D48-1CC6-4839-B8D1-95B4FA3524D9}" srcOrd="2" destOrd="0" parTransId="{1E1A71A2-066E-423E-ACA7-E558022CC34E}" sibTransId="{01144C6F-0F9D-4D43-BBA8-3220226F28E1}"/>
     <dgm:cxn modelId="{547BFC72-BC89-4F28-A31A-CB48A1DA7062}" srcId="{A15AA906-191F-4549-8436-FEBEA94677CB}" destId="{96F870F9-2029-470B-A260-E7E879824B54}" srcOrd="3" destOrd="0" parTransId="{F2F672B7-6EA9-4676-B8C5-3831897BC4B8}" sibTransId="{90DFFEA5-DE81-444C-82F0-13906D034735}"/>
     <dgm:cxn modelId="{B8AEA07E-25E4-4B35-AA3D-A2E2DD3CAE7B}" type="presOf" srcId="{26E85509-46FC-432E-8583-625DACFDA84D}" destId="{3C6FEEC7-6332-4D9F-81F1-AF0D341C7A0D}" srcOrd="0" destOrd="0" presId="urn:microsoft.com/office/officeart/2018/2/layout/IconVerticalSolidList"/>
     <dgm:cxn modelId="{C1733B8D-AE8E-4754-94E6-BA3850D56A63}" type="presOf" srcId="{A15AA906-191F-4549-8436-FEBEA94677CB}" destId="{3E00E3F1-79A8-413D-BFDA-BA0C59D16F40}" srcOrd="0" destOrd="0" presId="urn:microsoft.com/office/officeart/2018/2/layout/IconVerticalSolidList"/>
@@ -4110,7 +4139,7 @@
           <a:p>
             <a:fld id="{F7AFFB9B-9FB8-469E-96F9-4D32314110B6}" type="datetimeFigureOut">
               <a:rPr lang="en-US" dirty="0"/>
-              <a:t>10/24/23</a:t>
+              <a:t>10/24/2023</a:t>
             </a:fld>
             <a:endParaRPr lang="en-US" dirty="0"/>
           </a:p>
@@ -4438,7 +4467,7 @@
           <a:p>
             <a:fld id="{341D2AC3-6A0B-4169-B1EA-E3AE8B351BDD}" type="datetimeFigureOut">
               <a:rPr lang="en-US" dirty="0"/>
-              <a:t>10/24/23</a:t>
+              <a:t>10/24/2023</a:t>
             </a:fld>
             <a:endParaRPr lang="en-US" dirty="0"/>
           </a:p>
@@ -4629,7 +4658,7 @@
           <a:p>
             <a:fld id="{DD4B9363-8B87-41B7-9F8E-64519CBB8F34}" type="datetimeFigureOut">
               <a:rPr lang="en-US" dirty="0"/>
-              <a:t>10/24/23</a:t>
+              <a:t>10/24/2023</a:t>
             </a:fld>
             <a:endParaRPr lang="en-US" dirty="0"/>
           </a:p>
@@ -4894,7 +4923,7 @@
           <a:p>
             <a:fld id="{EAEF5746-5284-4951-9F37-7AE924EDBCB7}" type="datetimeFigureOut">
               <a:rPr lang="en-US" dirty="0"/>
-              <a:t>10/24/23</a:t>
+              <a:t>10/24/2023</a:t>
             </a:fld>
             <a:endParaRPr lang="en-US" dirty="0"/>
           </a:p>
@@ -5317,7 +5346,7 @@
           <a:p>
             <a:fld id="{02398B29-7265-4A65-A2A4-6703C057B7C1}" type="datetimeFigureOut">
               <a:rPr lang="en-US" dirty="0"/>
-              <a:t>10/24/23</a:t>
+              <a:t>10/24/2023</a:t>
             </a:fld>
             <a:endParaRPr lang="en-US" dirty="0"/>
           </a:p>
@@ -5862,7 +5891,7 @@
           <a:p>
             <a:fld id="{28FBA082-94DF-4C4B-A041-6624924AB0A8}" type="datetimeFigureOut">
               <a:rPr lang="en-US" dirty="0"/>
-              <a:t>10/24/23</a:t>
+              <a:t>10/24/2023</a:t>
             </a:fld>
             <a:endParaRPr lang="en-US" dirty="0"/>
           </a:p>
@@ -6647,7 +6676,7 @@
           <a:p>
             <a:fld id="{B27686C4-3AB5-4E0C-86CA-FB108C350AA9}" type="datetimeFigureOut">
               <a:rPr lang="en-US" dirty="0"/>
-              <a:t>10/24/23</a:t>
+              <a:t>10/24/2023</a:t>
             </a:fld>
             <a:endParaRPr lang="en-US" dirty="0"/>
           </a:p>
@@ -6821,7 +6850,7 @@
           <a:p>
             <a:fld id="{49FF1211-4E0C-4AB3-B04F-585959BDAFE8}" type="datetimeFigureOut">
               <a:rPr lang="en-US" dirty="0"/>
-              <a:t>10/24/23</a:t>
+              <a:t>10/24/2023</a:t>
             </a:fld>
             <a:endParaRPr lang="en-US" dirty="0"/>
           </a:p>
@@ -7000,7 +7029,7 @@
           <a:p>
             <a:fld id="{28BDECAF-D3BE-4069-9C78-642ECCD01477}" type="datetimeFigureOut">
               <a:rPr lang="en-US" dirty="0"/>
-              <a:t>10/24/23</a:t>
+              <a:t>10/24/2023</a:t>
             </a:fld>
             <a:endParaRPr lang="en-US" dirty="0"/>
           </a:p>
@@ -7170,7 +7199,7 @@
           <a:p>
             <a:fld id="{8EFBDC27-E420-4878-9EE6-7B9656D6442A}" type="datetimeFigureOut">
               <a:rPr lang="en-US" dirty="0"/>
-              <a:t>10/24/23</a:t>
+              <a:t>10/24/2023</a:t>
             </a:fld>
             <a:endParaRPr lang="en-US" dirty="0"/>
           </a:p>
@@ -7415,7 +7444,7 @@
           <a:p>
             <a:fld id="{0F7F47CF-67C9-420C-80A5-E2069FF0C2DF}" type="datetimeFigureOut">
               <a:rPr lang="en-US" dirty="0"/>
-              <a:t>10/24/23</a:t>
+              <a:t>10/24/2023</a:t>
             </a:fld>
             <a:endParaRPr lang="en-US" dirty="0"/>
           </a:p>
@@ -7647,7 +7676,7 @@
           <a:p>
             <a:fld id="{AE22DC73-F065-42F5-A9F2-D90B2E42A0B3}" type="datetimeFigureOut">
               <a:rPr lang="en-US" dirty="0"/>
-              <a:t>10/24/23</a:t>
+              <a:t>10/24/2023</a:t>
             </a:fld>
             <a:endParaRPr lang="en-US" dirty="0"/>
           </a:p>
@@ -8027,7 +8056,7 @@
           <a:p>
             <a:fld id="{76BEA702-9B29-41CC-9BCC-3DF8A0D379FE}" type="datetimeFigureOut">
               <a:rPr lang="en-US" dirty="0"/>
-              <a:t>10/24/23</a:t>
+              <a:t>10/24/2023</a:t>
             </a:fld>
             <a:endParaRPr lang="en-US" dirty="0"/>
           </a:p>
@@ -8140,7 +8169,7 @@
           <a:p>
             <a:fld id="{097649AC-CB8F-4FF1-9A34-5861C74DD0A7}" type="datetimeFigureOut">
               <a:rPr lang="en-US" dirty="0"/>
-              <a:t>10/24/23</a:t>
+              <a:t>10/24/2023</a:t>
             </a:fld>
             <a:endParaRPr lang="en-US" dirty="0"/>
           </a:p>
@@ -8230,7 +8259,7 @@
           <a:p>
             <a:fld id="{3EC5CECA-2D3A-4680-9B49-752200DE467C}" type="datetimeFigureOut">
               <a:rPr lang="en-US" dirty="0"/>
-              <a:t>10/24/23</a:t>
+              <a:t>10/24/2023</a:t>
             </a:fld>
             <a:endParaRPr lang="en-US" dirty="0"/>
           </a:p>
@@ -8478,7 +8507,7 @@
           <a:p>
             <a:fld id="{50C3BFE2-83B7-4B0A-B9D3-AB28331082B3}" type="datetimeFigureOut">
               <a:rPr lang="en-US" dirty="0"/>
-              <a:t>10/24/23</a:t>
+              <a:t>10/24/2023</a:t>
             </a:fld>
             <a:endParaRPr lang="en-US" dirty="0"/>
           </a:p>
@@ -8742,7 +8771,7 @@
           <a:p>
             <a:fld id="{12EF78E3-FDA3-4D28-AAA2-0B81F349A39D}" type="datetimeFigureOut">
               <a:rPr lang="en-US" dirty="0"/>
-              <a:t>10/24/23</a:t>
+              <a:t>10/24/2023</a:t>
             </a:fld>
             <a:endParaRPr lang="en-US" dirty="0"/>
           </a:p>
@@ -9140,7 +9169,7 @@
           <a:p>
             <a:fld id="{C35BB1C6-BF8F-4481-8AB2-603A1C8A906A}" type="datetimeFigureOut">
               <a:rPr lang="en-US" dirty="0"/>
-              <a:t>10/24/23</a:t>
+              <a:t>10/24/2023</a:t>
             </a:fld>
             <a:endParaRPr lang="en-US" dirty="0"/>
           </a:p>
@@ -9801,6 +9830,13 @@
             <a:schemeClr val="tx1"/>
           </a:fontRef>
         </p:style>
+        <p:txBody>
+          <a:bodyPr/>
+          <a:lstStyle/>
+          <a:p>
+            <a:endParaRPr lang="en-US"/>
+          </a:p>
+        </p:txBody>
       </p:sp>
       <p:sp>
         <p:nvSpPr>
@@ -9981,6 +10017,13 @@
             <a:schemeClr val="lt1"/>
           </a:fontRef>
         </p:style>
+        <p:txBody>
+          <a:bodyPr/>
+          <a:lstStyle/>
+          <a:p>
+            <a:endParaRPr lang="en-US"/>
+          </a:p>
+        </p:txBody>
       </p:sp>
       <p:sp>
         <p:nvSpPr>
@@ -10047,6 +10090,13 @@
             <a:schemeClr val="lt1"/>
           </a:fontRef>
         </p:style>
+        <p:txBody>
+          <a:bodyPr/>
+          <a:lstStyle/>
+          <a:p>
+            <a:endParaRPr lang="en-US"/>
+          </a:p>
+        </p:txBody>
       </p:sp>
       <p:sp>
         <p:nvSpPr>
@@ -10466,6 +10516,13 @@
             <a:schemeClr val="lt1"/>
           </a:fontRef>
         </p:style>
+        <p:txBody>
+          <a:bodyPr/>
+          <a:lstStyle/>
+          <a:p>
+            <a:endParaRPr lang="en-US"/>
+          </a:p>
+        </p:txBody>
       </p:sp>
       <p:sp>
         <p:nvSpPr>
@@ -10574,7 +10631,7 @@
         <p:spPr>
           <a:xfrm>
             <a:off x="5800724" y="2803028"/>
-            <a:ext cx="3396853" cy="646331"/>
+            <a:ext cx="3396853" cy="923330"/>
           </a:xfrm>
           <a:prstGeom prst="rect">
             <a:avLst/>
@@ -10599,6 +10656,19 @@
               </a:rPr>
               <a:t>SMART question, lay out the plan of the presentation</a:t>
             </a:r>
+          </a:p>
+          <a:p>
+            <a:r>
+              <a:rPr lang="en-US">
+                <a:latin typeface="Calibri" panose="020F0502020204030204" pitchFamily="34" charset="0"/>
+                <a:cs typeface="Calibri" panose="020F0502020204030204" pitchFamily="34" charset="0"/>
+              </a:rPr>
+              <a:t>Test comment by Nema</a:t>
+            </a:r>
+            <a:endParaRPr lang="en-US" dirty="0">
+              <a:latin typeface="Calibri" panose="020F0502020204030204" pitchFamily="34" charset="0"/>
+              <a:cs typeface="Calibri" panose="020F0502020204030204" pitchFamily="34" charset="0"/>
+            </a:endParaRPr>
           </a:p>
         </p:txBody>
       </p:sp>
@@ -11489,6 +11559,13 @@
             <a:schemeClr val="lt1"/>
           </a:fontRef>
         </p:style>
+        <p:txBody>
+          <a:bodyPr/>
+          <a:lstStyle/>
+          <a:p>
+            <a:endParaRPr lang="en-US"/>
+          </a:p>
+        </p:txBody>
       </p:sp>
       <p:sp>
         <p:nvSpPr>
@@ -11712,6 +11789,13 @@
             <a:schemeClr val="lt1"/>
           </a:fontRef>
         </p:style>
+        <p:txBody>
+          <a:bodyPr/>
+          <a:lstStyle/>
+          <a:p>
+            <a:endParaRPr lang="en-US"/>
+          </a:p>
+        </p:txBody>
       </p:sp>
       <p:pic>
         <p:nvPicPr>
@@ -11824,6 +11908,13 @@
             <a:schemeClr val="tx1"/>
           </a:fontRef>
         </p:style>
+        <p:txBody>
+          <a:bodyPr/>
+          <a:lstStyle/>
+          <a:p>
+            <a:endParaRPr lang="en-US"/>
+          </a:p>
+        </p:txBody>
       </p:sp>
       <p:sp>
         <p:nvSpPr>
@@ -11888,6 +11979,13 @@
             <a:schemeClr val="lt1"/>
           </a:fontRef>
         </p:style>
+        <p:txBody>
+          <a:bodyPr/>
+          <a:lstStyle/>
+          <a:p>
+            <a:endParaRPr lang="en-US"/>
+          </a:p>
+        </p:txBody>
       </p:sp>
       <p:sp>
         <p:nvSpPr>
@@ -12228,6 +12326,13 @@
             <a:schemeClr val="lt1"/>
           </a:fontRef>
         </p:style>
+        <p:txBody>
+          <a:bodyPr/>
+          <a:lstStyle/>
+          <a:p>
+            <a:endParaRPr lang="en-US"/>
+          </a:p>
+        </p:txBody>
       </p:sp>
       <p:sp>
         <p:nvSpPr>
@@ -12318,6 +12423,13 @@
             <a:schemeClr val="lt1"/>
           </a:fontRef>
         </p:style>
+        <p:txBody>
+          <a:bodyPr/>
+          <a:lstStyle/>
+          <a:p>
+            <a:endParaRPr lang="en-US"/>
+          </a:p>
+        </p:txBody>
       </p:sp>
       <p:sp>
         <p:nvSpPr>
@@ -12405,6 +12517,13 @@
             <a:schemeClr val="lt1"/>
           </a:fontRef>
         </p:style>
+        <p:txBody>
+          <a:bodyPr/>
+          <a:lstStyle/>
+          <a:p>
+            <a:endParaRPr lang="en-US"/>
+          </a:p>
+        </p:txBody>
       </p:sp>
       <p:sp>
         <p:nvSpPr>
@@ -12480,6 +12599,13 @@
             <a:schemeClr val="tx1"/>
           </a:fontRef>
         </p:style>
+        <p:txBody>
+          <a:bodyPr/>
+          <a:lstStyle/>
+          <a:p>
+            <a:endParaRPr lang="en-US"/>
+          </a:p>
+        </p:txBody>
       </p:sp>
       <p:sp>
         <p:nvSpPr>
@@ -12539,6 +12665,13 @@
             <a:schemeClr val="lt1"/>
           </a:fontRef>
         </p:style>
+        <p:txBody>
+          <a:bodyPr/>
+          <a:lstStyle/>
+          <a:p>
+            <a:endParaRPr lang="en-US"/>
+          </a:p>
+        </p:txBody>
       </p:sp>
       <p:pic>
         <p:nvPicPr>
@@ -12726,6 +12859,13 @@
             <a:schemeClr val="tx1"/>
           </a:fontRef>
         </p:style>
+        <p:txBody>
+          <a:bodyPr/>
+          <a:lstStyle/>
+          <a:p>
+            <a:endParaRPr lang="en-US"/>
+          </a:p>
+        </p:txBody>
       </p:sp>
       <p:sp>
         <p:nvSpPr>
@@ -12835,6 +12975,13 @@
             <a:schemeClr val="lt1"/>
           </a:fontRef>
         </p:style>
+        <p:txBody>
+          <a:bodyPr/>
+          <a:lstStyle/>
+          <a:p>
+            <a:endParaRPr lang="en-US"/>
+          </a:p>
+        </p:txBody>
       </p:sp>
       <p:sp>
         <p:nvSpPr>
@@ -12901,6 +13048,13 @@
             <a:schemeClr val="lt1"/>
           </a:fontRef>
         </p:style>
+        <p:txBody>
+          <a:bodyPr/>
+          <a:lstStyle/>
+          <a:p>
+            <a:endParaRPr lang="en-US"/>
+          </a:p>
+        </p:txBody>
       </p:sp>
       <p:sp>
         <p:nvSpPr>

--- a/Presentation for Data Science 101.pptx
+++ b/Presentation for Data Science 101.pptx
@@ -2,7 +2,7 @@
 <file path=ppt/presentation.xml><?xml version="1.0" encoding="utf-8"?>
 <p:presentation xmlns:a="http://schemas.openxmlformats.org/drawingml/2006/main" xmlns:r="http://schemas.openxmlformats.org/officeDocument/2006/relationships" xmlns:p="http://schemas.openxmlformats.org/presentationml/2006/main" autoCompressPictures="0">
   <p:sldMasterIdLst>
-    <p:sldMasterId id="2147483648" r:id="rId1"/>
+    <p:sldMasterId id="2147483669" r:id="rId1"/>
   </p:sldMasterIdLst>
   <p:sldIdLst>
     <p:sldId id="256" r:id="rId2"/>
@@ -149,15 +149,15 @@
 </file>
 
 <file path=ppt/diagrams/colors1.xml><?xml version="1.0" encoding="utf-8"?>
-<dgm:colorsDef xmlns:dgm="http://schemas.openxmlformats.org/drawingml/2006/diagram" xmlns:a="http://schemas.openxmlformats.org/drawingml/2006/main" uniqueId="urn:microsoft.com/office/officeart/2018/5/colors/Iconchunking_neutralicontext_colorful1">
+<dgm:colorsDef xmlns:dgm="http://schemas.openxmlformats.org/drawingml/2006/diagram" xmlns:a="http://schemas.openxmlformats.org/drawingml/2006/main" uniqueId="urn:microsoft.com/office/officeart/2005/8/colors/colorful5">
   <dgm:title val=""/>
   <dgm:desc val=""/>
   <dgm:catLst>
-    <dgm:cat type="colorful" pri="10100"/>
+    <dgm:cat type="colorful" pri="10500"/>
   </dgm:catLst>
   <dgm:styleLbl name="node0">
     <dgm:fillClrLst meth="repeat">
-      <a:schemeClr val="accent1"/>
+      <a:schemeClr val="accent4"/>
     </dgm:fillClrLst>
     <dgm:linClrLst meth="repeat">
       <a:schemeClr val="lt1"/>
@@ -168,33 +168,24 @@
     <dgm:txEffectClrLst/>
   </dgm:styleLbl>
   <dgm:styleLbl name="node1">
-    <dgm:fillClrLst meth="repeat">
-      <a:schemeClr val="bg1"/>
-    </dgm:fillClrLst>
-    <dgm:linClrLst meth="repeat">
-      <a:schemeClr val="lt1">
-        <a:alpha val="0"/>
-      </a:schemeClr>
-    </dgm:linClrLst>
-    <dgm:effectClrLst/>
-    <dgm:txLinClrLst/>
-    <dgm:txFillClrLst meth="repeat">
-      <a:schemeClr val="dk1"/>
-    </dgm:txFillClrLst>
-    <dgm:txEffectClrLst/>
-  </dgm:styleLbl>
-  <dgm:styleLbl name="alignNode1">
-    <dgm:fillClrLst meth="repeat">
-      <a:schemeClr val="accent2"/>
-      <a:schemeClr val="accent3"/>
-      <a:schemeClr val="accent4"/>
+    <dgm:fillClrLst>
       <a:schemeClr val="accent5"/>
       <a:schemeClr val="accent6"/>
     </dgm:fillClrLst>
     <dgm:linClrLst meth="repeat">
-      <a:schemeClr val="accent2"/>
-      <a:schemeClr val="accent3"/>
-      <a:schemeClr val="accent4"/>
+      <a:schemeClr val="lt1"/>
+    </dgm:linClrLst>
+    <dgm:effectClrLst/>
+    <dgm:txLinClrLst/>
+    <dgm:txFillClrLst/>
+    <dgm:txEffectClrLst/>
+  </dgm:styleLbl>
+  <dgm:styleLbl name="alignNode1">
+    <dgm:fillClrLst>
+      <a:schemeClr val="accent5"/>
+      <a:schemeClr val="accent6"/>
+    </dgm:fillClrLst>
+    <dgm:linClrLst>
       <a:schemeClr val="accent5"/>
       <a:schemeClr val="accent6"/>
     </dgm:linClrLst>
@@ -204,10 +195,7 @@
     <dgm:txEffectClrLst/>
   </dgm:styleLbl>
   <dgm:styleLbl name="lnNode1">
-    <dgm:fillClrLst meth="repeat">
-      <a:schemeClr val="accent2"/>
-      <a:schemeClr val="accent3"/>
-      <a:schemeClr val="accent4"/>
+    <dgm:fillClrLst>
       <a:schemeClr val="accent5"/>
       <a:schemeClr val="accent6"/>
     </dgm:fillClrLst>
@@ -220,16 +208,7 @@
     <dgm:txEffectClrLst/>
   </dgm:styleLbl>
   <dgm:styleLbl name="vennNode1">
-    <dgm:fillClrLst meth="repeat">
-      <a:schemeClr val="accent2">
-        <a:alpha val="50000"/>
-      </a:schemeClr>
-      <a:schemeClr val="accent3">
-        <a:alpha val="50000"/>
-      </a:schemeClr>
-      <a:schemeClr val="accent4">
-        <a:alpha val="50000"/>
-      </a:schemeClr>
+    <dgm:fillClrLst>
       <a:schemeClr val="accent5">
         <a:alpha val="50000"/>
       </a:schemeClr>
@@ -247,7 +226,7 @@
   </dgm:styleLbl>
   <dgm:styleLbl name="node2">
     <dgm:fillClrLst>
-      <a:schemeClr val="accent2"/>
+      <a:schemeClr val="accent6"/>
     </dgm:fillClrLst>
     <dgm:linClrLst meth="repeat">
       <a:schemeClr val="lt1"/>
@@ -259,7 +238,7 @@
   </dgm:styleLbl>
   <dgm:styleLbl name="node3">
     <dgm:fillClrLst>
-      <a:schemeClr val="accent3"/>
+      <a:schemeClr val="accent1"/>
     </dgm:fillClrLst>
     <dgm:linClrLst meth="repeat">
       <a:schemeClr val="lt1"/>
@@ -271,7 +250,7 @@
   </dgm:styleLbl>
   <dgm:styleLbl name="node4">
     <dgm:fillClrLst>
-      <a:schemeClr val="accent4"/>
+      <a:schemeClr val="accent2"/>
     </dgm:fillClrLst>
     <dgm:linClrLst meth="repeat">
       <a:schemeClr val="lt1"/>
@@ -282,16 +261,7 @@
     <dgm:txEffectClrLst/>
   </dgm:styleLbl>
   <dgm:styleLbl name="fgImgPlace1">
-    <dgm:fillClrLst meth="repeat">
-      <a:schemeClr val="accent2">
-        <a:tint val="50000"/>
-      </a:schemeClr>
-      <a:schemeClr val="accent3">
-        <a:tint val="50000"/>
-      </a:schemeClr>
-      <a:schemeClr val="accent4">
-        <a:tint val="50000"/>
-      </a:schemeClr>
+    <dgm:fillClrLst>
       <a:schemeClr val="accent5">
         <a:tint val="50000"/>
       </a:schemeClr>
@@ -311,10 +281,10 @@
   </dgm:styleLbl>
   <dgm:styleLbl name="alignImgPlace1">
     <dgm:fillClrLst>
-      <a:schemeClr val="accent1">
+      <a:schemeClr val="accent5">
         <a:tint val="50000"/>
       </a:schemeClr>
-      <a:schemeClr val="accent2">
+      <a:schemeClr val="accent6">
         <a:tint val="20000"/>
       </a:schemeClr>
     </dgm:fillClrLst>
@@ -330,10 +300,10 @@
   </dgm:styleLbl>
   <dgm:styleLbl name="bgImgPlace1">
     <dgm:fillClrLst>
-      <a:schemeClr val="accent1">
+      <a:schemeClr val="accent5">
         <a:tint val="50000"/>
       </a:schemeClr>
-      <a:schemeClr val="accent2">
+      <a:schemeClr val="accent6">
         <a:tint val="20000"/>
       </a:schemeClr>
     </dgm:fillClrLst>
@@ -348,14 +318,11 @@
     <dgm:txEffectClrLst/>
   </dgm:styleLbl>
   <dgm:styleLbl name="sibTrans2D1">
-    <dgm:fillClrLst meth="repeat">
-      <a:schemeClr val="accent2"/>
-      <a:schemeClr val="accent3"/>
-      <a:schemeClr val="accent4"/>
+    <dgm:fillClrLst>
       <a:schemeClr val="accent5"/>
       <a:schemeClr val="accent6"/>
     </dgm:fillClrLst>
-    <dgm:linClrLst meth="cycle">
+    <dgm:linClrLst meth="repeat">
       <a:schemeClr val="lt1"/>
     </dgm:linClrLst>
     <dgm:effectClrLst/>
@@ -364,14 +331,11 @@
     <dgm:txEffectClrLst/>
   </dgm:styleLbl>
   <dgm:styleLbl name="fgSibTrans2D1">
-    <dgm:fillClrLst meth="repeat">
-      <a:schemeClr val="accent2"/>
-      <a:schemeClr val="accent3"/>
-      <a:schemeClr val="accent4"/>
+    <dgm:fillClrLst>
       <a:schemeClr val="accent5"/>
       <a:schemeClr val="accent6"/>
     </dgm:fillClrLst>
-    <dgm:linClrLst meth="cycle">
+    <dgm:linClrLst meth="repeat">
       <a:schemeClr val="lt1"/>
     </dgm:linClrLst>
     <dgm:effectClrLst/>
@@ -382,14 +346,11 @@
     <dgm:txEffectClrLst/>
   </dgm:styleLbl>
   <dgm:styleLbl name="bgSibTrans2D1">
-    <dgm:fillClrLst meth="repeat">
-      <a:schemeClr val="accent2"/>
-      <a:schemeClr val="accent3"/>
-      <a:schemeClr val="accent4"/>
+    <dgm:fillClrLst>
       <a:schemeClr val="accent5"/>
       <a:schemeClr val="accent6"/>
     </dgm:fillClrLst>
-    <dgm:linClrLst meth="cycle">
+    <dgm:linClrLst meth="repeat">
       <a:schemeClr val="lt1"/>
     </dgm:linClrLst>
     <dgm:effectClrLst/>
@@ -400,17 +361,8 @@
     <dgm:txEffectClrLst/>
   </dgm:styleLbl>
   <dgm:styleLbl name="sibTrans1D1">
-    <dgm:fillClrLst meth="repeat">
-      <a:schemeClr val="accent2"/>
-      <a:schemeClr val="accent3"/>
-      <a:schemeClr val="accent4"/>
-      <a:schemeClr val="accent5"/>
-      <a:schemeClr val="accent6"/>
-    </dgm:fillClrLst>
-    <dgm:linClrLst meth="repeat">
-      <a:schemeClr val="accent2"/>
-      <a:schemeClr val="accent3"/>
-      <a:schemeClr val="accent4"/>
+    <dgm:fillClrLst/>
+    <dgm:linClrLst>
       <a:schemeClr val="accent5"/>
       <a:schemeClr val="accent6"/>
     </dgm:linClrLst>
@@ -423,10 +375,10 @@
   </dgm:styleLbl>
   <dgm:styleLbl name="callout">
     <dgm:fillClrLst meth="repeat">
-      <a:schemeClr val="accent2"/>
+      <a:schemeClr val="accent5"/>
     </dgm:fillClrLst>
     <dgm:linClrLst meth="repeat">
-      <a:schemeClr val="accent2">
+      <a:schemeClr val="accent5">
         <a:tint val="50000"/>
       </a:schemeClr>
     </dgm:linClrLst>
@@ -439,6 +391,34 @@
   </dgm:styleLbl>
   <dgm:styleLbl name="asst0">
     <dgm:fillClrLst meth="repeat">
+      <a:schemeClr val="accent5"/>
+    </dgm:fillClrLst>
+    <dgm:linClrLst meth="repeat">
+      <a:schemeClr val="lt1">
+        <a:shade val="80000"/>
+      </a:schemeClr>
+    </dgm:linClrLst>
+    <dgm:effectClrLst/>
+    <dgm:txLinClrLst/>
+    <dgm:txFillClrLst/>
+    <dgm:txEffectClrLst/>
+  </dgm:styleLbl>
+  <dgm:styleLbl name="asst1">
+    <dgm:fillClrLst meth="repeat">
+      <a:schemeClr val="accent6"/>
+    </dgm:fillClrLst>
+    <dgm:linClrLst meth="repeat">
+      <a:schemeClr val="lt1">
+        <a:shade val="80000"/>
+      </a:schemeClr>
+    </dgm:linClrLst>
+    <dgm:effectClrLst/>
+    <dgm:txLinClrLst/>
+    <dgm:txFillClrLst/>
+    <dgm:txEffectClrLst/>
+  </dgm:styleLbl>
+  <dgm:styleLbl name="asst2">
+    <dgm:fillClrLst>
       <a:schemeClr val="accent1"/>
     </dgm:fillClrLst>
     <dgm:linClrLst meth="repeat">
@@ -449,8 +429,8 @@
     <dgm:txFillClrLst/>
     <dgm:txEffectClrLst/>
   </dgm:styleLbl>
-  <dgm:styleLbl name="asst1">
-    <dgm:fillClrLst meth="repeat">
+  <dgm:styleLbl name="asst3">
+    <dgm:fillClrLst>
       <a:schemeClr val="accent2"/>
     </dgm:fillClrLst>
     <dgm:linClrLst meth="repeat">
@@ -461,7 +441,7 @@
     <dgm:txFillClrLst/>
     <dgm:txEffectClrLst/>
   </dgm:styleLbl>
-  <dgm:styleLbl name="asst2">
+  <dgm:styleLbl name="asst4">
     <dgm:fillClrLst>
       <a:schemeClr val="accent3"/>
     </dgm:fillClrLst>
@@ -473,33 +453,9 @@
     <dgm:txFillClrLst/>
     <dgm:txEffectClrLst/>
   </dgm:styleLbl>
-  <dgm:styleLbl name="asst3">
-    <dgm:fillClrLst>
-      <a:schemeClr val="accent4"/>
-    </dgm:fillClrLst>
-    <dgm:linClrLst meth="repeat">
-      <a:schemeClr val="lt1"/>
-    </dgm:linClrLst>
-    <dgm:effectClrLst/>
-    <dgm:txLinClrLst/>
-    <dgm:txFillClrLst/>
-    <dgm:txEffectClrLst/>
-  </dgm:styleLbl>
-  <dgm:styleLbl name="asst4">
-    <dgm:fillClrLst>
-      <a:schemeClr val="accent5"/>
-    </dgm:fillClrLst>
-    <dgm:linClrLst meth="repeat">
-      <a:schemeClr val="lt1"/>
-    </dgm:linClrLst>
-    <dgm:effectClrLst/>
-    <dgm:txLinClrLst/>
-    <dgm:txFillClrLst/>
-    <dgm:txEffectClrLst/>
-  </dgm:styleLbl>
   <dgm:styleLbl name="parChTrans2D1">
     <dgm:fillClrLst meth="repeat">
-      <a:schemeClr val="accent2"/>
+      <a:schemeClr val="accent5"/>
     </dgm:fillClrLst>
     <dgm:linClrLst meth="repeat">
       <a:schemeClr val="lt1"/>
@@ -513,7 +469,7 @@
   </dgm:styleLbl>
   <dgm:styleLbl name="parChTrans2D2">
     <dgm:fillClrLst meth="repeat">
-      <a:schemeClr val="accent3"/>
+      <a:schemeClr val="accent6"/>
     </dgm:fillClrLst>
     <dgm:linClrLst meth="repeat">
       <a:schemeClr val="lt1"/>
@@ -525,7 +481,7 @@
   </dgm:styleLbl>
   <dgm:styleLbl name="parChTrans2D3">
     <dgm:fillClrLst meth="repeat">
-      <a:schemeClr val="accent4"/>
+      <a:schemeClr val="accent6"/>
     </dgm:fillClrLst>
     <dgm:linClrLst meth="repeat">
       <a:schemeClr val="lt1"/>
@@ -537,7 +493,7 @@
   </dgm:styleLbl>
   <dgm:styleLbl name="parChTrans2D4">
     <dgm:fillClrLst meth="repeat">
-      <a:schemeClr val="accent5"/>
+      <a:schemeClr val="accent1"/>
     </dgm:fillClrLst>
     <dgm:linClrLst meth="repeat">
       <a:schemeClr val="lt1"/>
@@ -551,7 +507,39 @@
   </dgm:styleLbl>
   <dgm:styleLbl name="parChTrans1D1">
     <dgm:fillClrLst meth="repeat">
-      <a:schemeClr val="accent2"/>
+      <a:schemeClr val="accent5"/>
+    </dgm:fillClrLst>
+    <dgm:linClrLst meth="repeat">
+      <a:schemeClr val="accent5"/>
+    </dgm:linClrLst>
+    <dgm:effectClrLst/>
+    <dgm:txLinClrLst/>
+    <dgm:txFillClrLst meth="repeat">
+      <a:schemeClr val="tx1"/>
+    </dgm:txFillClrLst>
+    <dgm:txEffectClrLst/>
+  </dgm:styleLbl>
+  <dgm:styleLbl name="parChTrans1D2">
+    <dgm:fillClrLst meth="repeat">
+      <a:schemeClr val="accent6">
+        <a:tint val="90000"/>
+      </a:schemeClr>
+    </dgm:fillClrLst>
+    <dgm:linClrLst meth="repeat">
+      <a:schemeClr val="accent6"/>
+    </dgm:linClrLst>
+    <dgm:effectClrLst/>
+    <dgm:txLinClrLst/>
+    <dgm:txFillClrLst meth="repeat">
+      <a:schemeClr val="tx1"/>
+    </dgm:txFillClrLst>
+    <dgm:txEffectClrLst/>
+  </dgm:styleLbl>
+  <dgm:styleLbl name="parChTrans1D3">
+    <dgm:fillClrLst meth="repeat">
+      <a:schemeClr val="accent6">
+        <a:tint val="70000"/>
+      </a:schemeClr>
     </dgm:fillClrLst>
     <dgm:linClrLst meth="repeat">
       <a:schemeClr val="accent1"/>
@@ -563,46 +551,14 @@
     </dgm:txFillClrLst>
     <dgm:txEffectClrLst/>
   </dgm:styleLbl>
-  <dgm:styleLbl name="parChTrans1D2">
+  <dgm:styleLbl name="parChTrans1D4">
     <dgm:fillClrLst meth="repeat">
-      <a:schemeClr val="accent3">
-        <a:tint val="90000"/>
+      <a:schemeClr val="accent6">
+        <a:tint val="50000"/>
       </a:schemeClr>
     </dgm:fillClrLst>
     <dgm:linClrLst meth="repeat">
       <a:schemeClr val="accent2"/>
-    </dgm:linClrLst>
-    <dgm:effectClrLst/>
-    <dgm:txLinClrLst/>
-    <dgm:txFillClrLst meth="repeat">
-      <a:schemeClr val="tx1"/>
-    </dgm:txFillClrLst>
-    <dgm:txEffectClrLst/>
-  </dgm:styleLbl>
-  <dgm:styleLbl name="parChTrans1D3">
-    <dgm:fillClrLst meth="repeat">
-      <a:schemeClr val="accent4">
-        <a:tint val="70000"/>
-      </a:schemeClr>
-    </dgm:fillClrLst>
-    <dgm:linClrLst meth="repeat">
-      <a:schemeClr val="accent3"/>
-    </dgm:linClrLst>
-    <dgm:effectClrLst/>
-    <dgm:txLinClrLst/>
-    <dgm:txFillClrLst meth="repeat">
-      <a:schemeClr val="tx1"/>
-    </dgm:txFillClrLst>
-    <dgm:txEffectClrLst/>
-  </dgm:styleLbl>
-  <dgm:styleLbl name="parChTrans1D4">
-    <dgm:fillClrLst meth="repeat">
-      <a:schemeClr val="accent5">
-        <a:tint val="50000"/>
-      </a:schemeClr>
-    </dgm:fillClrLst>
-    <dgm:linClrLst meth="repeat">
-      <a:schemeClr val="accent4"/>
     </dgm:linClrLst>
     <dgm:effectClrLst/>
     <dgm:txLinClrLst/>
@@ -617,10 +573,7 @@
         <a:alpha val="90000"/>
       </a:schemeClr>
     </dgm:fillClrLst>
-    <dgm:linClrLst meth="repeat">
-      <a:schemeClr val="accent2"/>
-      <a:schemeClr val="accent3"/>
-      <a:schemeClr val="accent4"/>
+    <dgm:linClrLst>
       <a:schemeClr val="accent5"/>
       <a:schemeClr val="accent6"/>
     </dgm:linClrLst>
@@ -637,10 +590,7 @@
         <a:alpha val="90000"/>
       </a:schemeClr>
     </dgm:fillClrLst>
-    <dgm:linClrLst meth="repeat">
-      <a:schemeClr val="accent2"/>
-      <a:schemeClr val="accent3"/>
-      <a:schemeClr val="accent4"/>
+    <dgm:linClrLst>
       <a:schemeClr val="accent5"/>
       <a:schemeClr val="accent6"/>
     </dgm:linClrLst>
@@ -657,10 +607,7 @@
         <a:alpha val="90000"/>
       </a:schemeClr>
     </dgm:fillClrLst>
-    <dgm:linClrLst meth="repeat">
-      <a:schemeClr val="accent2"/>
-      <a:schemeClr val="accent3"/>
-      <a:schemeClr val="accent4"/>
+    <dgm:linClrLst>
       <a:schemeClr val="accent5"/>
       <a:schemeClr val="accent6"/>
     </dgm:linClrLst>
@@ -678,7 +625,7 @@
       </a:schemeClr>
     </dgm:fillClrLst>
     <dgm:linClrLst meth="repeat">
-      <a:schemeClr val="accent1"/>
+      <a:schemeClr val="accent5"/>
     </dgm:linClrLst>
     <dgm:effectClrLst/>
     <dgm:txLinClrLst/>
@@ -693,10 +640,7 @@
         <a:alpha val="90000"/>
       </a:schemeClr>
     </dgm:fillClrLst>
-    <dgm:linClrLst meth="repeat">
-      <a:schemeClr val="accent2"/>
-      <a:schemeClr val="accent3"/>
-      <a:schemeClr val="accent4"/>
+    <dgm:linClrLst>
       <a:schemeClr val="accent5"/>
       <a:schemeClr val="accent6"/>
     </dgm:linClrLst>
@@ -711,10 +655,7 @@
     <dgm:fillClrLst meth="repeat">
       <a:schemeClr val="lt1"/>
     </dgm:fillClrLst>
-    <dgm:linClrLst meth="repeat">
-      <a:schemeClr val="accent2"/>
-      <a:schemeClr val="accent3"/>
-      <a:schemeClr val="accent4"/>
+    <dgm:linClrLst>
       <a:schemeClr val="accent5"/>
       <a:schemeClr val="accent6"/>
     </dgm:linClrLst>
@@ -729,10 +670,7 @@
     <dgm:fillClrLst meth="repeat">
       <a:schemeClr val="lt1"/>
     </dgm:fillClrLst>
-    <dgm:linClrLst meth="repeat">
-      <a:schemeClr val="accent2"/>
-      <a:schemeClr val="accent3"/>
-      <a:schemeClr val="accent4"/>
+    <dgm:linClrLst>
       <a:schemeClr val="accent5"/>
       <a:schemeClr val="accent6"/>
     </dgm:linClrLst>
@@ -747,10 +685,7 @@
     <dgm:fillClrLst meth="repeat">
       <a:schemeClr val="lt1"/>
     </dgm:fillClrLst>
-    <dgm:linClrLst meth="repeat">
-      <a:schemeClr val="accent2"/>
-      <a:schemeClr val="accent3"/>
-      <a:schemeClr val="accent4"/>
+    <dgm:linClrLst>
       <a:schemeClr val="accent5"/>
       <a:schemeClr val="accent6"/>
     </dgm:linClrLst>
@@ -762,19 +697,7 @@
     <dgm:txEffectClrLst/>
   </dgm:styleLbl>
   <dgm:styleLbl name="fgAccFollowNode1">
-    <dgm:fillClrLst meth="repeat">
-      <a:schemeClr val="accent2">
-        <a:tint val="40000"/>
-        <a:alpha val="90000"/>
-      </a:schemeClr>
-      <a:schemeClr val="accent3">
-        <a:tint val="40000"/>
-        <a:alpha val="90000"/>
-      </a:schemeClr>
-      <a:schemeClr val="accent4">
-        <a:tint val="40000"/>
-        <a:alpha val="90000"/>
-      </a:schemeClr>
+    <dgm:fillClrLst>
       <a:schemeClr val="accent5">
         <a:tint val="40000"/>
         <a:alpha val="90000"/>
@@ -784,24 +707,12 @@
         <a:alpha val="90000"/>
       </a:schemeClr>
     </dgm:fillClrLst>
-    <dgm:linClrLst meth="repeat">
-      <a:schemeClr val="accent2">
-        <a:tint val="40000"/>
-        <a:alpha val="90000"/>
-      </a:schemeClr>
-      <a:schemeClr val="accent3">
-        <a:tint val="40000"/>
-        <a:alpha val="90000"/>
-      </a:schemeClr>
-      <a:schemeClr val="accent4">
+    <dgm:linClrLst>
+      <a:schemeClr val="accent5">
         <a:tint val="40000"/>
         <a:alpha val="90000"/>
       </a:schemeClr>
       <a:schemeClr val="accent5">
-        <a:tint val="40000"/>
-        <a:alpha val="90000"/>
-      </a:schemeClr>
-      <a:schemeClr val="accent6">
         <a:tint val="40000"/>
         <a:alpha val="90000"/>
       </a:schemeClr>
@@ -814,19 +725,7 @@
     <dgm:txEffectClrLst/>
   </dgm:styleLbl>
   <dgm:styleLbl name="alignAccFollowNode1">
-    <dgm:fillClrLst meth="repeat">
-      <a:schemeClr val="accent2">
-        <a:tint val="40000"/>
-        <a:alpha val="90000"/>
-      </a:schemeClr>
-      <a:schemeClr val="accent3">
-        <a:tint val="40000"/>
-        <a:alpha val="90000"/>
-      </a:schemeClr>
-      <a:schemeClr val="accent4">
-        <a:tint val="40000"/>
-        <a:alpha val="90000"/>
-      </a:schemeClr>
+    <dgm:fillClrLst>
       <a:schemeClr val="accent5">
         <a:tint val="40000"/>
         <a:alpha val="90000"/>
@@ -836,19 +735,7 @@
         <a:alpha val="90000"/>
       </a:schemeClr>
     </dgm:fillClrLst>
-    <dgm:linClrLst meth="repeat">
-      <a:schemeClr val="accent2">
-        <a:tint val="40000"/>
-        <a:alpha val="90000"/>
-      </a:schemeClr>
-      <a:schemeClr val="accent3">
-        <a:tint val="40000"/>
-        <a:alpha val="90000"/>
-      </a:schemeClr>
-      <a:schemeClr val="accent4">
-        <a:tint val="40000"/>
-        <a:alpha val="90000"/>
-      </a:schemeClr>
+    <dgm:linClrLst>
       <a:schemeClr val="accent5">
         <a:tint val="40000"/>
         <a:alpha val="90000"/>
@@ -866,19 +753,7 @@
     <dgm:txEffectClrLst/>
   </dgm:styleLbl>
   <dgm:styleLbl name="bgAccFollowNode1">
-    <dgm:fillClrLst meth="repeat">
-      <a:schemeClr val="accent2">
-        <a:tint val="40000"/>
-        <a:alpha val="90000"/>
-      </a:schemeClr>
-      <a:schemeClr val="accent3">
-        <a:tint val="40000"/>
-        <a:alpha val="90000"/>
-      </a:schemeClr>
-      <a:schemeClr val="accent4">
-        <a:tint val="40000"/>
-        <a:alpha val="90000"/>
-      </a:schemeClr>
+    <dgm:fillClrLst>
       <a:schemeClr val="accent5">
         <a:tint val="40000"/>
         <a:alpha val="90000"/>
@@ -888,19 +763,7 @@
         <a:alpha val="90000"/>
       </a:schemeClr>
     </dgm:fillClrLst>
-    <dgm:linClrLst meth="repeat">
-      <a:schemeClr val="accent2">
-        <a:tint val="40000"/>
-        <a:alpha val="90000"/>
-      </a:schemeClr>
-      <a:schemeClr val="accent3">
-        <a:tint val="40000"/>
-        <a:alpha val="90000"/>
-      </a:schemeClr>
-      <a:schemeClr val="accent4">
-        <a:tint val="40000"/>
-        <a:alpha val="90000"/>
-      </a:schemeClr>
+    <dgm:linClrLst>
       <a:schemeClr val="accent5">
         <a:tint val="40000"/>
         <a:alpha val="90000"/>
@@ -924,7 +787,7 @@
       </a:schemeClr>
     </dgm:fillClrLst>
     <dgm:linClrLst>
-      <a:schemeClr val="accent1"/>
+      <a:schemeClr val="accent4"/>
     </dgm:linClrLst>
     <dgm:effectClrLst/>
     <dgm:txLinClrLst/>
@@ -940,7 +803,7 @@
       </a:schemeClr>
     </dgm:fillClrLst>
     <dgm:linClrLst>
-      <a:schemeClr val="accent2"/>
+      <a:schemeClr val="accent6"/>
     </dgm:linClrLst>
     <dgm:effectClrLst/>
     <dgm:txLinClrLst/>
@@ -956,7 +819,7 @@
       </a:schemeClr>
     </dgm:fillClrLst>
     <dgm:linClrLst>
-      <a:schemeClr val="accent3"/>
+      <a:schemeClr val="accent1"/>
     </dgm:linClrLst>
     <dgm:effectClrLst/>
     <dgm:txLinClrLst/>
@@ -972,7 +835,7 @@
       </a:schemeClr>
     </dgm:fillClrLst>
     <dgm:linClrLst>
-      <a:schemeClr val="accent4"/>
+      <a:schemeClr val="accent2"/>
     </dgm:linClrLst>
     <dgm:effectClrLst/>
     <dgm:txLinClrLst/>
@@ -983,25 +846,23 @@
   </dgm:styleLbl>
   <dgm:styleLbl name="bgShp">
     <dgm:fillClrLst meth="repeat">
-      <a:schemeClr val="accent2"/>
-      <a:schemeClr val="accent3"/>
-      <a:schemeClr val="accent4"/>
-      <a:schemeClr val="accent5"/>
-      <a:schemeClr val="accent6"/>
+      <a:schemeClr val="accent5">
+        <a:tint val="40000"/>
+      </a:schemeClr>
     </dgm:fillClrLst>
     <dgm:linClrLst meth="repeat">
-      <a:schemeClr val="lt1">
-        <a:alpha val="0"/>
-      </a:schemeClr>
+      <a:schemeClr val="dk1"/>
     </dgm:linClrLst>
     <dgm:effectClrLst/>
     <dgm:txLinClrLst/>
-    <dgm:txFillClrLst/>
+    <dgm:txFillClrLst meth="repeat">
+      <a:schemeClr val="dk1"/>
+    </dgm:txFillClrLst>
     <dgm:txEffectClrLst/>
   </dgm:styleLbl>
   <dgm:styleLbl name="dkBgShp">
     <dgm:fillClrLst meth="repeat">
-      <a:schemeClr val="accent2">
+      <a:schemeClr val="accent5">
         <a:shade val="90000"/>
       </a:schemeClr>
     </dgm:fillClrLst>
@@ -1017,13 +878,13 @@
   </dgm:styleLbl>
   <dgm:styleLbl name="trBgShp">
     <dgm:fillClrLst meth="repeat">
-      <a:schemeClr val="accent1">
+      <a:schemeClr val="accent5">
         <a:tint val="50000"/>
         <a:alpha val="40000"/>
       </a:schemeClr>
     </dgm:fillClrLst>
     <dgm:linClrLst meth="repeat">
-      <a:schemeClr val="accent2"/>
+      <a:schemeClr val="accent5"/>
     </dgm:linClrLst>
     <dgm:effectClrLst/>
     <dgm:txLinClrLst/>
@@ -1034,7 +895,7 @@
   </dgm:styleLbl>
   <dgm:styleLbl name="fgShp">
     <dgm:fillClrLst meth="repeat">
-      <a:schemeClr val="accent2">
+      <a:schemeClr val="accent5">
         <a:tint val="40000"/>
       </a:schemeClr>
     </dgm:fillClrLst>
@@ -1062,7 +923,7 @@
     <dgm:effectClrLst/>
     <dgm:txLinClrLst/>
     <dgm:txFillClrLst meth="repeat">
-      <a:schemeClr val="bg1"/>
+      <a:schemeClr val="tx1"/>
     </dgm:txFillClrLst>
     <dgm:txEffectClrLst/>
   </dgm:styleLbl>
@@ -1073,7 +934,7 @@
 <dgm:dataModel xmlns:dgm="http://schemas.openxmlformats.org/drawingml/2006/diagram" xmlns:a="http://schemas.openxmlformats.org/drawingml/2006/main">
   <dgm:ptLst>
     <dgm:pt modelId="{A15AA906-191F-4549-8436-FEBEA94677CB}" type="doc">
-      <dgm:prSet loTypeId="urn:microsoft.com/office/officeart/2018/2/layout/IconVerticalSolidList" loCatId="icon" qsTypeId="urn:microsoft.com/office/officeart/2005/8/quickstyle/simple1" qsCatId="simple" csTypeId="urn:microsoft.com/office/officeart/2018/5/colors/Iconchunking_neutralicontext_colorful1" csCatId="colorful" phldr="1"/>
+      <dgm:prSet loTypeId="urn:microsoft.com/office/officeart/2005/8/layout/vList2" loCatId="list" qsTypeId="urn:microsoft.com/office/officeart/2005/8/quickstyle/simple2" qsCatId="simple" csTypeId="urn:microsoft.com/office/officeart/2005/8/colors/colorful5" csCatId="colorful" phldr="1"/>
       <dgm:spPr/>
       <dgm:t>
         <a:bodyPr/>
@@ -1286,296 +1147,104 @@
         </a:p>
       </dgm:t>
     </dgm:pt>
-    <dgm:pt modelId="{3E00E3F1-79A8-413D-BFDA-BA0C59D16F40}" type="pres">
-      <dgm:prSet presAssocID="{A15AA906-191F-4549-8436-FEBEA94677CB}" presName="root" presStyleCnt="0">
+    <dgm:pt modelId="{33B43129-3725-8748-BD5F-7758A7DE3FC4}" type="pres">
+      <dgm:prSet presAssocID="{A15AA906-191F-4549-8436-FEBEA94677CB}" presName="linear" presStyleCnt="0">
         <dgm:presLayoutVars>
-          <dgm:dir/>
+          <dgm:animLvl val="lvl"/>
           <dgm:resizeHandles val="exact"/>
         </dgm:presLayoutVars>
       </dgm:prSet>
       <dgm:spPr/>
     </dgm:pt>
-    <dgm:pt modelId="{4E8F869E-B6A7-486B-85B7-5D2E287596A0}" type="pres">
-      <dgm:prSet presAssocID="{26E85509-46FC-432E-8583-625DACFDA84D}" presName="compNode" presStyleCnt="0"/>
-      <dgm:spPr/>
-    </dgm:pt>
-    <dgm:pt modelId="{19B384F3-15AF-4120-B309-CFFAB180E709}" type="pres">
-      <dgm:prSet presAssocID="{26E85509-46FC-432E-8583-625DACFDA84D}" presName="bgRect" presStyleLbl="bgShp" presStyleIdx="0" presStyleCnt="5"/>
-      <dgm:spPr/>
-    </dgm:pt>
-    <dgm:pt modelId="{7B9F1DAD-E335-4232-9746-35328F73017C}" type="pres">
-      <dgm:prSet presAssocID="{26E85509-46FC-432E-8583-625DACFDA84D}" presName="iconRect" presStyleLbl="node1" presStyleIdx="0" presStyleCnt="5"/>
-      <dgm:spPr>
-        <a:blipFill>
-          <a:blip xmlns:r="http://schemas.openxmlformats.org/officeDocument/2006/relationships" r:embed="rId1">
-            <a:extLst>
-              <a:ext uri="{28A0092B-C50C-407E-A947-70E740481C1C}">
-                <a14:useLocalDpi xmlns:a14="http://schemas.microsoft.com/office/drawing/2010/main" val="0"/>
-              </a:ext>
-            </a:extLst>
-          </a:blip>
-          <a:srcRect/>
-          <a:stretch>
-            <a:fillRect l="-25000" r="-25000"/>
-          </a:stretch>
-        </a:blipFill>
-        <a:ln>
-          <a:noFill/>
-        </a:ln>
-      </dgm:spPr>
-    </dgm:pt>
-    <dgm:pt modelId="{D20CC303-5779-4B80-BF7C-E9D6C279D2F8}" type="pres">
-      <dgm:prSet presAssocID="{26E85509-46FC-432E-8583-625DACFDA84D}" presName="spaceRect" presStyleCnt="0"/>
-      <dgm:spPr/>
-    </dgm:pt>
-    <dgm:pt modelId="{3C6FEEC7-6332-4D9F-81F1-AF0D341C7A0D}" type="pres">
-      <dgm:prSet presAssocID="{26E85509-46FC-432E-8583-625DACFDA84D}" presName="parTx" presStyleLbl="revTx" presStyleIdx="0" presStyleCnt="5">
+    <dgm:pt modelId="{893ADDC2-4125-9A45-BD31-550DC5D1A057}" type="pres">
+      <dgm:prSet presAssocID="{26E85509-46FC-432E-8583-625DACFDA84D}" presName="parentText" presStyleLbl="node1" presStyleIdx="0" presStyleCnt="5">
         <dgm:presLayoutVars>
           <dgm:chMax val="0"/>
-          <dgm:chPref val="0"/>
+          <dgm:bulletEnabled val="1"/>
         </dgm:presLayoutVars>
       </dgm:prSet>
       <dgm:spPr/>
     </dgm:pt>
-    <dgm:pt modelId="{ABCBE4F8-7AF8-4360-8D68-CDF44355ABFC}" type="pres">
-      <dgm:prSet presAssocID="{F7786CC6-578E-4E80-B3DC-1422747C4EBA}" presName="sibTrans" presStyleCnt="0"/>
+    <dgm:pt modelId="{1069050D-4256-F443-AFA3-3D720289D430}" type="pres">
+      <dgm:prSet presAssocID="{F7786CC6-578E-4E80-B3DC-1422747C4EBA}" presName="spacer" presStyleCnt="0"/>
       <dgm:spPr/>
     </dgm:pt>
-    <dgm:pt modelId="{1FCF59BC-84AE-44AA-895E-0340313F9A26}" type="pres">
-      <dgm:prSet presAssocID="{085F711A-E98E-44D9-8916-1AAF7DEE1605}" presName="compNode" presStyleCnt="0"/>
-      <dgm:spPr/>
-    </dgm:pt>
-    <dgm:pt modelId="{2A343835-2067-4C9A-BD81-E0AAB5A5AC15}" type="pres">
-      <dgm:prSet presAssocID="{085F711A-E98E-44D9-8916-1AAF7DEE1605}" presName="bgRect" presStyleLbl="bgShp" presStyleIdx="1" presStyleCnt="5"/>
-      <dgm:spPr/>
-    </dgm:pt>
-    <dgm:pt modelId="{B920F79D-91F6-4A66-824F-A50F1CF8EB5C}" type="pres">
-      <dgm:prSet presAssocID="{085F711A-E98E-44D9-8916-1AAF7DEE1605}" presName="iconRect" presStyleLbl="node1" presStyleIdx="1" presStyleCnt="5"/>
-      <dgm:spPr>
-        <a:blipFill>
-          <a:blip xmlns:r="http://schemas.openxmlformats.org/officeDocument/2006/relationships" r:embed="rId2">
-            <a:extLst>
-              <a:ext uri="{28A0092B-C50C-407E-A947-70E740481C1C}">
-                <a14:useLocalDpi xmlns:a14="http://schemas.microsoft.com/office/drawing/2010/main" val="0"/>
-              </a:ext>
-            </a:extLst>
-          </a:blip>
-          <a:srcRect/>
-          <a:stretch>
-            <a:fillRect/>
-          </a:stretch>
-        </a:blipFill>
-        <a:ln>
-          <a:noFill/>
-        </a:ln>
-      </dgm:spPr>
-    </dgm:pt>
-    <dgm:pt modelId="{5498CB93-7F83-4917-875F-324F5A4F4255}" type="pres">
-      <dgm:prSet presAssocID="{085F711A-E98E-44D9-8916-1AAF7DEE1605}" presName="spaceRect" presStyleCnt="0"/>
-      <dgm:spPr/>
-    </dgm:pt>
-    <dgm:pt modelId="{B05D4E13-537B-423E-8BC9-19502FC11B24}" type="pres">
-      <dgm:prSet presAssocID="{085F711A-E98E-44D9-8916-1AAF7DEE1605}" presName="parTx" presStyleLbl="revTx" presStyleIdx="1" presStyleCnt="5">
+    <dgm:pt modelId="{5DCC5A96-20E1-3941-8CAB-00D53CFF326A}" type="pres">
+      <dgm:prSet presAssocID="{085F711A-E98E-44D9-8916-1AAF7DEE1605}" presName="parentText" presStyleLbl="node1" presStyleIdx="1" presStyleCnt="5">
         <dgm:presLayoutVars>
           <dgm:chMax val="0"/>
-          <dgm:chPref val="0"/>
+          <dgm:bulletEnabled val="1"/>
         </dgm:presLayoutVars>
       </dgm:prSet>
       <dgm:spPr/>
     </dgm:pt>
-    <dgm:pt modelId="{1A7CDF76-E1EE-47BA-9260-0FE6DC074ECF}" type="pres">
-      <dgm:prSet presAssocID="{71B19766-5D3C-4FB6-A972-87DD9A732667}" presName="sibTrans" presStyleCnt="0"/>
+    <dgm:pt modelId="{8DC369BA-F4D3-B64E-81D7-244F262CE8CE}" type="pres">
+      <dgm:prSet presAssocID="{71B19766-5D3C-4FB6-A972-87DD9A732667}" presName="spacer" presStyleCnt="0"/>
       <dgm:spPr/>
     </dgm:pt>
-    <dgm:pt modelId="{E027CDCC-3C59-4735-8D59-6F44F4F1912B}" type="pres">
-      <dgm:prSet presAssocID="{9BF04D48-1CC6-4839-B8D1-95B4FA3524D9}" presName="compNode" presStyleCnt="0"/>
-      <dgm:spPr/>
-    </dgm:pt>
-    <dgm:pt modelId="{8E901E60-A0BC-4630-A3E1-7AF9040EDEB5}" type="pres">
-      <dgm:prSet presAssocID="{9BF04D48-1CC6-4839-B8D1-95B4FA3524D9}" presName="bgRect" presStyleLbl="bgShp" presStyleIdx="2" presStyleCnt="5"/>
-      <dgm:spPr/>
-    </dgm:pt>
-    <dgm:pt modelId="{1B63AB14-45A5-4D92-BDC5-1AF8F2168565}" type="pres">
-      <dgm:prSet presAssocID="{9BF04D48-1CC6-4839-B8D1-95B4FA3524D9}" presName="iconRect" presStyleLbl="node1" presStyleIdx="2" presStyleCnt="5"/>
-      <dgm:spPr>
-        <a:blipFill>
-          <a:blip xmlns:r="http://schemas.openxmlformats.org/officeDocument/2006/relationships" r:embed="rId3">
-            <a:extLst>
-              <a:ext uri="{28A0092B-C50C-407E-A947-70E740481C1C}">
-                <a14:useLocalDpi xmlns:a14="http://schemas.microsoft.com/office/drawing/2010/main" val="0"/>
-              </a:ext>
-            </a:extLst>
-          </a:blip>
-          <a:srcRect/>
-          <a:stretch>
-            <a:fillRect l="-36000" r="-36000"/>
-          </a:stretch>
-        </a:blipFill>
-        <a:ln>
-          <a:noFill/>
-        </a:ln>
-      </dgm:spPr>
-    </dgm:pt>
-    <dgm:pt modelId="{81AE7731-C118-41A5-B10E-6D8FB9288A7A}" type="pres">
-      <dgm:prSet presAssocID="{9BF04D48-1CC6-4839-B8D1-95B4FA3524D9}" presName="spaceRect" presStyleCnt="0"/>
-      <dgm:spPr/>
-    </dgm:pt>
-    <dgm:pt modelId="{9B84687A-0B98-493F-9105-3FDF8549D724}" type="pres">
-      <dgm:prSet presAssocID="{9BF04D48-1CC6-4839-B8D1-95B4FA3524D9}" presName="parTx" presStyleLbl="revTx" presStyleIdx="2" presStyleCnt="5">
+    <dgm:pt modelId="{EF3A3922-1DED-2F45-BB5D-8C1F62BEA01C}" type="pres">
+      <dgm:prSet presAssocID="{9BF04D48-1CC6-4839-B8D1-95B4FA3524D9}" presName="parentText" presStyleLbl="node1" presStyleIdx="2" presStyleCnt="5">
         <dgm:presLayoutVars>
           <dgm:chMax val="0"/>
-          <dgm:chPref val="0"/>
+          <dgm:bulletEnabled val="1"/>
         </dgm:presLayoutVars>
       </dgm:prSet>
       <dgm:spPr/>
     </dgm:pt>
-    <dgm:pt modelId="{B5EE1E28-57E1-454A-84D8-2BC0B1997949}" type="pres">
-      <dgm:prSet presAssocID="{01144C6F-0F9D-4D43-BBA8-3220226F28E1}" presName="sibTrans" presStyleCnt="0"/>
+    <dgm:pt modelId="{7BDA4BAD-9E29-DE4F-B4D0-45842E6AF152}" type="pres">
+      <dgm:prSet presAssocID="{01144C6F-0F9D-4D43-BBA8-3220226F28E1}" presName="spacer" presStyleCnt="0"/>
       <dgm:spPr/>
     </dgm:pt>
-    <dgm:pt modelId="{83CA058A-389C-4E37-8F6A-AB17FD969A4D}" type="pres">
-      <dgm:prSet presAssocID="{96F870F9-2029-470B-A260-E7E879824B54}" presName="compNode" presStyleCnt="0"/>
-      <dgm:spPr/>
-    </dgm:pt>
-    <dgm:pt modelId="{15CAFF51-36D7-46B2-BCD3-0D909BBE86AD}" type="pres">
-      <dgm:prSet presAssocID="{96F870F9-2029-470B-A260-E7E879824B54}" presName="bgRect" presStyleLbl="bgShp" presStyleIdx="3" presStyleCnt="5" custLinFactNeighborX="-1126" custLinFactNeighborY="3629"/>
-      <dgm:spPr/>
-    </dgm:pt>
-    <dgm:pt modelId="{0B032039-62A1-41AA-890E-D7760D4593FB}" type="pres">
-      <dgm:prSet presAssocID="{96F870F9-2029-470B-A260-E7E879824B54}" presName="iconRect" presStyleLbl="node1" presStyleIdx="3" presStyleCnt="5"/>
-      <dgm:spPr>
-        <a:blipFill>
-          <a:blip xmlns:r="http://schemas.openxmlformats.org/officeDocument/2006/relationships" r:embed="rId4">
-            <a:extLst>
-              <a:ext uri="{28A0092B-C50C-407E-A947-70E740481C1C}">
-                <a14:useLocalDpi xmlns:a14="http://schemas.microsoft.com/office/drawing/2010/main" val="0"/>
-              </a:ext>
-            </a:extLst>
-          </a:blip>
-          <a:srcRect/>
-          <a:stretch>
-            <a:fillRect l="-39000" r="-39000"/>
-          </a:stretch>
-        </a:blipFill>
-        <a:ln>
-          <a:noFill/>
-        </a:ln>
-      </dgm:spPr>
-    </dgm:pt>
-    <dgm:pt modelId="{F080041D-27B9-43EE-B0B8-BEAA2C348F7B}" type="pres">
-      <dgm:prSet presAssocID="{96F870F9-2029-470B-A260-E7E879824B54}" presName="spaceRect" presStyleCnt="0"/>
-      <dgm:spPr/>
-    </dgm:pt>
-    <dgm:pt modelId="{2ED49D5E-FBE4-4B6D-80E1-CA366ABCBBDD}" type="pres">
-      <dgm:prSet presAssocID="{96F870F9-2029-470B-A260-E7E879824B54}" presName="parTx" presStyleLbl="revTx" presStyleIdx="3" presStyleCnt="5">
+    <dgm:pt modelId="{447B64B8-4E27-514E-B6E2-516748A62724}" type="pres">
+      <dgm:prSet presAssocID="{96F870F9-2029-470B-A260-E7E879824B54}" presName="parentText" presStyleLbl="node1" presStyleIdx="3" presStyleCnt="5">
         <dgm:presLayoutVars>
           <dgm:chMax val="0"/>
-          <dgm:chPref val="0"/>
+          <dgm:bulletEnabled val="1"/>
         </dgm:presLayoutVars>
       </dgm:prSet>
       <dgm:spPr/>
     </dgm:pt>
-    <dgm:pt modelId="{2AF2EFE5-6D8E-4370-8868-597DDCABFF71}" type="pres">
-      <dgm:prSet presAssocID="{90DFFEA5-DE81-444C-82F0-13906D034735}" presName="sibTrans" presStyleCnt="0"/>
+    <dgm:pt modelId="{B1285E8A-030D-B94A-886A-A99000825777}" type="pres">
+      <dgm:prSet presAssocID="{90DFFEA5-DE81-444C-82F0-13906D034735}" presName="spacer" presStyleCnt="0"/>
       <dgm:spPr/>
     </dgm:pt>
-    <dgm:pt modelId="{82DDDD80-3359-4A82-A206-3F5710868094}" type="pres">
-      <dgm:prSet presAssocID="{FBD0A0A6-5AEA-4AA5-A9AD-587F212075A4}" presName="compNode" presStyleCnt="0"/>
-      <dgm:spPr/>
-    </dgm:pt>
-    <dgm:pt modelId="{DA169E08-FABA-4D6F-BB73-5304FD44F35A}" type="pres">
-      <dgm:prSet presAssocID="{FBD0A0A6-5AEA-4AA5-A9AD-587F212075A4}" presName="bgRect" presStyleLbl="bgShp" presStyleIdx="4" presStyleCnt="5"/>
-      <dgm:spPr/>
-    </dgm:pt>
-    <dgm:pt modelId="{00ABD3AC-19C8-4ADD-8A01-FDD3A680BDDF}" type="pres">
-      <dgm:prSet presAssocID="{FBD0A0A6-5AEA-4AA5-A9AD-587F212075A4}" presName="iconRect" presStyleLbl="node1" presStyleIdx="4" presStyleCnt="5"/>
-      <dgm:spPr>
-        <a:blipFill>
-          <a:blip xmlns:r="http://schemas.openxmlformats.org/officeDocument/2006/relationships" r:embed="rId5">
-            <a:extLst>
-              <a:ext uri="{28A0092B-C50C-407E-A947-70E740481C1C}">
-                <a14:useLocalDpi xmlns:a14="http://schemas.microsoft.com/office/drawing/2010/main" val="0"/>
-              </a:ext>
-              <a:ext uri="{96DAC541-7B7A-43D3-8B79-37D633B846F1}">
-                <asvg:svgBlip xmlns:asvg="http://schemas.microsoft.com/office/drawing/2016/SVG/main" r:embed="rId6"/>
-              </a:ext>
-            </a:extLst>
-          </a:blip>
-          <a:stretch>
-            <a:fillRect/>
-          </a:stretch>
-        </a:blipFill>
-        <a:ln>
-          <a:noFill/>
-        </a:ln>
-      </dgm:spPr>
-      <dgm:extLst>
-        <a:ext uri="{E40237B7-FDA0-4F09-8148-C483321AD2D9}">
-          <dgm14:cNvPr xmlns:dgm14="http://schemas.microsoft.com/office/drawing/2010/diagram" id="0" name="" descr="Dollar"/>
-        </a:ext>
-      </dgm:extLst>
-    </dgm:pt>
-    <dgm:pt modelId="{BD95493B-761B-4C8D-AD7E-0C0FED34B3EA}" type="pres">
-      <dgm:prSet presAssocID="{FBD0A0A6-5AEA-4AA5-A9AD-587F212075A4}" presName="spaceRect" presStyleCnt="0"/>
-      <dgm:spPr/>
-    </dgm:pt>
-    <dgm:pt modelId="{7F0DE16D-2E3A-49E3-B2F6-75AC1194AEAD}" type="pres">
-      <dgm:prSet presAssocID="{FBD0A0A6-5AEA-4AA5-A9AD-587F212075A4}" presName="parTx" presStyleLbl="revTx" presStyleIdx="4" presStyleCnt="5">
+    <dgm:pt modelId="{6D5C2959-0D2F-A945-9FBB-C260C8F481BA}" type="pres">
+      <dgm:prSet presAssocID="{FBD0A0A6-5AEA-4AA5-A9AD-587F212075A4}" presName="parentText" presStyleLbl="node1" presStyleIdx="4" presStyleCnt="5">
         <dgm:presLayoutVars>
           <dgm:chMax val="0"/>
-          <dgm:chPref val="0"/>
+          <dgm:bulletEnabled val="1"/>
         </dgm:presLayoutVars>
       </dgm:prSet>
       <dgm:spPr/>
     </dgm:pt>
   </dgm:ptLst>
   <dgm:cxnLst>
-    <dgm:cxn modelId="{C9D32F31-5447-40AD-AAD2-EE2B13F7FDEE}" type="presOf" srcId="{085F711A-E98E-44D9-8916-1AAF7DEE1605}" destId="{B05D4E13-537B-423E-8BC9-19502FC11B24}" srcOrd="0" destOrd="0" presId="urn:microsoft.com/office/officeart/2018/2/layout/IconVerticalSolidList"/>
+    <dgm:cxn modelId="{C2E1E630-8F28-6D43-9AA5-FAF9A72DFBC2}" type="presOf" srcId="{FBD0A0A6-5AEA-4AA5-A9AD-587F212075A4}" destId="{6D5C2959-0D2F-A945-9FBB-C260C8F481BA}" srcOrd="0" destOrd="0" presId="urn:microsoft.com/office/officeart/2005/8/layout/vList2"/>
+    <dgm:cxn modelId="{EEA0CB3A-8237-7C41-A204-18ECC37E7FD1}" type="presOf" srcId="{A15AA906-191F-4549-8436-FEBEA94677CB}" destId="{33B43129-3725-8748-BD5F-7758A7DE3FC4}" srcOrd="0" destOrd="0" presId="urn:microsoft.com/office/officeart/2005/8/layout/vList2"/>
+    <dgm:cxn modelId="{524E7647-98C3-42F1-BD5B-BA6318FF2019}" srcId="{A15AA906-191F-4549-8436-FEBEA94677CB}" destId="{085F711A-E98E-44D9-8916-1AAF7DEE1605}" srcOrd="1" destOrd="0" parTransId="{289A7E90-80B2-4526-BD64-37C430D0F225}" sibTransId="{71B19766-5D3C-4FB6-A972-87DD9A732667}"/>
+    <dgm:cxn modelId="{E7F93557-33E1-2C48-B8DD-EAE1CC17D569}" type="presOf" srcId="{96F870F9-2029-470B-A260-E7E879824B54}" destId="{447B64B8-4E27-514E-B6E2-516748A62724}" srcOrd="0" destOrd="0" presId="urn:microsoft.com/office/officeart/2005/8/layout/vList2"/>
     <dgm:cxn modelId="{71E08B5C-67F7-4A7B-BEB4-7C969FBACE54}" srcId="{A15AA906-191F-4549-8436-FEBEA94677CB}" destId="{9BF04D48-1CC6-4839-B8D1-95B4FA3524D9}" srcOrd="2" destOrd="0" parTransId="{1E1A71A2-066E-423E-ACA7-E558022CC34E}" sibTransId="{01144C6F-0F9D-4D43-BBA8-3220226F28E1}"/>
-    <dgm:cxn modelId="{524E7647-98C3-42F1-BD5B-BA6318FF2019}" srcId="{A15AA906-191F-4549-8436-FEBEA94677CB}" destId="{085F711A-E98E-44D9-8916-1AAF7DEE1605}" srcOrd="1" destOrd="0" parTransId="{289A7E90-80B2-4526-BD64-37C430D0F225}" sibTransId="{71B19766-5D3C-4FB6-A972-87DD9A732667}"/>
     <dgm:cxn modelId="{547BFC72-BC89-4F28-A31A-CB48A1DA7062}" srcId="{A15AA906-191F-4549-8436-FEBEA94677CB}" destId="{96F870F9-2029-470B-A260-E7E879824B54}" srcOrd="3" destOrd="0" parTransId="{F2F672B7-6EA9-4676-B8C5-3831897BC4B8}" sibTransId="{90DFFEA5-DE81-444C-82F0-13906D034735}"/>
-    <dgm:cxn modelId="{B8AEA07E-25E4-4B35-AA3D-A2E2DD3CAE7B}" type="presOf" srcId="{26E85509-46FC-432E-8583-625DACFDA84D}" destId="{3C6FEEC7-6332-4D9F-81F1-AF0D341C7A0D}" srcOrd="0" destOrd="0" presId="urn:microsoft.com/office/officeart/2018/2/layout/IconVerticalSolidList"/>
-    <dgm:cxn modelId="{C1733B8D-AE8E-4754-94E6-BA3850D56A63}" type="presOf" srcId="{A15AA906-191F-4549-8436-FEBEA94677CB}" destId="{3E00E3F1-79A8-413D-BFDA-BA0C59D16F40}" srcOrd="0" destOrd="0" presId="urn:microsoft.com/office/officeart/2018/2/layout/IconVerticalSolidList"/>
     <dgm:cxn modelId="{1F577B9B-4F5A-471D-8038-926CAC768F7A}" srcId="{A15AA906-191F-4549-8436-FEBEA94677CB}" destId="{26E85509-46FC-432E-8583-625DACFDA84D}" srcOrd="0" destOrd="0" parTransId="{52583981-7684-4AA0-8B99-302D3102B31B}" sibTransId="{F7786CC6-578E-4E80-B3DC-1422747C4EBA}"/>
-    <dgm:cxn modelId="{F35F319C-76CC-4A7B-A47D-A7A9764B28EA}" type="presOf" srcId="{9BF04D48-1CC6-4839-B8D1-95B4FA3524D9}" destId="{9B84687A-0B98-493F-9105-3FDF8549D724}" srcOrd="0" destOrd="0" presId="urn:microsoft.com/office/officeart/2018/2/layout/IconVerticalSolidList"/>
-    <dgm:cxn modelId="{380FC2C1-6F7A-44D5-BF9B-09641F51C365}" type="presOf" srcId="{96F870F9-2029-470B-A260-E7E879824B54}" destId="{2ED49D5E-FBE4-4B6D-80E1-CA366ABCBBDD}" srcOrd="0" destOrd="0" presId="urn:microsoft.com/office/officeart/2018/2/layout/IconVerticalSolidList"/>
-    <dgm:cxn modelId="{CA37DEE7-BFF1-4630-B1BA-471798739B49}" type="presOf" srcId="{FBD0A0A6-5AEA-4AA5-A9AD-587F212075A4}" destId="{7F0DE16D-2E3A-49E3-B2F6-75AC1194AEAD}" srcOrd="0" destOrd="0" presId="urn:microsoft.com/office/officeart/2018/2/layout/IconVerticalSolidList"/>
+    <dgm:cxn modelId="{7BD15A9D-67F9-1D42-9591-0FC1BE5A589D}" type="presOf" srcId="{085F711A-E98E-44D9-8916-1AAF7DEE1605}" destId="{5DCC5A96-20E1-3941-8CAB-00D53CFF326A}" srcOrd="0" destOrd="0" presId="urn:microsoft.com/office/officeart/2005/8/layout/vList2"/>
+    <dgm:cxn modelId="{8F311CF2-829F-664D-BD90-CD7F542B4945}" type="presOf" srcId="{26E85509-46FC-432E-8583-625DACFDA84D}" destId="{893ADDC2-4125-9A45-BD31-550DC5D1A057}" srcOrd="0" destOrd="0" presId="urn:microsoft.com/office/officeart/2005/8/layout/vList2"/>
     <dgm:cxn modelId="{6A3DDEF2-078E-4A6D-B5F4-08EBFBACE219}" srcId="{A15AA906-191F-4549-8436-FEBEA94677CB}" destId="{FBD0A0A6-5AEA-4AA5-A9AD-587F212075A4}" srcOrd="4" destOrd="0" parTransId="{F3B1A976-5CBD-4D25-908C-A73DCD406B5D}" sibTransId="{7E964D5E-04FB-47FB-BB85-796E6EA78431}"/>
-    <dgm:cxn modelId="{85D0D1AF-EEC7-448C-A0AC-BF695A1C1342}" type="presParOf" srcId="{3E00E3F1-79A8-413D-BFDA-BA0C59D16F40}" destId="{4E8F869E-B6A7-486B-85B7-5D2E287596A0}" srcOrd="0" destOrd="0" presId="urn:microsoft.com/office/officeart/2018/2/layout/IconVerticalSolidList"/>
-    <dgm:cxn modelId="{B549A468-218A-417C-9085-83CC3855790E}" type="presParOf" srcId="{4E8F869E-B6A7-486B-85B7-5D2E287596A0}" destId="{19B384F3-15AF-4120-B309-CFFAB180E709}" srcOrd="0" destOrd="0" presId="urn:microsoft.com/office/officeart/2018/2/layout/IconVerticalSolidList"/>
-    <dgm:cxn modelId="{6935C11E-2AB4-4FDE-A193-87030AD2F05C}" type="presParOf" srcId="{4E8F869E-B6A7-486B-85B7-5D2E287596A0}" destId="{7B9F1DAD-E335-4232-9746-35328F73017C}" srcOrd="1" destOrd="0" presId="urn:microsoft.com/office/officeart/2018/2/layout/IconVerticalSolidList"/>
-    <dgm:cxn modelId="{6E128730-299B-4BA7-9024-B919919333A2}" type="presParOf" srcId="{4E8F869E-B6A7-486B-85B7-5D2E287596A0}" destId="{D20CC303-5779-4B80-BF7C-E9D6C279D2F8}" srcOrd="2" destOrd="0" presId="urn:microsoft.com/office/officeart/2018/2/layout/IconVerticalSolidList"/>
-    <dgm:cxn modelId="{134CF9F6-491F-47D5-9DCD-330D81529C1B}" type="presParOf" srcId="{4E8F869E-B6A7-486B-85B7-5D2E287596A0}" destId="{3C6FEEC7-6332-4D9F-81F1-AF0D341C7A0D}" srcOrd="3" destOrd="0" presId="urn:microsoft.com/office/officeart/2018/2/layout/IconVerticalSolidList"/>
-    <dgm:cxn modelId="{9FE3CA12-523F-4422-BA12-96198596ED48}" type="presParOf" srcId="{3E00E3F1-79A8-413D-BFDA-BA0C59D16F40}" destId="{ABCBE4F8-7AF8-4360-8D68-CDF44355ABFC}" srcOrd="1" destOrd="0" presId="urn:microsoft.com/office/officeart/2018/2/layout/IconVerticalSolidList"/>
-    <dgm:cxn modelId="{F377AA26-6DF8-435B-8A30-6A1099D86229}" type="presParOf" srcId="{3E00E3F1-79A8-413D-BFDA-BA0C59D16F40}" destId="{1FCF59BC-84AE-44AA-895E-0340313F9A26}" srcOrd="2" destOrd="0" presId="urn:microsoft.com/office/officeart/2018/2/layout/IconVerticalSolidList"/>
-    <dgm:cxn modelId="{2EB38E8D-A310-43C9-801D-5862D6B1AD76}" type="presParOf" srcId="{1FCF59BC-84AE-44AA-895E-0340313F9A26}" destId="{2A343835-2067-4C9A-BD81-E0AAB5A5AC15}" srcOrd="0" destOrd="0" presId="urn:microsoft.com/office/officeart/2018/2/layout/IconVerticalSolidList"/>
-    <dgm:cxn modelId="{5184A76D-072E-4509-8F27-2DD4DB7B5C77}" type="presParOf" srcId="{1FCF59BC-84AE-44AA-895E-0340313F9A26}" destId="{B920F79D-91F6-4A66-824F-A50F1CF8EB5C}" srcOrd="1" destOrd="0" presId="urn:microsoft.com/office/officeart/2018/2/layout/IconVerticalSolidList"/>
-    <dgm:cxn modelId="{E9627A96-0CB0-4FE4-BEDD-2BD889C582CC}" type="presParOf" srcId="{1FCF59BC-84AE-44AA-895E-0340313F9A26}" destId="{5498CB93-7F83-4917-875F-324F5A4F4255}" srcOrd="2" destOrd="0" presId="urn:microsoft.com/office/officeart/2018/2/layout/IconVerticalSolidList"/>
-    <dgm:cxn modelId="{F5F525D5-CA18-45B9-8CF1-1D9ADD66817B}" type="presParOf" srcId="{1FCF59BC-84AE-44AA-895E-0340313F9A26}" destId="{B05D4E13-537B-423E-8BC9-19502FC11B24}" srcOrd="3" destOrd="0" presId="urn:microsoft.com/office/officeart/2018/2/layout/IconVerticalSolidList"/>
-    <dgm:cxn modelId="{920B732F-97F2-4600-8921-1517E3818E0B}" type="presParOf" srcId="{3E00E3F1-79A8-413D-BFDA-BA0C59D16F40}" destId="{1A7CDF76-E1EE-47BA-9260-0FE6DC074ECF}" srcOrd="3" destOrd="0" presId="urn:microsoft.com/office/officeart/2018/2/layout/IconVerticalSolidList"/>
-    <dgm:cxn modelId="{48E3EB7C-D77A-4337-BD09-C1BA1813A7A3}" type="presParOf" srcId="{3E00E3F1-79A8-413D-BFDA-BA0C59D16F40}" destId="{E027CDCC-3C59-4735-8D59-6F44F4F1912B}" srcOrd="4" destOrd="0" presId="urn:microsoft.com/office/officeart/2018/2/layout/IconVerticalSolidList"/>
-    <dgm:cxn modelId="{A2AEAF99-E624-446D-83D8-2A25C7FFB010}" type="presParOf" srcId="{E027CDCC-3C59-4735-8D59-6F44F4F1912B}" destId="{8E901E60-A0BC-4630-A3E1-7AF9040EDEB5}" srcOrd="0" destOrd="0" presId="urn:microsoft.com/office/officeart/2018/2/layout/IconVerticalSolidList"/>
-    <dgm:cxn modelId="{57CED2BA-C9F3-4D18-B0EB-93A2A8CCE49C}" type="presParOf" srcId="{E027CDCC-3C59-4735-8D59-6F44F4F1912B}" destId="{1B63AB14-45A5-4D92-BDC5-1AF8F2168565}" srcOrd="1" destOrd="0" presId="urn:microsoft.com/office/officeart/2018/2/layout/IconVerticalSolidList"/>
-    <dgm:cxn modelId="{9C22CEED-66EB-4B53-A2D4-0C6ADECF9493}" type="presParOf" srcId="{E027CDCC-3C59-4735-8D59-6F44F4F1912B}" destId="{81AE7731-C118-41A5-B10E-6D8FB9288A7A}" srcOrd="2" destOrd="0" presId="urn:microsoft.com/office/officeart/2018/2/layout/IconVerticalSolidList"/>
-    <dgm:cxn modelId="{FF87D0E8-3C84-4720-944C-CCD6AF5128FB}" type="presParOf" srcId="{E027CDCC-3C59-4735-8D59-6F44F4F1912B}" destId="{9B84687A-0B98-493F-9105-3FDF8549D724}" srcOrd="3" destOrd="0" presId="urn:microsoft.com/office/officeart/2018/2/layout/IconVerticalSolidList"/>
-    <dgm:cxn modelId="{DA9B3E99-2544-4D40-AAE6-4C850C9BCEA5}" type="presParOf" srcId="{3E00E3F1-79A8-413D-BFDA-BA0C59D16F40}" destId="{B5EE1E28-57E1-454A-84D8-2BC0B1997949}" srcOrd="5" destOrd="0" presId="urn:microsoft.com/office/officeart/2018/2/layout/IconVerticalSolidList"/>
-    <dgm:cxn modelId="{697A5D9E-5CEE-4127-B7A6-A91470D0E913}" type="presParOf" srcId="{3E00E3F1-79A8-413D-BFDA-BA0C59D16F40}" destId="{83CA058A-389C-4E37-8F6A-AB17FD969A4D}" srcOrd="6" destOrd="0" presId="urn:microsoft.com/office/officeart/2018/2/layout/IconVerticalSolidList"/>
-    <dgm:cxn modelId="{496C922E-5902-4260-9B37-1275FE253BD5}" type="presParOf" srcId="{83CA058A-389C-4E37-8F6A-AB17FD969A4D}" destId="{15CAFF51-36D7-46B2-BCD3-0D909BBE86AD}" srcOrd="0" destOrd="0" presId="urn:microsoft.com/office/officeart/2018/2/layout/IconVerticalSolidList"/>
-    <dgm:cxn modelId="{719B153C-47C9-44A9-8C0C-5BD457F9F402}" type="presParOf" srcId="{83CA058A-389C-4E37-8F6A-AB17FD969A4D}" destId="{0B032039-62A1-41AA-890E-D7760D4593FB}" srcOrd="1" destOrd="0" presId="urn:microsoft.com/office/officeart/2018/2/layout/IconVerticalSolidList"/>
-    <dgm:cxn modelId="{4F4F96E7-3CF9-4431-B5AE-73BA2669EB46}" type="presParOf" srcId="{83CA058A-389C-4E37-8F6A-AB17FD969A4D}" destId="{F080041D-27B9-43EE-B0B8-BEAA2C348F7B}" srcOrd="2" destOrd="0" presId="urn:microsoft.com/office/officeart/2018/2/layout/IconVerticalSolidList"/>
-    <dgm:cxn modelId="{30D962EB-938D-4439-A4B7-07199E42E9B4}" type="presParOf" srcId="{83CA058A-389C-4E37-8F6A-AB17FD969A4D}" destId="{2ED49D5E-FBE4-4B6D-80E1-CA366ABCBBDD}" srcOrd="3" destOrd="0" presId="urn:microsoft.com/office/officeart/2018/2/layout/IconVerticalSolidList"/>
-    <dgm:cxn modelId="{DCC71CCC-FFCF-4113-8F65-D64BC14FE245}" type="presParOf" srcId="{3E00E3F1-79A8-413D-BFDA-BA0C59D16F40}" destId="{2AF2EFE5-6D8E-4370-8868-597DDCABFF71}" srcOrd="7" destOrd="0" presId="urn:microsoft.com/office/officeart/2018/2/layout/IconVerticalSolidList"/>
-    <dgm:cxn modelId="{7FF5E249-D300-4377-8D38-B896ADD1FC28}" type="presParOf" srcId="{3E00E3F1-79A8-413D-BFDA-BA0C59D16F40}" destId="{82DDDD80-3359-4A82-A206-3F5710868094}" srcOrd="8" destOrd="0" presId="urn:microsoft.com/office/officeart/2018/2/layout/IconVerticalSolidList"/>
-    <dgm:cxn modelId="{694956E3-BEEB-47DA-BB3A-018C0B9187CA}" type="presParOf" srcId="{82DDDD80-3359-4A82-A206-3F5710868094}" destId="{DA169E08-FABA-4D6F-BB73-5304FD44F35A}" srcOrd="0" destOrd="0" presId="urn:microsoft.com/office/officeart/2018/2/layout/IconVerticalSolidList"/>
-    <dgm:cxn modelId="{A10E09ED-CB79-4CD7-A13B-9E4375D868D8}" type="presParOf" srcId="{82DDDD80-3359-4A82-A206-3F5710868094}" destId="{00ABD3AC-19C8-4ADD-8A01-FDD3A680BDDF}" srcOrd="1" destOrd="0" presId="urn:microsoft.com/office/officeart/2018/2/layout/IconVerticalSolidList"/>
-    <dgm:cxn modelId="{4617B85B-5216-4EF2-8184-EFA6491DC5C6}" type="presParOf" srcId="{82DDDD80-3359-4A82-A206-3F5710868094}" destId="{BD95493B-761B-4C8D-AD7E-0C0FED34B3EA}" srcOrd="2" destOrd="0" presId="urn:microsoft.com/office/officeart/2018/2/layout/IconVerticalSolidList"/>
-    <dgm:cxn modelId="{3AA2015D-1A6D-4BBB-858A-2DA12B13BB82}" type="presParOf" srcId="{82DDDD80-3359-4A82-A206-3F5710868094}" destId="{7F0DE16D-2E3A-49E3-B2F6-75AC1194AEAD}" srcOrd="3" destOrd="0" presId="urn:microsoft.com/office/officeart/2018/2/layout/IconVerticalSolidList"/>
+    <dgm:cxn modelId="{B03C9BFB-7375-554A-A9FE-A3A922E5777A}" type="presOf" srcId="{9BF04D48-1CC6-4839-B8D1-95B4FA3524D9}" destId="{EF3A3922-1DED-2F45-BB5D-8C1F62BEA01C}" srcOrd="0" destOrd="0" presId="urn:microsoft.com/office/officeart/2005/8/layout/vList2"/>
+    <dgm:cxn modelId="{218137B4-E52F-9040-BAFA-0A20899B1E41}" type="presParOf" srcId="{33B43129-3725-8748-BD5F-7758A7DE3FC4}" destId="{893ADDC2-4125-9A45-BD31-550DC5D1A057}" srcOrd="0" destOrd="0" presId="urn:microsoft.com/office/officeart/2005/8/layout/vList2"/>
+    <dgm:cxn modelId="{D4CF075A-0EB9-9442-8679-94B01A656E91}" type="presParOf" srcId="{33B43129-3725-8748-BD5F-7758A7DE3FC4}" destId="{1069050D-4256-F443-AFA3-3D720289D430}" srcOrd="1" destOrd="0" presId="urn:microsoft.com/office/officeart/2005/8/layout/vList2"/>
+    <dgm:cxn modelId="{2E14ECD4-2C9C-5043-B904-22F56899A2D2}" type="presParOf" srcId="{33B43129-3725-8748-BD5F-7758A7DE3FC4}" destId="{5DCC5A96-20E1-3941-8CAB-00D53CFF326A}" srcOrd="2" destOrd="0" presId="urn:microsoft.com/office/officeart/2005/8/layout/vList2"/>
+    <dgm:cxn modelId="{57C227D4-9241-FB42-8525-4CF8D2484C46}" type="presParOf" srcId="{33B43129-3725-8748-BD5F-7758A7DE3FC4}" destId="{8DC369BA-F4D3-B64E-81D7-244F262CE8CE}" srcOrd="3" destOrd="0" presId="urn:microsoft.com/office/officeart/2005/8/layout/vList2"/>
+    <dgm:cxn modelId="{6C48A4B7-E4DD-9948-B540-1EB9C3AD36E6}" type="presParOf" srcId="{33B43129-3725-8748-BD5F-7758A7DE3FC4}" destId="{EF3A3922-1DED-2F45-BB5D-8C1F62BEA01C}" srcOrd="4" destOrd="0" presId="urn:microsoft.com/office/officeart/2005/8/layout/vList2"/>
+    <dgm:cxn modelId="{17EA89EF-3957-5B4C-84C3-6747DFBCE9BC}" type="presParOf" srcId="{33B43129-3725-8748-BD5F-7758A7DE3FC4}" destId="{7BDA4BAD-9E29-DE4F-B4D0-45842E6AF152}" srcOrd="5" destOrd="0" presId="urn:microsoft.com/office/officeart/2005/8/layout/vList2"/>
+    <dgm:cxn modelId="{618BF274-8DDC-E648-8C90-3A2E5CA7C30E}" type="presParOf" srcId="{33B43129-3725-8748-BD5F-7758A7DE3FC4}" destId="{447B64B8-4E27-514E-B6E2-516748A62724}" srcOrd="6" destOrd="0" presId="urn:microsoft.com/office/officeart/2005/8/layout/vList2"/>
+    <dgm:cxn modelId="{BDC52BDC-EE59-3A4B-889D-8AFB94AACA6B}" type="presParOf" srcId="{33B43129-3725-8748-BD5F-7758A7DE3FC4}" destId="{B1285E8A-030D-B94A-886A-A99000825777}" srcOrd="7" destOrd="0" presId="urn:microsoft.com/office/officeart/2005/8/layout/vList2"/>
+    <dgm:cxn modelId="{68F047A1-E282-0445-92BA-8948D41C2B74}" type="presParOf" srcId="{33B43129-3725-8748-BD5F-7758A7DE3FC4}" destId="{6D5C2959-0D2F-A945-9FBB-C260C8F481BA}" srcOrd="8" destOrd="0" presId="urn:microsoft.com/office/officeart/2005/8/layout/vList2"/>
   </dgm:cxnLst>
   <dgm:bg/>
   <dgm:whole/>
   <dgm:extLst>
     <a:ext uri="http://schemas.microsoft.com/office/drawing/2008/diagram">
-      <dsp:dataModelExt xmlns:dsp="http://schemas.microsoft.com/office/drawing/2008/diagram" relId="rId7" minVer="http://schemas.openxmlformats.org/drawingml/2006/diagram"/>
+      <dsp:dataModelExt xmlns:dsp="http://schemas.microsoft.com/office/drawing/2008/diagram" relId="rId8" minVer="http://schemas.openxmlformats.org/drawingml/2006/diagram"/>
     </a:ext>
   </dgm:extLst>
 </dgm:dataModel>
@@ -1589,132 +1258,61 @@
       <dsp:cNvGrpSpPr/>
     </dsp:nvGrpSpPr>
     <dsp:grpSpPr/>
-    <dsp:sp modelId="{19B384F3-15AF-4120-B309-CFFAB180E709}">
+    <dsp:sp modelId="{893ADDC2-4125-9A45-BD31-550DC5D1A057}">
       <dsp:nvSpPr>
         <dsp:cNvPr id="0" name=""/>
         <dsp:cNvSpPr/>
       </dsp:nvSpPr>
       <dsp:spPr>
         <a:xfrm>
-          <a:off x="0" y="4163"/>
-          <a:ext cx="6208437" cy="886730"/>
+          <a:off x="0" y="57473"/>
+          <a:ext cx="5759656" cy="863460"/>
         </a:xfrm>
         <a:prstGeom prst="roundRect">
-          <a:avLst>
-            <a:gd name="adj" fmla="val 10000"/>
-          </a:avLst>
+          <a:avLst/>
         </a:prstGeom>
         <a:solidFill>
-          <a:schemeClr val="accent2">
+          <a:schemeClr val="accent5">
             <a:hueOff val="0"/>
             <a:satOff val="0"/>
             <a:lumOff val="0"/>
             <a:alphaOff val="0"/>
           </a:schemeClr>
         </a:solidFill>
-        <a:ln>
-          <a:noFill/>
+        <a:ln w="25400" cap="flat" cmpd="sng" algn="ctr">
+          <a:solidFill>
+            <a:schemeClr val="lt1">
+              <a:hueOff val="0"/>
+              <a:satOff val="0"/>
+              <a:lumOff val="0"/>
+              <a:alphaOff val="0"/>
+            </a:schemeClr>
+          </a:solidFill>
+          <a:prstDash val="solid"/>
         </a:ln>
         <a:effectLst/>
       </dsp:spPr>
       <dsp:style>
-        <a:lnRef idx="0">
+        <a:lnRef idx="3">
           <a:scrgbClr r="0" g="0" b="0"/>
         </a:lnRef>
         <a:fillRef idx="1">
           <a:scrgbClr r="0" g="0" b="0"/>
         </a:fillRef>
-        <a:effectRef idx="0">
-          <a:scrgbClr r="0" g="0" b="0"/>
-        </a:effectRef>
-        <a:fontRef idx="minor"/>
-      </dsp:style>
-    </dsp:sp>
-    <dsp:sp modelId="{7B9F1DAD-E335-4232-9746-35328F73017C}">
-      <dsp:nvSpPr>
-        <dsp:cNvPr id="0" name=""/>
-        <dsp:cNvSpPr/>
-      </dsp:nvSpPr>
-      <dsp:spPr>
-        <a:xfrm>
-          <a:off x="268235" y="203677"/>
-          <a:ext cx="487701" cy="487701"/>
-        </a:xfrm>
-        <a:prstGeom prst="rect">
-          <a:avLst/>
-        </a:prstGeom>
-        <a:blipFill>
-          <a:blip xmlns:r="http://schemas.openxmlformats.org/officeDocument/2006/relationships" r:embed="rId1">
-            <a:extLst>
-              <a:ext uri="{28A0092B-C50C-407E-A947-70E740481C1C}">
-                <a14:useLocalDpi xmlns:a14="http://schemas.microsoft.com/office/drawing/2010/main" val="0"/>
-              </a:ext>
-            </a:extLst>
-          </a:blip>
-          <a:srcRect/>
-          <a:stretch>
-            <a:fillRect l="-25000" r="-25000"/>
-          </a:stretch>
-        </a:blipFill>
-        <a:ln w="19050" cap="flat" cmpd="sng" algn="ctr">
-          <a:noFill/>
-          <a:prstDash val="solid"/>
-        </a:ln>
-        <a:effectLst/>
-      </dsp:spPr>
-      <dsp:style>
-        <a:lnRef idx="2">
-          <a:scrgbClr r="0" g="0" b="0"/>
-        </a:lnRef>
-        <a:fillRef idx="1">
-          <a:scrgbClr r="0" g="0" b="0"/>
-        </a:fillRef>
-        <a:effectRef idx="0">
+        <a:effectRef idx="1">
           <a:scrgbClr r="0" g="0" b="0"/>
         </a:effectRef>
         <a:fontRef idx="minor">
           <a:schemeClr val="lt1"/>
         </a:fontRef>
       </dsp:style>
-    </dsp:sp>
-    <dsp:sp modelId="{3C6FEEC7-6332-4D9F-81F1-AF0D341C7A0D}">
-      <dsp:nvSpPr>
-        <dsp:cNvPr id="0" name=""/>
-        <dsp:cNvSpPr/>
-      </dsp:nvSpPr>
-      <dsp:spPr>
-        <a:xfrm>
-          <a:off x="1024173" y="4163"/>
-          <a:ext cx="5184263" cy="886730"/>
-        </a:xfrm>
-        <a:prstGeom prst="rect">
-          <a:avLst/>
-        </a:prstGeom>
-        <a:noFill/>
-        <a:ln>
-          <a:noFill/>
-        </a:ln>
-        <a:effectLst/>
-      </dsp:spPr>
-      <dsp:style>
-        <a:lnRef idx="0">
-          <a:scrgbClr r="0" g="0" b="0"/>
-        </a:lnRef>
-        <a:fillRef idx="0">
-          <a:scrgbClr r="0" g="0" b="0"/>
-        </a:fillRef>
-        <a:effectRef idx="0">
-          <a:scrgbClr r="0" g="0" b="0"/>
-        </a:effectRef>
-        <a:fontRef idx="minor"/>
-      </dsp:style>
       <dsp:txBody>
-        <a:bodyPr spcFirstLastPara="0" vert="horz" wrap="square" lIns="93846" tIns="93846" rIns="93846" bIns="93846" numCol="1" spcCol="1270" anchor="ctr" anchorCtr="0">
+        <a:bodyPr spcFirstLastPara="0" vert="horz" wrap="square" lIns="137160" tIns="137160" rIns="137160" bIns="137160" numCol="1" spcCol="1270" anchor="ctr" anchorCtr="0">
           <a:noAutofit/>
         </a:bodyPr>
         <a:lstStyle/>
         <a:p>
-          <a:pPr marL="0" lvl="0" indent="0" algn="l" defTabSz="844550">
+          <a:pPr marL="0" lvl="0" indent="0" algn="l" defTabSz="1600200">
             <a:lnSpc>
               <a:spcPct val="90000"/>
             </a:lnSpc>
@@ -1727,7 +1325,7 @@
             <a:buNone/>
           </a:pPr>
           <a:r>
-            <a:rPr lang="en-US" sz="1900" kern="1200" dirty="0">
+            <a:rPr lang="en-US" sz="3600" kern="1200" dirty="0">
               <a:latin typeface="Calibri" panose="020F0502020204030204" pitchFamily="34" charset="0"/>
               <a:cs typeface="Calibri" panose="020F0502020204030204" pitchFamily="34" charset="0"/>
             </a:rPr>
@@ -1736,136 +1334,65 @@
         </a:p>
       </dsp:txBody>
       <dsp:txXfrm>
-        <a:off x="1024173" y="4163"/>
-        <a:ext cx="5184263" cy="886730"/>
+        <a:off x="42151" y="99624"/>
+        <a:ext cx="5675354" cy="779158"/>
       </dsp:txXfrm>
     </dsp:sp>
-    <dsp:sp modelId="{2A343835-2067-4C9A-BD81-E0AAB5A5AC15}">
+    <dsp:sp modelId="{5DCC5A96-20E1-3941-8CAB-00D53CFF326A}">
       <dsp:nvSpPr>
         <dsp:cNvPr id="0" name=""/>
         <dsp:cNvSpPr/>
       </dsp:nvSpPr>
       <dsp:spPr>
         <a:xfrm>
-          <a:off x="0" y="1112575"/>
-          <a:ext cx="6208437" cy="886730"/>
+          <a:off x="0" y="1024613"/>
+          <a:ext cx="5759656" cy="863460"/>
         </a:xfrm>
         <a:prstGeom prst="roundRect">
-          <a:avLst>
-            <a:gd name="adj" fmla="val 10000"/>
-          </a:avLst>
+          <a:avLst/>
         </a:prstGeom>
         <a:solidFill>
-          <a:schemeClr val="accent3">
-            <a:hueOff val="0"/>
-            <a:satOff val="0"/>
-            <a:lumOff val="0"/>
+          <a:schemeClr val="accent5">
+            <a:hueOff val="4782880"/>
+            <a:satOff val="-6234"/>
+            <a:lumOff val="-1569"/>
             <a:alphaOff val="0"/>
           </a:schemeClr>
         </a:solidFill>
-        <a:ln>
-          <a:noFill/>
+        <a:ln w="25400" cap="flat" cmpd="sng" algn="ctr">
+          <a:solidFill>
+            <a:schemeClr val="lt1">
+              <a:hueOff val="0"/>
+              <a:satOff val="0"/>
+              <a:lumOff val="0"/>
+              <a:alphaOff val="0"/>
+            </a:schemeClr>
+          </a:solidFill>
+          <a:prstDash val="solid"/>
         </a:ln>
         <a:effectLst/>
       </dsp:spPr>
       <dsp:style>
-        <a:lnRef idx="0">
+        <a:lnRef idx="3">
           <a:scrgbClr r="0" g="0" b="0"/>
         </a:lnRef>
         <a:fillRef idx="1">
           <a:scrgbClr r="0" g="0" b="0"/>
         </a:fillRef>
-        <a:effectRef idx="0">
-          <a:scrgbClr r="0" g="0" b="0"/>
-        </a:effectRef>
-        <a:fontRef idx="minor"/>
-      </dsp:style>
-    </dsp:sp>
-    <dsp:sp modelId="{B920F79D-91F6-4A66-824F-A50F1CF8EB5C}">
-      <dsp:nvSpPr>
-        <dsp:cNvPr id="0" name=""/>
-        <dsp:cNvSpPr/>
-      </dsp:nvSpPr>
-      <dsp:spPr>
-        <a:xfrm>
-          <a:off x="268235" y="1312090"/>
-          <a:ext cx="487701" cy="487701"/>
-        </a:xfrm>
-        <a:prstGeom prst="rect">
-          <a:avLst/>
-        </a:prstGeom>
-        <a:blipFill>
-          <a:blip xmlns:r="http://schemas.openxmlformats.org/officeDocument/2006/relationships" r:embed="rId2">
-            <a:extLst>
-              <a:ext uri="{28A0092B-C50C-407E-A947-70E740481C1C}">
-                <a14:useLocalDpi xmlns:a14="http://schemas.microsoft.com/office/drawing/2010/main" val="0"/>
-              </a:ext>
-            </a:extLst>
-          </a:blip>
-          <a:srcRect/>
-          <a:stretch>
-            <a:fillRect/>
-          </a:stretch>
-        </a:blipFill>
-        <a:ln w="19050" cap="flat" cmpd="sng" algn="ctr">
-          <a:noFill/>
-          <a:prstDash val="solid"/>
-        </a:ln>
-        <a:effectLst/>
-      </dsp:spPr>
-      <dsp:style>
-        <a:lnRef idx="2">
-          <a:scrgbClr r="0" g="0" b="0"/>
-        </a:lnRef>
-        <a:fillRef idx="1">
-          <a:scrgbClr r="0" g="0" b="0"/>
-        </a:fillRef>
-        <a:effectRef idx="0">
+        <a:effectRef idx="1">
           <a:scrgbClr r="0" g="0" b="0"/>
         </a:effectRef>
         <a:fontRef idx="minor">
           <a:schemeClr val="lt1"/>
         </a:fontRef>
       </dsp:style>
-    </dsp:sp>
-    <dsp:sp modelId="{B05D4E13-537B-423E-8BC9-19502FC11B24}">
-      <dsp:nvSpPr>
-        <dsp:cNvPr id="0" name=""/>
-        <dsp:cNvSpPr/>
-      </dsp:nvSpPr>
-      <dsp:spPr>
-        <a:xfrm>
-          <a:off x="1024173" y="1112575"/>
-          <a:ext cx="5184263" cy="886730"/>
-        </a:xfrm>
-        <a:prstGeom prst="rect">
-          <a:avLst/>
-        </a:prstGeom>
-        <a:noFill/>
-        <a:ln>
-          <a:noFill/>
-        </a:ln>
-        <a:effectLst/>
-      </dsp:spPr>
-      <dsp:style>
-        <a:lnRef idx="0">
-          <a:scrgbClr r="0" g="0" b="0"/>
-        </a:lnRef>
-        <a:fillRef idx="0">
-          <a:scrgbClr r="0" g="0" b="0"/>
-        </a:fillRef>
-        <a:effectRef idx="0">
-          <a:scrgbClr r="0" g="0" b="0"/>
-        </a:effectRef>
-        <a:fontRef idx="minor"/>
-      </dsp:style>
       <dsp:txBody>
-        <a:bodyPr spcFirstLastPara="0" vert="horz" wrap="square" lIns="93846" tIns="93846" rIns="93846" bIns="93846" numCol="1" spcCol="1270" anchor="ctr" anchorCtr="0">
+        <a:bodyPr spcFirstLastPara="0" vert="horz" wrap="square" lIns="137160" tIns="137160" rIns="137160" bIns="137160" numCol="1" spcCol="1270" anchor="ctr" anchorCtr="0">
           <a:noAutofit/>
         </a:bodyPr>
         <a:lstStyle/>
         <a:p>
-          <a:pPr marL="0" lvl="0" indent="0" algn="l" defTabSz="844550">
+          <a:pPr marL="0" lvl="0" indent="0" algn="l" defTabSz="1600200">
             <a:lnSpc>
               <a:spcPct val="90000"/>
             </a:lnSpc>
@@ -1878,7 +1405,7 @@
             <a:buNone/>
           </a:pPr>
           <a:r>
-            <a:rPr lang="en-US" sz="1900" kern="1200" dirty="0">
+            <a:rPr lang="en-US" sz="3600" kern="1200" dirty="0">
               <a:latin typeface="Calibri" panose="020F0502020204030204" pitchFamily="34" charset="0"/>
               <a:cs typeface="Calibri" panose="020F0502020204030204" pitchFamily="34" charset="0"/>
             </a:rPr>
@@ -1887,136 +1414,65 @@
         </a:p>
       </dsp:txBody>
       <dsp:txXfrm>
-        <a:off x="1024173" y="1112575"/>
-        <a:ext cx="5184263" cy="886730"/>
+        <a:off x="42151" y="1066764"/>
+        <a:ext cx="5675354" cy="779158"/>
       </dsp:txXfrm>
     </dsp:sp>
-    <dsp:sp modelId="{8E901E60-A0BC-4630-A3E1-7AF9040EDEB5}">
+    <dsp:sp modelId="{EF3A3922-1DED-2F45-BB5D-8C1F62BEA01C}">
       <dsp:nvSpPr>
         <dsp:cNvPr id="0" name=""/>
         <dsp:cNvSpPr/>
       </dsp:nvSpPr>
       <dsp:spPr>
         <a:xfrm>
-          <a:off x="0" y="2220988"/>
-          <a:ext cx="6208437" cy="886730"/>
+          <a:off x="0" y="1991753"/>
+          <a:ext cx="5759656" cy="863460"/>
         </a:xfrm>
         <a:prstGeom prst="roundRect">
-          <a:avLst>
-            <a:gd name="adj" fmla="val 10000"/>
-          </a:avLst>
+          <a:avLst/>
         </a:prstGeom>
         <a:solidFill>
-          <a:schemeClr val="accent4">
-            <a:hueOff val="0"/>
-            <a:satOff val="0"/>
-            <a:lumOff val="0"/>
+          <a:schemeClr val="accent5">
+            <a:hueOff val="9565760"/>
+            <a:satOff val="-12468"/>
+            <a:lumOff val="-3137"/>
             <a:alphaOff val="0"/>
           </a:schemeClr>
         </a:solidFill>
-        <a:ln>
-          <a:noFill/>
+        <a:ln w="25400" cap="flat" cmpd="sng" algn="ctr">
+          <a:solidFill>
+            <a:schemeClr val="lt1">
+              <a:hueOff val="0"/>
+              <a:satOff val="0"/>
+              <a:lumOff val="0"/>
+              <a:alphaOff val="0"/>
+            </a:schemeClr>
+          </a:solidFill>
+          <a:prstDash val="solid"/>
         </a:ln>
         <a:effectLst/>
       </dsp:spPr>
       <dsp:style>
-        <a:lnRef idx="0">
+        <a:lnRef idx="3">
           <a:scrgbClr r="0" g="0" b="0"/>
         </a:lnRef>
         <a:fillRef idx="1">
           <a:scrgbClr r="0" g="0" b="0"/>
         </a:fillRef>
-        <a:effectRef idx="0">
-          <a:scrgbClr r="0" g="0" b="0"/>
-        </a:effectRef>
-        <a:fontRef idx="minor"/>
-      </dsp:style>
-    </dsp:sp>
-    <dsp:sp modelId="{1B63AB14-45A5-4D92-BDC5-1AF8F2168565}">
-      <dsp:nvSpPr>
-        <dsp:cNvPr id="0" name=""/>
-        <dsp:cNvSpPr/>
-      </dsp:nvSpPr>
-      <dsp:spPr>
-        <a:xfrm>
-          <a:off x="268235" y="2420503"/>
-          <a:ext cx="487701" cy="487701"/>
-        </a:xfrm>
-        <a:prstGeom prst="rect">
-          <a:avLst/>
-        </a:prstGeom>
-        <a:blipFill>
-          <a:blip xmlns:r="http://schemas.openxmlformats.org/officeDocument/2006/relationships" r:embed="rId3">
-            <a:extLst>
-              <a:ext uri="{28A0092B-C50C-407E-A947-70E740481C1C}">
-                <a14:useLocalDpi xmlns:a14="http://schemas.microsoft.com/office/drawing/2010/main" val="0"/>
-              </a:ext>
-            </a:extLst>
-          </a:blip>
-          <a:srcRect/>
-          <a:stretch>
-            <a:fillRect l="-36000" r="-36000"/>
-          </a:stretch>
-        </a:blipFill>
-        <a:ln w="19050" cap="flat" cmpd="sng" algn="ctr">
-          <a:noFill/>
-          <a:prstDash val="solid"/>
-        </a:ln>
-        <a:effectLst/>
-      </dsp:spPr>
-      <dsp:style>
-        <a:lnRef idx="2">
-          <a:scrgbClr r="0" g="0" b="0"/>
-        </a:lnRef>
-        <a:fillRef idx="1">
-          <a:scrgbClr r="0" g="0" b="0"/>
-        </a:fillRef>
-        <a:effectRef idx="0">
+        <a:effectRef idx="1">
           <a:scrgbClr r="0" g="0" b="0"/>
         </a:effectRef>
         <a:fontRef idx="minor">
           <a:schemeClr val="lt1"/>
         </a:fontRef>
       </dsp:style>
-    </dsp:sp>
-    <dsp:sp modelId="{9B84687A-0B98-493F-9105-3FDF8549D724}">
-      <dsp:nvSpPr>
-        <dsp:cNvPr id="0" name=""/>
-        <dsp:cNvSpPr/>
-      </dsp:nvSpPr>
-      <dsp:spPr>
-        <a:xfrm>
-          <a:off x="1024173" y="2220988"/>
-          <a:ext cx="5184263" cy="886730"/>
-        </a:xfrm>
-        <a:prstGeom prst="rect">
-          <a:avLst/>
-        </a:prstGeom>
-        <a:noFill/>
-        <a:ln>
-          <a:noFill/>
-        </a:ln>
-        <a:effectLst/>
-      </dsp:spPr>
-      <dsp:style>
-        <a:lnRef idx="0">
-          <a:scrgbClr r="0" g="0" b="0"/>
-        </a:lnRef>
-        <a:fillRef idx="0">
-          <a:scrgbClr r="0" g="0" b="0"/>
-        </a:fillRef>
-        <a:effectRef idx="0">
-          <a:scrgbClr r="0" g="0" b="0"/>
-        </a:effectRef>
-        <a:fontRef idx="minor"/>
-      </dsp:style>
       <dsp:txBody>
-        <a:bodyPr spcFirstLastPara="0" vert="horz" wrap="square" lIns="93846" tIns="93846" rIns="93846" bIns="93846" numCol="1" spcCol="1270" anchor="ctr" anchorCtr="0">
+        <a:bodyPr spcFirstLastPara="0" vert="horz" wrap="square" lIns="137160" tIns="137160" rIns="137160" bIns="137160" numCol="1" spcCol="1270" anchor="ctr" anchorCtr="0">
           <a:noAutofit/>
         </a:bodyPr>
         <a:lstStyle/>
         <a:p>
-          <a:pPr marL="0" lvl="0" indent="0" algn="l" defTabSz="844550">
+          <a:pPr marL="0" lvl="0" indent="0" algn="l" defTabSz="1600200">
             <a:lnSpc>
               <a:spcPct val="90000"/>
             </a:lnSpc>
@@ -2029,156 +1485,85 @@
             <a:buNone/>
           </a:pPr>
           <a:r>
-            <a:rPr lang="en-US" sz="1900" kern="1200" dirty="0">
+            <a:rPr lang="en-US" sz="3600" kern="1200" dirty="0">
               <a:latin typeface="Calibri" panose="020F0502020204030204" pitchFamily="34" charset="0"/>
               <a:cs typeface="Calibri" panose="020F0502020204030204" pitchFamily="34" charset="0"/>
             </a:rPr>
             <a:t>Data</a:t>
           </a:r>
           <a:r>
-            <a:rPr lang="en-US" sz="1900" kern="1200" baseline="0" dirty="0">
+            <a:rPr lang="en-US" sz="3600" kern="1200" baseline="0" dirty="0">
               <a:latin typeface="Calibri" panose="020F0502020204030204" pitchFamily="34" charset="0"/>
               <a:cs typeface="Calibri" panose="020F0502020204030204" pitchFamily="34" charset="0"/>
             </a:rPr>
             <a:t> loss in cleaning</a:t>
           </a:r>
-          <a:endParaRPr lang="en-US" sz="1900" kern="1200" dirty="0">
+          <a:endParaRPr lang="en-US" sz="3600" kern="1200" dirty="0">
             <a:latin typeface="Calibri" panose="020F0502020204030204" pitchFamily="34" charset="0"/>
             <a:cs typeface="Calibri" panose="020F0502020204030204" pitchFamily="34" charset="0"/>
           </a:endParaRPr>
         </a:p>
       </dsp:txBody>
       <dsp:txXfrm>
-        <a:off x="1024173" y="2220988"/>
-        <a:ext cx="5184263" cy="886730"/>
+        <a:off x="42151" y="2033904"/>
+        <a:ext cx="5675354" cy="779158"/>
       </dsp:txXfrm>
     </dsp:sp>
-    <dsp:sp modelId="{15CAFF51-36D7-46B2-BCD3-0D909BBE86AD}">
+    <dsp:sp modelId="{447B64B8-4E27-514E-B6E2-516748A62724}">
       <dsp:nvSpPr>
         <dsp:cNvPr id="0" name=""/>
         <dsp:cNvSpPr/>
       </dsp:nvSpPr>
       <dsp:spPr>
         <a:xfrm>
-          <a:off x="0" y="3361581"/>
-          <a:ext cx="6208437" cy="886730"/>
+          <a:off x="0" y="2958893"/>
+          <a:ext cx="5759656" cy="863460"/>
         </a:xfrm>
         <a:prstGeom prst="roundRect">
-          <a:avLst>
-            <a:gd name="adj" fmla="val 10000"/>
-          </a:avLst>
+          <a:avLst/>
         </a:prstGeom>
         <a:solidFill>
           <a:schemeClr val="accent5">
-            <a:hueOff val="0"/>
-            <a:satOff val="0"/>
-            <a:lumOff val="0"/>
+            <a:hueOff val="14348641"/>
+            <a:satOff val="-18702"/>
+            <a:lumOff val="-4706"/>
             <a:alphaOff val="0"/>
           </a:schemeClr>
         </a:solidFill>
-        <a:ln>
-          <a:noFill/>
+        <a:ln w="25400" cap="flat" cmpd="sng" algn="ctr">
+          <a:solidFill>
+            <a:schemeClr val="lt1">
+              <a:hueOff val="0"/>
+              <a:satOff val="0"/>
+              <a:lumOff val="0"/>
+              <a:alphaOff val="0"/>
+            </a:schemeClr>
+          </a:solidFill>
+          <a:prstDash val="solid"/>
         </a:ln>
         <a:effectLst/>
       </dsp:spPr>
       <dsp:style>
-        <a:lnRef idx="0">
+        <a:lnRef idx="3">
           <a:scrgbClr r="0" g="0" b="0"/>
         </a:lnRef>
         <a:fillRef idx="1">
           <a:scrgbClr r="0" g="0" b="0"/>
         </a:fillRef>
-        <a:effectRef idx="0">
-          <a:scrgbClr r="0" g="0" b="0"/>
-        </a:effectRef>
-        <a:fontRef idx="minor"/>
-      </dsp:style>
-    </dsp:sp>
-    <dsp:sp modelId="{0B032039-62A1-41AA-890E-D7760D4593FB}">
-      <dsp:nvSpPr>
-        <dsp:cNvPr id="0" name=""/>
-        <dsp:cNvSpPr/>
-      </dsp:nvSpPr>
-      <dsp:spPr>
-        <a:xfrm>
-          <a:off x="268235" y="3528916"/>
-          <a:ext cx="487701" cy="487701"/>
-        </a:xfrm>
-        <a:prstGeom prst="rect">
-          <a:avLst/>
-        </a:prstGeom>
-        <a:blipFill>
-          <a:blip xmlns:r="http://schemas.openxmlformats.org/officeDocument/2006/relationships" r:embed="rId4">
-            <a:extLst>
-              <a:ext uri="{28A0092B-C50C-407E-A947-70E740481C1C}">
-                <a14:useLocalDpi xmlns:a14="http://schemas.microsoft.com/office/drawing/2010/main" val="0"/>
-              </a:ext>
-            </a:extLst>
-          </a:blip>
-          <a:srcRect/>
-          <a:stretch>
-            <a:fillRect l="-39000" r="-39000"/>
-          </a:stretch>
-        </a:blipFill>
-        <a:ln w="19050" cap="flat" cmpd="sng" algn="ctr">
-          <a:noFill/>
-          <a:prstDash val="solid"/>
-        </a:ln>
-        <a:effectLst/>
-      </dsp:spPr>
-      <dsp:style>
-        <a:lnRef idx="2">
-          <a:scrgbClr r="0" g="0" b="0"/>
-        </a:lnRef>
-        <a:fillRef idx="1">
-          <a:scrgbClr r="0" g="0" b="0"/>
-        </a:fillRef>
-        <a:effectRef idx="0">
+        <a:effectRef idx="1">
           <a:scrgbClr r="0" g="0" b="0"/>
         </a:effectRef>
         <a:fontRef idx="minor">
           <a:schemeClr val="lt1"/>
         </a:fontRef>
       </dsp:style>
-    </dsp:sp>
-    <dsp:sp modelId="{2ED49D5E-FBE4-4B6D-80E1-CA366ABCBBDD}">
-      <dsp:nvSpPr>
-        <dsp:cNvPr id="0" name=""/>
-        <dsp:cNvSpPr/>
-      </dsp:nvSpPr>
-      <dsp:spPr>
-        <a:xfrm>
-          <a:off x="1024173" y="3329401"/>
-          <a:ext cx="5184263" cy="886730"/>
-        </a:xfrm>
-        <a:prstGeom prst="rect">
-          <a:avLst/>
-        </a:prstGeom>
-        <a:noFill/>
-        <a:ln>
-          <a:noFill/>
-        </a:ln>
-        <a:effectLst/>
-      </dsp:spPr>
-      <dsp:style>
-        <a:lnRef idx="0">
-          <a:scrgbClr r="0" g="0" b="0"/>
-        </a:lnRef>
-        <a:fillRef idx="0">
-          <a:scrgbClr r="0" g="0" b="0"/>
-        </a:fillRef>
-        <a:effectRef idx="0">
-          <a:scrgbClr r="0" g="0" b="0"/>
-        </a:effectRef>
-        <a:fontRef idx="minor"/>
-      </dsp:style>
       <dsp:txBody>
-        <a:bodyPr spcFirstLastPara="0" vert="horz" wrap="square" lIns="93846" tIns="93846" rIns="93846" bIns="93846" numCol="1" spcCol="1270" anchor="ctr" anchorCtr="0">
+        <a:bodyPr spcFirstLastPara="0" vert="horz" wrap="square" lIns="137160" tIns="137160" rIns="137160" bIns="137160" numCol="1" spcCol="1270" anchor="ctr" anchorCtr="0">
           <a:noAutofit/>
         </a:bodyPr>
         <a:lstStyle/>
         <a:p>
-          <a:pPr marL="0" lvl="0" indent="0" algn="l" defTabSz="844550">
+          <a:pPr marL="0" lvl="0" indent="0" algn="l" defTabSz="1600200">
             <a:lnSpc>
               <a:spcPct val="90000"/>
             </a:lnSpc>
@@ -2191,7 +1576,7 @@
             <a:buNone/>
           </a:pPr>
           <a:r>
-            <a:rPr lang="en-US" sz="1900" kern="1200" dirty="0">
+            <a:rPr lang="en-US" sz="3600" kern="1200" dirty="0">
               <a:latin typeface="Calibri" panose="020F0502020204030204" pitchFamily="34" charset="0"/>
               <a:cs typeface="Calibri" panose="020F0502020204030204" pitchFamily="34" charset="0"/>
             </a:rPr>
@@ -2200,138 +1585,65 @@
         </a:p>
       </dsp:txBody>
       <dsp:txXfrm>
-        <a:off x="1024173" y="3329401"/>
-        <a:ext cx="5184263" cy="886730"/>
+        <a:off x="42151" y="3001044"/>
+        <a:ext cx="5675354" cy="779158"/>
       </dsp:txXfrm>
     </dsp:sp>
-    <dsp:sp modelId="{DA169E08-FABA-4D6F-BB73-5304FD44F35A}">
+    <dsp:sp modelId="{6D5C2959-0D2F-A945-9FBB-C260C8F481BA}">
       <dsp:nvSpPr>
         <dsp:cNvPr id="0" name=""/>
         <dsp:cNvSpPr/>
       </dsp:nvSpPr>
       <dsp:spPr>
         <a:xfrm>
-          <a:off x="0" y="4437814"/>
-          <a:ext cx="6208437" cy="886730"/>
+          <a:off x="0" y="3926033"/>
+          <a:ext cx="5759656" cy="863460"/>
         </a:xfrm>
         <a:prstGeom prst="roundRect">
-          <a:avLst>
-            <a:gd name="adj" fmla="val 10000"/>
-          </a:avLst>
+          <a:avLst/>
         </a:prstGeom>
         <a:solidFill>
-          <a:schemeClr val="accent6">
-            <a:hueOff val="0"/>
-            <a:satOff val="0"/>
-            <a:lumOff val="0"/>
+          <a:schemeClr val="accent5">
+            <a:hueOff val="19131520"/>
+            <a:satOff val="-24936"/>
+            <a:lumOff val="-6275"/>
             <a:alphaOff val="0"/>
           </a:schemeClr>
         </a:solidFill>
-        <a:ln>
-          <a:noFill/>
+        <a:ln w="25400" cap="flat" cmpd="sng" algn="ctr">
+          <a:solidFill>
+            <a:schemeClr val="lt1">
+              <a:hueOff val="0"/>
+              <a:satOff val="0"/>
+              <a:lumOff val="0"/>
+              <a:alphaOff val="0"/>
+            </a:schemeClr>
+          </a:solidFill>
+          <a:prstDash val="solid"/>
         </a:ln>
         <a:effectLst/>
       </dsp:spPr>
       <dsp:style>
-        <a:lnRef idx="0">
+        <a:lnRef idx="3">
           <a:scrgbClr r="0" g="0" b="0"/>
         </a:lnRef>
         <a:fillRef idx="1">
           <a:scrgbClr r="0" g="0" b="0"/>
         </a:fillRef>
-        <a:effectRef idx="0">
-          <a:scrgbClr r="0" g="0" b="0"/>
-        </a:effectRef>
-        <a:fontRef idx="minor"/>
-      </dsp:style>
-    </dsp:sp>
-    <dsp:sp modelId="{00ABD3AC-19C8-4ADD-8A01-FDD3A680BDDF}">
-      <dsp:nvSpPr>
-        <dsp:cNvPr id="0" name=""/>
-        <dsp:cNvSpPr/>
-      </dsp:nvSpPr>
-      <dsp:spPr>
-        <a:xfrm>
-          <a:off x="268235" y="4637328"/>
-          <a:ext cx="487701" cy="487701"/>
-        </a:xfrm>
-        <a:prstGeom prst="rect">
-          <a:avLst/>
-        </a:prstGeom>
-        <a:blipFill>
-          <a:blip xmlns:r="http://schemas.openxmlformats.org/officeDocument/2006/relationships" r:embed="rId5">
-            <a:extLst>
-              <a:ext uri="{28A0092B-C50C-407E-A947-70E740481C1C}">
-                <a14:useLocalDpi xmlns:a14="http://schemas.microsoft.com/office/drawing/2010/main" val="0"/>
-              </a:ext>
-              <a:ext uri="{96DAC541-7B7A-43D3-8B79-37D633B846F1}">
-                <asvg:svgBlip xmlns:asvg="http://schemas.microsoft.com/office/drawing/2016/SVG/main" r:embed="rId6"/>
-              </a:ext>
-            </a:extLst>
-          </a:blip>
-          <a:stretch>
-            <a:fillRect/>
-          </a:stretch>
-        </a:blipFill>
-        <a:ln w="19050" cap="flat" cmpd="sng" algn="ctr">
-          <a:noFill/>
-          <a:prstDash val="solid"/>
-        </a:ln>
-        <a:effectLst/>
-      </dsp:spPr>
-      <dsp:style>
-        <a:lnRef idx="2">
-          <a:scrgbClr r="0" g="0" b="0"/>
-        </a:lnRef>
-        <a:fillRef idx="1">
-          <a:scrgbClr r="0" g="0" b="0"/>
-        </a:fillRef>
-        <a:effectRef idx="0">
+        <a:effectRef idx="1">
           <a:scrgbClr r="0" g="0" b="0"/>
         </a:effectRef>
         <a:fontRef idx="minor">
           <a:schemeClr val="lt1"/>
         </a:fontRef>
       </dsp:style>
-    </dsp:sp>
-    <dsp:sp modelId="{7F0DE16D-2E3A-49E3-B2F6-75AC1194AEAD}">
-      <dsp:nvSpPr>
-        <dsp:cNvPr id="0" name=""/>
-        <dsp:cNvSpPr/>
-      </dsp:nvSpPr>
-      <dsp:spPr>
-        <a:xfrm>
-          <a:off x="1024173" y="4437814"/>
-          <a:ext cx="5184263" cy="886730"/>
-        </a:xfrm>
-        <a:prstGeom prst="rect">
-          <a:avLst/>
-        </a:prstGeom>
-        <a:noFill/>
-        <a:ln>
-          <a:noFill/>
-        </a:ln>
-        <a:effectLst/>
-      </dsp:spPr>
-      <dsp:style>
-        <a:lnRef idx="0">
-          <a:scrgbClr r="0" g="0" b="0"/>
-        </a:lnRef>
-        <a:fillRef idx="0">
-          <a:scrgbClr r="0" g="0" b="0"/>
-        </a:fillRef>
-        <a:effectRef idx="0">
-          <a:scrgbClr r="0" g="0" b="0"/>
-        </a:effectRef>
-        <a:fontRef idx="minor"/>
-      </dsp:style>
       <dsp:txBody>
-        <a:bodyPr spcFirstLastPara="0" vert="horz" wrap="square" lIns="93846" tIns="93846" rIns="93846" bIns="93846" numCol="1" spcCol="1270" anchor="ctr" anchorCtr="0">
+        <a:bodyPr spcFirstLastPara="0" vert="horz" wrap="square" lIns="137160" tIns="137160" rIns="137160" bIns="137160" numCol="1" spcCol="1270" anchor="ctr" anchorCtr="0">
           <a:noAutofit/>
         </a:bodyPr>
         <a:lstStyle/>
         <a:p>
-          <a:pPr marL="0" lvl="0" indent="0" algn="l" defTabSz="844550">
+          <a:pPr marL="0" lvl="0" indent="0" algn="l" defTabSz="1600200">
             <a:lnSpc>
               <a:spcPct val="90000"/>
             </a:lnSpc>
@@ -2343,15 +1655,15 @@
             </a:spcAft>
             <a:buNone/>
           </a:pPr>
-          <a:endParaRPr lang="en-US" sz="1900" kern="1200" dirty="0">
+          <a:endParaRPr lang="en-US" sz="3600" kern="1200" dirty="0">
             <a:latin typeface="Calibri" panose="020F0502020204030204" pitchFamily="34" charset="0"/>
             <a:cs typeface="Calibri" panose="020F0502020204030204" pitchFamily="34" charset="0"/>
           </a:endParaRPr>
         </a:p>
       </dsp:txBody>
       <dsp:txXfrm>
-        <a:off x="1024173" y="4437814"/>
-        <a:ext cx="5184263" cy="886730"/>
+        <a:off x="42151" y="3968184"/>
+        <a:ext cx="5675354" cy="779158"/>
       </dsp:txXfrm>
     </dsp:sp>
   </dsp:spTree>
@@ -2359,305 +1671,178 @@
 </file>
 
 <file path=ppt/diagrams/layout1.xml><?xml version="1.0" encoding="utf-8"?>
-<dgm:layoutDef xmlns:dgm="http://schemas.openxmlformats.org/drawingml/2006/diagram" xmlns:a="http://schemas.openxmlformats.org/drawingml/2006/main" uniqueId="urn:microsoft.com/office/officeart/2018/2/layout/IconVerticalSolidList">
-  <dgm:title val="Icon Vertical Solid List"/>
-  <dgm:desc val="Use to show a series of visuals from top to bottom with Level 1 or Level 1 and Level 2 text grouped in a shape. Works best with icons or small pictures with lengthier descriptions."/>
+<dgm:layoutDef xmlns:dgm="http://schemas.openxmlformats.org/drawingml/2006/diagram" xmlns:a="http://schemas.openxmlformats.org/drawingml/2006/main" uniqueId="urn:microsoft.com/office/officeart/2005/8/layout/vList2">
+  <dgm:title val=""/>
+  <dgm:desc val=""/>
   <dgm:catLst>
-    <dgm:cat type="icon" pri="500"/>
+    <dgm:cat type="list" pri="3000"/>
+    <dgm:cat type="convert" pri="1000"/>
   </dgm:catLst>
-  <dgm:sampData useDef="1">
+  <dgm:sampData>
     <dgm:dataModel>
-      <dgm:ptLst/>
+      <dgm:ptLst>
+        <dgm:pt modelId="0" type="doc"/>
+        <dgm:pt modelId="1">
+          <dgm:prSet phldr="1"/>
+        </dgm:pt>
+        <dgm:pt modelId="11">
+          <dgm:prSet phldr="1"/>
+        </dgm:pt>
+        <dgm:pt modelId="2">
+          <dgm:prSet phldr="1"/>
+        </dgm:pt>
+        <dgm:pt modelId="21">
+          <dgm:prSet phldr="1"/>
+        </dgm:pt>
+      </dgm:ptLst>
+      <dgm:cxnLst>
+        <dgm:cxn modelId="4" srcId="0" destId="1" srcOrd="0" destOrd="0"/>
+        <dgm:cxn modelId="5" srcId="0" destId="2" srcOrd="1" destOrd="0"/>
+        <dgm:cxn modelId="12" srcId="1" destId="11" srcOrd="0" destOrd="0"/>
+        <dgm:cxn modelId="23" srcId="2" destId="21" srcOrd="0" destOrd="0"/>
+      </dgm:cxnLst>
       <dgm:bg/>
       <dgm:whole/>
     </dgm:dataModel>
   </dgm:sampData>
-  <dgm:styleData useDef="1">
+  <dgm:styleData>
     <dgm:dataModel>
-      <dgm:ptLst/>
+      <dgm:ptLst>
+        <dgm:pt modelId="0" type="doc"/>
+        <dgm:pt modelId="1"/>
+        <dgm:pt modelId="2"/>
+      </dgm:ptLst>
+      <dgm:cxnLst>
+        <dgm:cxn modelId="3" srcId="0" destId="1" srcOrd="0" destOrd="0"/>
+        <dgm:cxn modelId="4" srcId="0" destId="2" srcOrd="1" destOrd="0"/>
+      </dgm:cxnLst>
       <dgm:bg/>
       <dgm:whole/>
     </dgm:dataModel>
   </dgm:styleData>
-  <dgm:clrData useDef="1">
+  <dgm:clrData>
     <dgm:dataModel>
-      <dgm:ptLst/>
+      <dgm:ptLst>
+        <dgm:pt modelId="0" type="doc"/>
+        <dgm:pt modelId="1"/>
+        <dgm:pt modelId="2"/>
+        <dgm:pt modelId="3"/>
+        <dgm:pt modelId="4"/>
+      </dgm:ptLst>
+      <dgm:cxnLst>
+        <dgm:cxn modelId="5" srcId="0" destId="1" srcOrd="0" destOrd="0"/>
+        <dgm:cxn modelId="6" srcId="0" destId="2" srcOrd="1" destOrd="0"/>
+        <dgm:cxn modelId="7" srcId="0" destId="3" srcOrd="2" destOrd="0"/>
+        <dgm:cxn modelId="8" srcId="0" destId="4" srcOrd="3" destOrd="0"/>
+      </dgm:cxnLst>
       <dgm:bg/>
       <dgm:whole/>
     </dgm:dataModel>
   </dgm:clrData>
-  <dgm:layoutNode name="root">
+  <dgm:layoutNode name="linear">
     <dgm:varLst>
-      <dgm:dir/>
+      <dgm:animLvl val="lvl"/>
       <dgm:resizeHandles val="exact"/>
     </dgm:varLst>
-    <dgm:choose name="Name0">
-      <dgm:if name="Name1" axis="self" func="var" arg="dir" op="equ" val="norm">
-        <dgm:alg type="lin">
-          <dgm:param type="linDir" val="fromT"/>
-          <dgm:param type="nodeHorzAlign" val="l"/>
-        </dgm:alg>
-      </dgm:if>
-      <dgm:else name="Name2">
-        <dgm:alg type="lin">
-          <dgm:param type="linDir" val="fromT"/>
-          <dgm:param type="nodeHorzAlign" val="r"/>
-        </dgm:alg>
-      </dgm:else>
-    </dgm:choose>
+    <dgm:alg type="lin">
+      <dgm:param type="linDir" val="fromT"/>
+      <dgm:param type="vertAlign" val="mid"/>
+    </dgm:alg>
     <dgm:shape xmlns:r="http://schemas.openxmlformats.org/officeDocument/2006/relationships" r:blip="">
       <dgm:adjLst/>
     </dgm:shape>
     <dgm:presOf/>
-    <dgm:choose name="Name3">
-      <dgm:if name="Name4" axis="ch" ptType="node" func="cnt" op="lte" val="3">
-        <dgm:constrLst>
-          <dgm:constr type="h" for="ch" forName="compNode" refType="h" fact="0.3"/>
-          <dgm:constr type="w" for="ch" forName="compNode" refType="w"/>
-          <dgm:constr type="h" for="ch" forName="sibTrans" refType="h" refFor="ch" refForName="compNode" fact="0.25"/>
-          <dgm:constr type="primFontSz" for="des" forName="parTx" val="25"/>
-          <dgm:constr type="primFontSz" for="des" forName="desTx" refType="primFontSz" refFor="des" refForName="parTx" op="lte" fact="0.75"/>
-          <dgm:constr type="h" for="des" forName="compNode" op="equ"/>
-          <dgm:constr type="h" for="des" forName="bgRect" op="equ"/>
-          <dgm:constr type="h" for="des" forName="iconRect" op="equ"/>
-          <dgm:constr type="w" for="des" forName="iconRect" op="equ"/>
-          <dgm:constr type="h" for="des" forName="spaceRect" op="equ"/>
-          <dgm:constr type="h" for="des" forName="parTx" op="equ"/>
-          <dgm:constr type="h" for="des" forName="desTx" op="equ"/>
-        </dgm:constrLst>
-      </dgm:if>
-      <dgm:if name="Name5" axis="ch" ptType="node" func="cnt" op="lte" val="4">
-        <dgm:constrLst>
-          <dgm:constr type="h" for="ch" forName="compNode" refType="h" fact="0.3"/>
-          <dgm:constr type="w" for="ch" forName="compNode" refType="w"/>
-          <dgm:constr type="h" for="ch" forName="sibTrans" refType="h" refFor="ch" refForName="compNode" fact="0.25"/>
-          <dgm:constr type="primFontSz" for="des" forName="parTx" val="22"/>
-          <dgm:constr type="primFontSz" for="des" forName="desTx" refType="primFontSz" refFor="des" refForName="parTx" op="lte" fact="0.75"/>
-          <dgm:constr type="h" for="des" forName="compNode" op="equ"/>
-          <dgm:constr type="h" for="des" forName="bgRect" op="equ"/>
-          <dgm:constr type="h" for="des" forName="iconRect" op="equ"/>
-          <dgm:constr type="w" for="des" forName="iconRect" op="equ"/>
-          <dgm:constr type="h" for="des" forName="spaceRect" op="equ"/>
-          <dgm:constr type="h" for="des" forName="parTx" op="equ"/>
-          <dgm:constr type="h" for="des" forName="desTx" op="equ"/>
-        </dgm:constrLst>
-      </dgm:if>
-      <dgm:if name="Name6" axis="ch" ptType="node" func="cnt" op="lte" val="6">
-        <dgm:constrLst>
-          <dgm:constr type="h" for="ch" forName="compNode" refType="h" fact="0.3"/>
-          <dgm:constr type="w" for="ch" forName="compNode" refType="w"/>
-          <dgm:constr type="h" for="ch" forName="sibTrans" refType="h" refFor="ch" refForName="compNode" fact="0.25"/>
-          <dgm:constr type="primFontSz" for="des" forName="parTx" val="19"/>
-          <dgm:constr type="primFontSz" for="des" forName="desTx" refType="primFontSz" refFor="des" refForName="parTx" op="lte" fact="0.75"/>
-          <dgm:constr type="h" for="des" forName="compNode" op="equ"/>
-          <dgm:constr type="h" for="des" forName="bgRect" op="equ"/>
-          <dgm:constr type="h" for="des" forName="iconRect" op="equ"/>
-          <dgm:constr type="w" for="des" forName="iconRect" op="equ"/>
-          <dgm:constr type="h" for="des" forName="spaceRect" op="equ"/>
-          <dgm:constr type="h" for="des" forName="parTx" op="equ"/>
-          <dgm:constr type="h" for="des" forName="desTx" op="equ"/>
-        </dgm:constrLst>
-      </dgm:if>
-      <dgm:else name="Name7">
-        <dgm:constrLst>
-          <dgm:constr type="h" for="ch" forName="compNode" refType="h" fact="0.3"/>
-          <dgm:constr type="w" for="ch" forName="compNode" refType="w"/>
-          <dgm:constr type="h" for="ch" forName="sibTrans" refType="h" refFor="ch" refForName="compNode" fact="0.25"/>
-          <dgm:constr type="primFontSz" for="des" forName="parTx" val="16"/>
-          <dgm:constr type="primFontSz" for="des" forName="desTx" refType="primFontSz" refFor="des" refForName="parTx" op="lte" fact="0.75"/>
-          <dgm:constr type="h" for="des" forName="compNode" op="equ"/>
-          <dgm:constr type="h" for="des" forName="bgRect" op="equ"/>
-          <dgm:constr type="h" for="des" forName="iconRect" op="equ"/>
-          <dgm:constr type="w" for="des" forName="iconRect" op="equ"/>
-          <dgm:constr type="h" for="des" forName="spaceRect" op="equ"/>
-          <dgm:constr type="h" for="des" forName="parTx" op="equ"/>
-          <dgm:constr type="h" for="des" forName="desTx" op="equ"/>
-        </dgm:constrLst>
-      </dgm:else>
-    </dgm:choose>
+    <dgm:constrLst>
+      <dgm:constr type="w" for="ch" forName="parentText" refType="w"/>
+      <dgm:constr type="h" for="ch" forName="parentText" refType="primFontSz" refFor="ch" refForName="parentText" fact="0.52"/>
+      <dgm:constr type="w" for="ch" forName="childText" refType="w"/>
+      <dgm:constr type="h" for="ch" forName="childText" refType="primFontSz" refFor="ch" refForName="parentText" fact="0.46"/>
+      <dgm:constr type="h" for="ch" forName="parentText" op="equ"/>
+      <dgm:constr type="primFontSz" for="ch" forName="parentText" op="equ" val="65"/>
+      <dgm:constr type="primFontSz" for="ch" forName="childText" refType="primFontSz" refFor="ch" refForName="parentText" op="equ"/>
+      <dgm:constr type="h" for="ch" forName="spacer" refType="primFontSz" refFor="ch" refForName="parentText" fact="0.08"/>
+    </dgm:constrLst>
     <dgm:ruleLst>
-      <dgm:rule type="h" for="ch" forName="compNode" val="0" fact="NaN" max="NaN"/>
+      <dgm:rule type="primFontSz" for="ch" forName="parentText" val="5" fact="NaN" max="NaN"/>
     </dgm:ruleLst>
-    <dgm:forEach name="Name8" axis="ch" ptType="node">
-      <dgm:layoutNode name="compNode">
-        <dgm:alg type="composite"/>
-        <dgm:shape xmlns:r="http://schemas.openxmlformats.org/officeDocument/2006/relationships" r:blip="">
+    <dgm:forEach name="Name0" axis="ch" ptType="node">
+      <dgm:layoutNode name="parentText" styleLbl="node1">
+        <dgm:varLst>
+          <dgm:chMax val="0"/>
+          <dgm:bulletEnabled val="1"/>
+        </dgm:varLst>
+        <dgm:alg type="tx">
+          <dgm:param type="parTxLTRAlign" val="l"/>
+          <dgm:param type="parTxRTLAlign" val="r"/>
+        </dgm:alg>
+        <dgm:shape xmlns:r="http://schemas.openxmlformats.org/officeDocument/2006/relationships" type="roundRect" r:blip="">
           <dgm:adjLst/>
         </dgm:shape>
         <dgm:presOf axis="self"/>
-        <dgm:choose name="Name9">
-          <dgm:if name="Name10" axis="ch" ptType="node" func="cnt" op="gte" val="1">
-            <dgm:constrLst>
-              <dgm:constr type="w" for="ch" forName="bgRect" refType="w"/>
-              <dgm:constr type="h" for="ch" forName="bgRect" refType="h"/>
-              <dgm:constr type="l" for="ch" forName="bgRect"/>
-              <dgm:constr type="t" for="ch" forName="bgRect"/>
-              <dgm:constr type="h" for="ch" forName="iconRect" refType="h" fact="0.55"/>
-              <dgm:constr type="w" for="ch" forName="iconRect" refType="h" refFor="ch" refForName="iconRect"/>
-              <dgm:constr type="l" for="ch" forName="iconRect" refType="h" refFor="ch" refForName="iconRect" fact="0.55"/>
-              <dgm:constr type="ctrY" for="ch" forName="iconRect" refType="ctrY" refFor="ch" refForName="bgRect"/>
-              <dgm:constr type="w" for="ch" forName="spaceRect" refType="l" refFor="ch" refForName="iconRect"/>
-              <dgm:constr type="h" for="ch" forName="spaceRect" refType="h"/>
-              <dgm:constr type="l" for="ch" forName="spaceRect" refType="r" refFor="ch" refForName="iconRect"/>
-              <dgm:constr type="t" for="ch" forName="spaceRect"/>
-              <dgm:constr type="w" for="ch" forName="parTx" refType="w" fact="0.45"/>
-              <dgm:constr type="h" for="ch" forName="parTx" refType="h"/>
-              <dgm:constr type="l" for="ch" forName="parTx" refType="r" refFor="ch" refForName="spaceRect"/>
-              <dgm:constr type="t" for="ch" forName="parTx"/>
-              <dgm:constr type="h" for="ch" forName="desTx" refType="h"/>
-              <dgm:constr type="l" for="ch" forName="desTx" refType="r" refFor="ch" refForName="parTx"/>
-              <dgm:constr type="t" for="ch" forName="desTx"/>
-            </dgm:constrLst>
-          </dgm:if>
-          <dgm:else name="Name11">
-            <dgm:constrLst>
-              <dgm:constr type="w" for="ch" forName="bgRect" refType="w"/>
-              <dgm:constr type="h" for="ch" forName="bgRect" refType="h"/>
-              <dgm:constr type="l" for="ch" forName="bgRect"/>
-              <dgm:constr type="t" for="ch" forName="bgRect"/>
-              <dgm:constr type="h" for="ch" forName="iconRect" refType="h" fact="0.55"/>
-              <dgm:constr type="w" for="ch" forName="iconRect" refType="h" refFor="ch" refForName="iconRect"/>
-              <dgm:constr type="l" for="ch" forName="iconRect" refType="h" refFor="ch" refForName="iconRect" fact="0.55"/>
-              <dgm:constr type="ctrY" for="ch" forName="iconRect" refType="ctrY" refFor="ch" refForName="bgRect"/>
-              <dgm:constr type="w" for="ch" forName="spaceRect" refType="l" refFor="ch" refForName="iconRect"/>
-              <dgm:constr type="h" for="ch" forName="spaceRect" refType="h"/>
-              <dgm:constr type="l" for="ch" forName="spaceRect" refType="r" refFor="ch" refForName="iconRect"/>
-              <dgm:constr type="t" for="ch" forName="spaceRect"/>
-              <dgm:constr type="h" for="ch" forName="parTx" refType="h"/>
-              <dgm:constr type="l" for="ch" forName="parTx" refType="r" refFor="ch" refForName="spaceRect"/>
-              <dgm:constr type="t" for="ch" forName="parTx"/>
-            </dgm:constrLst>
-          </dgm:else>
-        </dgm:choose>
+        <dgm:constrLst>
+          <dgm:constr type="tMarg" refType="primFontSz" fact="0.3"/>
+          <dgm:constr type="bMarg" refType="primFontSz" fact="0.3"/>
+          <dgm:constr type="lMarg" refType="primFontSz" fact="0.3"/>
+          <dgm:constr type="rMarg" refType="primFontSz" fact="0.3"/>
+        </dgm:constrLst>
         <dgm:ruleLst>
           <dgm:rule type="h" val="INF" fact="NaN" max="NaN"/>
         </dgm:ruleLst>
-        <dgm:layoutNode name="bgRect" styleLbl="bgShp">
-          <dgm:alg type="sp"/>
-          <dgm:shape xmlns:r="http://schemas.openxmlformats.org/officeDocument/2006/relationships" type="roundRect" r:blip="">
-            <dgm:adjLst>
-              <dgm:adj idx="1" val="0.1"/>
-            </dgm:adjLst>
-          </dgm:shape>
-          <dgm:presOf/>
-          <dgm:constrLst/>
-          <dgm:ruleLst/>
-        </dgm:layoutNode>
-        <dgm:layoutNode name="iconRect" styleLbl="node1">
-          <dgm:alg type="sp"/>
-          <dgm:shape xmlns:r="http://schemas.openxmlformats.org/officeDocument/2006/relationships" type="rect" r:blip="" blipPhldr="1">
-            <dgm:adjLst/>
-          </dgm:shape>
-          <dgm:presOf/>
-          <dgm:constrLst/>
-          <dgm:ruleLst/>
-        </dgm:layoutNode>
-        <dgm:layoutNode name="spaceRect">
-          <dgm:alg type="sp"/>
-          <dgm:shape xmlns:r="http://schemas.openxmlformats.org/officeDocument/2006/relationships" r:blip="">
-            <dgm:adjLst/>
-          </dgm:shape>
-          <dgm:presOf/>
-          <dgm:constrLst/>
-          <dgm:ruleLst/>
-        </dgm:layoutNode>
-        <dgm:layoutNode name="parTx" styleLbl="revTx">
-          <dgm:varLst>
-            <dgm:chMax val="0"/>
-            <dgm:chPref val="0"/>
-          </dgm:varLst>
-          <dgm:alg type="tx">
-            <dgm:param type="txAnchorVert" val="mid"/>
-            <dgm:param type="parTxLTRAlign" val="l"/>
-            <dgm:param type="shpTxLTRAlignCh" val="l"/>
-            <dgm:param type="parTxRTLAlign" val="r"/>
-            <dgm:param type="shpTxRTLAlignCh" val="r"/>
-          </dgm:alg>
-          <dgm:shape xmlns:r="http://schemas.openxmlformats.org/officeDocument/2006/relationships" type="rect" r:blip="">
-            <dgm:adjLst/>
-          </dgm:shape>
-          <dgm:presOf axis="self" ptType="node"/>
-          <dgm:constrLst>
-            <dgm:constr type="lMarg" refType="h" fact="0.3"/>
-            <dgm:constr type="rMarg" refType="h" fact="0.3"/>
-            <dgm:constr type="tMarg" refType="h" fact="0.3"/>
-            <dgm:constr type="bMarg" refType="h" fact="0.3"/>
-          </dgm:constrLst>
-          <dgm:ruleLst>
-            <dgm:rule type="primFontSz" val="14" fact="NaN" max="NaN"/>
-            <dgm:rule type="h" val="INF" fact="NaN" max="NaN"/>
-          </dgm:ruleLst>
-        </dgm:layoutNode>
-        <dgm:choose name="Name12">
-          <dgm:if name="Name13" axis="ch" ptType="node" func="cnt" op="gte" val="1">
-            <dgm:layoutNode name="desTx" styleLbl="revTx">
-              <dgm:varLst/>
-              <dgm:alg type="tx">
-                <dgm:param type="txAnchorVertCh" val="mid"/>
-                <dgm:param type="parTxLTRAlign" val="l"/>
-                <dgm:param type="shpTxLTRAlignCh" val="l"/>
-                <dgm:param type="parTxRTLAlign" val="r"/>
-                <dgm:param type="shpTxRTLAlignCh" val="r"/>
-                <dgm:param type="stBulletLvl" val="0"/>
-              </dgm:alg>
-              <dgm:shape xmlns:r="http://schemas.openxmlformats.org/officeDocument/2006/relationships" type="rect" r:blip="">
-                <dgm:adjLst/>
-              </dgm:shape>
-              <dgm:presOf axis="des" ptType="node"/>
-              <dgm:constrLst>
-                <dgm:constr type="primFontSz" val="18"/>
-                <dgm:constr type="secFontSz" refType="primFontSz"/>
-                <dgm:constr type="lMarg" refType="h" fact="0.3"/>
-                <dgm:constr type="rMarg" refType="h" fact="0.3"/>
-                <dgm:constr type="tMarg" refType="h" fact="0.3"/>
-                <dgm:constr type="bMarg" refType="h" fact="0.3"/>
-              </dgm:constrLst>
-              <dgm:ruleLst>
-                <dgm:rule type="primFontSz" val="11" fact="NaN" max="NaN"/>
-              </dgm:ruleLst>
-            </dgm:layoutNode>
-          </dgm:if>
-          <dgm:else name="Name14"/>
-        </dgm:choose>
       </dgm:layoutNode>
-      <dgm:forEach name="Name15" axis="followSib" ptType="sibTrans" cnt="1">
-        <dgm:layoutNode name="sibTrans">
-          <dgm:alg type="sp"/>
-          <dgm:shape xmlns:r="http://schemas.openxmlformats.org/officeDocument/2006/relationships" r:blip="">
-            <dgm:adjLst/>
-          </dgm:shape>
-          <dgm:presOf axis="self"/>
-          <dgm:constrLst/>
-          <dgm:ruleLst/>
-        </dgm:layoutNode>
-      </dgm:forEach>
+      <dgm:choose name="Name1">
+        <dgm:if name="Name2" axis="ch" ptType="node" func="cnt" op="gte" val="1">
+          <dgm:layoutNode name="childText" styleLbl="revTx">
+            <dgm:varLst>
+              <dgm:bulletEnabled val="1"/>
+            </dgm:varLst>
+            <dgm:alg type="tx">
+              <dgm:param type="stBulletLvl" val="1"/>
+              <dgm:param type="lnSpAfChP" val="20"/>
+            </dgm:alg>
+            <dgm:shape xmlns:r="http://schemas.openxmlformats.org/officeDocument/2006/relationships" type="rect" r:blip="">
+              <dgm:adjLst/>
+            </dgm:shape>
+            <dgm:presOf axis="des" ptType="node"/>
+            <dgm:constrLst>
+              <dgm:constr type="tMarg" refType="primFontSz" fact="0.1"/>
+              <dgm:constr type="bMarg" refType="primFontSz" fact="0.1"/>
+              <dgm:constr type="lMarg" refType="w" fact="0.09"/>
+            </dgm:constrLst>
+            <dgm:ruleLst>
+              <dgm:rule type="h" val="INF" fact="NaN" max="NaN"/>
+            </dgm:ruleLst>
+          </dgm:layoutNode>
+        </dgm:if>
+        <dgm:else name="Name3">
+          <dgm:choose name="Name4">
+            <dgm:if name="Name5" axis="par ch" ptType="doc node" func="cnt" op="gte" val="2">
+              <dgm:forEach name="Name6" axis="followSib" ptType="sibTrans" cnt="1">
+                <dgm:layoutNode name="spacer">
+                  <dgm:alg type="sp"/>
+                  <dgm:shape xmlns:r="http://schemas.openxmlformats.org/officeDocument/2006/relationships" r:blip="">
+                    <dgm:adjLst/>
+                  </dgm:shape>
+                  <dgm:presOf/>
+                  <dgm:constrLst/>
+                  <dgm:ruleLst/>
+                </dgm:layoutNode>
+              </dgm:forEach>
+            </dgm:if>
+            <dgm:else name="Name7"/>
+          </dgm:choose>
+        </dgm:else>
+      </dgm:choose>
     </dgm:forEach>
   </dgm:layoutNode>
-  <dgm:extLst>
-    <a:ext uri="{68A01E43-0DF5-4B5B-8FA6-DAF915123BFB}">
-      <dgm1612:lstStyle xmlns:dgm1612="http://schemas.microsoft.com/office/drawing/2016/12/diagram">
-        <a:lvl1pPr>
-          <a:lnSpc>
-            <a:spcPct val="100000"/>
-          </a:lnSpc>
-        </a:lvl1pPr>
-        <a:lvl2pPr>
-          <a:lnSpc>
-            <a:spcPct val="100000"/>
-          </a:lnSpc>
-        </a:lvl2pPr>
-      </dgm1612:lstStyle>
-    </a:ext>
-  </dgm:extLst>
 </dgm:layoutDef>
 </file>
 
 <file path=ppt/diagrams/quickStyle1.xml><?xml version="1.0" encoding="utf-8"?>
-<dgm:styleDef xmlns:dgm="http://schemas.openxmlformats.org/drawingml/2006/diagram" xmlns:a="http://schemas.openxmlformats.org/drawingml/2006/main" uniqueId="urn:microsoft.com/office/officeart/2005/8/quickstyle/simple1">
+<dgm:styleDef xmlns:dgm="http://schemas.openxmlformats.org/drawingml/2006/diagram" xmlns:a="http://schemas.openxmlformats.org/drawingml/2006/main" uniqueId="urn:microsoft.com/office/officeart/2005/8/quickstyle/simple2">
   <dgm:title val=""/>
   <dgm:desc val=""/>
   <dgm:catLst>
-    <dgm:cat type="simple" pri="10100"/>
+    <dgm:cat type="simple" pri="10200"/>
   </dgm:catLst>
   <dgm:scene3d>
     <a:camera prst="orthographicFront"/>
@@ -2671,13 +1856,13 @@
     <dgm:sp3d/>
     <dgm:txPr/>
     <dgm:style>
-      <a:lnRef idx="2">
+      <a:lnRef idx="3">
         <a:scrgbClr r="0" g="0" b="0"/>
       </a:lnRef>
       <a:fillRef idx="1">
         <a:scrgbClr r="0" g="0" b="0"/>
       </a:fillRef>
-      <a:effectRef idx="0">
+      <a:effectRef idx="1">
         <a:scrgbClr r="0" g="0" b="0"/>
       </a:effectRef>
       <a:fontRef idx="minor">
@@ -2693,13 +1878,13 @@
     <dgm:sp3d/>
     <dgm:txPr/>
     <dgm:style>
-      <a:lnRef idx="2">
+      <a:lnRef idx="3">
         <a:scrgbClr r="0" g="0" b="0"/>
       </a:lnRef>
       <a:fillRef idx="1">
         <a:scrgbClr r="0" g="0" b="0"/>
       </a:fillRef>
-      <a:effectRef idx="0">
+      <a:effectRef idx="1">
         <a:scrgbClr r="0" g="0" b="0"/>
       </a:effectRef>
       <a:fontRef idx="minor">
@@ -2715,7 +1900,7 @@
     <dgm:sp3d/>
     <dgm:txPr/>
     <dgm:style>
-      <a:lnRef idx="2">
+      <a:lnRef idx="3">
         <a:scrgbClr r="0" g="0" b="0"/>
       </a:lnRef>
       <a:fillRef idx="1">
@@ -2743,7 +1928,7 @@
       <a:fillRef idx="1">
         <a:scrgbClr r="0" g="0" b="0"/>
       </a:fillRef>
-      <a:effectRef idx="0">
+      <a:effectRef idx="1">
         <a:scrgbClr r="0" g="0" b="0"/>
       </a:effectRef>
       <a:fontRef idx="minor">
@@ -2759,13 +1944,13 @@
     <dgm:sp3d/>
     <dgm:txPr/>
     <dgm:style>
-      <a:lnRef idx="2">
+      <a:lnRef idx="3">
         <a:scrgbClr r="0" g="0" b="0"/>
       </a:lnRef>
       <a:fillRef idx="1">
         <a:scrgbClr r="0" g="0" b="0"/>
       </a:fillRef>
-      <a:effectRef idx="0">
+      <a:effectRef idx="1">
         <a:scrgbClr r="0" g="0" b="0"/>
       </a:effectRef>
       <a:fontRef idx="minor">
@@ -2781,13 +1966,13 @@
     <dgm:sp3d/>
     <dgm:txPr/>
     <dgm:style>
-      <a:lnRef idx="2">
+      <a:lnRef idx="3">
         <a:scrgbClr r="0" g="0" b="0"/>
       </a:lnRef>
       <a:fillRef idx="1">
         <a:scrgbClr r="0" g="0" b="0"/>
       </a:fillRef>
-      <a:effectRef idx="0">
+      <a:effectRef idx="1">
         <a:scrgbClr r="0" g="0" b="0"/>
       </a:effectRef>
       <a:fontRef idx="minor">
@@ -2803,13 +1988,13 @@
     <dgm:sp3d/>
     <dgm:txPr/>
     <dgm:style>
-      <a:lnRef idx="2">
+      <a:lnRef idx="3">
         <a:scrgbClr r="0" g="0" b="0"/>
       </a:lnRef>
       <a:fillRef idx="1">
         <a:scrgbClr r="0" g="0" b="0"/>
       </a:fillRef>
-      <a:effectRef idx="0">
+      <a:effectRef idx="1">
         <a:scrgbClr r="0" g="0" b="0"/>
       </a:effectRef>
       <a:fontRef idx="minor">
@@ -2825,13 +2010,13 @@
     <dgm:sp3d/>
     <dgm:txPr/>
     <dgm:style>
-      <a:lnRef idx="2">
+      <a:lnRef idx="3">
         <a:scrgbClr r="0" g="0" b="0"/>
       </a:lnRef>
       <a:fillRef idx="1">
         <a:scrgbClr r="0" g="0" b="0"/>
       </a:fillRef>
-      <a:effectRef idx="0">
+      <a:effectRef idx="1">
         <a:scrgbClr r="0" g="0" b="0"/>
       </a:effectRef>
       <a:fontRef idx="minor">
@@ -2847,13 +2032,13 @@
     <dgm:sp3d/>
     <dgm:txPr/>
     <dgm:style>
-      <a:lnRef idx="2">
+      <a:lnRef idx="3">
         <a:scrgbClr r="0" g="0" b="0"/>
       </a:lnRef>
       <a:fillRef idx="1">
         <a:scrgbClr r="0" g="0" b="0"/>
       </a:fillRef>
-      <a:effectRef idx="0">
+      <a:effectRef idx="1">
         <a:scrgbClr r="0" g="0" b="0"/>
       </a:effectRef>
       <a:fontRef idx="minor"/>
@@ -2867,13 +2052,13 @@
     <dgm:sp3d/>
     <dgm:txPr/>
     <dgm:style>
-      <a:lnRef idx="2">
+      <a:lnRef idx="3">
         <a:scrgbClr r="0" g="0" b="0"/>
       </a:lnRef>
       <a:fillRef idx="1">
         <a:scrgbClr r="0" g="0" b="0"/>
       </a:fillRef>
-      <a:effectRef idx="0">
+      <a:effectRef idx="1">
         <a:scrgbClr r="0" g="0" b="0"/>
       </a:effectRef>
       <a:fontRef idx="minor"/>
@@ -2887,13 +2072,13 @@
     <dgm:sp3d/>
     <dgm:txPr/>
     <dgm:style>
-      <a:lnRef idx="2">
+      <a:lnRef idx="3">
         <a:scrgbClr r="0" g="0" b="0"/>
       </a:lnRef>
       <a:fillRef idx="1">
         <a:scrgbClr r="0" g="0" b="0"/>
       </a:fillRef>
-      <a:effectRef idx="0">
+      <a:effectRef idx="1">
         <a:scrgbClr r="0" g="0" b="0"/>
       </a:effectRef>
       <a:fontRef idx="minor"/>
@@ -2913,7 +2098,7 @@
       <a:fillRef idx="1">
         <a:scrgbClr r="0" g="0" b="0"/>
       </a:fillRef>
-      <a:effectRef idx="0">
+      <a:effectRef idx="1">
         <a:scrgbClr r="0" g="0" b="0"/>
       </a:effectRef>
       <a:fontRef idx="minor">
@@ -2935,7 +2120,7 @@
       <a:fillRef idx="1">
         <a:scrgbClr r="0" g="0" b="0"/>
       </a:fillRef>
-      <a:effectRef idx="0">
+      <a:effectRef idx="1">
         <a:scrgbClr r="0" g="0" b="0"/>
       </a:effectRef>
       <a:fontRef idx="minor">
@@ -2957,7 +2142,7 @@
       <a:fillRef idx="1">
         <a:scrgbClr r="0" g="0" b="0"/>
       </a:fillRef>
-      <a:effectRef idx="0">
+      <a:effectRef idx="1">
         <a:scrgbClr r="0" g="0" b="0"/>
       </a:effectRef>
       <a:fontRef idx="minor">
@@ -2999,7 +2184,7 @@
       <a:fillRef idx="1">
         <a:scrgbClr r="0" g="0" b="0"/>
       </a:fillRef>
-      <a:effectRef idx="0">
+      <a:effectRef idx="1">
         <a:scrgbClr r="0" g="0" b="0"/>
       </a:effectRef>
       <a:fontRef idx="minor"/>
@@ -3013,13 +2198,13 @@
     <dgm:sp3d/>
     <dgm:txPr/>
     <dgm:style>
-      <a:lnRef idx="2">
+      <a:lnRef idx="3">
         <a:scrgbClr r="0" g="0" b="0"/>
       </a:lnRef>
       <a:fillRef idx="1">
         <a:scrgbClr r="0" g="0" b="0"/>
       </a:fillRef>
-      <a:effectRef idx="0">
+      <a:effectRef idx="1">
         <a:scrgbClr r="0" g="0" b="0"/>
       </a:effectRef>
       <a:fontRef idx="minor">
@@ -3035,13 +2220,13 @@
     <dgm:sp3d/>
     <dgm:txPr/>
     <dgm:style>
-      <a:lnRef idx="2">
+      <a:lnRef idx="3">
         <a:scrgbClr r="0" g="0" b="0"/>
       </a:lnRef>
       <a:fillRef idx="1">
         <a:scrgbClr r="0" g="0" b="0"/>
       </a:fillRef>
-      <a:effectRef idx="0">
+      <a:effectRef idx="1">
         <a:scrgbClr r="0" g="0" b="0"/>
       </a:effectRef>
       <a:fontRef idx="minor">
@@ -3057,13 +2242,13 @@
     <dgm:sp3d/>
     <dgm:txPr/>
     <dgm:style>
-      <a:lnRef idx="2">
+      <a:lnRef idx="3">
         <a:scrgbClr r="0" g="0" b="0"/>
       </a:lnRef>
       <a:fillRef idx="1">
         <a:scrgbClr r="0" g="0" b="0"/>
       </a:fillRef>
-      <a:effectRef idx="0">
+      <a:effectRef idx="1">
         <a:scrgbClr r="0" g="0" b="0"/>
       </a:effectRef>
       <a:fontRef idx="minor">
@@ -3079,13 +2264,13 @@
     <dgm:sp3d/>
     <dgm:txPr/>
     <dgm:style>
-      <a:lnRef idx="2">
+      <a:lnRef idx="3">
         <a:scrgbClr r="0" g="0" b="0"/>
       </a:lnRef>
       <a:fillRef idx="1">
         <a:scrgbClr r="0" g="0" b="0"/>
       </a:fillRef>
-      <a:effectRef idx="0">
+      <a:effectRef idx="1">
         <a:scrgbClr r="0" g="0" b="0"/>
       </a:effectRef>
       <a:fontRef idx="minor">
@@ -3101,13 +2286,13 @@
     <dgm:sp3d/>
     <dgm:txPr/>
     <dgm:style>
-      <a:lnRef idx="2">
+      <a:lnRef idx="3">
         <a:scrgbClr r="0" g="0" b="0"/>
       </a:lnRef>
       <a:fillRef idx="1">
         <a:scrgbClr r="0" g="0" b="0"/>
       </a:fillRef>
-      <a:effectRef idx="0">
+      <a:effectRef idx="1">
         <a:scrgbClr r="0" g="0" b="0"/>
       </a:effectRef>
       <a:fontRef idx="minor">
@@ -3123,13 +2308,13 @@
     <dgm:sp3d/>
     <dgm:txPr/>
     <dgm:style>
-      <a:lnRef idx="2">
+      <a:lnRef idx="3">
         <a:scrgbClr r="0" g="0" b="0"/>
       </a:lnRef>
       <a:fillRef idx="1">
         <a:scrgbClr r="0" g="0" b="0"/>
       </a:fillRef>
-      <a:effectRef idx="0">
+      <a:effectRef idx="1">
         <a:scrgbClr r="0" g="0" b="0"/>
       </a:effectRef>
       <a:fontRef idx="minor">
@@ -3145,13 +2330,13 @@
     <dgm:sp3d/>
     <dgm:txPr/>
     <dgm:style>
-      <a:lnRef idx="2">
+      <a:lnRef idx="3">
         <a:scrgbClr r="0" g="0" b="0"/>
       </a:lnRef>
       <a:fillRef idx="1">
         <a:scrgbClr r="0" g="0" b="0"/>
       </a:fillRef>
-      <a:effectRef idx="0">
+      <a:effectRef idx="1">
         <a:scrgbClr r="0" g="0" b="0"/>
       </a:effectRef>
       <a:fontRef idx="minor">
@@ -3167,13 +2352,13 @@
     <dgm:sp3d/>
     <dgm:txPr/>
     <dgm:style>
-      <a:lnRef idx="2">
+      <a:lnRef idx="3">
         <a:scrgbClr r="0" g="0" b="0"/>
       </a:lnRef>
       <a:fillRef idx="1">
         <a:scrgbClr r="0" g="0" b="0"/>
       </a:fillRef>
-      <a:effectRef idx="0">
+      <a:effectRef idx="1">
         <a:scrgbClr r="0" g="0" b="0"/>
       </a:effectRef>
       <a:fontRef idx="minor">
@@ -3189,13 +2374,13 @@
     <dgm:sp3d/>
     <dgm:txPr/>
     <dgm:style>
-      <a:lnRef idx="2">
+      <a:lnRef idx="3">
         <a:scrgbClr r="0" g="0" b="0"/>
       </a:lnRef>
       <a:fillRef idx="1">
         <a:scrgbClr r="0" g="0" b="0"/>
       </a:fillRef>
-      <a:effectRef idx="0">
+      <a:effectRef idx="1">
         <a:scrgbClr r="0" g="0" b="0"/>
       </a:effectRef>
       <a:fontRef idx="minor">
@@ -3651,13 +2836,13 @@
     <dgm:sp3d/>
     <dgm:txPr/>
     <dgm:style>
-      <a:lnRef idx="2">
+      <a:lnRef idx="3">
         <a:scrgbClr r="0" g="0" b="0"/>
       </a:lnRef>
       <a:fillRef idx="1">
         <a:scrgbClr r="0" g="0" b="0"/>
       </a:fillRef>
-      <a:effectRef idx="0">
+      <a:effectRef idx="1">
         <a:scrgbClr r="0" g="0" b="0"/>
       </a:effectRef>
       <a:fontRef idx="minor"/>
@@ -4130,7 +3315,8 @@
               <a:defRPr sz="5400">
                 <a:solidFill>
                   <a:schemeClr val="accent1">
-                    <a:lumMod val="50000"/>
+                    <a:lumMod val="60000"/>
+                    <a:lumOff val="40000"/>
                   </a:schemeClr>
                 </a:solidFill>
               </a:defRPr>
@@ -4138,8 +3324,8 @@
           </a:lstStyle>
           <a:p>
             <a:fld id="{F7AFFB9B-9FB8-469E-96F9-4D32314110B6}" type="datetimeFigureOut">
-              <a:rPr lang="en-US" dirty="0"/>
-              <a:t>10/24/2023</a:t>
+              <a:rPr lang="en-US" smtClean="0"/>
+              <a:t>10/24/23</a:t>
             </a:fld>
             <a:endParaRPr lang="en-US" dirty="0"/>
           </a:p>
@@ -4157,14 +3343,17 @@
         </p:nvSpPr>
         <p:spPr>
           <a:xfrm rot="21420000">
-            <a:off x="-5560" y="4883024"/>
-            <a:ext cx="4047239" cy="1195538"/>
+            <a:off x="9144" y="4882896"/>
+            <a:ext cx="4050792" cy="1197864"/>
           </a:xfrm>
+          <a:noFill/>
         </p:spPr>
         <p:txBody>
-          <a:bodyPr vert="horz" lIns="91440" tIns="45720" rIns="91440" bIns="45720" rtlCol="0" anchor="ctr"/>
+          <a:bodyPr wrap="square" rtlCol="0">
+            <a:spAutoFit/>
+          </a:bodyPr>
           <a:lstStyle>
-            <a:lvl1pPr algn="r">
+            <a:lvl1pPr>
               <a:defRPr lang="en-US" sz="5400" dirty="0"/>
             </a:lvl1pPr>
           </a:lstStyle>
@@ -4205,7 +3394,7 @@
           </a:lstStyle>
           <a:p>
             <a:fld id="{6D22F896-40B5-4ADD-8801-0D06FADFA095}" type="slidenum">
-              <a:rPr lang="en-US" dirty="0"/>
+              <a:rPr lang="en-US" smtClean="0"/>
               <a:pPr/>
               <a:t>‹#›</a:t>
             </a:fld>
@@ -4232,8 +3421,10 @@
             </a:avLst>
           </a:prstGeom>
           <a:solidFill>
-            <a:schemeClr val="tx1">
-              <a:alpha val="40000"/>
+            <a:schemeClr val="accent1">
+              <a:lumMod val="60000"/>
+              <a:lumOff val="40000"/>
+              <a:alpha val="50000"/>
             </a:schemeClr>
           </a:solidFill>
           <a:ln>
@@ -4256,6 +3447,11 @@
         </p:style>
       </p:sp>
     </p:spTree>
+    <p:extLst>
+      <p:ext uri="{BB962C8B-B14F-4D97-AF65-F5344CB8AC3E}">
+        <p14:creationId xmlns:p14="http://schemas.microsoft.com/office/powerpoint/2010/main" val="852614951"/>
+      </p:ext>
+    </p:extLst>
   </p:cSld>
   <p:clrMapOvr>
     <a:masterClrMapping/>
@@ -4466,8 +3662,8 @@
           <a:lstStyle/>
           <a:p>
             <a:fld id="{341D2AC3-6A0B-4169-B1EA-E3AE8B351BDD}" type="datetimeFigureOut">
-              <a:rPr lang="en-US" dirty="0"/>
-              <a:t>10/24/2023</a:t>
+              <a:rPr lang="en-US" smtClean="0"/>
+              <a:t>10/24/23</a:t>
             </a:fld>
             <a:endParaRPr lang="en-US" dirty="0"/>
           </a:p>
@@ -4508,7 +3704,7 @@
           <a:lstStyle/>
           <a:p>
             <a:fld id="{6D22F896-40B5-4ADD-8801-0D06FADFA095}" type="slidenum">
-              <a:rPr lang="en-US" dirty="0"/>
+              <a:rPr lang="en-US" smtClean="0"/>
               <a:t>‹#›</a:t>
             </a:fld>
             <a:endParaRPr lang="en-US" dirty="0"/>
@@ -4516,6 +3712,11 @@
         </p:txBody>
       </p:sp>
     </p:spTree>
+    <p:extLst>
+      <p:ext uri="{BB962C8B-B14F-4D97-AF65-F5344CB8AC3E}">
+        <p14:creationId xmlns:p14="http://schemas.microsoft.com/office/powerpoint/2010/main" val="2345208375"/>
+      </p:ext>
+    </p:extLst>
   </p:cSld>
   <p:clrMapOvr>
     <a:masterClrMapping/>
@@ -4657,8 +3858,8 @@
           <a:lstStyle/>
           <a:p>
             <a:fld id="{DD4B9363-8B87-41B7-9F8E-64519CBB8F34}" type="datetimeFigureOut">
-              <a:rPr lang="en-US" dirty="0"/>
-              <a:t>10/24/2023</a:t>
+              <a:rPr lang="en-US" smtClean="0"/>
+              <a:t>10/24/23</a:t>
             </a:fld>
             <a:endParaRPr lang="en-US" dirty="0"/>
           </a:p>
@@ -4699,7 +3900,7 @@
           <a:lstStyle/>
           <a:p>
             <a:fld id="{6D22F896-40B5-4ADD-8801-0D06FADFA095}" type="slidenum">
-              <a:rPr lang="en-US" dirty="0"/>
+              <a:rPr lang="en-US" smtClean="0"/>
               <a:t>‹#›</a:t>
             </a:fld>
             <a:endParaRPr lang="en-US" dirty="0"/>
@@ -4707,6 +3908,11 @@
         </p:txBody>
       </p:sp>
     </p:spTree>
+    <p:extLst>
+      <p:ext uri="{BB962C8B-B14F-4D97-AF65-F5344CB8AC3E}">
+        <p14:creationId xmlns:p14="http://schemas.microsoft.com/office/powerpoint/2010/main" val="1825376085"/>
+      </p:ext>
+    </p:extLst>
   </p:cSld>
   <p:clrMapOvr>
     <a:masterClrMapping/>
@@ -4922,8 +4128,8 @@
           <a:lstStyle/>
           <a:p>
             <a:fld id="{EAEF5746-5284-4951-9F37-7AE924EDBCB7}" type="datetimeFigureOut">
-              <a:rPr lang="en-US" dirty="0"/>
-              <a:t>10/24/2023</a:t>
+              <a:rPr lang="en-US" smtClean="0"/>
+              <a:t>10/24/23</a:t>
             </a:fld>
             <a:endParaRPr lang="en-US" dirty="0"/>
           </a:p>
@@ -4964,7 +4170,7 @@
           <a:lstStyle/>
           <a:p>
             <a:fld id="{6D22F896-40B5-4ADD-8801-0D06FADFA095}" type="slidenum">
-              <a:rPr lang="en-US" dirty="0"/>
+              <a:rPr lang="en-US" smtClean="0"/>
               <a:t>‹#›</a:t>
             </a:fld>
             <a:endParaRPr lang="en-US" dirty="0"/>
@@ -5204,6 +4410,11 @@
         </p:txBody>
       </p:sp>
     </p:spTree>
+    <p:extLst>
+      <p:ext uri="{BB962C8B-B14F-4D97-AF65-F5344CB8AC3E}">
+        <p14:creationId xmlns:p14="http://schemas.microsoft.com/office/powerpoint/2010/main" val="2653263288"/>
+      </p:ext>
+    </p:extLst>
   </p:cSld>
   <p:clrMapOvr>
     <a:masterClrMapping/>
@@ -5345,8 +4556,8 @@
           <a:lstStyle/>
           <a:p>
             <a:fld id="{02398B29-7265-4A65-A2A4-6703C057B7C1}" type="datetimeFigureOut">
-              <a:rPr lang="en-US" dirty="0"/>
-              <a:t>10/24/2023</a:t>
+              <a:rPr lang="en-US" smtClean="0"/>
+              <a:t>10/24/23</a:t>
             </a:fld>
             <a:endParaRPr lang="en-US" dirty="0"/>
           </a:p>
@@ -5387,7 +4598,7 @@
           <a:lstStyle/>
           <a:p>
             <a:fld id="{6D22F896-40B5-4ADD-8801-0D06FADFA095}" type="slidenum">
-              <a:rPr lang="en-US" dirty="0"/>
+              <a:rPr lang="en-US" smtClean="0"/>
               <a:t>‹#›</a:t>
             </a:fld>
             <a:endParaRPr lang="en-US" dirty="0"/>
@@ -5395,6 +4606,11 @@
         </p:txBody>
       </p:sp>
     </p:spTree>
+    <p:extLst>
+      <p:ext uri="{BB962C8B-B14F-4D97-AF65-F5344CB8AC3E}">
+        <p14:creationId xmlns:p14="http://schemas.microsoft.com/office/powerpoint/2010/main" val="1656350657"/>
+      </p:ext>
+    </p:extLst>
   </p:cSld>
   <p:clrMapOvr>
     <a:masterClrMapping/>
@@ -5890,8 +5106,8 @@
           <a:lstStyle/>
           <a:p>
             <a:fld id="{28FBA082-94DF-4C4B-A041-6624924AB0A8}" type="datetimeFigureOut">
-              <a:rPr lang="en-US" dirty="0"/>
-              <a:t>10/24/2023</a:t>
+              <a:rPr lang="en-US" smtClean="0"/>
+              <a:t>10/24/23</a:t>
             </a:fld>
             <a:endParaRPr lang="en-US" dirty="0"/>
           </a:p>
@@ -5932,7 +5148,7 @@
           <a:lstStyle/>
           <a:p>
             <a:fld id="{6D22F896-40B5-4ADD-8801-0D06FADFA095}" type="slidenum">
-              <a:rPr lang="en-US" dirty="0"/>
+              <a:rPr lang="en-US" smtClean="0"/>
               <a:t>‹#›</a:t>
             </a:fld>
             <a:endParaRPr lang="en-US" dirty="0"/>
@@ -5940,6 +5156,11 @@
         </p:txBody>
       </p:sp>
     </p:spTree>
+    <p:extLst>
+      <p:ext uri="{BB962C8B-B14F-4D97-AF65-F5344CB8AC3E}">
+        <p14:creationId xmlns:p14="http://schemas.microsoft.com/office/powerpoint/2010/main" val="3291812778"/>
+      </p:ext>
+    </p:extLst>
   </p:cSld>
   <p:clrMapOvr>
     <a:masterClrMapping/>
@@ -6675,8 +5896,8 @@
           <a:lstStyle/>
           <a:p>
             <a:fld id="{B27686C4-3AB5-4E0C-86CA-FB108C350AA9}" type="datetimeFigureOut">
-              <a:rPr lang="en-US" dirty="0"/>
-              <a:t>10/24/2023</a:t>
+              <a:rPr lang="en-US" smtClean="0"/>
+              <a:t>10/24/23</a:t>
             </a:fld>
             <a:endParaRPr lang="en-US" dirty="0"/>
           </a:p>
@@ -6717,7 +5938,7 @@
           <a:lstStyle/>
           <a:p>
             <a:fld id="{6D22F896-40B5-4ADD-8801-0D06FADFA095}" type="slidenum">
-              <a:rPr lang="en-US" dirty="0"/>
+              <a:rPr lang="en-US" smtClean="0"/>
               <a:t>‹#›</a:t>
             </a:fld>
             <a:endParaRPr lang="en-US" dirty="0"/>
@@ -6725,6 +5946,11 @@
         </p:txBody>
       </p:sp>
     </p:spTree>
+    <p:extLst>
+      <p:ext uri="{BB962C8B-B14F-4D97-AF65-F5344CB8AC3E}">
+        <p14:creationId xmlns:p14="http://schemas.microsoft.com/office/powerpoint/2010/main" val="3809442217"/>
+      </p:ext>
+    </p:extLst>
   </p:cSld>
   <p:clrMapOvr>
     <a:masterClrMapping/>
@@ -6849,8 +6075,8 @@
           <a:lstStyle/>
           <a:p>
             <a:fld id="{49FF1211-4E0C-4AB3-B04F-585959BDAFE8}" type="datetimeFigureOut">
-              <a:rPr lang="en-US" dirty="0"/>
-              <a:t>10/24/2023</a:t>
+              <a:rPr lang="en-US" smtClean="0"/>
+              <a:t>10/24/23</a:t>
             </a:fld>
             <a:endParaRPr lang="en-US" dirty="0"/>
           </a:p>
@@ -6891,7 +6117,7 @@
           <a:lstStyle/>
           <a:p>
             <a:fld id="{6D22F896-40B5-4ADD-8801-0D06FADFA095}" type="slidenum">
-              <a:rPr lang="en-US" dirty="0"/>
+              <a:rPr lang="en-US" smtClean="0"/>
               <a:t>‹#›</a:t>
             </a:fld>
             <a:endParaRPr lang="en-US" dirty="0"/>
@@ -6899,6 +6125,11 @@
         </p:txBody>
       </p:sp>
     </p:spTree>
+    <p:extLst>
+      <p:ext uri="{BB962C8B-B14F-4D97-AF65-F5344CB8AC3E}">
+        <p14:creationId xmlns:p14="http://schemas.microsoft.com/office/powerpoint/2010/main" val="925012015"/>
+      </p:ext>
+    </p:extLst>
   </p:cSld>
   <p:clrMapOvr>
     <a:masterClrMapping/>
@@ -7028,8 +6259,8 @@
           <a:lstStyle/>
           <a:p>
             <a:fld id="{28BDECAF-D3BE-4069-9C78-642ECCD01477}" type="datetimeFigureOut">
-              <a:rPr lang="en-US" dirty="0"/>
-              <a:t>10/24/2023</a:t>
+              <a:rPr lang="en-US" smtClean="0"/>
+              <a:t>10/24/23</a:t>
             </a:fld>
             <a:endParaRPr lang="en-US" dirty="0"/>
           </a:p>
@@ -7070,7 +6301,7 @@
           <a:lstStyle/>
           <a:p>
             <a:fld id="{6D22F896-40B5-4ADD-8801-0D06FADFA095}" type="slidenum">
-              <a:rPr lang="en-US" dirty="0"/>
+              <a:rPr lang="en-US" smtClean="0"/>
               <a:t>‹#›</a:t>
             </a:fld>
             <a:endParaRPr lang="en-US" dirty="0"/>
@@ -7078,6 +6309,11 @@
         </p:txBody>
       </p:sp>
     </p:spTree>
+    <p:extLst>
+      <p:ext uri="{BB962C8B-B14F-4D97-AF65-F5344CB8AC3E}">
+        <p14:creationId xmlns:p14="http://schemas.microsoft.com/office/powerpoint/2010/main" val="630369224"/>
+      </p:ext>
+    </p:extLst>
   </p:cSld>
   <p:clrMapOvr>
     <a:masterClrMapping/>
@@ -7198,8 +6434,8 @@
           <a:lstStyle/>
           <a:p>
             <a:fld id="{8EFBDC27-E420-4878-9EE6-7B9656D6442A}" type="datetimeFigureOut">
-              <a:rPr lang="en-US" dirty="0"/>
-              <a:t>10/24/2023</a:t>
+              <a:rPr lang="en-US" smtClean="0"/>
+              <a:t>10/24/23</a:t>
             </a:fld>
             <a:endParaRPr lang="en-US" dirty="0"/>
           </a:p>
@@ -7240,7 +6476,7 @@
           <a:lstStyle/>
           <a:p>
             <a:fld id="{6D22F896-40B5-4ADD-8801-0D06FADFA095}" type="slidenum">
-              <a:rPr lang="en-US" dirty="0"/>
+              <a:rPr lang="en-US" smtClean="0"/>
               <a:t>‹#›</a:t>
             </a:fld>
             <a:endParaRPr lang="en-US" dirty="0"/>
@@ -7248,6 +6484,11 @@
         </p:txBody>
       </p:sp>
     </p:spTree>
+    <p:extLst>
+      <p:ext uri="{BB962C8B-B14F-4D97-AF65-F5344CB8AC3E}">
+        <p14:creationId xmlns:p14="http://schemas.microsoft.com/office/powerpoint/2010/main" val="1374689294"/>
+      </p:ext>
+    </p:extLst>
   </p:cSld>
   <p:clrMapOvr>
     <a:masterClrMapping/>
@@ -7443,8 +6684,8 @@
           <a:lstStyle/>
           <a:p>
             <a:fld id="{0F7F47CF-67C9-420C-80A5-E2069FF0C2DF}" type="datetimeFigureOut">
-              <a:rPr lang="en-US" dirty="0"/>
-              <a:t>10/24/2023</a:t>
+              <a:rPr lang="en-US" smtClean="0"/>
+              <a:t>10/24/23</a:t>
             </a:fld>
             <a:endParaRPr lang="en-US" dirty="0"/>
           </a:p>
@@ -7485,7 +6726,7 @@
           <a:lstStyle/>
           <a:p>
             <a:fld id="{6D22F896-40B5-4ADD-8801-0D06FADFA095}" type="slidenum">
-              <a:rPr lang="en-US" dirty="0"/>
+              <a:rPr lang="en-US" smtClean="0"/>
               <a:t>‹#›</a:t>
             </a:fld>
             <a:endParaRPr lang="en-US" dirty="0"/>
@@ -7493,6 +6734,11 @@
         </p:txBody>
       </p:sp>
     </p:spTree>
+    <p:extLst>
+      <p:ext uri="{BB962C8B-B14F-4D97-AF65-F5344CB8AC3E}">
+        <p14:creationId xmlns:p14="http://schemas.microsoft.com/office/powerpoint/2010/main" val="2202442167"/>
+      </p:ext>
+    </p:extLst>
   </p:cSld>
   <p:clrMapOvr>
     <a:masterClrMapping/>
@@ -7675,8 +6921,8 @@
           <a:lstStyle/>
           <a:p>
             <a:fld id="{AE22DC73-F065-42F5-A9F2-D90B2E42A0B3}" type="datetimeFigureOut">
-              <a:rPr lang="en-US" dirty="0"/>
-              <a:t>10/24/2023</a:t>
+              <a:rPr lang="en-US" smtClean="0"/>
+              <a:t>10/24/23</a:t>
             </a:fld>
             <a:endParaRPr lang="en-US" dirty="0"/>
           </a:p>
@@ -7717,7 +6963,7 @@
           <a:lstStyle/>
           <a:p>
             <a:fld id="{6D22F896-40B5-4ADD-8801-0D06FADFA095}" type="slidenum">
-              <a:rPr lang="en-US" dirty="0"/>
+              <a:rPr lang="en-US" smtClean="0"/>
               <a:t>‹#›</a:t>
             </a:fld>
             <a:endParaRPr lang="en-US" dirty="0"/>
@@ -7725,6 +6971,11 @@
         </p:txBody>
       </p:sp>
     </p:spTree>
+    <p:extLst>
+      <p:ext uri="{BB962C8B-B14F-4D97-AF65-F5344CB8AC3E}">
+        <p14:creationId xmlns:p14="http://schemas.microsoft.com/office/powerpoint/2010/main" val="2272172242"/>
+      </p:ext>
+    </p:extLst>
   </p:cSld>
   <p:clrMapOvr>
     <a:masterClrMapping/>
@@ -8055,8 +7306,8 @@
           <a:lstStyle/>
           <a:p>
             <a:fld id="{76BEA702-9B29-41CC-9BCC-3DF8A0D379FE}" type="datetimeFigureOut">
-              <a:rPr lang="en-US" dirty="0"/>
-              <a:t>10/24/2023</a:t>
+              <a:rPr lang="en-US" smtClean="0"/>
+              <a:t>10/24/23</a:t>
             </a:fld>
             <a:endParaRPr lang="en-US" dirty="0"/>
           </a:p>
@@ -8097,7 +7348,7 @@
           <a:lstStyle/>
           <a:p>
             <a:fld id="{6D22F896-40B5-4ADD-8801-0D06FADFA095}" type="slidenum">
-              <a:rPr lang="en-US" dirty="0"/>
+              <a:rPr lang="en-US" smtClean="0"/>
               <a:t>‹#›</a:t>
             </a:fld>
             <a:endParaRPr lang="en-US" dirty="0"/>
@@ -8105,6 +7356,11 @@
         </p:txBody>
       </p:sp>
     </p:spTree>
+    <p:extLst>
+      <p:ext uri="{BB962C8B-B14F-4D97-AF65-F5344CB8AC3E}">
+        <p14:creationId xmlns:p14="http://schemas.microsoft.com/office/powerpoint/2010/main" val="4237941405"/>
+      </p:ext>
+    </p:extLst>
   </p:cSld>
   <p:clrMapOvr>
     <a:masterClrMapping/>
@@ -8168,8 +7424,8 @@
           <a:lstStyle/>
           <a:p>
             <a:fld id="{097649AC-CB8F-4FF1-9A34-5861C74DD0A7}" type="datetimeFigureOut">
-              <a:rPr lang="en-US" dirty="0"/>
-              <a:t>10/24/2023</a:t>
+              <a:rPr lang="en-US" smtClean="0"/>
+              <a:t>10/24/23</a:t>
             </a:fld>
             <a:endParaRPr lang="en-US" dirty="0"/>
           </a:p>
@@ -8210,7 +7466,7 @@
           <a:lstStyle/>
           <a:p>
             <a:fld id="{6D22F896-40B5-4ADD-8801-0D06FADFA095}" type="slidenum">
-              <a:rPr lang="en-US" dirty="0"/>
+              <a:rPr lang="en-US" smtClean="0"/>
               <a:t>‹#›</a:t>
             </a:fld>
             <a:endParaRPr lang="en-US" dirty="0"/>
@@ -8218,6 +7474,11 @@
         </p:txBody>
       </p:sp>
     </p:spTree>
+    <p:extLst>
+      <p:ext uri="{BB962C8B-B14F-4D97-AF65-F5344CB8AC3E}">
+        <p14:creationId xmlns:p14="http://schemas.microsoft.com/office/powerpoint/2010/main" val="1159796877"/>
+      </p:ext>
+    </p:extLst>
   </p:cSld>
   <p:clrMapOvr>
     <a:masterClrMapping/>
@@ -8258,8 +7519,8 @@
           <a:lstStyle/>
           <a:p>
             <a:fld id="{3EC5CECA-2D3A-4680-9B49-752200DE467C}" type="datetimeFigureOut">
-              <a:rPr lang="en-US" dirty="0"/>
-              <a:t>10/24/2023</a:t>
+              <a:rPr lang="en-US" smtClean="0"/>
+              <a:t>10/24/23</a:t>
             </a:fld>
             <a:endParaRPr lang="en-US" dirty="0"/>
           </a:p>
@@ -8300,7 +7561,7 @@
           <a:lstStyle/>
           <a:p>
             <a:fld id="{6D22F896-40B5-4ADD-8801-0D06FADFA095}" type="slidenum">
-              <a:rPr lang="en-US" dirty="0"/>
+              <a:rPr lang="en-US" smtClean="0"/>
               <a:t>‹#›</a:t>
             </a:fld>
             <a:endParaRPr lang="en-US" dirty="0"/>
@@ -8308,6 +7569,11 @@
         </p:txBody>
       </p:sp>
     </p:spTree>
+    <p:extLst>
+      <p:ext uri="{BB962C8B-B14F-4D97-AF65-F5344CB8AC3E}">
+        <p14:creationId xmlns:p14="http://schemas.microsoft.com/office/powerpoint/2010/main" val="4219712472"/>
+      </p:ext>
+    </p:extLst>
   </p:cSld>
   <p:clrMapOvr>
     <a:masterClrMapping/>
@@ -8506,8 +7772,8 @@
           <a:lstStyle/>
           <a:p>
             <a:fld id="{50C3BFE2-83B7-4B0A-B9D3-AB28331082B3}" type="datetimeFigureOut">
-              <a:rPr lang="en-US" dirty="0"/>
-              <a:t>10/24/2023</a:t>
+              <a:rPr lang="en-US" smtClean="0"/>
+              <a:t>10/24/23</a:t>
             </a:fld>
             <a:endParaRPr lang="en-US" dirty="0"/>
           </a:p>
@@ -8548,7 +7814,7 @@
           <a:lstStyle/>
           <a:p>
             <a:fld id="{6D22F896-40B5-4ADD-8801-0D06FADFA095}" type="slidenum">
-              <a:rPr lang="en-US" dirty="0"/>
+              <a:rPr lang="en-US" smtClean="0"/>
               <a:t>‹#›</a:t>
             </a:fld>
             <a:endParaRPr lang="en-US" dirty="0"/>
@@ -8556,6 +7822,11 @@
         </p:txBody>
       </p:sp>
     </p:spTree>
+    <p:extLst>
+      <p:ext uri="{BB962C8B-B14F-4D97-AF65-F5344CB8AC3E}">
+        <p14:creationId xmlns:p14="http://schemas.microsoft.com/office/powerpoint/2010/main" val="4071786325"/>
+      </p:ext>
+    </p:extLst>
   </p:cSld>
   <p:clrMapOvr>
     <a:masterClrMapping/>
@@ -8770,8 +8041,8 @@
           <a:lstStyle/>
           <a:p>
             <a:fld id="{12EF78E3-FDA3-4D28-AAA2-0B81F349A39D}" type="datetimeFigureOut">
-              <a:rPr lang="en-US" dirty="0"/>
-              <a:t>10/24/2023</a:t>
+              <a:rPr lang="en-US" smtClean="0"/>
+              <a:t>10/24/23</a:t>
             </a:fld>
             <a:endParaRPr lang="en-US" dirty="0"/>
           </a:p>
@@ -8812,7 +8083,7 @@
           <a:lstStyle/>
           <a:p>
             <a:fld id="{6D22F896-40B5-4ADD-8801-0D06FADFA095}" type="slidenum">
-              <a:rPr lang="en-US" dirty="0"/>
+              <a:rPr lang="en-US" smtClean="0"/>
               <a:t>‹#›</a:t>
             </a:fld>
             <a:endParaRPr lang="en-US" dirty="0"/>
@@ -8820,6 +8091,11 @@
         </p:txBody>
       </p:sp>
     </p:spTree>
+    <p:extLst>
+      <p:ext uri="{BB962C8B-B14F-4D97-AF65-F5344CB8AC3E}">
+        <p14:creationId xmlns:p14="http://schemas.microsoft.com/office/powerpoint/2010/main" val="1563165336"/>
+      </p:ext>
+    </p:extLst>
   </p:cSld>
   <p:clrMapOvr>
     <a:masterClrMapping/>
@@ -9160,7 +8436,8 @@
               <a:defRPr sz="3200" cap="all" baseline="0">
                 <a:solidFill>
                   <a:schemeClr val="accent1">
-                    <a:lumMod val="50000"/>
+                    <a:lumMod val="60000"/>
+                    <a:lumOff val="40000"/>
                   </a:schemeClr>
                 </a:solidFill>
               </a:defRPr>
@@ -9168,8 +8445,8 @@
           </a:lstStyle>
           <a:p>
             <a:fld id="{C35BB1C6-BF8F-4481-8AB2-603A1C8A906A}" type="datetimeFigureOut">
-              <a:rPr lang="en-US" dirty="0"/>
-              <a:t>10/24/2023</a:t>
+              <a:rPr lang="en-US" smtClean="0"/>
+              <a:t>10/24/23</a:t>
             </a:fld>
             <a:endParaRPr lang="en-US" dirty="0"/>
           </a:p>
@@ -9201,7 +8478,8 @@
               <a:defRPr sz="3200" cap="all" baseline="0">
                 <a:solidFill>
                   <a:schemeClr val="accent1">
-                    <a:lumMod val="50000"/>
+                    <a:lumMod val="60000"/>
+                    <a:lumOff val="40000"/>
                   </a:schemeClr>
                 </a:solidFill>
               </a:defRPr>
@@ -9238,7 +8516,8 @@
               <a:defRPr sz="3200" cap="all" baseline="0">
                 <a:solidFill>
                   <a:schemeClr val="accent1">
-                    <a:lumMod val="50000"/>
+                    <a:lumMod val="60000"/>
+                    <a:lumOff val="40000"/>
                   </a:schemeClr>
                 </a:solidFill>
               </a:defRPr>
@@ -9246,7 +8525,7 @@
           </a:lstStyle>
           <a:p>
             <a:fld id="{6D22F896-40B5-4ADD-8801-0D06FADFA095}" type="slidenum">
-              <a:rPr lang="en-US" dirty="0"/>
+              <a:rPr lang="en-US" smtClean="0"/>
               <a:pPr/>
               <a:t>‹#›</a:t>
             </a:fld>
@@ -9255,26 +8534,31 @@
         </p:txBody>
       </p:sp>
     </p:spTree>
+    <p:extLst>
+      <p:ext uri="{BB962C8B-B14F-4D97-AF65-F5344CB8AC3E}">
+        <p14:creationId xmlns:p14="http://schemas.microsoft.com/office/powerpoint/2010/main" val="1188980445"/>
+      </p:ext>
+    </p:extLst>
   </p:cSld>
   <p:clrMap bg1="lt1" tx1="dk1" bg2="lt2" tx2="dk2" accent1="accent1" accent2="accent2" accent3="accent3" accent4="accent4" accent5="accent5" accent6="accent6" hlink="hlink" folHlink="folHlink"/>
   <p:sldLayoutIdLst>
-    <p:sldLayoutId id="2147483649" r:id="rId1"/>
-    <p:sldLayoutId id="2147483650" r:id="rId2"/>
-    <p:sldLayoutId id="2147483651" r:id="rId3"/>
-    <p:sldLayoutId id="2147483652" r:id="rId4"/>
-    <p:sldLayoutId id="2147483653" r:id="rId5"/>
-    <p:sldLayoutId id="2147483654" r:id="rId6"/>
-    <p:sldLayoutId id="2147483655" r:id="rId7"/>
-    <p:sldLayoutId id="2147483656" r:id="rId8"/>
-    <p:sldLayoutId id="2147483657" r:id="rId9"/>
-    <p:sldLayoutId id="2147483660" r:id="rId10"/>
-    <p:sldLayoutId id="2147483661" r:id="rId11"/>
-    <p:sldLayoutId id="2147483666" r:id="rId12"/>
-    <p:sldLayoutId id="2147483663" r:id="rId13"/>
-    <p:sldLayoutId id="2147483667" r:id="rId14"/>
-    <p:sldLayoutId id="2147483668" r:id="rId15"/>
-    <p:sldLayoutId id="2147483658" r:id="rId16"/>
-    <p:sldLayoutId id="2147483659" r:id="rId17"/>
+    <p:sldLayoutId id="2147483670" r:id="rId1"/>
+    <p:sldLayoutId id="2147483671" r:id="rId2"/>
+    <p:sldLayoutId id="2147483672" r:id="rId3"/>
+    <p:sldLayoutId id="2147483673" r:id="rId4"/>
+    <p:sldLayoutId id="2147483674" r:id="rId5"/>
+    <p:sldLayoutId id="2147483675" r:id="rId6"/>
+    <p:sldLayoutId id="2147483676" r:id="rId7"/>
+    <p:sldLayoutId id="2147483677" r:id="rId8"/>
+    <p:sldLayoutId id="2147483678" r:id="rId9"/>
+    <p:sldLayoutId id="2147483679" r:id="rId10"/>
+    <p:sldLayoutId id="2147483680" r:id="rId11"/>
+    <p:sldLayoutId id="2147483681" r:id="rId12"/>
+    <p:sldLayoutId id="2147483682" r:id="rId13"/>
+    <p:sldLayoutId id="2147483683" r:id="rId14"/>
+    <p:sldLayoutId id="2147483684" r:id="rId15"/>
+    <p:sldLayoutId id="2147483685" r:id="rId16"/>
+    <p:sldLayoutId id="2147483686" r:id="rId17"/>
   </p:sldLayoutIdLst>
   <p:hf sldNum="0" hdr="0" ftr="0" dt="0"/>
   <p:txStyles>
@@ -9289,7 +8573,10 @@
         <a:buNone/>
         <a:defRPr sz="5400" kern="1200" cap="all" baseline="0">
           <a:solidFill>
-            <a:schemeClr val="accent1"/>
+            <a:schemeClr val="accent1">
+              <a:lumMod val="60000"/>
+              <a:lumOff val="40000"/>
+            </a:schemeClr>
           </a:solidFill>
           <a:effectLst/>
           <a:latin typeface="+mj-lt"/>
@@ -9307,7 +8594,10 @@
           <a:spcPts val="1000"/>
         </a:spcBef>
         <a:buClr>
-          <a:schemeClr val="accent1"/>
+          <a:schemeClr val="accent1">
+            <a:lumMod val="60000"/>
+            <a:lumOff val="40000"/>
+          </a:schemeClr>
         </a:buClr>
         <a:buSzPct val="160000"/>
         <a:buFont typeface="Arial" panose="020B0604020202020204" pitchFamily="34" charset="0"/>
@@ -9330,7 +8620,10 @@
           <a:spcPts val="500"/>
         </a:spcBef>
         <a:buClr>
-          <a:schemeClr val="accent1"/>
+          <a:schemeClr val="accent1">
+            <a:lumMod val="60000"/>
+            <a:lumOff val="40000"/>
+          </a:schemeClr>
         </a:buClr>
         <a:buSzPct val="160000"/>
         <a:buFont typeface="Arial" panose="020B0604020202020204" pitchFamily="34" charset="0"/>
@@ -9353,7 +8646,10 @@
           <a:spcPts val="500"/>
         </a:spcBef>
         <a:buClr>
-          <a:schemeClr val="accent1"/>
+          <a:schemeClr val="accent1">
+            <a:lumMod val="60000"/>
+            <a:lumOff val="40000"/>
+          </a:schemeClr>
         </a:buClr>
         <a:buSzPct val="160000"/>
         <a:buFont typeface="Arial" panose="020B0604020202020204" pitchFamily="34" charset="0"/>
@@ -9376,7 +8672,10 @@
           <a:spcPts val="500"/>
         </a:spcBef>
         <a:buClr>
-          <a:schemeClr val="accent1"/>
+          <a:schemeClr val="accent1">
+            <a:lumMod val="60000"/>
+            <a:lumOff val="40000"/>
+          </a:schemeClr>
         </a:buClr>
         <a:buSzPct val="160000"/>
         <a:buFont typeface="Arial" panose="020B0604020202020204" pitchFamily="34" charset="0"/>
@@ -9399,7 +8698,10 @@
           <a:spcPts val="500"/>
         </a:spcBef>
         <a:buClr>
-          <a:schemeClr val="accent1"/>
+          <a:schemeClr val="accent1">
+            <a:lumMod val="60000"/>
+            <a:lumOff val="40000"/>
+          </a:schemeClr>
         </a:buClr>
         <a:buSzPct val="160000"/>
         <a:buFont typeface="Arial" panose="020B0604020202020204" pitchFamily="34" charset="0"/>
@@ -9422,7 +8724,10 @@
           <a:spcPts val="500"/>
         </a:spcBef>
         <a:buClr>
-          <a:schemeClr val="accent1"/>
+          <a:schemeClr val="accent1">
+            <a:lumMod val="60000"/>
+            <a:lumOff val="40000"/>
+          </a:schemeClr>
         </a:buClr>
         <a:buSzPct val="160000"/>
         <a:buFont typeface="Arial" panose="020B0604020202020204" pitchFamily="34" charset="0"/>
@@ -9445,7 +8750,10 @@
           <a:spcPts val="500"/>
         </a:spcBef>
         <a:buClr>
-          <a:schemeClr val="accent1"/>
+          <a:schemeClr val="accent1">
+            <a:lumMod val="60000"/>
+            <a:lumOff val="40000"/>
+          </a:schemeClr>
         </a:buClr>
         <a:buSzPct val="160000"/>
         <a:buFont typeface="Arial" panose="020B0604020202020204" pitchFamily="34" charset="0"/>
@@ -9468,7 +8776,10 @@
           <a:spcPts val="500"/>
         </a:spcBef>
         <a:buClr>
-          <a:schemeClr val="accent1"/>
+          <a:schemeClr val="accent1">
+            <a:lumMod val="60000"/>
+            <a:lumOff val="40000"/>
+          </a:schemeClr>
         </a:buClr>
         <a:buSzPct val="160000"/>
         <a:buFont typeface="Arial" panose="020B0604020202020204" pitchFamily="34" charset="0"/>
@@ -9491,7 +8802,10 @@
           <a:spcPts val="500"/>
         </a:spcBef>
         <a:buClr>
-          <a:schemeClr val="accent1"/>
+          <a:schemeClr val="accent1">
+            <a:lumMod val="60000"/>
+            <a:lumOff val="40000"/>
+          </a:schemeClr>
         </a:buClr>
         <a:buSzPct val="160000"/>
         <a:buFont typeface="Arial" panose="020B0604020202020204" pitchFamily="34" charset="0"/>
@@ -9644,200 +8958,6 @@
           <a:chExt cx="0" cy="0"/>
         </a:xfrm>
       </p:grpSpPr>
-      <p:pic>
-        <p:nvPicPr>
-          <p:cNvPr id="1088" name="Picture 1087">
-            <a:extLst>
-              <a:ext uri="{FF2B5EF4-FFF2-40B4-BE49-F238E27FC236}">
-                <a16:creationId xmlns:a16="http://schemas.microsoft.com/office/drawing/2014/main" id="{3524D64A-0717-4FA0-B952-39F1CDF12517}"/>
-              </a:ext>
-              <a:ext uri="{C183D7F6-B498-43B3-948B-1728B52AA6E4}">
-                <adec:decorative xmlns:adec="http://schemas.microsoft.com/office/drawing/2017/decorative" val="1"/>
-              </a:ext>
-            </a:extLst>
-          </p:cNvPr>
-          <p:cNvPicPr>
-            <a:picLocks noGrp="1" noRot="1" noChangeAspect="1" noMove="1" noResize="1" noEditPoints="1" noAdjustHandles="1" noChangeArrowheads="1" noChangeShapeType="1" noCrop="1"/>
-          </p:cNvPicPr>
-          <p:nvPr>
-            <p:extLst>
-              <p:ext uri="{386F3935-93C4-4BCD-93E2-E3B085C9AB24}">
-                <p16:designElem xmlns:p16="http://schemas.microsoft.com/office/powerpoint/2015/main" val="1"/>
-              </p:ext>
-            </p:extLst>
-          </p:nvPr>
-        </p:nvPicPr>
-        <p:blipFill>
-          <a:blip r:embed="rId3">
-            <a:extLst>
-              <a:ext uri="{28A0092B-C50C-407E-A947-70E740481C1C}">
-                <a14:useLocalDpi xmlns:a14="http://schemas.microsoft.com/office/drawing/2010/main" val="0"/>
-              </a:ext>
-            </a:extLst>
-          </a:blip>
-          <a:stretch>
-            <a:fillRect/>
-          </a:stretch>
-        </p:blipFill>
-        <p:spPr>
-          <a:xfrm>
-            <a:off x="0" y="0"/>
-            <a:ext cx="12192000" cy="6858000"/>
-          </a:xfrm>
-          <a:prstGeom prst="rect">
-            <a:avLst/>
-          </a:prstGeom>
-        </p:spPr>
-      </p:pic>
-      <p:sp useBgFill="1">
-        <p:nvSpPr>
-          <p:cNvPr id="1090" name="Rectangle 1089">
-            <a:extLst>
-              <a:ext uri="{FF2B5EF4-FFF2-40B4-BE49-F238E27FC236}">
-                <a16:creationId xmlns:a16="http://schemas.microsoft.com/office/drawing/2014/main" id="{DADD31E3-E114-4F34-9AED-CACDB44B7473}"/>
-              </a:ext>
-              <a:ext uri="{C183D7F6-B498-43B3-948B-1728B52AA6E4}">
-                <adec:decorative xmlns:adec="http://schemas.microsoft.com/office/drawing/2017/decorative" val="1"/>
-              </a:ext>
-            </a:extLst>
-          </p:cNvPr>
-          <p:cNvSpPr>
-            <a:spLocks noGrp="1" noRot="1" noChangeAspect="1" noMove="1" noResize="1" noEditPoints="1" noAdjustHandles="1" noChangeArrowheads="1" noChangeShapeType="1" noTextEdit="1"/>
-          </p:cNvSpPr>
-          <p:nvPr>
-            <p:extLst>
-              <p:ext uri="{386F3935-93C4-4BCD-93E2-E3B085C9AB24}">
-                <p16:designElem xmlns:p16="http://schemas.microsoft.com/office/powerpoint/2015/main" val="1"/>
-              </p:ext>
-            </p:extLst>
-          </p:nvPr>
-        </p:nvSpPr>
-        <p:spPr>
-          <a:xfrm>
-            <a:off x="-12467" y="0"/>
-            <a:ext cx="7107594" cy="6858000"/>
-          </a:xfrm>
-          <a:prstGeom prst="rect">
-            <a:avLst/>
-          </a:prstGeom>
-          <a:ln>
-            <a:noFill/>
-          </a:ln>
-          <a:effectLst>
-            <a:outerShdw blurRad="50800" dist="38100" algn="l" rotWithShape="0">
-              <a:prstClr val="black">
-                <a:alpha val="40000"/>
-              </a:prstClr>
-            </a:outerShdw>
-          </a:effectLst>
-        </p:spPr>
-        <p:style>
-          <a:lnRef idx="2">
-            <a:schemeClr val="accent1">
-              <a:shade val="50000"/>
-            </a:schemeClr>
-          </a:lnRef>
-          <a:fillRef idx="1">
-            <a:schemeClr val="accent1"/>
-          </a:fillRef>
-          <a:effectRef idx="0">
-            <a:schemeClr val="accent1"/>
-          </a:effectRef>
-          <a:fontRef idx="minor">
-            <a:schemeClr val="lt1"/>
-          </a:fontRef>
-        </p:style>
-        <p:txBody>
-          <a:bodyPr rtlCol="0" anchor="ctr"/>
-          <a:lstStyle/>
-          <a:p>
-            <a:pPr algn="ctr"/>
-            <a:endParaRPr lang="en-US"/>
-          </a:p>
-        </p:txBody>
-      </p:sp>
-      <p:sp>
-        <p:nvSpPr>
-          <p:cNvPr id="1092" name="Freeform 8">
-            <a:extLst>
-              <a:ext uri="{FF2B5EF4-FFF2-40B4-BE49-F238E27FC236}">
-                <a16:creationId xmlns:a16="http://schemas.microsoft.com/office/drawing/2014/main" id="{2311F21F-7F2E-4676-86A2-CEF9FDDA30B1}"/>
-              </a:ext>
-              <a:ext uri="{C183D7F6-B498-43B3-948B-1728B52AA6E4}">
-                <adec:decorative xmlns:adec="http://schemas.microsoft.com/office/drawing/2017/decorative" val="1"/>
-              </a:ext>
-            </a:extLst>
-          </p:cNvPr>
-          <p:cNvSpPr>
-            <a:spLocks noGrp="1" noRot="1" noChangeAspect="1" noMove="1" noResize="1" noEditPoints="1" noAdjustHandles="1" noChangeArrowheads="1" noChangeShapeType="1" noTextEdit="1"/>
-          </p:cNvSpPr>
-          <p:nvPr>
-            <p:extLst>
-              <p:ext uri="{386F3935-93C4-4BCD-93E2-E3B085C9AB24}">
-                <p16:designElem xmlns:p16="http://schemas.microsoft.com/office/powerpoint/2015/main" val="1"/>
-              </p:ext>
-            </p:extLst>
-          </p:nvPr>
-        </p:nvSpPr>
-        <p:spPr>
-          <a:xfrm>
-            <a:off x="-8361" y="0"/>
-            <a:ext cx="6756015" cy="6576643"/>
-          </a:xfrm>
-          <a:custGeom>
-            <a:avLst/>
-            <a:gdLst/>
-            <a:ahLst/>
-            <a:cxnLst/>
-            <a:rect l="l" t="t" r="r" b="b"/>
-            <a:pathLst>
-              <a:path w="11367116" h="5751804">
-                <a:moveTo>
-                  <a:pt x="11346705" y="0"/>
-                </a:moveTo>
-                <a:cubicBezTo>
-                  <a:pt x="11353509" y="1915114"/>
-                  <a:pt x="11360312" y="3830229"/>
-                  <a:pt x="11367116" y="5745343"/>
-                </a:cubicBezTo>
-                <a:lnTo>
-                  <a:pt x="0" y="5751804"/>
-                </a:lnTo>
-              </a:path>
-            </a:pathLst>
-          </a:custGeom>
-          <a:ln w="82550">
-            <a:solidFill>
-              <a:schemeClr val="tx1">
-                <a:lumMod val="50000"/>
-                <a:lumOff val="50000"/>
-              </a:schemeClr>
-            </a:solidFill>
-            <a:miter lim="800000"/>
-          </a:ln>
-        </p:spPr>
-        <p:style>
-          <a:lnRef idx="2">
-            <a:schemeClr val="accent1"/>
-          </a:lnRef>
-          <a:fillRef idx="0">
-            <a:schemeClr val="accent1"/>
-          </a:fillRef>
-          <a:effectRef idx="1">
-            <a:schemeClr val="accent1"/>
-          </a:effectRef>
-          <a:fontRef idx="minor">
-            <a:schemeClr val="tx1"/>
-          </a:fontRef>
-        </p:style>
-        <p:txBody>
-          <a:bodyPr/>
-          <a:lstStyle/>
-          <a:p>
-            <a:endParaRPr lang="en-US"/>
-          </a:p>
-        </p:txBody>
-      </p:sp>
       <p:sp>
         <p:nvSpPr>
           <p:cNvPr id="2" name="Title 1">
@@ -9856,7 +8976,7 @@
         </p:nvSpPr>
         <p:spPr>
           <a:xfrm>
-            <a:off x="456888" y="1301568"/>
+            <a:off x="456888" y="935808"/>
             <a:ext cx="5785837" cy="2912732"/>
           </a:xfrm>
         </p:spPr>
@@ -9895,7 +9015,7 @@
         </p:nvSpPr>
         <p:spPr>
           <a:xfrm>
-            <a:off x="459935" y="4217190"/>
+            <a:off x="456888" y="3848540"/>
             <a:ext cx="5778684" cy="1066786"/>
           </a:xfrm>
         </p:spPr>
@@ -9949,223 +9069,6 @@
               </a:rPr>
               <a:t>, SANDHYA,PAVAN </a:t>
             </a:r>
-          </a:p>
-        </p:txBody>
-      </p:sp>
-      <p:sp>
-        <p:nvSpPr>
-          <p:cNvPr id="1094" name="Rectangle 1093">
-            <a:extLst>
-              <a:ext uri="{FF2B5EF4-FFF2-40B4-BE49-F238E27FC236}">
-                <a16:creationId xmlns:a16="http://schemas.microsoft.com/office/drawing/2014/main" id="{96907A26-7295-417A-8943-0EC9508DD870}"/>
-              </a:ext>
-              <a:ext uri="{C183D7F6-B498-43B3-948B-1728B52AA6E4}">
-                <adec:decorative xmlns:adec="http://schemas.microsoft.com/office/drawing/2017/decorative" val="1"/>
-              </a:ext>
-            </a:extLst>
-          </p:cNvPr>
-          <p:cNvSpPr>
-            <a:spLocks noGrp="1" noRot="1" noChangeAspect="1" noMove="1" noResize="1" noEditPoints="1" noAdjustHandles="1" noChangeArrowheads="1" noChangeShapeType="1" noTextEdit="1"/>
-          </p:cNvSpPr>
-          <p:nvPr>
-            <p:extLst>
-              <p:ext uri="{386F3935-93C4-4BCD-93E2-E3B085C9AB24}">
-                <p16:designElem xmlns:p16="http://schemas.microsoft.com/office/powerpoint/2015/main" val="1"/>
-              </p:ext>
-            </p:extLst>
-          </p:nvPr>
-        </p:nvSpPr>
-        <p:spPr>
-          <a:xfrm>
-            <a:off x="-12467" y="0"/>
-            <a:ext cx="6707321" cy="226225"/>
-          </a:xfrm>
-          <a:prstGeom prst="rect">
-            <a:avLst/>
-          </a:prstGeom>
-          <a:gradFill flip="none" rotWithShape="1">
-            <a:gsLst>
-              <a:gs pos="34000">
-                <a:schemeClr val="accent1"/>
-              </a:gs>
-              <a:gs pos="100000">
-                <a:schemeClr val="accent1">
-                  <a:lumMod val="50000"/>
-                </a:schemeClr>
-              </a:gs>
-            </a:gsLst>
-            <a:path path="circle">
-              <a:fillToRect l="50000" t="50000" r="50000" b="50000"/>
-            </a:path>
-            <a:tileRect/>
-          </a:gradFill>
-          <a:ln>
-            <a:noFill/>
-          </a:ln>
-        </p:spPr>
-        <p:style>
-          <a:lnRef idx="1">
-            <a:schemeClr val="accent1"/>
-          </a:lnRef>
-          <a:fillRef idx="3">
-            <a:schemeClr val="accent1"/>
-          </a:fillRef>
-          <a:effectRef idx="2">
-            <a:schemeClr val="accent1"/>
-          </a:effectRef>
-          <a:fontRef idx="minor">
-            <a:schemeClr val="lt1"/>
-          </a:fontRef>
-        </p:style>
-        <p:txBody>
-          <a:bodyPr/>
-          <a:lstStyle/>
-          <a:p>
-            <a:endParaRPr lang="en-US"/>
-          </a:p>
-        </p:txBody>
-      </p:sp>
-      <p:sp>
-        <p:nvSpPr>
-          <p:cNvPr id="1096" name="Rectangle 1095">
-            <a:extLst>
-              <a:ext uri="{FF2B5EF4-FFF2-40B4-BE49-F238E27FC236}">
-                <a16:creationId xmlns:a16="http://schemas.microsoft.com/office/drawing/2014/main" id="{3541A126-E7C5-47E5-9E8F-697F63493616}"/>
-              </a:ext>
-              <a:ext uri="{C183D7F6-B498-43B3-948B-1728B52AA6E4}">
-                <adec:decorative xmlns:adec="http://schemas.microsoft.com/office/drawing/2017/decorative" val="1"/>
-              </a:ext>
-            </a:extLst>
-          </p:cNvPr>
-          <p:cNvSpPr>
-            <a:spLocks noGrp="1" noRot="1" noChangeAspect="1" noMove="1" noResize="1" noEditPoints="1" noAdjustHandles="1" noChangeArrowheads="1" noChangeShapeType="1" noTextEdit="1"/>
-          </p:cNvSpPr>
-          <p:nvPr>
-            <p:extLst>
-              <p:ext uri="{386F3935-93C4-4BCD-93E2-E3B085C9AB24}">
-                <p16:designElem xmlns:p16="http://schemas.microsoft.com/office/powerpoint/2015/main" val="1"/>
-              </p:ext>
-            </p:extLst>
-          </p:nvPr>
-        </p:nvSpPr>
-        <p:spPr>
-          <a:xfrm>
-            <a:off x="-4107" y="5752622"/>
-            <a:ext cx="6709092" cy="780581"/>
-          </a:xfrm>
-          <a:prstGeom prst="rect">
-            <a:avLst/>
-          </a:prstGeom>
-          <a:gradFill flip="none" rotWithShape="1">
-            <a:gsLst>
-              <a:gs pos="34000">
-                <a:schemeClr val="accent1"/>
-              </a:gs>
-              <a:gs pos="100000">
-                <a:schemeClr val="accent1">
-                  <a:lumMod val="50000"/>
-                </a:schemeClr>
-              </a:gs>
-            </a:gsLst>
-            <a:path path="circle">
-              <a:fillToRect l="50000" t="50000" r="50000" b="50000"/>
-            </a:path>
-            <a:tileRect/>
-          </a:gradFill>
-          <a:ln>
-            <a:noFill/>
-          </a:ln>
-        </p:spPr>
-        <p:style>
-          <a:lnRef idx="1">
-            <a:schemeClr val="accent1"/>
-          </a:lnRef>
-          <a:fillRef idx="3">
-            <a:schemeClr val="accent1"/>
-          </a:fillRef>
-          <a:effectRef idx="2">
-            <a:schemeClr val="accent1"/>
-          </a:effectRef>
-          <a:fontRef idx="minor">
-            <a:schemeClr val="lt1"/>
-          </a:fontRef>
-        </p:style>
-        <p:txBody>
-          <a:bodyPr/>
-          <a:lstStyle/>
-          <a:p>
-            <a:endParaRPr lang="en-US"/>
-          </a:p>
-        </p:txBody>
-      </p:sp>
-      <p:sp>
-        <p:nvSpPr>
-          <p:cNvPr id="1098" name="Rectangle 1097">
-            <a:extLst>
-              <a:ext uri="{FF2B5EF4-FFF2-40B4-BE49-F238E27FC236}">
-                <a16:creationId xmlns:a16="http://schemas.microsoft.com/office/drawing/2014/main" id="{359524F1-C5A1-4CA9-A8C9-20757CAFD176}"/>
-              </a:ext>
-              <a:ext uri="{C183D7F6-B498-43B3-948B-1728B52AA6E4}">
-                <adec:decorative xmlns:adec="http://schemas.microsoft.com/office/drawing/2017/decorative" val="1"/>
-              </a:ext>
-            </a:extLst>
-          </p:cNvPr>
-          <p:cNvSpPr>
-            <a:spLocks noGrp="1" noRot="1" noChangeAspect="1" noMove="1" noResize="1" noEditPoints="1" noAdjustHandles="1" noChangeArrowheads="1" noChangeShapeType="1" noTextEdit="1"/>
-          </p:cNvSpPr>
-          <p:nvPr>
-            <p:extLst>
-              <p:ext uri="{386F3935-93C4-4BCD-93E2-E3B085C9AB24}">
-                <p16:designElem xmlns:p16="http://schemas.microsoft.com/office/powerpoint/2015/main" val="1"/>
-              </p:ext>
-            </p:extLst>
-          </p:nvPr>
-        </p:nvSpPr>
-        <p:spPr>
-          <a:xfrm>
-            <a:off x="7557188" y="450792"/>
-            <a:ext cx="4171517" cy="5950008"/>
-          </a:xfrm>
-          <a:prstGeom prst="rect">
-            <a:avLst/>
-          </a:prstGeom>
-          <a:solidFill>
-            <a:schemeClr val="bg1"/>
-          </a:solidFill>
-          <a:ln w="57150" cmpd="thinThick">
-            <a:noFill/>
-            <a:miter lim="800000"/>
-          </a:ln>
-          <a:effectLst>
-            <a:outerShdw blurRad="63500" sx="102000" sy="102000" algn="ctr" rotWithShape="0">
-              <a:prstClr val="black">
-                <a:alpha val="40000"/>
-              </a:prstClr>
-            </a:outerShdw>
-          </a:effectLst>
-        </p:spPr>
-        <p:style>
-          <a:lnRef idx="2">
-            <a:schemeClr val="accent1">
-              <a:shade val="50000"/>
-            </a:schemeClr>
-          </a:lnRef>
-          <a:fillRef idx="1">
-            <a:schemeClr val="accent1"/>
-          </a:fillRef>
-          <a:effectRef idx="0">
-            <a:schemeClr val="accent1"/>
-          </a:effectRef>
-          <a:fontRef idx="minor">
-            <a:schemeClr val="lt1"/>
-          </a:fontRef>
-        </p:style>
-        <p:txBody>
-          <a:bodyPr rtlCol="0" anchor="ctr"/>
-          <a:lstStyle/>
-          <a:p>
-            <a:pPr algn="ctr"/>
-            <a:endParaRPr lang="en-US"/>
           </a:p>
         </p:txBody>
       </p:sp>
@@ -10184,7 +9087,7 @@
           <p:nvPr/>
         </p:nvPicPr>
         <p:blipFill rotWithShape="1">
-          <a:blip r:embed="rId4">
+          <a:blip r:embed="rId3">
             <a:extLst>
               <a:ext uri="{28A0092B-C50C-407E-A947-70E740481C1C}">
                 <a14:useLocalDpi xmlns:a14="http://schemas.microsoft.com/office/drawing/2010/main" val="0"/>
@@ -10229,7 +9132,7 @@
           <p:nvPr/>
         </p:nvPicPr>
         <p:blipFill rotWithShape="1">
-          <a:blip r:embed="rId5"/>
+          <a:blip r:embed="rId4"/>
           <a:srcRect t="3104" r="1" b="8918"/>
           <a:stretch/>
         </p:blipFill>
@@ -10464,68 +9367,6 @@
       </p:pic>
       <p:sp>
         <p:nvSpPr>
-          <p:cNvPr id="12" name="Rectangle 9">
-            <a:extLst>
-              <a:ext uri="{FF2B5EF4-FFF2-40B4-BE49-F238E27FC236}">
-                <a16:creationId xmlns:a16="http://schemas.microsoft.com/office/drawing/2014/main" id="{10E1A081-79F8-4C8B-978A-A78E2F9BAEFA}"/>
-              </a:ext>
-              <a:ext uri="{C183D7F6-B498-43B3-948B-1728B52AA6E4}">
-                <adec:decorative xmlns:adec="http://schemas.microsoft.com/office/drawing/2017/decorative" val="1"/>
-              </a:ext>
-            </a:extLst>
-          </p:cNvPr>
-          <p:cNvSpPr>
-            <a:spLocks noGrp="1" noRot="1" noChangeAspect="1" noMove="1" noResize="1" noEditPoints="1" noAdjustHandles="1" noChangeArrowheads="1" noChangeShapeType="1" noTextEdit="1"/>
-          </p:cNvSpPr>
-          <p:nvPr>
-            <p:extLst>
-              <p:ext uri="{386F3935-93C4-4BCD-93E2-E3B085C9AB24}">
-                <p16:designElem xmlns:p16="http://schemas.microsoft.com/office/powerpoint/2015/main" val="1"/>
-              </p:ext>
-            </p:extLst>
-          </p:nvPr>
-        </p:nvSpPr>
-        <p:spPr bwMode="white">
-          <a:xfrm>
-            <a:off x="4629766" y="609600"/>
-            <a:ext cx="7562234" cy="5638800"/>
-          </a:xfrm>
-          <a:prstGeom prst="rect">
-            <a:avLst/>
-          </a:prstGeom>
-          <a:solidFill>
-            <a:schemeClr val="accent1">
-              <a:alpha val="82000"/>
-            </a:schemeClr>
-          </a:solidFill>
-          <a:ln>
-            <a:noFill/>
-          </a:ln>
-        </p:spPr>
-        <p:style>
-          <a:lnRef idx="1">
-            <a:schemeClr val="accent1"/>
-          </a:lnRef>
-          <a:fillRef idx="3">
-            <a:schemeClr val="accent1"/>
-          </a:fillRef>
-          <a:effectRef idx="2">
-            <a:schemeClr val="accent1"/>
-          </a:effectRef>
-          <a:fontRef idx="minor">
-            <a:schemeClr val="lt1"/>
-          </a:fontRef>
-        </p:style>
-        <p:txBody>
-          <a:bodyPr/>
-          <a:lstStyle/>
-          <a:p>
-            <a:endParaRPr lang="en-US"/>
-          </a:p>
-        </p:txBody>
-      </p:sp>
-      <p:sp>
-        <p:nvSpPr>
           <p:cNvPr id="2" name="Title 1">
             <a:extLst>
               <a:ext uri="{FF2B5EF4-FFF2-40B4-BE49-F238E27FC236}">
@@ -10555,7 +9396,9 @@
             <a:r>
               <a:rPr lang="en-US" sz="3800" dirty="0">
                 <a:solidFill>
-                  <a:schemeClr val="bg1"/>
+                  <a:schemeClr val="accent1">
+                    <a:lumMod val="75000"/>
+                  </a:schemeClr>
                 </a:solidFill>
               </a:rPr>
               <a:t>Goals of the PROJECT</a:t>
@@ -10754,6 +9597,62 @@
             <a:r>
               <a:rPr lang="en-US" sz="3800" dirty="0"/>
               <a:t>Exploratory Data Analysis</a:t>
+            </a:r>
+          </a:p>
+        </p:txBody>
+      </p:sp>
+      <p:sp>
+        <p:nvSpPr>
+          <p:cNvPr id="9" name="Content Placeholder 8">
+            <a:extLst>
+              <a:ext uri="{FF2B5EF4-FFF2-40B4-BE49-F238E27FC236}">
+                <a16:creationId xmlns:a16="http://schemas.microsoft.com/office/drawing/2014/main" id="{F094AB0F-1D6F-41D5-9C7D-1292DBF7F401}"/>
+              </a:ext>
+            </a:extLst>
+          </p:cNvPr>
+          <p:cNvSpPr>
+            <a:spLocks noGrp="1"/>
+          </p:cNvSpPr>
+          <p:nvPr>
+            <p:ph sz="quarter" idx="13"/>
+          </p:nvPr>
+        </p:nvSpPr>
+        <p:spPr>
+          <a:xfrm>
+            <a:off x="6174089" y="2142066"/>
+            <a:ext cx="4908593" cy="3232519"/>
+          </a:xfrm>
+        </p:spPr>
+        <p:txBody>
+          <a:bodyPr>
+            <a:normAutofit/>
+          </a:bodyPr>
+          <a:lstStyle/>
+          <a:p>
+            <a:r>
+              <a:rPr lang="en-US" dirty="0">
+                <a:latin typeface="Calibri" panose="020F0502020204030204" pitchFamily="34" charset="0"/>
+                <a:cs typeface="Calibri" panose="020F0502020204030204" pitchFamily="34" charset="0"/>
+              </a:rPr>
+              <a:t>Plots depicting the data characteristics</a:t>
+            </a:r>
+          </a:p>
+          <a:p>
+            <a:r>
+              <a:rPr lang="en-US" dirty="0">
+                <a:latin typeface="Calibri" panose="020F0502020204030204" pitchFamily="34" charset="0"/>
+                <a:cs typeface="Calibri" panose="020F0502020204030204" pitchFamily="34" charset="0"/>
+              </a:rPr>
+              <a:t>Mention how we defined the data and how we cleaned it</a:t>
+            </a:r>
+          </a:p>
+          <a:p>
+            <a:r>
+              <a:rPr lang="en-US" dirty="0">
+                <a:latin typeface="Calibri" panose="020F0502020204030204" pitchFamily="34" charset="0"/>
+                <a:cs typeface="Calibri" panose="020F0502020204030204" pitchFamily="34" charset="0"/>
+              </a:rPr>
+              <a:t>We'll also want the descriptions of the data variables here</a:t>
             </a:r>
           </a:p>
         </p:txBody>
@@ -10811,62 +9710,6 @@
           </a:extLst>
         </p:spPr>
       </p:pic>
-      <p:sp>
-        <p:nvSpPr>
-          <p:cNvPr id="9" name="Content Placeholder 8">
-            <a:extLst>
-              <a:ext uri="{FF2B5EF4-FFF2-40B4-BE49-F238E27FC236}">
-                <a16:creationId xmlns:a16="http://schemas.microsoft.com/office/drawing/2014/main" id="{F094AB0F-1D6F-41D5-9C7D-1292DBF7F401}"/>
-              </a:ext>
-            </a:extLst>
-          </p:cNvPr>
-          <p:cNvSpPr>
-            <a:spLocks noGrp="1"/>
-          </p:cNvSpPr>
-          <p:nvPr>
-            <p:ph sz="quarter" idx="13"/>
-          </p:nvPr>
-        </p:nvSpPr>
-        <p:spPr>
-          <a:xfrm>
-            <a:off x="6174089" y="2142066"/>
-            <a:ext cx="4908593" cy="3232519"/>
-          </a:xfrm>
-        </p:spPr>
-        <p:txBody>
-          <a:bodyPr>
-            <a:normAutofit/>
-          </a:bodyPr>
-          <a:lstStyle/>
-          <a:p>
-            <a:r>
-              <a:rPr lang="en-US" dirty="0">
-                <a:latin typeface="Calibri" panose="020F0502020204030204" pitchFamily="34" charset="0"/>
-                <a:cs typeface="Calibri" panose="020F0502020204030204" pitchFamily="34" charset="0"/>
-              </a:rPr>
-              <a:t>Plots depicting the data characteristics</a:t>
-            </a:r>
-          </a:p>
-          <a:p>
-            <a:r>
-              <a:rPr lang="en-US" dirty="0">
-                <a:latin typeface="Calibri" panose="020F0502020204030204" pitchFamily="34" charset="0"/>
-                <a:cs typeface="Calibri" panose="020F0502020204030204" pitchFamily="34" charset="0"/>
-              </a:rPr>
-              <a:t>Mention how we defined the data and how we cleaned it</a:t>
-            </a:r>
-          </a:p>
-          <a:p>
-            <a:r>
-              <a:rPr lang="en-US" dirty="0">
-                <a:latin typeface="Calibri" panose="020F0502020204030204" pitchFamily="34" charset="0"/>
-                <a:cs typeface="Calibri" panose="020F0502020204030204" pitchFamily="34" charset="0"/>
-              </a:rPr>
-              <a:t>We'll also want the descriptions of the data variables here</a:t>
-            </a:r>
-          </a:p>
-        </p:txBody>
-      </p:sp>
     </p:spTree>
     <p:extLst>
       <p:ext uri="{BB962C8B-B14F-4D97-AF65-F5344CB8AC3E}">
@@ -10955,69 +9798,72 @@
       </p:sp>
       <p:sp>
         <p:nvSpPr>
-          <p:cNvPr id="32" name="Rectangle 31">
+          <p:cNvPr id="3" name="Content Placeholder 2">
             <a:extLst>
               <a:ext uri="{FF2B5EF4-FFF2-40B4-BE49-F238E27FC236}">
-                <a16:creationId xmlns:a16="http://schemas.microsoft.com/office/drawing/2014/main" id="{0276CF47-78D1-45D4-B8A5-05DD68D9FB03}"/>
-              </a:ext>
-              <a:ext uri="{C183D7F6-B498-43B3-948B-1728B52AA6E4}">
-                <adec:decorative xmlns:adec="http://schemas.microsoft.com/office/drawing/2017/decorative" val="1"/>
+                <a16:creationId xmlns:a16="http://schemas.microsoft.com/office/drawing/2014/main" id="{66E4F873-2D5F-D642-A6DA-AD596F9C7D00}"/>
               </a:ext>
             </a:extLst>
           </p:cNvPr>
           <p:cNvSpPr>
-            <a:spLocks noGrp="1" noRot="1" noChangeAspect="1" noMove="1" noResize="1" noEditPoints="1" noAdjustHandles="1" noChangeArrowheads="1" noChangeShapeType="1" noTextEdit="1"/>
-          </p:cNvSpPr>
-          <p:nvPr>
-            <p:extLst>
-              <p:ext uri="{386F3935-93C4-4BCD-93E2-E3B085C9AB24}">
-                <p16:designElem xmlns:p16="http://schemas.microsoft.com/office/powerpoint/2015/main" val="1"/>
-              </p:ext>
-            </p:extLst>
+            <a:spLocks noGrp="1"/>
+          </p:cNvSpPr>
+          <p:nvPr>
+            <p:ph sz="quarter" idx="13"/>
           </p:nvPr>
         </p:nvSpPr>
         <p:spPr>
           <a:xfrm>
-            <a:off x="500240" y="457200"/>
-            <a:ext cx="5589425" cy="4686138"/>
+            <a:off x="6551610" y="2071048"/>
+            <a:ext cx="4531072" cy="3072290"/>
           </a:xfrm>
-          <a:prstGeom prst="rect">
-            <a:avLst/>
-          </a:prstGeom>
-          <a:solidFill>
-            <a:schemeClr val="bg1"/>
-          </a:solidFill>
-          <a:ln w="57150" cmpd="thinThick">
-            <a:solidFill>
-              <a:schemeClr val="bg1">
-                <a:lumMod val="50000"/>
-              </a:schemeClr>
-            </a:solidFill>
-            <a:miter lim="800000"/>
-          </a:ln>
         </p:spPr>
-        <p:style>
-          <a:lnRef idx="2">
-            <a:schemeClr val="accent1">
-              <a:shade val="50000"/>
-            </a:schemeClr>
-          </a:lnRef>
-          <a:fillRef idx="1">
-            <a:schemeClr val="accent1"/>
-          </a:fillRef>
-          <a:effectRef idx="0">
-            <a:schemeClr val="accent1"/>
-          </a:effectRef>
-          <a:fontRef idx="minor">
-            <a:schemeClr val="lt1"/>
-          </a:fontRef>
-        </p:style>
-        <p:txBody>
-          <a:bodyPr rtlCol="0" anchor="ctr"/>
+        <p:txBody>
+          <a:bodyPr anchor="t">
+            <a:normAutofit/>
+          </a:bodyPr>
           <a:lstStyle/>
           <a:p>
-            <a:pPr algn="ctr"/>
-            <a:endParaRPr lang="en-US"/>
+            <a:pPr>
+              <a:lnSpc>
+                <a:spcPct val="110000"/>
+              </a:lnSpc>
+            </a:pPr>
+            <a:r>
+              <a:rPr lang="en-US" sz="1600">
+                <a:latin typeface="Calibri" panose="020F0502020204030204" pitchFamily="34" charset="0"/>
+                <a:cs typeface="Calibri" panose="020F0502020204030204" pitchFamily="34" charset="0"/>
+              </a:rPr>
+              <a:t>CREATING A COMMUNITY WELL BEING AMONG THE Employee AND STAFFS ENHANCESS THE TOGETHERNESS AND CONECTEDNESS.</a:t>
+            </a:r>
+          </a:p>
+          <a:p>
+            <a:pPr>
+              <a:lnSpc>
+                <a:spcPct val="110000"/>
+              </a:lnSpc>
+            </a:pPr>
+            <a:r>
+              <a:rPr lang="en-US" sz="1600">
+                <a:latin typeface="Calibri" panose="020F0502020204030204" pitchFamily="34" charset="0"/>
+                <a:cs typeface="Calibri" panose="020F0502020204030204" pitchFamily="34" charset="0"/>
+              </a:rPr>
+              <a:t>everybody LIKES TO WORK IN A PLACE WHICH PROVIDES A SENSE OF PURPOSE &amp; BELONGING.</a:t>
+            </a:r>
+          </a:p>
+          <a:p>
+            <a:pPr>
+              <a:lnSpc>
+                <a:spcPct val="110000"/>
+              </a:lnSpc>
+            </a:pPr>
+            <a:r>
+              <a:rPr lang="en-US" sz="1600">
+                <a:latin typeface="Calibri" panose="020F0502020204030204" pitchFamily="34" charset="0"/>
+                <a:cs typeface="Calibri" panose="020F0502020204030204" pitchFamily="34" charset="0"/>
+              </a:rPr>
+              <a:t>Community wellbeing can be a core enabler of employee engagement and organizational performance.</a:t>
+            </a:r>
           </a:p>
         </p:txBody>
       </p:sp>
@@ -11057,77 +9903,6 @@
           </a:prstGeom>
         </p:spPr>
       </p:pic>
-      <p:sp>
-        <p:nvSpPr>
-          <p:cNvPr id="3" name="Content Placeholder 2">
-            <a:extLst>
-              <a:ext uri="{FF2B5EF4-FFF2-40B4-BE49-F238E27FC236}">
-                <a16:creationId xmlns:a16="http://schemas.microsoft.com/office/drawing/2014/main" id="{66E4F873-2D5F-D642-A6DA-AD596F9C7D00}"/>
-              </a:ext>
-            </a:extLst>
-          </p:cNvPr>
-          <p:cNvSpPr>
-            <a:spLocks noGrp="1"/>
-          </p:cNvSpPr>
-          <p:nvPr>
-            <p:ph sz="quarter" idx="13"/>
-          </p:nvPr>
-        </p:nvSpPr>
-        <p:spPr>
-          <a:xfrm>
-            <a:off x="6551610" y="2071048"/>
-            <a:ext cx="4531072" cy="3072290"/>
-          </a:xfrm>
-        </p:spPr>
-        <p:txBody>
-          <a:bodyPr anchor="t">
-            <a:normAutofit/>
-          </a:bodyPr>
-          <a:lstStyle/>
-          <a:p>
-            <a:pPr>
-              <a:lnSpc>
-                <a:spcPct val="110000"/>
-              </a:lnSpc>
-            </a:pPr>
-            <a:r>
-              <a:rPr lang="en-US" sz="1600">
-                <a:latin typeface="Calibri" panose="020F0502020204030204" pitchFamily="34" charset="0"/>
-                <a:cs typeface="Calibri" panose="020F0502020204030204" pitchFamily="34" charset="0"/>
-              </a:rPr>
-              <a:t>CREATING A COMMUNITY WELL BEING AMONG THE Employee AND STAFFS ENHANCESS THE TOGETHERNESS AND CONECTEDNESS.</a:t>
-            </a:r>
-          </a:p>
-          <a:p>
-            <a:pPr>
-              <a:lnSpc>
-                <a:spcPct val="110000"/>
-              </a:lnSpc>
-            </a:pPr>
-            <a:r>
-              <a:rPr lang="en-US" sz="1600">
-                <a:latin typeface="Calibri" panose="020F0502020204030204" pitchFamily="34" charset="0"/>
-                <a:cs typeface="Calibri" panose="020F0502020204030204" pitchFamily="34" charset="0"/>
-              </a:rPr>
-              <a:t>everybody LIKES TO WORK IN A PLACE WHICH PROVIDES A SENSE OF PURPOSE &amp; BELONGING.</a:t>
-            </a:r>
-          </a:p>
-          <a:p>
-            <a:pPr>
-              <a:lnSpc>
-                <a:spcPct val="110000"/>
-              </a:lnSpc>
-            </a:pPr>
-            <a:r>
-              <a:rPr lang="en-US" sz="1600">
-                <a:latin typeface="Calibri" panose="020F0502020204030204" pitchFamily="34" charset="0"/>
-                <a:cs typeface="Calibri" panose="020F0502020204030204" pitchFamily="34" charset="0"/>
-              </a:rPr>
-              <a:t>Community wellbeing can be a core enabler of employee engagement and organizational performance.</a:t>
-            </a:r>
-          </a:p>
-        </p:txBody>
-      </p:sp>
     </p:spTree>
     <p:extLst>
       <p:ext uri="{BB962C8B-B14F-4D97-AF65-F5344CB8AC3E}">
@@ -11436,21 +10211,21 @@
           <a:chExt cx="0" cy="0"/>
         </a:xfrm>
       </p:grpSpPr>
-      <p:sp useBgFill="1">
-        <p:nvSpPr>
-          <p:cNvPr id="9" name="Rectangle 8">
+      <p:pic>
+        <p:nvPicPr>
+          <p:cNvPr id="10" name="Picture 9">
             <a:extLst>
               <a:ext uri="{FF2B5EF4-FFF2-40B4-BE49-F238E27FC236}">
-                <a16:creationId xmlns:a16="http://schemas.microsoft.com/office/drawing/2014/main" id="{5C0934DB-9F1A-48E6-9566-081FE345ED15}"/>
+                <a16:creationId xmlns:a16="http://schemas.microsoft.com/office/drawing/2014/main" id="{05C90836-5ADB-4D63-A39D-D9BC0E10B492}"/>
               </a:ext>
               <a:ext uri="{C183D7F6-B498-43B3-948B-1728B52AA6E4}">
                 <adec:decorative xmlns:adec="http://schemas.microsoft.com/office/drawing/2017/decorative" val="1"/>
               </a:ext>
             </a:extLst>
           </p:cNvPr>
-          <p:cNvSpPr>
-            <a:spLocks noGrp="1" noRot="1" noChangeAspect="1" noMove="1" noResize="1" noEditPoints="1" noAdjustHandles="1" noChangeArrowheads="1" noChangeShapeType="1" noTextEdit="1"/>
-          </p:cNvSpPr>
+          <p:cNvPicPr>
+            <a:picLocks noGrp="1" noRot="1" noChangeAspect="1" noMove="1" noResize="1" noEditPoints="1" noAdjustHandles="1" noChangeArrowheads="1" noChangeShapeType="1" noCrop="1"/>
+          </p:cNvPicPr>
           <p:nvPr>
             <p:extLst>
               <p:ext uri="{386F3935-93C4-4BCD-93E2-E3B085C9AB24}">
@@ -11458,7 +10233,19 @@
               </p:ext>
             </p:extLst>
           </p:nvPr>
-        </p:nvSpPr>
+        </p:nvPicPr>
+        <p:blipFill>
+          <a:blip r:embed="rId3">
+            <a:extLst>
+              <a:ext uri="{28A0092B-C50C-407E-A947-70E740481C1C}">
+                <a14:useLocalDpi xmlns:a14="http://schemas.microsoft.com/office/drawing/2010/main" val="0"/>
+              </a:ext>
+            </a:extLst>
+          </a:blip>
+          <a:stretch>
+            <a:fillRect/>
+          </a:stretch>
+        </p:blipFill>
         <p:spPr>
           <a:xfrm>
             <a:off x="0" y="0"/>
@@ -11467,41 +10254,71 @@
           <a:prstGeom prst="rect">
             <a:avLst/>
           </a:prstGeom>
+        </p:spPr>
+      </p:pic>
+      <p:sp useBgFill="1">
+        <p:nvSpPr>
+          <p:cNvPr id="12" name="Rectangle 11">
+            <a:extLst>
+              <a:ext uri="{FF2B5EF4-FFF2-40B4-BE49-F238E27FC236}">
+                <a16:creationId xmlns:a16="http://schemas.microsoft.com/office/drawing/2014/main" id="{EC076BC1-44A9-43BA-9FA0-93D9F5636FA2}"/>
+              </a:ext>
+              <a:ext uri="{C183D7F6-B498-43B3-948B-1728B52AA6E4}">
+                <adec:decorative xmlns:adec="http://schemas.microsoft.com/office/drawing/2017/decorative" val="1"/>
+              </a:ext>
+            </a:extLst>
+          </p:cNvPr>
+          <p:cNvSpPr>
+            <a:spLocks noGrp="1" noRot="1" noChangeAspect="1" noMove="1" noResize="1" noEditPoints="1" noAdjustHandles="1" noChangeArrowheads="1" noChangeShapeType="1" noTextEdit="1"/>
+          </p:cNvSpPr>
+          <p:nvPr>
+            <p:extLst>
+              <p:ext uri="{386F3935-93C4-4BCD-93E2-E3B085C9AB24}">
+                <p16:designElem xmlns:p16="http://schemas.microsoft.com/office/powerpoint/2015/main" val="1"/>
+              </p:ext>
+            </p:extLst>
+          </p:nvPr>
+        </p:nvSpPr>
+        <p:spPr>
+          <a:xfrm>
+            <a:off x="1" y="0"/>
+            <a:ext cx="11979952" cy="6644081"/>
+          </a:xfrm>
+          <a:prstGeom prst="rect">
+            <a:avLst/>
+          </a:prstGeom>
           <a:ln>
             <a:noFill/>
           </a:ln>
+          <a:effectLst>
+            <a:outerShdw blurRad="98425" dist="76200" dir="4380000" algn="tl" rotWithShape="0">
+              <a:srgbClr val="000000">
+                <a:alpha val="68000"/>
+              </a:srgbClr>
+            </a:outerShdw>
+          </a:effectLst>
         </p:spPr>
         <p:style>
-          <a:lnRef idx="2">
-            <a:schemeClr val="accent1">
-              <a:shade val="50000"/>
-            </a:schemeClr>
+          <a:lnRef idx="1">
+            <a:schemeClr val="accent1"/>
           </a:lnRef>
-          <a:fillRef idx="1">
+          <a:fillRef idx="3">
             <a:schemeClr val="accent1"/>
           </a:fillRef>
-          <a:effectRef idx="0">
+          <a:effectRef idx="2">
             <a:schemeClr val="accent1"/>
           </a:effectRef>
           <a:fontRef idx="minor">
             <a:schemeClr val="lt1"/>
           </a:fontRef>
         </p:style>
-        <p:txBody>
-          <a:bodyPr rtlCol="0" anchor="ctr"/>
-          <a:lstStyle/>
-          <a:p>
-            <a:pPr algn="ctr"/>
-            <a:endParaRPr lang="en-US"/>
-          </a:p>
-        </p:txBody>
-      </p:sp>
-      <p:sp>
-        <p:nvSpPr>
-          <p:cNvPr id="11" name="Rectangle 10">
+      </p:sp>
+      <p:sp>
+        <p:nvSpPr>
+          <p:cNvPr id="14" name="Freeform 9">
             <a:extLst>
               <a:ext uri="{FF2B5EF4-FFF2-40B4-BE49-F238E27FC236}">
-                <a16:creationId xmlns:a16="http://schemas.microsoft.com/office/drawing/2014/main" id="{2E886C7D-C382-493B-ADAD-58CB79E7CB34}"/>
+                <a16:creationId xmlns:a16="http://schemas.microsoft.com/office/drawing/2014/main" id="{10EBC408-9E16-4483-93FA-BB4E0D06D0C3}"/>
               </a:ext>
               <a:ext uri="{C183D7F6-B498-43B3-948B-1728B52AA6E4}">
                 <adec:decorative xmlns:adec="http://schemas.microsoft.com/office/drawing/2017/decorative" val="1"/>
@@ -11519,10 +10336,83 @@
             </p:extLst>
           </p:nvPr>
         </p:nvSpPr>
+        <p:spPr>
+          <a:xfrm>
+            <a:off x="-25397" y="0"/>
+            <a:ext cx="11773291" cy="6419514"/>
+          </a:xfrm>
+          <a:custGeom>
+            <a:avLst/>
+            <a:gdLst/>
+            <a:ahLst/>
+            <a:cxnLst/>
+            <a:rect l="l" t="t" r="r" b="b"/>
+            <a:pathLst>
+              <a:path w="11773291" h="6419514">
+                <a:moveTo>
+                  <a:pt x="11750059" y="0"/>
+                </a:moveTo>
+                <a:lnTo>
+                  <a:pt x="11773291" y="6419514"/>
+                </a:lnTo>
+                <a:lnTo>
+                  <a:pt x="0" y="6411047"/>
+                </a:lnTo>
+              </a:path>
+            </a:pathLst>
+          </a:custGeom>
+          <a:ln w="82550">
+            <a:solidFill>
+              <a:schemeClr val="tx1">
+                <a:lumMod val="50000"/>
+                <a:lumOff val="50000"/>
+              </a:schemeClr>
+            </a:solidFill>
+            <a:miter lim="800000"/>
+          </a:ln>
+        </p:spPr>
+        <p:style>
+          <a:lnRef idx="2">
+            <a:schemeClr val="accent1"/>
+          </a:lnRef>
+          <a:fillRef idx="0">
+            <a:schemeClr val="accent1"/>
+          </a:fillRef>
+          <a:effectRef idx="1">
+            <a:schemeClr val="accent1"/>
+          </a:effectRef>
+          <a:fontRef idx="minor">
+            <a:schemeClr val="tx1"/>
+          </a:fontRef>
+        </p:style>
+      </p:sp>
+      <p:sp>
+        <p:nvSpPr>
+          <p:cNvPr id="16" name="Rectangle 15">
+            <a:extLst>
+              <a:ext uri="{FF2B5EF4-FFF2-40B4-BE49-F238E27FC236}">
+                <a16:creationId xmlns:a16="http://schemas.microsoft.com/office/drawing/2014/main" id="{1DAA8918-7760-46BA-B19F-9818085CB710}"/>
+              </a:ext>
+              <a:ext uri="{C183D7F6-B498-43B3-948B-1728B52AA6E4}">
+                <adec:decorative xmlns:adec="http://schemas.microsoft.com/office/drawing/2017/decorative" val="1"/>
+              </a:ext>
+            </a:extLst>
+          </p:cNvPr>
+          <p:cNvSpPr>
+            <a:spLocks noGrp="1" noRot="1" noChangeAspect="1" noMove="1" noResize="1" noEditPoints="1" noAdjustHandles="1" noChangeArrowheads="1" noChangeShapeType="1" noTextEdit="1"/>
+          </p:cNvSpPr>
+          <p:nvPr>
+            <p:extLst>
+              <p:ext uri="{386F3935-93C4-4BCD-93E2-E3B085C9AB24}">
+                <p16:designElem xmlns:p16="http://schemas.microsoft.com/office/powerpoint/2015/main" val="1"/>
+              </p:ext>
+            </p:extLst>
+          </p:nvPr>
+        </p:nvSpPr>
         <p:spPr bwMode="white">
           <a:xfrm>
-            <a:off x="7537704" y="0"/>
-            <a:ext cx="4654296" cy="6858000"/>
+            <a:off x="0" y="0"/>
+            <a:ext cx="4654296" cy="6380796"/>
           </a:xfrm>
           <a:prstGeom prst="rect">
             <a:avLst/>
@@ -11534,11 +10424,13 @@
               </a:gs>
               <a:gs pos="100000">
                 <a:schemeClr val="accent1">
-                  <a:lumMod val="60000"/>
+                  <a:lumMod val="50000"/>
                 </a:schemeClr>
               </a:gs>
             </a:gsLst>
-            <a:lin ang="8100000" scaled="1"/>
+            <a:path path="circle">
+              <a:fillToRect l="50000" t="50000" r="50000" b="50000"/>
+            </a:path>
             <a:tileRect/>
           </a:gradFill>
           <a:ln>
@@ -11559,13 +10451,6 @@
             <a:schemeClr val="lt1"/>
           </a:fontRef>
         </p:style>
-        <p:txBody>
-          <a:bodyPr/>
-          <a:lstStyle/>
-          <a:p>
-            <a:endParaRPr lang="en-US"/>
-          </a:p>
-        </p:txBody>
       </p:sp>
       <p:sp>
         <p:nvSpPr>
@@ -11585,8 +10470,8 @@
         </p:nvSpPr>
         <p:spPr>
           <a:xfrm>
-            <a:off x="8375515" y="685800"/>
-            <a:ext cx="3103122" cy="5400892"/>
+            <a:off x="685802" y="685800"/>
+            <a:ext cx="3381946" cy="4846967"/>
           </a:xfrm>
         </p:spPr>
         <p:txBody>
@@ -11596,7 +10481,7 @@
           <a:lstStyle/>
           <a:p>
             <a:r>
-              <a:rPr lang="en-US" sz="4600" dirty="0">
+              <a:rPr lang="en-US" sz="4800" dirty="0">
                 <a:solidFill>
                   <a:srgbClr val="FFFFFF"/>
                 </a:solidFill>
@@ -11622,18 +10507,18 @@
             <p:ph sz="quarter" idx="13"/>
             <p:extLst>
               <p:ext uri="{D42A27DB-BD31-4B8C-83A1-F6EECF244321}">
-                <p14:modId xmlns:p14="http://schemas.microsoft.com/office/powerpoint/2010/main" val="3115156061"/>
+                <p14:modId xmlns:p14="http://schemas.microsoft.com/office/powerpoint/2010/main" val="416030751"/>
               </p:ext>
             </p:extLst>
           </p:nvPr>
         </p:nvGraphicFramePr>
         <p:xfrm>
-          <a:off x="685800" y="643468"/>
-          <a:ext cx="6208437" cy="5328708"/>
+          <a:off x="5294108" y="685800"/>
+          <a:ext cx="5759656" cy="4846967"/>
         </p:xfrm>
         <a:graphic>
           <a:graphicData uri="http://schemas.openxmlformats.org/drawingml/2006/diagram">
-            <dgm:relIds xmlns:dgm="http://schemas.openxmlformats.org/drawingml/2006/diagram" xmlns:r="http://schemas.openxmlformats.org/officeDocument/2006/relationships" r:dm="rId3" r:lo="rId4" r:qs="rId5" r:cs="rId6"/>
+            <dgm:relIds xmlns:dgm="http://schemas.openxmlformats.org/drawingml/2006/diagram" xmlns:r="http://schemas.openxmlformats.org/officeDocument/2006/relationships" r:dm="rId4" r:lo="rId5" r:qs="rId6" r:cs="rId7"/>
           </a:graphicData>
         </a:graphic>
       </p:graphicFrame>
@@ -11690,115 +10575,6 @@
       </p:grpSpPr>
       <p:pic>
         <p:nvPicPr>
-          <p:cNvPr id="11" name="Picture 10">
-            <a:extLst>
-              <a:ext uri="{FF2B5EF4-FFF2-40B4-BE49-F238E27FC236}">
-                <a16:creationId xmlns:a16="http://schemas.microsoft.com/office/drawing/2014/main" id="{91AB8A88-A60F-421C-9564-D5A7639EA589}"/>
-              </a:ext>
-              <a:ext uri="{C183D7F6-B498-43B3-948B-1728B52AA6E4}">
-                <adec:decorative xmlns:adec="http://schemas.microsoft.com/office/drawing/2017/decorative" val="1"/>
-              </a:ext>
-            </a:extLst>
-          </p:cNvPr>
-          <p:cNvPicPr>
-            <a:picLocks noGrp="1" noRot="1" noChangeAspect="1" noMove="1" noResize="1" noEditPoints="1" noAdjustHandles="1" noChangeArrowheads="1" noChangeShapeType="1" noCrop="1"/>
-          </p:cNvPicPr>
-          <p:nvPr>
-            <p:extLst>
-              <p:ext uri="{386F3935-93C4-4BCD-93E2-E3B085C9AB24}">
-                <p16:designElem xmlns:p16="http://schemas.microsoft.com/office/powerpoint/2015/main" val="1"/>
-              </p:ext>
-            </p:extLst>
-          </p:nvPr>
-        </p:nvPicPr>
-        <p:blipFill>
-          <a:blip r:embed="rId3">
-            <a:extLst>
-              <a:ext uri="{28A0092B-C50C-407E-A947-70E740481C1C}">
-                <a14:useLocalDpi xmlns:a14="http://schemas.microsoft.com/office/drawing/2010/main" val="0"/>
-              </a:ext>
-            </a:extLst>
-          </a:blip>
-          <a:stretch>
-            <a:fillRect/>
-          </a:stretch>
-        </p:blipFill>
-        <p:spPr>
-          <a:xfrm>
-            <a:off x="0" y="0"/>
-            <a:ext cx="12192000" cy="6858000"/>
-          </a:xfrm>
-          <a:prstGeom prst="rect">
-            <a:avLst/>
-          </a:prstGeom>
-        </p:spPr>
-      </p:pic>
-      <p:sp useBgFill="1">
-        <p:nvSpPr>
-          <p:cNvPr id="13" name="Rectangle 12">
-            <a:extLst>
-              <a:ext uri="{FF2B5EF4-FFF2-40B4-BE49-F238E27FC236}">
-                <a16:creationId xmlns:a16="http://schemas.microsoft.com/office/drawing/2014/main" id="{832D3A04-3120-4CF3-8F9E-6DCF218BAC59}"/>
-              </a:ext>
-              <a:ext uri="{C183D7F6-B498-43B3-948B-1728B52AA6E4}">
-                <adec:decorative xmlns:adec="http://schemas.microsoft.com/office/drawing/2017/decorative" val="1"/>
-              </a:ext>
-            </a:extLst>
-          </p:cNvPr>
-          <p:cNvSpPr>
-            <a:spLocks noGrp="1" noRot="1" noChangeAspect="1" noMove="1" noResize="1" noEditPoints="1" noAdjustHandles="1" noChangeArrowheads="1" noChangeShapeType="1" noTextEdit="1"/>
-          </p:cNvSpPr>
-          <p:nvPr>
-            <p:extLst>
-              <p:ext uri="{386F3935-93C4-4BCD-93E2-E3B085C9AB24}">
-                <p16:designElem xmlns:p16="http://schemas.microsoft.com/office/powerpoint/2015/main" val="1"/>
-              </p:ext>
-            </p:extLst>
-          </p:nvPr>
-        </p:nvSpPr>
-        <p:spPr>
-          <a:xfrm>
-            <a:off x="1" y="0"/>
-            <a:ext cx="11979952" cy="6644081"/>
-          </a:xfrm>
-          <a:prstGeom prst="rect">
-            <a:avLst/>
-          </a:prstGeom>
-          <a:ln>
-            <a:noFill/>
-          </a:ln>
-          <a:effectLst>
-            <a:outerShdw blurRad="98425" dist="76200" dir="4380000" algn="tl" rotWithShape="0">
-              <a:srgbClr val="000000">
-                <a:alpha val="68000"/>
-              </a:srgbClr>
-            </a:outerShdw>
-          </a:effectLst>
-        </p:spPr>
-        <p:style>
-          <a:lnRef idx="1">
-            <a:schemeClr val="accent1"/>
-          </a:lnRef>
-          <a:fillRef idx="3">
-            <a:schemeClr val="accent1"/>
-          </a:fillRef>
-          <a:effectRef idx="2">
-            <a:schemeClr val="accent1"/>
-          </a:effectRef>
-          <a:fontRef idx="minor">
-            <a:schemeClr val="lt1"/>
-          </a:fontRef>
-        </p:style>
-        <p:txBody>
-          <a:bodyPr/>
-          <a:lstStyle/>
-          <a:p>
-            <a:endParaRPr lang="en-US"/>
-          </a:p>
-        </p:txBody>
-      </p:sp>
-      <p:pic>
-        <p:nvPicPr>
           <p:cNvPr id="5" name="Picture 4" descr="A picture containing text, green, beverage, painted&#10;&#10;Description automatically generated">
             <a:extLst>
               <a:ext uri="{FF2B5EF4-FFF2-40B4-BE49-F238E27FC236}">
@@ -11812,10 +10588,10 @@
           <p:nvPr/>
         </p:nvPicPr>
         <p:blipFill>
-          <a:blip r:embed="rId4">
+          <a:blip r:embed="rId3">
             <a:extLst>
               <a:ext uri="{837473B0-CC2E-450A-ABE3-18F120FF3D39}">
-                <a1611:picAttrSrcUrl xmlns:a1611="http://schemas.microsoft.com/office/drawing/2016/11/main" r:id="rId5"/>
+                <a1611:picAttrSrcUrl xmlns:a1611="http://schemas.microsoft.com/office/drawing/2016/11/main" r:id="rId4"/>
               </a:ext>
             </a:extLst>
           </a:blip>
@@ -11838,157 +10614,6 @@
       </p:pic>
       <p:sp>
         <p:nvSpPr>
-          <p:cNvPr id="15" name="Freeform 9">
-            <a:extLst>
-              <a:ext uri="{FF2B5EF4-FFF2-40B4-BE49-F238E27FC236}">
-                <a16:creationId xmlns:a16="http://schemas.microsoft.com/office/drawing/2014/main" id="{98D68143-E11F-49D9-A842-E52CB4364512}"/>
-              </a:ext>
-              <a:ext uri="{C183D7F6-B498-43B3-948B-1728B52AA6E4}">
-                <adec:decorative xmlns:adec="http://schemas.microsoft.com/office/drawing/2017/decorative" val="1"/>
-              </a:ext>
-            </a:extLst>
-          </p:cNvPr>
-          <p:cNvSpPr>
-            <a:spLocks noGrp="1" noRot="1" noChangeAspect="1" noMove="1" noResize="1" noEditPoints="1" noAdjustHandles="1" noChangeArrowheads="1" noChangeShapeType="1" noTextEdit="1"/>
-          </p:cNvSpPr>
-          <p:nvPr>
-            <p:extLst>
-              <p:ext uri="{386F3935-93C4-4BCD-93E2-E3B085C9AB24}">
-                <p16:designElem xmlns:p16="http://schemas.microsoft.com/office/powerpoint/2015/main" val="1"/>
-              </p:ext>
-            </p:extLst>
-          </p:nvPr>
-        </p:nvSpPr>
-        <p:spPr>
-          <a:xfrm>
-            <a:off x="-25397" y="0"/>
-            <a:ext cx="11773291" cy="6419514"/>
-          </a:xfrm>
-          <a:custGeom>
-            <a:avLst/>
-            <a:gdLst/>
-            <a:ahLst/>
-            <a:cxnLst/>
-            <a:rect l="l" t="t" r="r" b="b"/>
-            <a:pathLst>
-              <a:path w="11773291" h="6419514">
-                <a:moveTo>
-                  <a:pt x="11750059" y="0"/>
-                </a:moveTo>
-                <a:lnTo>
-                  <a:pt x="11773291" y="6419514"/>
-                </a:lnTo>
-                <a:lnTo>
-                  <a:pt x="0" y="6411047"/>
-                </a:lnTo>
-              </a:path>
-            </a:pathLst>
-          </a:custGeom>
-          <a:ln w="82550">
-            <a:solidFill>
-              <a:schemeClr val="tx1">
-                <a:lumMod val="50000"/>
-                <a:lumOff val="50000"/>
-              </a:schemeClr>
-            </a:solidFill>
-            <a:miter lim="800000"/>
-          </a:ln>
-        </p:spPr>
-        <p:style>
-          <a:lnRef idx="2">
-            <a:schemeClr val="accent1"/>
-          </a:lnRef>
-          <a:fillRef idx="0">
-            <a:schemeClr val="accent1"/>
-          </a:fillRef>
-          <a:effectRef idx="1">
-            <a:schemeClr val="accent1"/>
-          </a:effectRef>
-          <a:fontRef idx="minor">
-            <a:schemeClr val="tx1"/>
-          </a:fontRef>
-        </p:style>
-        <p:txBody>
-          <a:bodyPr/>
-          <a:lstStyle/>
-          <a:p>
-            <a:endParaRPr lang="en-US"/>
-          </a:p>
-        </p:txBody>
-      </p:sp>
-      <p:sp>
-        <p:nvSpPr>
-          <p:cNvPr id="17" name="Rectangle 16">
-            <a:extLst>
-              <a:ext uri="{FF2B5EF4-FFF2-40B4-BE49-F238E27FC236}">
-                <a16:creationId xmlns:a16="http://schemas.microsoft.com/office/drawing/2014/main" id="{70D81F57-CC57-46AD-86A2-54F697BD5904}"/>
-              </a:ext>
-              <a:ext uri="{C183D7F6-B498-43B3-948B-1728B52AA6E4}">
-                <adec:decorative xmlns:adec="http://schemas.microsoft.com/office/drawing/2017/decorative" val="1"/>
-              </a:ext>
-            </a:extLst>
-          </p:cNvPr>
-          <p:cNvSpPr>
-            <a:spLocks noGrp="1" noRot="1" noChangeAspect="1" noMove="1" noResize="1" noEditPoints="1" noAdjustHandles="1" noChangeArrowheads="1" noChangeShapeType="1" noTextEdit="1"/>
-          </p:cNvSpPr>
-          <p:nvPr>
-            <p:extLst>
-              <p:ext uri="{386F3935-93C4-4BCD-93E2-E3B085C9AB24}">
-                <p16:designElem xmlns:p16="http://schemas.microsoft.com/office/powerpoint/2015/main" val="1"/>
-              </p:ext>
-            </p:extLst>
-          </p:nvPr>
-        </p:nvSpPr>
-        <p:spPr bwMode="white">
-          <a:xfrm>
-            <a:off x="0" y="0"/>
-            <a:ext cx="6094412" cy="6380796"/>
-          </a:xfrm>
-          <a:prstGeom prst="rect">
-            <a:avLst/>
-          </a:prstGeom>
-          <a:gradFill flip="none" rotWithShape="1">
-            <a:gsLst>
-              <a:gs pos="34000">
-                <a:schemeClr val="accent1"/>
-              </a:gs>
-              <a:gs pos="100000">
-                <a:schemeClr val="accent1">
-                  <a:lumMod val="60000"/>
-                </a:schemeClr>
-              </a:gs>
-            </a:gsLst>
-            <a:lin ang="8100000" scaled="1"/>
-            <a:tileRect/>
-          </a:gradFill>
-          <a:ln>
-            <a:noFill/>
-          </a:ln>
-        </p:spPr>
-        <p:style>
-          <a:lnRef idx="1">
-            <a:schemeClr val="accent1"/>
-          </a:lnRef>
-          <a:fillRef idx="3">
-            <a:schemeClr val="accent1"/>
-          </a:fillRef>
-          <a:effectRef idx="2">
-            <a:schemeClr val="accent1"/>
-          </a:effectRef>
-          <a:fontRef idx="minor">
-            <a:schemeClr val="lt1"/>
-          </a:fontRef>
-        </p:style>
-        <p:txBody>
-          <a:bodyPr/>
-          <a:lstStyle/>
-          <a:p>
-            <a:endParaRPr lang="en-US"/>
-          </a:p>
-        </p:txBody>
-      </p:sp>
-      <p:sp>
-        <p:nvSpPr>
           <p:cNvPr id="2" name="Title 1">
             <a:extLst>
               <a:ext uri="{FF2B5EF4-FFF2-40B4-BE49-F238E27FC236}">
@@ -12018,7 +10643,9 @@
             <a:r>
               <a:rPr lang="en-US" sz="3700" dirty="0">
                 <a:solidFill>
-                  <a:schemeClr val="bg1"/>
+                  <a:schemeClr val="accent1">
+                    <a:lumMod val="75000"/>
+                  </a:schemeClr>
                 </a:solidFill>
               </a:rPr>
               <a:t>FURTHER RESEARCH</a:t>
@@ -12056,9 +10683,6 @@
           <a:p>
             <a:r>
               <a:rPr lang="en-US" sz="1800" dirty="0">
-                <a:solidFill>
-                  <a:schemeClr val="bg1"/>
-                </a:solidFill>
                 <a:latin typeface="Calibri" panose="020F0502020204030204" pitchFamily="34" charset="0"/>
                 <a:cs typeface="Calibri" panose="020F0502020204030204" pitchFamily="34" charset="0"/>
               </a:rPr>
@@ -12107,7 +10731,7 @@
                 <a:solidFill>
                   <a:srgbClr val="FFFFFF"/>
                 </a:solidFill>
-                <a:hlinkClick r:id="rId5" tooltip="http://www.sagaciousnewsnetwork.com/child-narcissistic-parent-my-needs/">
+                <a:hlinkClick r:id="rId4" tooltip="http://www.sagaciousnewsnetwork.com/child-narcissistic-parent-my-needs/">
                   <a:extLst>
                     <a:ext uri="{A12FA001-AC4F-418D-AE19-62706E023703}">
                       <ahyp:hlinkClr xmlns:ahyp="http://schemas.microsoft.com/office/drawing/2018/hyperlinkcolor" val="tx"/>
@@ -12130,7 +10754,7 @@
                 <a:solidFill>
                   <a:srgbClr val="FFFFFF"/>
                 </a:solidFill>
-                <a:hlinkClick r:id="rId6" tooltip="https://creativecommons.org/licenses/by/3.0/">
+                <a:hlinkClick r:id="rId5" tooltip="https://creativecommons.org/licenses/by/3.0/">
                   <a:extLst>
                     <a:ext uri="{A12FA001-AC4F-418D-AE19-62706E023703}">
                       <ahyp:hlinkClr xmlns:ahyp="http://schemas.microsoft.com/office/drawing/2018/hyperlinkcolor" val="tx"/>
@@ -12199,674 +10823,6 @@
           <a:chExt cx="0" cy="0"/>
         </a:xfrm>
       </p:grpSpPr>
-      <p:pic>
-        <p:nvPicPr>
-          <p:cNvPr id="11" name="Picture 10">
-            <a:extLst>
-              <a:ext uri="{FF2B5EF4-FFF2-40B4-BE49-F238E27FC236}">
-                <a16:creationId xmlns:a16="http://schemas.microsoft.com/office/drawing/2014/main" id="{576E8DBD-6DBD-4FCB-8FE8-8F0425C0B67E}"/>
-              </a:ext>
-              <a:ext uri="{C183D7F6-B498-43B3-948B-1728B52AA6E4}">
-                <adec:decorative xmlns:adec="http://schemas.microsoft.com/office/drawing/2017/decorative" val="1"/>
-              </a:ext>
-            </a:extLst>
-          </p:cNvPr>
-          <p:cNvPicPr>
-            <a:picLocks noGrp="1" noRot="1" noChangeAspect="1" noMove="1" noResize="1" noEditPoints="1" noAdjustHandles="1" noChangeArrowheads="1" noChangeShapeType="1" noCrop="1"/>
-          </p:cNvPicPr>
-          <p:nvPr>
-            <p:extLst>
-              <p:ext uri="{386F3935-93C4-4BCD-93E2-E3B085C9AB24}">
-                <p16:designElem xmlns:p16="http://schemas.microsoft.com/office/powerpoint/2015/main" val="1"/>
-              </p:ext>
-            </p:extLst>
-          </p:nvPr>
-        </p:nvPicPr>
-        <p:blipFill>
-          <a:blip r:embed="rId3">
-            <a:extLst>
-              <a:ext uri="{28A0092B-C50C-407E-A947-70E740481C1C}">
-                <a14:useLocalDpi xmlns:a14="http://schemas.microsoft.com/office/drawing/2010/main" val="0"/>
-              </a:ext>
-            </a:extLst>
-          </a:blip>
-          <a:stretch>
-            <a:fillRect/>
-          </a:stretch>
-        </p:blipFill>
-        <p:spPr>
-          <a:xfrm>
-            <a:off x="0" y="0"/>
-            <a:ext cx="12192000" cy="6858000"/>
-          </a:xfrm>
-          <a:prstGeom prst="rect">
-            <a:avLst/>
-          </a:prstGeom>
-        </p:spPr>
-      </p:pic>
-      <p:sp useBgFill="1">
-        <p:nvSpPr>
-          <p:cNvPr id="13" name="Freeform 11">
-            <a:extLst>
-              <a:ext uri="{FF2B5EF4-FFF2-40B4-BE49-F238E27FC236}">
-                <a16:creationId xmlns:a16="http://schemas.microsoft.com/office/drawing/2014/main" id="{70BE0118-665B-49AC-8ED9-B29C009CED13}"/>
-              </a:ext>
-              <a:ext uri="{C183D7F6-B498-43B3-948B-1728B52AA6E4}">
-                <adec:decorative xmlns:adec="http://schemas.microsoft.com/office/drawing/2017/decorative" val="1"/>
-              </a:ext>
-            </a:extLst>
-          </p:cNvPr>
-          <p:cNvSpPr>
-            <a:spLocks noGrp="1" noRot="1" noChangeAspect="1" noMove="1" noResize="1" noEditPoints="1" noAdjustHandles="1" noChangeArrowheads="1" noChangeShapeType="1" noTextEdit="1"/>
-          </p:cNvSpPr>
-          <p:nvPr>
-            <p:extLst>
-              <p:ext uri="{386F3935-93C4-4BCD-93E2-E3B085C9AB24}">
-                <p16:designElem xmlns:p16="http://schemas.microsoft.com/office/powerpoint/2015/main" val="1"/>
-              </p:ext>
-            </p:extLst>
-          </p:nvPr>
-        </p:nvSpPr>
-        <p:spPr>
-          <a:xfrm>
-            <a:off x="-15875" y="0"/>
-            <a:ext cx="11683810" cy="6588125"/>
-          </a:xfrm>
-          <a:custGeom>
-            <a:avLst/>
-            <a:gdLst/>
-            <a:ahLst/>
-            <a:cxnLst/>
-            <a:rect l="l" t="t" r="r" b="b"/>
-            <a:pathLst>
-              <a:path w="11683810" h="6588125">
-                <a:moveTo>
-                  <a:pt x="0" y="0"/>
-                </a:moveTo>
-                <a:lnTo>
-                  <a:pt x="11318691" y="0"/>
-                </a:lnTo>
-                <a:lnTo>
-                  <a:pt x="11683810" y="5976938"/>
-                </a:lnTo>
-                <a:lnTo>
-                  <a:pt x="15875" y="6588125"/>
-                </a:lnTo>
-                <a:cubicBezTo>
-                  <a:pt x="10583" y="4386792"/>
-                  <a:pt x="5292" y="2185458"/>
-                  <a:pt x="0" y="0"/>
-                </a:cubicBezTo>
-                <a:close/>
-              </a:path>
-            </a:pathLst>
-          </a:custGeom>
-          <a:ln>
-            <a:noFill/>
-          </a:ln>
-          <a:effectLst>
-            <a:outerShdw blurRad="101600" dist="152400" dir="4380000" algn="tl" rotWithShape="0">
-              <a:srgbClr val="000000">
-                <a:alpha val="43000"/>
-              </a:srgbClr>
-            </a:outerShdw>
-          </a:effectLst>
-        </p:spPr>
-        <p:style>
-          <a:lnRef idx="1">
-            <a:schemeClr val="accent1"/>
-          </a:lnRef>
-          <a:fillRef idx="3">
-            <a:schemeClr val="accent1"/>
-          </a:fillRef>
-          <a:effectRef idx="2">
-            <a:schemeClr val="accent1"/>
-          </a:effectRef>
-          <a:fontRef idx="minor">
-            <a:schemeClr val="lt1"/>
-          </a:fontRef>
-        </p:style>
-        <p:txBody>
-          <a:bodyPr/>
-          <a:lstStyle/>
-          <a:p>
-            <a:endParaRPr lang="en-US"/>
-          </a:p>
-        </p:txBody>
-      </p:sp>
-      <p:sp>
-        <p:nvSpPr>
-          <p:cNvPr id="15" name="Freeform 13">
-            <a:extLst>
-              <a:ext uri="{FF2B5EF4-FFF2-40B4-BE49-F238E27FC236}">
-                <a16:creationId xmlns:a16="http://schemas.microsoft.com/office/drawing/2014/main" id="{DB8E4593-3024-4A7B-92FB-8114D72E5751}"/>
-              </a:ext>
-              <a:ext uri="{C183D7F6-B498-43B3-948B-1728B52AA6E4}">
-                <adec:decorative xmlns:adec="http://schemas.microsoft.com/office/drawing/2017/decorative" val="1"/>
-              </a:ext>
-            </a:extLst>
-          </p:cNvPr>
-          <p:cNvSpPr>
-            <a:spLocks noGrp="1" noRot="1" noChangeAspect="1" noMove="1" noResize="1" noEditPoints="1" noAdjustHandles="1" noChangeArrowheads="1" noChangeShapeType="1" noTextEdit="1"/>
-          </p:cNvSpPr>
-          <p:nvPr>
-            <p:extLst>
-              <p:ext uri="{386F3935-93C4-4BCD-93E2-E3B085C9AB24}">
-                <p16:designElem xmlns:p16="http://schemas.microsoft.com/office/powerpoint/2015/main" val="1"/>
-              </p:ext>
-            </p:extLst>
-          </p:nvPr>
-        </p:nvSpPr>
-        <p:spPr>
-          <a:xfrm>
-            <a:off x="0" y="4282257"/>
-            <a:ext cx="11329257" cy="2028845"/>
-          </a:xfrm>
-          <a:custGeom>
-            <a:avLst/>
-            <a:gdLst/>
-            <a:ahLst/>
-            <a:cxnLst/>
-            <a:rect l="l" t="t" r="r" b="b"/>
-            <a:pathLst>
-              <a:path w="11329257" h="2028845">
-                <a:moveTo>
-                  <a:pt x="0" y="588520"/>
-                </a:moveTo>
-                <a:lnTo>
-                  <a:pt x="11244075" y="0"/>
-                </a:lnTo>
-                <a:lnTo>
-                  <a:pt x="11329257" y="1424838"/>
-                </a:lnTo>
-                <a:lnTo>
-                  <a:pt x="0" y="2028845"/>
-                </a:lnTo>
-                <a:lnTo>
-                  <a:pt x="0" y="588520"/>
-                </a:lnTo>
-                <a:close/>
-              </a:path>
-            </a:pathLst>
-          </a:custGeom>
-          <a:gradFill flip="none" rotWithShape="1">
-            <a:gsLst>
-              <a:gs pos="34000">
-                <a:schemeClr val="accent1"/>
-              </a:gs>
-              <a:gs pos="100000">
-                <a:schemeClr val="accent1">
-                  <a:lumMod val="50000"/>
-                </a:schemeClr>
-              </a:gs>
-            </a:gsLst>
-            <a:path path="circle">
-              <a:fillToRect l="50000" t="50000" r="50000" b="50000"/>
-            </a:path>
-            <a:tileRect/>
-          </a:gradFill>
-          <a:ln>
-            <a:noFill/>
-          </a:ln>
-        </p:spPr>
-        <p:style>
-          <a:lnRef idx="1">
-            <a:schemeClr val="accent1"/>
-          </a:lnRef>
-          <a:fillRef idx="3">
-            <a:schemeClr val="accent1"/>
-          </a:fillRef>
-          <a:effectRef idx="2">
-            <a:schemeClr val="accent1"/>
-          </a:effectRef>
-          <a:fontRef idx="minor">
-            <a:schemeClr val="lt1"/>
-          </a:fontRef>
-        </p:style>
-        <p:txBody>
-          <a:bodyPr/>
-          <a:lstStyle/>
-          <a:p>
-            <a:endParaRPr lang="en-US"/>
-          </a:p>
-        </p:txBody>
-      </p:sp>
-      <p:sp>
-        <p:nvSpPr>
-          <p:cNvPr id="17" name="Freeform 25">
-            <a:extLst>
-              <a:ext uri="{FF2B5EF4-FFF2-40B4-BE49-F238E27FC236}">
-                <a16:creationId xmlns:a16="http://schemas.microsoft.com/office/drawing/2014/main" id="{F72029E6-113E-4A42-8D29-4B796B39B9C5}"/>
-              </a:ext>
-              <a:ext uri="{C183D7F6-B498-43B3-948B-1728B52AA6E4}">
-                <adec:decorative xmlns:adec="http://schemas.microsoft.com/office/drawing/2017/decorative" val="1"/>
-              </a:ext>
-            </a:extLst>
-          </p:cNvPr>
-          <p:cNvSpPr>
-            <a:spLocks noGrp="1" noRot="1" noChangeAspect="1" noMove="1" noResize="1" noEditPoints="1" noAdjustHandles="1" noChangeArrowheads="1" noChangeShapeType="1" noTextEdit="1"/>
-          </p:cNvSpPr>
-          <p:nvPr>
-            <p:extLst>
-              <p:ext uri="{386F3935-93C4-4BCD-93E2-E3B085C9AB24}">
-                <p16:designElem xmlns:p16="http://schemas.microsoft.com/office/powerpoint/2015/main" val="1"/>
-              </p:ext>
-            </p:extLst>
-          </p:nvPr>
-        </p:nvSpPr>
-        <p:spPr>
-          <a:xfrm>
-            <a:off x="0" y="0"/>
-            <a:ext cx="8719579" cy="456877"/>
-          </a:xfrm>
-          <a:custGeom>
-            <a:avLst/>
-            <a:gdLst/>
-            <a:ahLst/>
-            <a:cxnLst/>
-            <a:rect l="l" t="t" r="r" b="b"/>
-            <a:pathLst>
-              <a:path w="8719579" h="456877">
-                <a:moveTo>
-                  <a:pt x="0" y="0"/>
-                </a:moveTo>
-                <a:lnTo>
-                  <a:pt x="8719579" y="0"/>
-                </a:lnTo>
-                <a:lnTo>
-                  <a:pt x="0" y="456877"/>
-                </a:lnTo>
-                <a:lnTo>
-                  <a:pt x="0" y="0"/>
-                </a:lnTo>
-                <a:close/>
-              </a:path>
-            </a:pathLst>
-          </a:custGeom>
-          <a:gradFill flip="none" rotWithShape="1">
-            <a:gsLst>
-              <a:gs pos="34000">
-                <a:schemeClr val="accent1"/>
-              </a:gs>
-              <a:gs pos="100000">
-                <a:schemeClr val="accent1">
-                  <a:lumMod val="50000"/>
-                </a:schemeClr>
-              </a:gs>
-            </a:gsLst>
-            <a:path path="circle">
-              <a:fillToRect l="50000" t="50000" r="50000" b="50000"/>
-            </a:path>
-            <a:tileRect/>
-          </a:gradFill>
-          <a:ln>
-            <a:noFill/>
-          </a:ln>
-        </p:spPr>
-        <p:style>
-          <a:lnRef idx="1">
-            <a:schemeClr val="accent1"/>
-          </a:lnRef>
-          <a:fillRef idx="3">
-            <a:schemeClr val="accent1"/>
-          </a:fillRef>
-          <a:effectRef idx="2">
-            <a:schemeClr val="accent1"/>
-          </a:effectRef>
-          <a:fontRef idx="minor">
-            <a:schemeClr val="lt1"/>
-          </a:fontRef>
-        </p:style>
-        <p:txBody>
-          <a:bodyPr/>
-          <a:lstStyle/>
-          <a:p>
-            <a:endParaRPr lang="en-US"/>
-          </a:p>
-        </p:txBody>
-      </p:sp>
-      <p:sp>
-        <p:nvSpPr>
-          <p:cNvPr id="19" name="Freeform 14">
-            <a:extLst>
-              <a:ext uri="{FF2B5EF4-FFF2-40B4-BE49-F238E27FC236}">
-                <a16:creationId xmlns:a16="http://schemas.microsoft.com/office/drawing/2014/main" id="{FBAE6AE5-2B20-46E6-B338-A385BFF09F86}"/>
-              </a:ext>
-              <a:ext uri="{C183D7F6-B498-43B3-948B-1728B52AA6E4}">
-                <adec:decorative xmlns:adec="http://schemas.microsoft.com/office/drawing/2017/decorative" val="1"/>
-              </a:ext>
-            </a:extLst>
-          </p:cNvPr>
-          <p:cNvSpPr>
-            <a:spLocks noGrp="1" noRot="1" noChangeAspect="1" noMove="1" noResize="1" noEditPoints="1" noAdjustHandles="1" noChangeArrowheads="1" noChangeShapeType="1" noTextEdit="1"/>
-          </p:cNvSpPr>
-          <p:nvPr>
-            <p:extLst>
-              <p:ext uri="{386F3935-93C4-4BCD-93E2-E3B085C9AB24}">
-                <p16:designElem xmlns:p16="http://schemas.microsoft.com/office/powerpoint/2015/main" val="1"/>
-              </p:ext>
-            </p:extLst>
-          </p:nvPr>
-        </p:nvSpPr>
-        <p:spPr>
-          <a:xfrm rot="21420000">
-            <a:off x="-161800" y="293317"/>
-            <a:ext cx="11367116" cy="5751804"/>
-          </a:xfrm>
-          <a:custGeom>
-            <a:avLst/>
-            <a:gdLst/>
-            <a:ahLst/>
-            <a:cxnLst/>
-            <a:rect l="l" t="t" r="r" b="b"/>
-            <a:pathLst>
-              <a:path w="11367116" h="5751804">
-                <a:moveTo>
-                  <a:pt x="11346705" y="0"/>
-                </a:moveTo>
-                <a:cubicBezTo>
-                  <a:pt x="11353509" y="1915114"/>
-                  <a:pt x="11360312" y="3830229"/>
-                  <a:pt x="11367116" y="5745343"/>
-                </a:cubicBezTo>
-                <a:lnTo>
-                  <a:pt x="0" y="5751804"/>
-                </a:lnTo>
-              </a:path>
-            </a:pathLst>
-          </a:custGeom>
-          <a:ln w="82550">
-            <a:solidFill>
-              <a:schemeClr val="tx1">
-                <a:lumMod val="50000"/>
-                <a:lumOff val="50000"/>
-              </a:schemeClr>
-            </a:solidFill>
-            <a:miter lim="800000"/>
-          </a:ln>
-        </p:spPr>
-        <p:style>
-          <a:lnRef idx="2">
-            <a:schemeClr val="accent1"/>
-          </a:lnRef>
-          <a:fillRef idx="0">
-            <a:schemeClr val="accent1"/>
-          </a:fillRef>
-          <a:effectRef idx="1">
-            <a:schemeClr val="accent1"/>
-          </a:effectRef>
-          <a:fontRef idx="minor">
-            <a:schemeClr val="tx1"/>
-          </a:fontRef>
-        </p:style>
-        <p:txBody>
-          <a:bodyPr/>
-          <a:lstStyle/>
-          <a:p>
-            <a:endParaRPr lang="en-US"/>
-          </a:p>
-        </p:txBody>
-      </p:sp>
-      <p:sp>
-        <p:nvSpPr>
-          <p:cNvPr id="21" name="5-Point Star 24">
-            <a:extLst>
-              <a:ext uri="{FF2B5EF4-FFF2-40B4-BE49-F238E27FC236}">
-                <a16:creationId xmlns:a16="http://schemas.microsoft.com/office/drawing/2014/main" id="{4555B12C-E2CF-448D-918F-96D0958DC632}"/>
-              </a:ext>
-              <a:ext uri="{C183D7F6-B498-43B3-948B-1728B52AA6E4}">
-                <adec:decorative xmlns:adec="http://schemas.microsoft.com/office/drawing/2017/decorative" val="1"/>
-              </a:ext>
-            </a:extLst>
-          </p:cNvPr>
-          <p:cNvSpPr>
-            <a:spLocks noGrp="1" noRot="1" noChangeAspect="1" noMove="1" noResize="1" noEditPoints="1" noAdjustHandles="1" noChangeArrowheads="1" noChangeShapeType="1" noTextEdit="1"/>
-          </p:cNvSpPr>
-          <p:nvPr>
-            <p:extLst>
-              <p:ext uri="{386F3935-93C4-4BCD-93E2-E3B085C9AB24}">
-                <p16:designElem xmlns:p16="http://schemas.microsoft.com/office/powerpoint/2015/main" val="1"/>
-              </p:ext>
-            </p:extLst>
-          </p:nvPr>
-        </p:nvSpPr>
-        <p:spPr>
-          <a:xfrm rot="21420000">
-            <a:off x="4221385" y="5111356"/>
-            <a:ext cx="515386" cy="515386"/>
-          </a:xfrm>
-          <a:prstGeom prst="star5">
-            <a:avLst>
-              <a:gd name="adj" fmla="val 26693"/>
-              <a:gd name="hf" fmla="val 105146"/>
-              <a:gd name="vf" fmla="val 110557"/>
-            </a:avLst>
-          </a:prstGeom>
-          <a:solidFill>
-            <a:schemeClr val="tx1">
-              <a:alpha val="40000"/>
-            </a:schemeClr>
-          </a:solidFill>
-          <a:ln>
-            <a:noFill/>
-          </a:ln>
-        </p:spPr>
-        <p:style>
-          <a:lnRef idx="1">
-            <a:schemeClr val="accent1"/>
-          </a:lnRef>
-          <a:fillRef idx="3">
-            <a:schemeClr val="accent1"/>
-          </a:fillRef>
-          <a:effectRef idx="2">
-            <a:schemeClr val="accent1"/>
-          </a:effectRef>
-          <a:fontRef idx="minor">
-            <a:schemeClr val="lt1"/>
-          </a:fontRef>
-        </p:style>
-        <p:txBody>
-          <a:bodyPr/>
-          <a:lstStyle/>
-          <a:p>
-            <a:endParaRPr lang="en-US"/>
-          </a:p>
-        </p:txBody>
-      </p:sp>
-      <p:pic>
-        <p:nvPicPr>
-          <p:cNvPr id="23" name="Picture 22">
-            <a:extLst>
-              <a:ext uri="{FF2B5EF4-FFF2-40B4-BE49-F238E27FC236}">
-                <a16:creationId xmlns:a16="http://schemas.microsoft.com/office/drawing/2014/main" id="{47458151-6535-4712-9D31-5BFEBD22056A}"/>
-              </a:ext>
-              <a:ext uri="{C183D7F6-B498-43B3-948B-1728B52AA6E4}">
-                <adec:decorative xmlns:adec="http://schemas.microsoft.com/office/drawing/2017/decorative" val="1"/>
-              </a:ext>
-            </a:extLst>
-          </p:cNvPr>
-          <p:cNvPicPr>
-            <a:picLocks noGrp="1" noRot="1" noChangeAspect="1" noMove="1" noResize="1" noEditPoints="1" noAdjustHandles="1" noChangeArrowheads="1" noChangeShapeType="1" noCrop="1"/>
-          </p:cNvPicPr>
-          <p:nvPr>
-            <p:extLst>
-              <p:ext uri="{386F3935-93C4-4BCD-93E2-E3B085C9AB24}">
-                <p16:designElem xmlns:p16="http://schemas.microsoft.com/office/powerpoint/2015/main" val="1"/>
-              </p:ext>
-            </p:extLst>
-          </p:nvPr>
-        </p:nvPicPr>
-        <p:blipFill>
-          <a:blip r:embed="rId3">
-            <a:extLst>
-              <a:ext uri="{28A0092B-C50C-407E-A947-70E740481C1C}">
-                <a14:useLocalDpi xmlns:a14="http://schemas.microsoft.com/office/drawing/2010/main" val="0"/>
-              </a:ext>
-            </a:extLst>
-          </a:blip>
-          <a:stretch>
-            <a:fillRect/>
-          </a:stretch>
-        </p:blipFill>
-        <p:spPr>
-          <a:xfrm>
-            <a:off x="0" y="0"/>
-            <a:ext cx="12192000" cy="6858000"/>
-          </a:xfrm>
-          <a:prstGeom prst="rect">
-            <a:avLst/>
-          </a:prstGeom>
-        </p:spPr>
-      </p:pic>
-      <p:sp useBgFill="1">
-        <p:nvSpPr>
-          <p:cNvPr id="25" name="Rectangle 24">
-            <a:extLst>
-              <a:ext uri="{FF2B5EF4-FFF2-40B4-BE49-F238E27FC236}">
-                <a16:creationId xmlns:a16="http://schemas.microsoft.com/office/drawing/2014/main" id="{28F956D1-3AF5-47E1-BF12-D331E34AAA4B}"/>
-              </a:ext>
-              <a:ext uri="{C183D7F6-B498-43B3-948B-1728B52AA6E4}">
-                <adec:decorative xmlns:adec="http://schemas.microsoft.com/office/drawing/2017/decorative" val="1"/>
-              </a:ext>
-            </a:extLst>
-          </p:cNvPr>
-          <p:cNvSpPr>
-            <a:spLocks noGrp="1" noRot="1" noChangeAspect="1" noMove="1" noResize="1" noEditPoints="1" noAdjustHandles="1" noChangeArrowheads="1" noChangeShapeType="1" noTextEdit="1"/>
-          </p:cNvSpPr>
-          <p:nvPr>
-            <p:extLst>
-              <p:ext uri="{386F3935-93C4-4BCD-93E2-E3B085C9AB24}">
-                <p16:designElem xmlns:p16="http://schemas.microsoft.com/office/powerpoint/2015/main" val="1"/>
-              </p:ext>
-            </p:extLst>
-          </p:nvPr>
-        </p:nvSpPr>
-        <p:spPr>
-          <a:xfrm>
-            <a:off x="-3176" y="0"/>
-            <a:ext cx="4632997" cy="6858000"/>
-          </a:xfrm>
-          <a:prstGeom prst="rect">
-            <a:avLst/>
-          </a:prstGeom>
-          <a:ln>
-            <a:noFill/>
-          </a:ln>
-          <a:effectLst>
-            <a:outerShdw blurRad="50800" dist="38100" algn="l" rotWithShape="0">
-              <a:prstClr val="black">
-                <a:alpha val="40000"/>
-              </a:prstClr>
-            </a:outerShdw>
-          </a:effectLst>
-        </p:spPr>
-        <p:style>
-          <a:lnRef idx="2">
-            <a:schemeClr val="accent1">
-              <a:shade val="50000"/>
-            </a:schemeClr>
-          </a:lnRef>
-          <a:fillRef idx="1">
-            <a:schemeClr val="accent1"/>
-          </a:fillRef>
-          <a:effectRef idx="0">
-            <a:schemeClr val="accent1"/>
-          </a:effectRef>
-          <a:fontRef idx="minor">
-            <a:schemeClr val="lt1"/>
-          </a:fontRef>
-        </p:style>
-        <p:txBody>
-          <a:bodyPr rtlCol="0" anchor="ctr"/>
-          <a:lstStyle/>
-          <a:p>
-            <a:pPr algn="ctr"/>
-            <a:endParaRPr lang="en-US"/>
-          </a:p>
-        </p:txBody>
-      </p:sp>
-      <p:sp>
-        <p:nvSpPr>
-          <p:cNvPr id="27" name="Freeform 5">
-            <a:extLst>
-              <a:ext uri="{FF2B5EF4-FFF2-40B4-BE49-F238E27FC236}">
-                <a16:creationId xmlns:a16="http://schemas.microsoft.com/office/drawing/2014/main" id="{4A5A7DD1-718C-42BE-9B90-4D960E22E3D3}"/>
-              </a:ext>
-              <a:ext uri="{C183D7F6-B498-43B3-948B-1728B52AA6E4}">
-                <adec:decorative xmlns:adec="http://schemas.microsoft.com/office/drawing/2017/decorative" val="1"/>
-              </a:ext>
-            </a:extLst>
-          </p:cNvPr>
-          <p:cNvSpPr>
-            <a:spLocks noGrp="1" noRot="1" noChangeAspect="1" noMove="1" noResize="1" noEditPoints="1" noAdjustHandles="1" noChangeArrowheads="1" noChangeShapeType="1" noTextEdit="1"/>
-          </p:cNvSpPr>
-          <p:nvPr>
-            <p:extLst>
-              <p:ext uri="{386F3935-93C4-4BCD-93E2-E3B085C9AB24}">
-                <p16:designElem xmlns:p16="http://schemas.microsoft.com/office/powerpoint/2015/main" val="1"/>
-              </p:ext>
-            </p:extLst>
-          </p:nvPr>
-        </p:nvSpPr>
-        <p:spPr>
-          <a:xfrm>
-            <a:off x="-10856" y="0"/>
-            <a:ext cx="4293205" cy="6576643"/>
-          </a:xfrm>
-          <a:custGeom>
-            <a:avLst/>
-            <a:gdLst/>
-            <a:ahLst/>
-            <a:cxnLst/>
-            <a:rect l="l" t="t" r="r" b="b"/>
-            <a:pathLst>
-              <a:path w="11367116" h="5751804">
-                <a:moveTo>
-                  <a:pt x="11346705" y="0"/>
-                </a:moveTo>
-                <a:cubicBezTo>
-                  <a:pt x="11353509" y="1915114"/>
-                  <a:pt x="11360312" y="3830229"/>
-                  <a:pt x="11367116" y="5745343"/>
-                </a:cubicBezTo>
-                <a:lnTo>
-                  <a:pt x="0" y="5751804"/>
-                </a:lnTo>
-              </a:path>
-            </a:pathLst>
-          </a:custGeom>
-          <a:ln w="82550">
-            <a:solidFill>
-              <a:schemeClr val="tx1">
-                <a:lumMod val="50000"/>
-                <a:lumOff val="50000"/>
-              </a:schemeClr>
-            </a:solidFill>
-            <a:miter lim="800000"/>
-          </a:ln>
-        </p:spPr>
-        <p:style>
-          <a:lnRef idx="2">
-            <a:schemeClr val="accent1"/>
-          </a:lnRef>
-          <a:fillRef idx="0">
-            <a:schemeClr val="accent1"/>
-          </a:fillRef>
-          <a:effectRef idx="1">
-            <a:schemeClr val="accent1"/>
-          </a:effectRef>
-          <a:fontRef idx="minor">
-            <a:schemeClr val="tx1"/>
-          </a:fontRef>
-        </p:style>
-        <p:txBody>
-          <a:bodyPr/>
-          <a:lstStyle/>
-          <a:p>
-            <a:endParaRPr lang="en-US"/>
-          </a:p>
-        </p:txBody>
-      </p:sp>
       <p:sp>
         <p:nvSpPr>
           <p:cNvPr id="2" name="Title 1">
@@ -12907,223 +10863,6 @@
               <a:rPr lang="en-US" sz="4800" dirty="0"/>
               <a:t> QUESTIONS?</a:t>
             </a:r>
-          </a:p>
-        </p:txBody>
-      </p:sp>
-      <p:sp>
-        <p:nvSpPr>
-          <p:cNvPr id="29" name="Rectangle 28">
-            <a:extLst>
-              <a:ext uri="{FF2B5EF4-FFF2-40B4-BE49-F238E27FC236}">
-                <a16:creationId xmlns:a16="http://schemas.microsoft.com/office/drawing/2014/main" id="{9DE02FF1-20BC-4306-B0FB-AE6D71D737CC}"/>
-              </a:ext>
-              <a:ext uri="{C183D7F6-B498-43B3-948B-1728B52AA6E4}">
-                <adec:decorative xmlns:adec="http://schemas.microsoft.com/office/drawing/2017/decorative" val="1"/>
-              </a:ext>
-            </a:extLst>
-          </p:cNvPr>
-          <p:cNvSpPr>
-            <a:spLocks noGrp="1" noRot="1" noChangeAspect="1" noMove="1" noResize="1" noEditPoints="1" noAdjustHandles="1" noChangeArrowheads="1" noChangeShapeType="1" noTextEdit="1"/>
-          </p:cNvSpPr>
-          <p:nvPr>
-            <p:extLst>
-              <p:ext uri="{386F3935-93C4-4BCD-93E2-E3B085C9AB24}">
-                <p16:designElem xmlns:p16="http://schemas.microsoft.com/office/powerpoint/2015/main" val="1"/>
-              </p:ext>
-            </p:extLst>
-          </p:nvPr>
-        </p:nvSpPr>
-        <p:spPr>
-          <a:xfrm>
-            <a:off x="0" y="0"/>
-            <a:ext cx="4248871" cy="226225"/>
-          </a:xfrm>
-          <a:prstGeom prst="rect">
-            <a:avLst/>
-          </a:prstGeom>
-          <a:gradFill flip="none" rotWithShape="1">
-            <a:gsLst>
-              <a:gs pos="34000">
-                <a:schemeClr val="accent1"/>
-              </a:gs>
-              <a:gs pos="100000">
-                <a:schemeClr val="accent1">
-                  <a:lumMod val="50000"/>
-                </a:schemeClr>
-              </a:gs>
-            </a:gsLst>
-            <a:path path="circle">
-              <a:fillToRect l="50000" t="50000" r="50000" b="50000"/>
-            </a:path>
-            <a:tileRect/>
-          </a:gradFill>
-          <a:ln>
-            <a:noFill/>
-          </a:ln>
-        </p:spPr>
-        <p:style>
-          <a:lnRef idx="1">
-            <a:schemeClr val="accent1"/>
-          </a:lnRef>
-          <a:fillRef idx="3">
-            <a:schemeClr val="accent1"/>
-          </a:fillRef>
-          <a:effectRef idx="2">
-            <a:schemeClr val="accent1"/>
-          </a:effectRef>
-          <a:fontRef idx="minor">
-            <a:schemeClr val="lt1"/>
-          </a:fontRef>
-        </p:style>
-        <p:txBody>
-          <a:bodyPr/>
-          <a:lstStyle/>
-          <a:p>
-            <a:endParaRPr lang="en-US"/>
-          </a:p>
-        </p:txBody>
-      </p:sp>
-      <p:sp>
-        <p:nvSpPr>
-          <p:cNvPr id="31" name="Rectangle 30">
-            <a:extLst>
-              <a:ext uri="{FF2B5EF4-FFF2-40B4-BE49-F238E27FC236}">
-                <a16:creationId xmlns:a16="http://schemas.microsoft.com/office/drawing/2014/main" id="{89A8C427-1B47-42B2-9206-1F34BE757DFF}"/>
-              </a:ext>
-              <a:ext uri="{C183D7F6-B498-43B3-948B-1728B52AA6E4}">
-                <adec:decorative xmlns:adec="http://schemas.microsoft.com/office/drawing/2017/decorative" val="1"/>
-              </a:ext>
-            </a:extLst>
-          </p:cNvPr>
-          <p:cNvSpPr>
-            <a:spLocks noGrp="1" noRot="1" noChangeAspect="1" noMove="1" noResize="1" noEditPoints="1" noAdjustHandles="1" noChangeArrowheads="1" noChangeShapeType="1" noTextEdit="1"/>
-          </p:cNvSpPr>
-          <p:nvPr>
-            <p:extLst>
-              <p:ext uri="{386F3935-93C4-4BCD-93E2-E3B085C9AB24}">
-                <p16:designElem xmlns:p16="http://schemas.microsoft.com/office/powerpoint/2015/main" val="1"/>
-              </p:ext>
-            </p:extLst>
-          </p:nvPr>
-        </p:nvSpPr>
-        <p:spPr>
-          <a:xfrm>
-            <a:off x="0" y="5752622"/>
-            <a:ext cx="4250216" cy="780581"/>
-          </a:xfrm>
-          <a:prstGeom prst="rect">
-            <a:avLst/>
-          </a:prstGeom>
-          <a:gradFill flip="none" rotWithShape="1">
-            <a:gsLst>
-              <a:gs pos="34000">
-                <a:schemeClr val="accent1"/>
-              </a:gs>
-              <a:gs pos="100000">
-                <a:schemeClr val="accent1">
-                  <a:lumMod val="50000"/>
-                </a:schemeClr>
-              </a:gs>
-            </a:gsLst>
-            <a:path path="circle">
-              <a:fillToRect l="50000" t="50000" r="50000" b="50000"/>
-            </a:path>
-            <a:tileRect/>
-          </a:gradFill>
-          <a:ln>
-            <a:noFill/>
-          </a:ln>
-        </p:spPr>
-        <p:style>
-          <a:lnRef idx="1">
-            <a:schemeClr val="accent1"/>
-          </a:lnRef>
-          <a:fillRef idx="3">
-            <a:schemeClr val="accent1"/>
-          </a:fillRef>
-          <a:effectRef idx="2">
-            <a:schemeClr val="accent1"/>
-          </a:effectRef>
-          <a:fontRef idx="minor">
-            <a:schemeClr val="lt1"/>
-          </a:fontRef>
-        </p:style>
-        <p:txBody>
-          <a:bodyPr/>
-          <a:lstStyle/>
-          <a:p>
-            <a:endParaRPr lang="en-US"/>
-          </a:p>
-        </p:txBody>
-      </p:sp>
-      <p:sp>
-        <p:nvSpPr>
-          <p:cNvPr id="33" name="Rectangle 32">
-            <a:extLst>
-              <a:ext uri="{FF2B5EF4-FFF2-40B4-BE49-F238E27FC236}">
-                <a16:creationId xmlns:a16="http://schemas.microsoft.com/office/drawing/2014/main" id="{C9864909-0F48-48BD-B525-B293738D4EDE}"/>
-              </a:ext>
-              <a:ext uri="{C183D7F6-B498-43B3-948B-1728B52AA6E4}">
-                <adec:decorative xmlns:adec="http://schemas.microsoft.com/office/drawing/2017/decorative" val="1"/>
-              </a:ext>
-            </a:extLst>
-          </p:cNvPr>
-          <p:cNvSpPr>
-            <a:spLocks noGrp="1" noRot="1" noChangeAspect="1" noMove="1" noResize="1" noEditPoints="1" noAdjustHandles="1" noChangeArrowheads="1" noChangeShapeType="1" noTextEdit="1"/>
-          </p:cNvSpPr>
-          <p:nvPr>
-            <p:extLst>
-              <p:ext uri="{386F3935-93C4-4BCD-93E2-E3B085C9AB24}">
-                <p16:designElem xmlns:p16="http://schemas.microsoft.com/office/powerpoint/2015/main" val="1"/>
-              </p:ext>
-            </p:extLst>
-          </p:nvPr>
-        </p:nvSpPr>
-        <p:spPr>
-          <a:xfrm>
-            <a:off x="5091883" y="450792"/>
-            <a:ext cx="6636823" cy="5950008"/>
-          </a:xfrm>
-          <a:prstGeom prst="rect">
-            <a:avLst/>
-          </a:prstGeom>
-          <a:solidFill>
-            <a:schemeClr val="bg1"/>
-          </a:solidFill>
-          <a:ln w="57150" cmpd="thinThick">
-            <a:noFill/>
-            <a:miter lim="800000"/>
-          </a:ln>
-          <a:effectLst>
-            <a:outerShdw blurRad="63500" sx="102000" sy="102000" algn="ctr" rotWithShape="0">
-              <a:prstClr val="black">
-                <a:alpha val="40000"/>
-              </a:prstClr>
-            </a:outerShdw>
-          </a:effectLst>
-        </p:spPr>
-        <p:style>
-          <a:lnRef idx="2">
-            <a:schemeClr val="accent1">
-              <a:shade val="50000"/>
-            </a:schemeClr>
-          </a:lnRef>
-          <a:fillRef idx="1">
-            <a:schemeClr val="accent1"/>
-          </a:fillRef>
-          <a:effectRef idx="0">
-            <a:schemeClr val="accent1"/>
-          </a:effectRef>
-          <a:fontRef idx="minor">
-            <a:schemeClr val="lt1"/>
-          </a:fontRef>
-        </p:style>
-        <p:txBody>
-          <a:bodyPr rtlCol="0" anchor="ctr"/>
-          <a:lstStyle/>
-          <a:p>
-            <a:pPr algn="ctr"/>
-            <a:endParaRPr lang="en-US"/>
           </a:p>
         </p:txBody>
       </p:sp>
@@ -13144,10 +10883,10 @@
           </p:nvPr>
         </p:nvPicPr>
         <p:blipFill>
-          <a:blip r:embed="rId4">
+          <a:blip r:embed="rId3">
             <a:extLst>
               <a:ext uri="{837473B0-CC2E-450A-ABE3-18F120FF3D39}">
-                <a1611:picAttrSrcUrl xmlns:a1611="http://schemas.microsoft.com/office/drawing/2016/11/main" r:id="rId5"/>
+                <a1611:picAttrSrcUrl xmlns:a1611="http://schemas.microsoft.com/office/drawing/2016/11/main" r:id="rId4"/>
               </a:ext>
             </a:extLst>
           </a:blip>
@@ -13205,7 +10944,7 @@
                 <a:solidFill>
                   <a:srgbClr val="FFFFFF"/>
                 </a:solidFill>
-                <a:hlinkClick r:id="rId5" tooltip="https://commons.wikimedia.org/wiki/File:Thank-you-word-cloud.jpg">
+                <a:hlinkClick r:id="rId4" tooltip="https://commons.wikimedia.org/wiki/File:Thank-you-word-cloud.jpg">
                   <a:extLst>
                     <a:ext uri="{A12FA001-AC4F-418D-AE19-62706E023703}">
                       <ahyp:hlinkClr xmlns:ahyp="http://schemas.microsoft.com/office/drawing/2018/hyperlinkcolor" val="tx"/>
@@ -13228,7 +10967,7 @@
                 <a:solidFill>
                   <a:srgbClr val="FFFFFF"/>
                 </a:solidFill>
-                <a:hlinkClick r:id="rId6" tooltip="https://creativecommons.org/licenses/by-sa/3.0/">
+                <a:hlinkClick r:id="rId5" tooltip="https://creativecommons.org/licenses/by-sa/3.0/">
                   <a:extLst>
                     <a:ext uri="{A12FA001-AC4F-418D-AE19-62706E023703}">
                       <ahyp:hlinkClr xmlns:ahyp="http://schemas.microsoft.com/office/drawing/2018/hyperlinkcolor" val="tx"/>
@@ -13276,28 +11015,28 @@
         <a:srgbClr val="C8C8C8"/>
       </a:lt2>
       <a:accent1>
-        <a:srgbClr val="B80E0F"/>
+        <a:srgbClr val="346492"/>
       </a:accent1>
       <a:accent2>
-        <a:srgbClr val="A6987D"/>
+        <a:srgbClr val="6DA5D4"/>
       </a:accent2>
       <a:accent3>
-        <a:srgbClr val="7F9A71"/>
+        <a:srgbClr val="538C79"/>
       </a:accent3>
       <a:accent4>
-        <a:srgbClr val="64969F"/>
+        <a:srgbClr val="93B75D"/>
       </a:accent4>
       <a:accent5>
-        <a:srgbClr val="9B75B2"/>
+        <a:srgbClr val="DEB050"/>
       </a:accent5>
       <a:accent6>
-        <a:srgbClr val="80737A"/>
+        <a:srgbClr val="BB5354"/>
       </a:accent6>
       <a:hlink>
-        <a:srgbClr val="F21213"/>
+        <a:srgbClr val="3289DD"/>
       </a:hlink>
       <a:folHlink>
-        <a:srgbClr val="B6A394"/>
+        <a:srgbClr val="859EB6"/>
       </a:folHlink>
     </a:clrScheme>
     <a:fontScheme name="Main Event">
@@ -13480,7 +11219,7 @@
   <a:extraClrSchemeLst/>
   <a:extLst>
     <a:ext uri="{05A4C25C-085E-4340-85A3-A5531E510DB2}">
-      <thm15:themeFamily xmlns:thm15="http://schemas.microsoft.com/office/thememl/2012/main" name="Main Event" id="{AC372BB4-D83D-411E-B849-B641926BA760}" vid="{F1EFBDE3-1A95-4E3D-81AD-1F53D65BEA01}"/>
+      <thm15:themeFamily xmlns:thm15="http://schemas.microsoft.com/office/thememl/2012/main" name="Main Event" id="{AC372BB4-D83D-411E-B849-B641926BA760}" vid="{FE3530EC-BA5B-407C-9B36-00820F39551C}"/>
     </a:ext>
   </a:extLst>
 </a:theme>

--- a/Presentation for Data Science 101.pptx
+++ b/Presentation for Data Science 101.pptx
@@ -8,11 +8,15 @@
     <p:sldId id="256" r:id="rId2"/>
     <p:sldId id="262" r:id="rId3"/>
     <p:sldId id="258" r:id="rId4"/>
-    <p:sldId id="259" r:id="rId5"/>
-    <p:sldId id="267" r:id="rId6"/>
-    <p:sldId id="261" r:id="rId7"/>
-    <p:sldId id="264" r:id="rId8"/>
-    <p:sldId id="265" r:id="rId9"/>
+    <p:sldId id="271" r:id="rId5"/>
+    <p:sldId id="259" r:id="rId6"/>
+    <p:sldId id="268" r:id="rId7"/>
+    <p:sldId id="269" r:id="rId8"/>
+    <p:sldId id="270" r:id="rId9"/>
+    <p:sldId id="267" r:id="rId10"/>
+    <p:sldId id="261" r:id="rId11"/>
+    <p:sldId id="264" r:id="rId12"/>
+    <p:sldId id="265" r:id="rId13"/>
   </p:sldIdLst>
   <p:sldSz cx="12192000" cy="6858000"/>
   <p:notesSz cx="6858000" cy="9144000"/>
@@ -119,6 +123,14 @@
 </p:presentation>
 </file>
 
+<file path=ppt/revisionInfo.xml><?xml version="1.0" encoding="utf-8"?>
+<p1510:revInfo xmlns:a="http://schemas.openxmlformats.org/drawingml/2006/main" xmlns:r="http://schemas.openxmlformats.org/officeDocument/2006/relationships" xmlns:p1510="http://schemas.microsoft.com/office/powerpoint/2015/10/main">
+  <p1510:revLst>
+    <p1510:client id="{7E2F5E30-3ADF-4319-90D8-4D967DB4512E}" v="5" dt="2023-10-25T13:40:25.463"/>
+  </p1510:revLst>
+</p1510:revInfo>
+</file>
+
 <file path=ppt/changesInfos/changesInfo1.xml><?xml version="1.0" encoding="utf-8"?>
 <pc:chgInfo xmlns:a="http://schemas.openxmlformats.org/drawingml/2006/main" xmlns:r="http://schemas.openxmlformats.org/officeDocument/2006/relationships" xmlns:ac="http://schemas.microsoft.com/office/drawing/2013/main/command" xmlns:pc="http://schemas.microsoft.com/office/powerpoint/2013/main/command">
   <pc:docChgLst>
@@ -142,6 +154,193 @@
             <ac:spMk id="6" creationId="{BBF26071-F77F-7993-F2B2-44F8B1219379}"/>
           </ac:spMkLst>
         </pc:spChg>
+      </pc:sldChg>
+    </pc:docChg>
+  </pc:docChgLst>
+  <pc:docChgLst>
+    <pc:chgData name="Nema Puthan" userId="8633c7f78c2ff340" providerId="LiveId" clId="{7E2F5E30-3ADF-4319-90D8-4D967DB4512E}"/>
+    <pc:docChg chg="undo custSel addSld modSld">
+      <pc:chgData name="Nema Puthan" userId="8633c7f78c2ff340" providerId="LiveId" clId="{7E2F5E30-3ADF-4319-90D8-4D967DB4512E}" dt="2023-10-25T13:41:09.365" v="691" actId="1076"/>
+      <pc:docMkLst>
+        <pc:docMk/>
+      </pc:docMkLst>
+      <pc:sldChg chg="delSp modSp mod">
+        <pc:chgData name="Nema Puthan" userId="8633c7f78c2ff340" providerId="LiveId" clId="{7E2F5E30-3ADF-4319-90D8-4D967DB4512E}" dt="2023-10-25T13:40:49.383" v="685" actId="1076"/>
+        <pc:sldMkLst>
+          <pc:docMk/>
+          <pc:sldMk cId="866781982" sldId="259"/>
+        </pc:sldMkLst>
+        <pc:spChg chg="mod">
+          <ac:chgData name="Nema Puthan" userId="8633c7f78c2ff340" providerId="LiveId" clId="{7E2F5E30-3ADF-4319-90D8-4D967DB4512E}" dt="2023-10-25T13:37:46.782" v="636" actId="1076"/>
+          <ac:spMkLst>
+            <pc:docMk/>
+            <pc:sldMk cId="866781982" sldId="259"/>
+            <ac:spMk id="2" creationId="{0B0FA88E-F5CB-F94E-B3CC-A32DC675F506}"/>
+          </ac:spMkLst>
+        </pc:spChg>
+        <pc:spChg chg="mod">
+          <ac:chgData name="Nema Puthan" userId="8633c7f78c2ff340" providerId="LiveId" clId="{7E2F5E30-3ADF-4319-90D8-4D967DB4512E}" dt="2023-10-25T13:40:49.383" v="685" actId="1076"/>
+          <ac:spMkLst>
+            <pc:docMk/>
+            <pc:sldMk cId="866781982" sldId="259"/>
+            <ac:spMk id="3" creationId="{66E4F873-2D5F-D642-A6DA-AD596F9C7D00}"/>
+          </ac:spMkLst>
+        </pc:spChg>
+        <pc:picChg chg="del mod">
+          <ac:chgData name="Nema Puthan" userId="8633c7f78c2ff340" providerId="LiveId" clId="{7E2F5E30-3ADF-4319-90D8-4D967DB4512E}" dt="2023-10-25T13:40:45.494" v="684" actId="478"/>
+          <ac:picMkLst>
+            <pc:docMk/>
+            <pc:sldMk cId="866781982" sldId="259"/>
+            <ac:picMk id="9" creationId="{EB553CF8-7E2F-84C4-A9AA-8C06DEBF8C54}"/>
+          </ac:picMkLst>
+        </pc:picChg>
+      </pc:sldChg>
+      <pc:sldChg chg="modSp mod">
+        <pc:chgData name="Nema Puthan" userId="8633c7f78c2ff340" providerId="LiveId" clId="{7E2F5E30-3ADF-4319-90D8-4D967DB4512E}" dt="2023-10-25T13:34:32.935" v="630" actId="20577"/>
+        <pc:sldMkLst>
+          <pc:docMk/>
+          <pc:sldMk cId="807467318" sldId="262"/>
+        </pc:sldMkLst>
+        <pc:spChg chg="mod">
+          <ac:chgData name="Nema Puthan" userId="8633c7f78c2ff340" providerId="LiveId" clId="{7E2F5E30-3ADF-4319-90D8-4D967DB4512E}" dt="2023-10-25T13:26:16.760" v="322" actId="1076"/>
+          <ac:spMkLst>
+            <pc:docMk/>
+            <pc:sldMk cId="807467318" sldId="262"/>
+            <ac:spMk id="2" creationId="{0B712794-1D27-F940-92E6-56B4CDC32D7B}"/>
+          </ac:spMkLst>
+        </pc:spChg>
+        <pc:spChg chg="mod">
+          <ac:chgData name="Nema Puthan" userId="8633c7f78c2ff340" providerId="LiveId" clId="{7E2F5E30-3ADF-4319-90D8-4D967DB4512E}" dt="2023-10-25T13:34:32.935" v="630" actId="20577"/>
+          <ac:spMkLst>
+            <pc:docMk/>
+            <pc:sldMk cId="807467318" sldId="262"/>
+            <ac:spMk id="6" creationId="{BBF26071-F77F-7993-F2B2-44F8B1219379}"/>
+          </ac:spMkLst>
+        </pc:spChg>
+        <pc:picChg chg="mod">
+          <ac:chgData name="Nema Puthan" userId="8633c7f78c2ff340" providerId="LiveId" clId="{7E2F5E30-3ADF-4319-90D8-4D967DB4512E}" dt="2023-10-25T13:26:12.393" v="321" actId="1076"/>
+          <ac:picMkLst>
+            <pc:docMk/>
+            <pc:sldMk cId="807467318" sldId="262"/>
+            <ac:picMk id="5" creationId="{A334169D-180D-7F4A-BD62-D2029F111A97}"/>
+          </ac:picMkLst>
+        </pc:picChg>
+      </pc:sldChg>
+      <pc:sldChg chg="delSp modSp add mod setBg">
+        <pc:chgData name="Nema Puthan" userId="8633c7f78c2ff340" providerId="LiveId" clId="{7E2F5E30-3ADF-4319-90D8-4D967DB4512E}" dt="2023-10-25T13:40:55.022" v="687" actId="1076"/>
+        <pc:sldMkLst>
+          <pc:docMk/>
+          <pc:sldMk cId="2895819652" sldId="268"/>
+        </pc:sldMkLst>
+        <pc:spChg chg="mod">
+          <ac:chgData name="Nema Puthan" userId="8633c7f78c2ff340" providerId="LiveId" clId="{7E2F5E30-3ADF-4319-90D8-4D967DB4512E}" dt="2023-10-25T13:40:55.022" v="687" actId="1076"/>
+          <ac:spMkLst>
+            <pc:docMk/>
+            <pc:sldMk cId="2895819652" sldId="268"/>
+            <ac:spMk id="3" creationId="{66E4F873-2D5F-D642-A6DA-AD596F9C7D00}"/>
+          </ac:spMkLst>
+        </pc:spChg>
+        <pc:picChg chg="del">
+          <ac:chgData name="Nema Puthan" userId="8633c7f78c2ff340" providerId="LiveId" clId="{7E2F5E30-3ADF-4319-90D8-4D967DB4512E}" dt="2023-10-25T13:40:51.964" v="686" actId="478"/>
+          <ac:picMkLst>
+            <pc:docMk/>
+            <pc:sldMk cId="2895819652" sldId="268"/>
+            <ac:picMk id="9" creationId="{EB553CF8-7E2F-84C4-A9AA-8C06DEBF8C54}"/>
+          </ac:picMkLst>
+        </pc:picChg>
+      </pc:sldChg>
+      <pc:sldChg chg="delSp modSp add mod setBg">
+        <pc:chgData name="Nema Puthan" userId="8633c7f78c2ff340" providerId="LiveId" clId="{7E2F5E30-3ADF-4319-90D8-4D967DB4512E}" dt="2023-10-25T13:41:02.518" v="689" actId="1076"/>
+        <pc:sldMkLst>
+          <pc:docMk/>
+          <pc:sldMk cId="3148869259" sldId="269"/>
+        </pc:sldMkLst>
+        <pc:spChg chg="mod">
+          <ac:chgData name="Nema Puthan" userId="8633c7f78c2ff340" providerId="LiveId" clId="{7E2F5E30-3ADF-4319-90D8-4D967DB4512E}" dt="2023-10-25T13:41:02.518" v="689" actId="1076"/>
+          <ac:spMkLst>
+            <pc:docMk/>
+            <pc:sldMk cId="3148869259" sldId="269"/>
+            <ac:spMk id="3" creationId="{66E4F873-2D5F-D642-A6DA-AD596F9C7D00}"/>
+          </ac:spMkLst>
+        </pc:spChg>
+        <pc:picChg chg="del">
+          <ac:chgData name="Nema Puthan" userId="8633c7f78c2ff340" providerId="LiveId" clId="{7E2F5E30-3ADF-4319-90D8-4D967DB4512E}" dt="2023-10-25T13:40:58.188" v="688" actId="478"/>
+          <ac:picMkLst>
+            <pc:docMk/>
+            <pc:sldMk cId="3148869259" sldId="269"/>
+            <ac:picMk id="9" creationId="{EB553CF8-7E2F-84C4-A9AA-8C06DEBF8C54}"/>
+          </ac:picMkLst>
+        </pc:picChg>
+      </pc:sldChg>
+      <pc:sldChg chg="delSp modSp add mod setBg">
+        <pc:chgData name="Nema Puthan" userId="8633c7f78c2ff340" providerId="LiveId" clId="{7E2F5E30-3ADF-4319-90D8-4D967DB4512E}" dt="2023-10-25T13:41:09.365" v="691" actId="1076"/>
+        <pc:sldMkLst>
+          <pc:docMk/>
+          <pc:sldMk cId="156836234" sldId="270"/>
+        </pc:sldMkLst>
+        <pc:spChg chg="mod">
+          <ac:chgData name="Nema Puthan" userId="8633c7f78c2ff340" providerId="LiveId" clId="{7E2F5E30-3ADF-4319-90D8-4D967DB4512E}" dt="2023-10-25T13:41:09.365" v="691" actId="1076"/>
+          <ac:spMkLst>
+            <pc:docMk/>
+            <pc:sldMk cId="156836234" sldId="270"/>
+            <ac:spMk id="3" creationId="{66E4F873-2D5F-D642-A6DA-AD596F9C7D00}"/>
+          </ac:spMkLst>
+        </pc:spChg>
+        <pc:picChg chg="del">
+          <ac:chgData name="Nema Puthan" userId="8633c7f78c2ff340" providerId="LiveId" clId="{7E2F5E30-3ADF-4319-90D8-4D967DB4512E}" dt="2023-10-25T13:41:05.280" v="690" actId="478"/>
+          <ac:picMkLst>
+            <pc:docMk/>
+            <pc:sldMk cId="156836234" sldId="270"/>
+            <ac:picMk id="9" creationId="{EB553CF8-7E2F-84C4-A9AA-8C06DEBF8C54}"/>
+          </ac:picMkLst>
+        </pc:picChg>
+      </pc:sldChg>
+      <pc:sldChg chg="addSp delSp modSp add mod setBg">
+        <pc:chgData name="Nema Puthan" userId="8633c7f78c2ff340" providerId="LiveId" clId="{7E2F5E30-3ADF-4319-90D8-4D967DB4512E}" dt="2023-10-25T13:40:41.725" v="683" actId="1076"/>
+        <pc:sldMkLst>
+          <pc:docMk/>
+          <pc:sldMk cId="1598900383" sldId="271"/>
+        </pc:sldMkLst>
+        <pc:spChg chg="del">
+          <ac:chgData name="Nema Puthan" userId="8633c7f78c2ff340" providerId="LiveId" clId="{7E2F5E30-3ADF-4319-90D8-4D967DB4512E}" dt="2023-10-25T13:40:38.715" v="681" actId="478"/>
+          <ac:spMkLst>
+            <pc:docMk/>
+            <pc:sldMk cId="1598900383" sldId="271"/>
+            <ac:spMk id="2" creationId="{0B0FA88E-F5CB-F94E-B3CC-A32DC675F506}"/>
+          </ac:spMkLst>
+        </pc:spChg>
+        <pc:spChg chg="del">
+          <ac:chgData name="Nema Puthan" userId="8633c7f78c2ff340" providerId="LiveId" clId="{7E2F5E30-3ADF-4319-90D8-4D967DB4512E}" dt="2023-10-25T13:40:29.082" v="677" actId="478"/>
+          <ac:spMkLst>
+            <pc:docMk/>
+            <pc:sldMk cId="1598900383" sldId="271"/>
+            <ac:spMk id="3" creationId="{66E4F873-2D5F-D642-A6DA-AD596F9C7D00}"/>
+          </ac:spMkLst>
+        </pc:spChg>
+        <pc:spChg chg="add del mod">
+          <ac:chgData name="Nema Puthan" userId="8633c7f78c2ff340" providerId="LiveId" clId="{7E2F5E30-3ADF-4319-90D8-4D967DB4512E}" dt="2023-10-25T13:40:31.492" v="678" actId="478"/>
+          <ac:spMkLst>
+            <pc:docMk/>
+            <pc:sldMk cId="1598900383" sldId="271"/>
+            <ac:spMk id="5" creationId="{85909817-DE24-B7CB-40EA-F4FD858F516F}"/>
+          </ac:spMkLst>
+        </pc:spChg>
+        <pc:spChg chg="add del mod">
+          <ac:chgData name="Nema Puthan" userId="8633c7f78c2ff340" providerId="LiveId" clId="{7E2F5E30-3ADF-4319-90D8-4D967DB4512E}" dt="2023-10-25T13:40:40.498" v="682" actId="478"/>
+          <ac:spMkLst>
+            <pc:docMk/>
+            <pc:sldMk cId="1598900383" sldId="271"/>
+            <ac:spMk id="7" creationId="{BC14E8E8-C69E-2DBB-D48D-E1C9C894ADDE}"/>
+          </ac:spMkLst>
+        </pc:spChg>
+        <pc:picChg chg="mod">
+          <ac:chgData name="Nema Puthan" userId="8633c7f78c2ff340" providerId="LiveId" clId="{7E2F5E30-3ADF-4319-90D8-4D967DB4512E}" dt="2023-10-25T13:40:41.725" v="683" actId="1076"/>
+          <ac:picMkLst>
+            <pc:docMk/>
+            <pc:sldMk cId="1598900383" sldId="271"/>
+            <ac:picMk id="9" creationId="{EB553CF8-7E2F-84C4-A9AA-8C06DEBF8C54}"/>
+          </ac:picMkLst>
+        </pc:picChg>
       </pc:sldChg>
     </pc:docChg>
   </pc:docChgLst>
@@ -1221,10 +1420,10 @@
   <dgm:cxnLst>
     <dgm:cxn modelId="{C2E1E630-8F28-6D43-9AA5-FAF9A72DFBC2}" type="presOf" srcId="{FBD0A0A6-5AEA-4AA5-A9AD-587F212075A4}" destId="{6D5C2959-0D2F-A945-9FBB-C260C8F481BA}" srcOrd="0" destOrd="0" presId="urn:microsoft.com/office/officeart/2005/8/layout/vList2"/>
     <dgm:cxn modelId="{EEA0CB3A-8237-7C41-A204-18ECC37E7FD1}" type="presOf" srcId="{A15AA906-191F-4549-8436-FEBEA94677CB}" destId="{33B43129-3725-8748-BD5F-7758A7DE3FC4}" srcOrd="0" destOrd="0" presId="urn:microsoft.com/office/officeart/2005/8/layout/vList2"/>
+    <dgm:cxn modelId="{71E08B5C-67F7-4A7B-BEB4-7C969FBACE54}" srcId="{A15AA906-191F-4549-8436-FEBEA94677CB}" destId="{9BF04D48-1CC6-4839-B8D1-95B4FA3524D9}" srcOrd="2" destOrd="0" parTransId="{1E1A71A2-066E-423E-ACA7-E558022CC34E}" sibTransId="{01144C6F-0F9D-4D43-BBA8-3220226F28E1}"/>
     <dgm:cxn modelId="{524E7647-98C3-42F1-BD5B-BA6318FF2019}" srcId="{A15AA906-191F-4549-8436-FEBEA94677CB}" destId="{085F711A-E98E-44D9-8916-1AAF7DEE1605}" srcOrd="1" destOrd="0" parTransId="{289A7E90-80B2-4526-BD64-37C430D0F225}" sibTransId="{71B19766-5D3C-4FB6-A972-87DD9A732667}"/>
+    <dgm:cxn modelId="{547BFC72-BC89-4F28-A31A-CB48A1DA7062}" srcId="{A15AA906-191F-4549-8436-FEBEA94677CB}" destId="{96F870F9-2029-470B-A260-E7E879824B54}" srcOrd="3" destOrd="0" parTransId="{F2F672B7-6EA9-4676-B8C5-3831897BC4B8}" sibTransId="{90DFFEA5-DE81-444C-82F0-13906D034735}"/>
     <dgm:cxn modelId="{E7F93557-33E1-2C48-B8DD-EAE1CC17D569}" type="presOf" srcId="{96F870F9-2029-470B-A260-E7E879824B54}" destId="{447B64B8-4E27-514E-B6E2-516748A62724}" srcOrd="0" destOrd="0" presId="urn:microsoft.com/office/officeart/2005/8/layout/vList2"/>
-    <dgm:cxn modelId="{71E08B5C-67F7-4A7B-BEB4-7C969FBACE54}" srcId="{A15AA906-191F-4549-8436-FEBEA94677CB}" destId="{9BF04D48-1CC6-4839-B8D1-95B4FA3524D9}" srcOrd="2" destOrd="0" parTransId="{1E1A71A2-066E-423E-ACA7-E558022CC34E}" sibTransId="{01144C6F-0F9D-4D43-BBA8-3220226F28E1}"/>
-    <dgm:cxn modelId="{547BFC72-BC89-4F28-A31A-CB48A1DA7062}" srcId="{A15AA906-191F-4549-8436-FEBEA94677CB}" destId="{96F870F9-2029-470B-A260-E7E879824B54}" srcOrd="3" destOrd="0" parTransId="{F2F672B7-6EA9-4676-B8C5-3831897BC4B8}" sibTransId="{90DFFEA5-DE81-444C-82F0-13906D034735}"/>
     <dgm:cxn modelId="{1F577B9B-4F5A-471D-8038-926CAC768F7A}" srcId="{A15AA906-191F-4549-8436-FEBEA94677CB}" destId="{26E85509-46FC-432E-8583-625DACFDA84D}" srcOrd="0" destOrd="0" parTransId="{52583981-7684-4AA0-8B99-302D3102B31B}" sibTransId="{F7786CC6-578E-4E80-B3DC-1422747C4EBA}"/>
     <dgm:cxn modelId="{7BD15A9D-67F9-1D42-9591-0FC1BE5A589D}" type="presOf" srcId="{085F711A-E98E-44D9-8916-1AAF7DEE1605}" destId="{5DCC5A96-20E1-3941-8CAB-00D53CFF326A}" srcOrd="0" destOrd="0" presId="urn:microsoft.com/office/officeart/2005/8/layout/vList2"/>
     <dgm:cxn modelId="{8F311CF2-829F-664D-BD90-CD7F542B4945}" type="presOf" srcId="{26E85509-46FC-432E-8583-625DACFDA84D}" destId="{893ADDC2-4125-9A45-BD31-550DC5D1A057}" srcOrd="0" destOrd="0" presId="urn:microsoft.com/office/officeart/2005/8/layout/vList2"/>
@@ -3325,7 +3524,7 @@
           <a:p>
             <a:fld id="{F7AFFB9B-9FB8-469E-96F9-4D32314110B6}" type="datetimeFigureOut">
               <a:rPr lang="en-US" smtClean="0"/>
-              <a:t>10/24/23</a:t>
+              <a:t>10/25/2023</a:t>
             </a:fld>
             <a:endParaRPr lang="en-US" dirty="0"/>
           </a:p>
@@ -3663,7 +3862,7 @@
           <a:p>
             <a:fld id="{341D2AC3-6A0B-4169-B1EA-E3AE8B351BDD}" type="datetimeFigureOut">
               <a:rPr lang="en-US" smtClean="0"/>
-              <a:t>10/24/23</a:t>
+              <a:t>10/25/2023</a:t>
             </a:fld>
             <a:endParaRPr lang="en-US" dirty="0"/>
           </a:p>
@@ -3859,7 +4058,7 @@
           <a:p>
             <a:fld id="{DD4B9363-8B87-41B7-9F8E-64519CBB8F34}" type="datetimeFigureOut">
               <a:rPr lang="en-US" smtClean="0"/>
-              <a:t>10/24/23</a:t>
+              <a:t>10/25/2023</a:t>
             </a:fld>
             <a:endParaRPr lang="en-US" dirty="0"/>
           </a:p>
@@ -4129,7 +4328,7 @@
           <a:p>
             <a:fld id="{EAEF5746-5284-4951-9F37-7AE924EDBCB7}" type="datetimeFigureOut">
               <a:rPr lang="en-US" smtClean="0"/>
-              <a:t>10/24/23</a:t>
+              <a:t>10/25/2023</a:t>
             </a:fld>
             <a:endParaRPr lang="en-US" dirty="0"/>
           </a:p>
@@ -4557,7 +4756,7 @@
           <a:p>
             <a:fld id="{02398B29-7265-4A65-A2A4-6703C057B7C1}" type="datetimeFigureOut">
               <a:rPr lang="en-US" smtClean="0"/>
-              <a:t>10/24/23</a:t>
+              <a:t>10/25/2023</a:t>
             </a:fld>
             <a:endParaRPr lang="en-US" dirty="0"/>
           </a:p>
@@ -5107,7 +5306,7 @@
           <a:p>
             <a:fld id="{28FBA082-94DF-4C4B-A041-6624924AB0A8}" type="datetimeFigureOut">
               <a:rPr lang="en-US" smtClean="0"/>
-              <a:t>10/24/23</a:t>
+              <a:t>10/25/2023</a:t>
             </a:fld>
             <a:endParaRPr lang="en-US" dirty="0"/>
           </a:p>
@@ -5897,7 +6096,7 @@
           <a:p>
             <a:fld id="{B27686C4-3AB5-4E0C-86CA-FB108C350AA9}" type="datetimeFigureOut">
               <a:rPr lang="en-US" smtClean="0"/>
-              <a:t>10/24/23</a:t>
+              <a:t>10/25/2023</a:t>
             </a:fld>
             <a:endParaRPr lang="en-US" dirty="0"/>
           </a:p>
@@ -6076,7 +6275,7 @@
           <a:p>
             <a:fld id="{49FF1211-4E0C-4AB3-B04F-585959BDAFE8}" type="datetimeFigureOut">
               <a:rPr lang="en-US" smtClean="0"/>
-              <a:t>10/24/23</a:t>
+              <a:t>10/25/2023</a:t>
             </a:fld>
             <a:endParaRPr lang="en-US" dirty="0"/>
           </a:p>
@@ -6260,7 +6459,7 @@
           <a:p>
             <a:fld id="{28BDECAF-D3BE-4069-9C78-642ECCD01477}" type="datetimeFigureOut">
               <a:rPr lang="en-US" smtClean="0"/>
-              <a:t>10/24/23</a:t>
+              <a:t>10/25/2023</a:t>
             </a:fld>
             <a:endParaRPr lang="en-US" dirty="0"/>
           </a:p>
@@ -6435,7 +6634,7 @@
           <a:p>
             <a:fld id="{8EFBDC27-E420-4878-9EE6-7B9656D6442A}" type="datetimeFigureOut">
               <a:rPr lang="en-US" smtClean="0"/>
-              <a:t>10/24/23</a:t>
+              <a:t>10/25/2023</a:t>
             </a:fld>
             <a:endParaRPr lang="en-US" dirty="0"/>
           </a:p>
@@ -6685,7 +6884,7 @@
           <a:p>
             <a:fld id="{0F7F47CF-67C9-420C-80A5-E2069FF0C2DF}" type="datetimeFigureOut">
               <a:rPr lang="en-US" smtClean="0"/>
-              <a:t>10/24/23</a:t>
+              <a:t>10/25/2023</a:t>
             </a:fld>
             <a:endParaRPr lang="en-US" dirty="0"/>
           </a:p>
@@ -6922,7 +7121,7 @@
           <a:p>
             <a:fld id="{AE22DC73-F065-42F5-A9F2-D90B2E42A0B3}" type="datetimeFigureOut">
               <a:rPr lang="en-US" smtClean="0"/>
-              <a:t>10/24/23</a:t>
+              <a:t>10/25/2023</a:t>
             </a:fld>
             <a:endParaRPr lang="en-US" dirty="0"/>
           </a:p>
@@ -7307,7 +7506,7 @@
           <a:p>
             <a:fld id="{76BEA702-9B29-41CC-9BCC-3DF8A0D379FE}" type="datetimeFigureOut">
               <a:rPr lang="en-US" smtClean="0"/>
-              <a:t>10/24/23</a:t>
+              <a:t>10/25/2023</a:t>
             </a:fld>
             <a:endParaRPr lang="en-US" dirty="0"/>
           </a:p>
@@ -7425,7 +7624,7 @@
           <a:p>
             <a:fld id="{097649AC-CB8F-4FF1-9A34-5861C74DD0A7}" type="datetimeFigureOut">
               <a:rPr lang="en-US" smtClean="0"/>
-              <a:t>10/24/23</a:t>
+              <a:t>10/25/2023</a:t>
             </a:fld>
             <a:endParaRPr lang="en-US" dirty="0"/>
           </a:p>
@@ -7520,7 +7719,7 @@
           <a:p>
             <a:fld id="{3EC5CECA-2D3A-4680-9B49-752200DE467C}" type="datetimeFigureOut">
               <a:rPr lang="en-US" smtClean="0"/>
-              <a:t>10/24/23</a:t>
+              <a:t>10/25/2023</a:t>
             </a:fld>
             <a:endParaRPr lang="en-US" dirty="0"/>
           </a:p>
@@ -7773,7 +7972,7 @@
           <a:p>
             <a:fld id="{50C3BFE2-83B7-4B0A-B9D3-AB28331082B3}" type="datetimeFigureOut">
               <a:rPr lang="en-US" smtClean="0"/>
-              <a:t>10/24/23</a:t>
+              <a:t>10/25/2023</a:t>
             </a:fld>
             <a:endParaRPr lang="en-US" dirty="0"/>
           </a:p>
@@ -8042,7 +8241,7 @@
           <a:p>
             <a:fld id="{12EF78E3-FDA3-4D28-AAA2-0B81F349A39D}" type="datetimeFigureOut">
               <a:rPr lang="en-US" smtClean="0"/>
-              <a:t>10/24/23</a:t>
+              <a:t>10/25/2023</a:t>
             </a:fld>
             <a:endParaRPr lang="en-US" dirty="0"/>
           </a:p>
@@ -8446,7 +8645,7 @@
           <a:p>
             <a:fld id="{C35BB1C6-BF8F-4481-8AB2-603A1C8A906A}" type="datetimeFigureOut">
               <a:rPr lang="en-US" smtClean="0"/>
-              <a:t>10/24/23</a:t>
+              <a:t>10/25/2023</a:t>
             </a:fld>
             <a:endParaRPr lang="en-US" dirty="0"/>
           </a:p>
@@ -9298,6 +9497,852 @@
 </p:sld>
 </file>
 
+<file path=ppt/slides/slide10.xml><?xml version="1.0" encoding="utf-8"?>
+<p:sld xmlns:a="http://schemas.openxmlformats.org/drawingml/2006/main" xmlns:r="http://schemas.openxmlformats.org/officeDocument/2006/relationships" xmlns:p="http://schemas.openxmlformats.org/presentationml/2006/main">
+  <p:cSld>
+    <p:bg>
+      <p:bgPr>
+        <a:blipFill>
+          <a:blip r:embed="rId2">
+            <a:duotone>
+              <a:schemeClr val="bg1">
+                <a:shade val="48000"/>
+                <a:satMod val="110000"/>
+                <a:lumMod val="40000"/>
+              </a:schemeClr>
+              <a:schemeClr val="bg1">
+                <a:tint val="90000"/>
+                <a:lumMod val="106000"/>
+              </a:schemeClr>
+            </a:duotone>
+          </a:blip>
+          <a:stretch/>
+        </a:blipFill>
+        <a:effectLst/>
+      </p:bgPr>
+    </p:bg>
+    <p:spTree>
+      <p:nvGrpSpPr>
+        <p:cNvPr id="1" name=""/>
+        <p:cNvGrpSpPr/>
+        <p:nvPr/>
+      </p:nvGrpSpPr>
+      <p:grpSpPr>
+        <a:xfrm>
+          <a:off x="0" y="0"/>
+          <a:ext cx="0" cy="0"/>
+          <a:chOff x="0" y="0"/>
+          <a:chExt cx="0" cy="0"/>
+        </a:xfrm>
+      </p:grpSpPr>
+      <p:pic>
+        <p:nvPicPr>
+          <p:cNvPr id="10" name="Picture 9">
+            <a:extLst>
+              <a:ext uri="{FF2B5EF4-FFF2-40B4-BE49-F238E27FC236}">
+                <a16:creationId xmlns:a16="http://schemas.microsoft.com/office/drawing/2014/main" id="{05C90836-5ADB-4D63-A39D-D9BC0E10B492}"/>
+              </a:ext>
+              <a:ext uri="{C183D7F6-B498-43B3-948B-1728B52AA6E4}">
+                <adec:decorative xmlns:adec="http://schemas.microsoft.com/office/drawing/2017/decorative" val="1"/>
+              </a:ext>
+            </a:extLst>
+          </p:cNvPr>
+          <p:cNvPicPr>
+            <a:picLocks noGrp="1" noRot="1" noChangeAspect="1" noMove="1" noResize="1" noEditPoints="1" noAdjustHandles="1" noChangeArrowheads="1" noChangeShapeType="1" noCrop="1"/>
+          </p:cNvPicPr>
+          <p:nvPr>
+            <p:extLst>
+              <p:ext uri="{386F3935-93C4-4BCD-93E2-E3B085C9AB24}">
+                <p16:designElem xmlns:p16="http://schemas.microsoft.com/office/powerpoint/2015/main" val="1"/>
+              </p:ext>
+            </p:extLst>
+          </p:nvPr>
+        </p:nvPicPr>
+        <p:blipFill>
+          <a:blip r:embed="rId3">
+            <a:extLst>
+              <a:ext uri="{28A0092B-C50C-407E-A947-70E740481C1C}">
+                <a14:useLocalDpi xmlns:a14="http://schemas.microsoft.com/office/drawing/2010/main" val="0"/>
+              </a:ext>
+            </a:extLst>
+          </a:blip>
+          <a:stretch>
+            <a:fillRect/>
+          </a:stretch>
+        </p:blipFill>
+        <p:spPr>
+          <a:xfrm>
+            <a:off x="0" y="0"/>
+            <a:ext cx="12192000" cy="6858000"/>
+          </a:xfrm>
+          <a:prstGeom prst="rect">
+            <a:avLst/>
+          </a:prstGeom>
+        </p:spPr>
+      </p:pic>
+      <p:sp useBgFill="1">
+        <p:nvSpPr>
+          <p:cNvPr id="12" name="Rectangle 11">
+            <a:extLst>
+              <a:ext uri="{FF2B5EF4-FFF2-40B4-BE49-F238E27FC236}">
+                <a16:creationId xmlns:a16="http://schemas.microsoft.com/office/drawing/2014/main" id="{EC076BC1-44A9-43BA-9FA0-93D9F5636FA2}"/>
+              </a:ext>
+              <a:ext uri="{C183D7F6-B498-43B3-948B-1728B52AA6E4}">
+                <adec:decorative xmlns:adec="http://schemas.microsoft.com/office/drawing/2017/decorative" val="1"/>
+              </a:ext>
+            </a:extLst>
+          </p:cNvPr>
+          <p:cNvSpPr>
+            <a:spLocks noGrp="1" noRot="1" noChangeAspect="1" noMove="1" noResize="1" noEditPoints="1" noAdjustHandles="1" noChangeArrowheads="1" noChangeShapeType="1" noTextEdit="1"/>
+          </p:cNvSpPr>
+          <p:nvPr>
+            <p:extLst>
+              <p:ext uri="{386F3935-93C4-4BCD-93E2-E3B085C9AB24}">
+                <p16:designElem xmlns:p16="http://schemas.microsoft.com/office/powerpoint/2015/main" val="1"/>
+              </p:ext>
+            </p:extLst>
+          </p:nvPr>
+        </p:nvSpPr>
+        <p:spPr>
+          <a:xfrm>
+            <a:off x="1" y="0"/>
+            <a:ext cx="11979952" cy="6644081"/>
+          </a:xfrm>
+          <a:prstGeom prst="rect">
+            <a:avLst/>
+          </a:prstGeom>
+          <a:ln>
+            <a:noFill/>
+          </a:ln>
+          <a:effectLst>
+            <a:outerShdw blurRad="98425" dist="76200" dir="4380000" algn="tl" rotWithShape="0">
+              <a:srgbClr val="000000">
+                <a:alpha val="68000"/>
+              </a:srgbClr>
+            </a:outerShdw>
+          </a:effectLst>
+        </p:spPr>
+        <p:style>
+          <a:lnRef idx="1">
+            <a:schemeClr val="accent1"/>
+          </a:lnRef>
+          <a:fillRef idx="3">
+            <a:schemeClr val="accent1"/>
+          </a:fillRef>
+          <a:effectRef idx="2">
+            <a:schemeClr val="accent1"/>
+          </a:effectRef>
+          <a:fontRef idx="minor">
+            <a:schemeClr val="lt1"/>
+          </a:fontRef>
+        </p:style>
+        <p:txBody>
+          <a:bodyPr/>
+          <a:lstStyle/>
+          <a:p>
+            <a:endParaRPr lang="en-US"/>
+          </a:p>
+        </p:txBody>
+      </p:sp>
+      <p:sp>
+        <p:nvSpPr>
+          <p:cNvPr id="14" name="Freeform 9">
+            <a:extLst>
+              <a:ext uri="{FF2B5EF4-FFF2-40B4-BE49-F238E27FC236}">
+                <a16:creationId xmlns:a16="http://schemas.microsoft.com/office/drawing/2014/main" id="{10EBC408-9E16-4483-93FA-BB4E0D06D0C3}"/>
+              </a:ext>
+              <a:ext uri="{C183D7F6-B498-43B3-948B-1728B52AA6E4}">
+                <adec:decorative xmlns:adec="http://schemas.microsoft.com/office/drawing/2017/decorative" val="1"/>
+              </a:ext>
+            </a:extLst>
+          </p:cNvPr>
+          <p:cNvSpPr>
+            <a:spLocks noGrp="1" noRot="1" noChangeAspect="1" noMove="1" noResize="1" noEditPoints="1" noAdjustHandles="1" noChangeArrowheads="1" noChangeShapeType="1" noTextEdit="1"/>
+          </p:cNvSpPr>
+          <p:nvPr>
+            <p:extLst>
+              <p:ext uri="{386F3935-93C4-4BCD-93E2-E3B085C9AB24}">
+                <p16:designElem xmlns:p16="http://schemas.microsoft.com/office/powerpoint/2015/main" val="1"/>
+              </p:ext>
+            </p:extLst>
+          </p:nvPr>
+        </p:nvSpPr>
+        <p:spPr>
+          <a:xfrm>
+            <a:off x="-25397" y="0"/>
+            <a:ext cx="11773291" cy="6419514"/>
+          </a:xfrm>
+          <a:custGeom>
+            <a:avLst/>
+            <a:gdLst/>
+            <a:ahLst/>
+            <a:cxnLst/>
+            <a:rect l="l" t="t" r="r" b="b"/>
+            <a:pathLst>
+              <a:path w="11773291" h="6419514">
+                <a:moveTo>
+                  <a:pt x="11750059" y="0"/>
+                </a:moveTo>
+                <a:lnTo>
+                  <a:pt x="11773291" y="6419514"/>
+                </a:lnTo>
+                <a:lnTo>
+                  <a:pt x="0" y="6411047"/>
+                </a:lnTo>
+              </a:path>
+            </a:pathLst>
+          </a:custGeom>
+          <a:ln w="82550">
+            <a:solidFill>
+              <a:schemeClr val="tx1">
+                <a:lumMod val="50000"/>
+                <a:lumOff val="50000"/>
+              </a:schemeClr>
+            </a:solidFill>
+            <a:miter lim="800000"/>
+          </a:ln>
+        </p:spPr>
+        <p:style>
+          <a:lnRef idx="2">
+            <a:schemeClr val="accent1"/>
+          </a:lnRef>
+          <a:fillRef idx="0">
+            <a:schemeClr val="accent1"/>
+          </a:fillRef>
+          <a:effectRef idx="1">
+            <a:schemeClr val="accent1"/>
+          </a:effectRef>
+          <a:fontRef idx="minor">
+            <a:schemeClr val="tx1"/>
+          </a:fontRef>
+        </p:style>
+        <p:txBody>
+          <a:bodyPr/>
+          <a:lstStyle/>
+          <a:p>
+            <a:endParaRPr lang="en-US"/>
+          </a:p>
+        </p:txBody>
+      </p:sp>
+      <p:sp>
+        <p:nvSpPr>
+          <p:cNvPr id="16" name="Rectangle 15">
+            <a:extLst>
+              <a:ext uri="{FF2B5EF4-FFF2-40B4-BE49-F238E27FC236}">
+                <a16:creationId xmlns:a16="http://schemas.microsoft.com/office/drawing/2014/main" id="{1DAA8918-7760-46BA-B19F-9818085CB710}"/>
+              </a:ext>
+              <a:ext uri="{C183D7F6-B498-43B3-948B-1728B52AA6E4}">
+                <adec:decorative xmlns:adec="http://schemas.microsoft.com/office/drawing/2017/decorative" val="1"/>
+              </a:ext>
+            </a:extLst>
+          </p:cNvPr>
+          <p:cNvSpPr>
+            <a:spLocks noGrp="1" noRot="1" noChangeAspect="1" noMove="1" noResize="1" noEditPoints="1" noAdjustHandles="1" noChangeArrowheads="1" noChangeShapeType="1" noTextEdit="1"/>
+          </p:cNvSpPr>
+          <p:nvPr>
+            <p:extLst>
+              <p:ext uri="{386F3935-93C4-4BCD-93E2-E3B085C9AB24}">
+                <p16:designElem xmlns:p16="http://schemas.microsoft.com/office/powerpoint/2015/main" val="1"/>
+              </p:ext>
+            </p:extLst>
+          </p:nvPr>
+        </p:nvSpPr>
+        <p:spPr bwMode="white">
+          <a:xfrm>
+            <a:off x="0" y="0"/>
+            <a:ext cx="4654296" cy="6380796"/>
+          </a:xfrm>
+          <a:prstGeom prst="rect">
+            <a:avLst/>
+          </a:prstGeom>
+          <a:gradFill flip="none" rotWithShape="1">
+            <a:gsLst>
+              <a:gs pos="34000">
+                <a:schemeClr val="accent1"/>
+              </a:gs>
+              <a:gs pos="100000">
+                <a:schemeClr val="accent1">
+                  <a:lumMod val="50000"/>
+                </a:schemeClr>
+              </a:gs>
+            </a:gsLst>
+            <a:path path="circle">
+              <a:fillToRect l="50000" t="50000" r="50000" b="50000"/>
+            </a:path>
+            <a:tileRect/>
+          </a:gradFill>
+          <a:ln>
+            <a:noFill/>
+          </a:ln>
+        </p:spPr>
+        <p:style>
+          <a:lnRef idx="1">
+            <a:schemeClr val="accent1"/>
+          </a:lnRef>
+          <a:fillRef idx="3">
+            <a:schemeClr val="accent1"/>
+          </a:fillRef>
+          <a:effectRef idx="2">
+            <a:schemeClr val="accent1"/>
+          </a:effectRef>
+          <a:fontRef idx="minor">
+            <a:schemeClr val="lt1"/>
+          </a:fontRef>
+        </p:style>
+        <p:txBody>
+          <a:bodyPr/>
+          <a:lstStyle/>
+          <a:p>
+            <a:endParaRPr lang="en-US"/>
+          </a:p>
+        </p:txBody>
+      </p:sp>
+      <p:sp>
+        <p:nvSpPr>
+          <p:cNvPr id="2" name="Title 1">
+            <a:extLst>
+              <a:ext uri="{FF2B5EF4-FFF2-40B4-BE49-F238E27FC236}">
+                <a16:creationId xmlns:a16="http://schemas.microsoft.com/office/drawing/2014/main" id="{F01011D5-E803-D04A-9BAA-B1D023907CD1}"/>
+              </a:ext>
+            </a:extLst>
+          </p:cNvPr>
+          <p:cNvSpPr>
+            <a:spLocks noGrp="1"/>
+          </p:cNvSpPr>
+          <p:nvPr>
+            <p:ph type="title"/>
+          </p:nvPr>
+        </p:nvSpPr>
+        <p:spPr>
+          <a:xfrm>
+            <a:off x="685802" y="685800"/>
+            <a:ext cx="3381946" cy="4846967"/>
+          </a:xfrm>
+        </p:spPr>
+        <p:txBody>
+          <a:bodyPr>
+            <a:normAutofit/>
+          </a:bodyPr>
+          <a:lstStyle/>
+          <a:p>
+            <a:r>
+              <a:rPr lang="en-US" sz="4800" dirty="0">
+                <a:solidFill>
+                  <a:srgbClr val="FFFFFF"/>
+                </a:solidFill>
+              </a:rPr>
+              <a:t>LIMITATIONS</a:t>
+            </a:r>
+          </a:p>
+        </p:txBody>
+      </p:sp>
+      <p:graphicFrame>
+        <p:nvGraphicFramePr>
+          <p:cNvPr id="5" name="Content Placeholder 2">
+            <a:extLst>
+              <a:ext uri="{FF2B5EF4-FFF2-40B4-BE49-F238E27FC236}">
+                <a16:creationId xmlns:a16="http://schemas.microsoft.com/office/drawing/2014/main" id="{9A678997-6CE2-4427-A928-E779FE07A1DC}"/>
+              </a:ext>
+            </a:extLst>
+          </p:cNvPr>
+          <p:cNvGraphicFramePr>
+            <a:graphicFrameLocks noGrp="1"/>
+          </p:cNvGraphicFramePr>
+          <p:nvPr>
+            <p:ph sz="quarter" idx="13"/>
+            <p:extLst>
+              <p:ext uri="{D42A27DB-BD31-4B8C-83A1-F6EECF244321}">
+                <p14:modId xmlns:p14="http://schemas.microsoft.com/office/powerpoint/2010/main" val="416030751"/>
+              </p:ext>
+            </p:extLst>
+          </p:nvPr>
+        </p:nvGraphicFramePr>
+        <p:xfrm>
+          <a:off x="5294108" y="685800"/>
+          <a:ext cx="5759656" cy="4846967"/>
+        </p:xfrm>
+        <a:graphic>
+          <a:graphicData uri="http://schemas.openxmlformats.org/drawingml/2006/diagram">
+            <dgm:relIds xmlns:dgm="http://schemas.openxmlformats.org/drawingml/2006/diagram" xmlns:r="http://schemas.openxmlformats.org/officeDocument/2006/relationships" r:dm="rId4" r:lo="rId5" r:qs="rId6" r:cs="rId7"/>
+          </a:graphicData>
+        </a:graphic>
+      </p:graphicFrame>
+    </p:spTree>
+    <p:extLst>
+      <p:ext uri="{BB962C8B-B14F-4D97-AF65-F5344CB8AC3E}">
+        <p14:creationId xmlns:p14="http://schemas.microsoft.com/office/powerpoint/2010/main" val="1803381748"/>
+      </p:ext>
+    </p:extLst>
+  </p:cSld>
+  <p:clrMapOvr>
+    <a:masterClrMapping/>
+  </p:clrMapOvr>
+</p:sld>
+</file>
+
+<file path=ppt/slides/slide11.xml><?xml version="1.0" encoding="utf-8"?>
+<p:sld xmlns:a="http://schemas.openxmlformats.org/drawingml/2006/main" xmlns:r="http://schemas.openxmlformats.org/officeDocument/2006/relationships" xmlns:p="http://schemas.openxmlformats.org/presentationml/2006/main">
+  <p:cSld>
+    <p:bg>
+      <p:bgPr>
+        <a:blipFill>
+          <a:blip r:embed="rId2">
+            <a:duotone>
+              <a:schemeClr val="bg1">
+                <a:shade val="48000"/>
+                <a:satMod val="110000"/>
+                <a:lumMod val="40000"/>
+              </a:schemeClr>
+              <a:schemeClr val="bg1">
+                <a:tint val="90000"/>
+                <a:lumMod val="106000"/>
+              </a:schemeClr>
+            </a:duotone>
+          </a:blip>
+          <a:stretch/>
+        </a:blipFill>
+        <a:effectLst/>
+      </p:bgPr>
+    </p:bg>
+    <p:spTree>
+      <p:nvGrpSpPr>
+        <p:cNvPr id="1" name=""/>
+        <p:cNvGrpSpPr/>
+        <p:nvPr/>
+      </p:nvGrpSpPr>
+      <p:grpSpPr>
+        <a:xfrm>
+          <a:off x="0" y="0"/>
+          <a:ext cx="0" cy="0"/>
+          <a:chOff x="0" y="0"/>
+          <a:chExt cx="0" cy="0"/>
+        </a:xfrm>
+      </p:grpSpPr>
+      <p:pic>
+        <p:nvPicPr>
+          <p:cNvPr id="5" name="Picture 4" descr="A picture containing text, green, beverage, painted&#10;&#10;Description automatically generated">
+            <a:extLst>
+              <a:ext uri="{FF2B5EF4-FFF2-40B4-BE49-F238E27FC236}">
+                <a16:creationId xmlns:a16="http://schemas.microsoft.com/office/drawing/2014/main" id="{1078F5CD-E953-B747-B315-B09CADD402CF}"/>
+              </a:ext>
+            </a:extLst>
+          </p:cNvPr>
+          <p:cNvPicPr>
+            <a:picLocks noChangeAspect="1"/>
+          </p:cNvPicPr>
+          <p:nvPr/>
+        </p:nvPicPr>
+        <p:blipFill>
+          <a:blip r:embed="rId3">
+            <a:extLst>
+              <a:ext uri="{837473B0-CC2E-450A-ABE3-18F120FF3D39}">
+                <a1611:picAttrSrcUrl xmlns:a1611="http://schemas.microsoft.com/office/drawing/2016/11/main" r:id="rId4"/>
+              </a:ext>
+            </a:extLst>
+          </a:blip>
+          <a:stretch>
+            <a:fillRect/>
+          </a:stretch>
+        </p:blipFill>
+        <p:spPr>
+          <a:xfrm>
+            <a:off x="6562455" y="1701137"/>
+            <a:ext cx="4677405" cy="2993539"/>
+          </a:xfrm>
+          <a:prstGeom prst="rect">
+            <a:avLst/>
+          </a:prstGeom>
+          <a:ln>
+            <a:noFill/>
+          </a:ln>
+        </p:spPr>
+      </p:pic>
+      <p:sp>
+        <p:nvSpPr>
+          <p:cNvPr id="2" name="Title 1">
+            <a:extLst>
+              <a:ext uri="{FF2B5EF4-FFF2-40B4-BE49-F238E27FC236}">
+                <a16:creationId xmlns:a16="http://schemas.microsoft.com/office/drawing/2014/main" id="{64B1EACD-B8B4-DB43-A18A-FB3A0EF01670}"/>
+              </a:ext>
+            </a:extLst>
+          </p:cNvPr>
+          <p:cNvSpPr>
+            <a:spLocks noGrp="1"/>
+          </p:cNvSpPr>
+          <p:nvPr>
+            <p:ph type="title"/>
+          </p:nvPr>
+        </p:nvSpPr>
+        <p:spPr>
+          <a:xfrm>
+            <a:off x="685799" y="690479"/>
+            <a:ext cx="4957275" cy="1146825"/>
+          </a:xfrm>
+        </p:spPr>
+        <p:txBody>
+          <a:bodyPr>
+            <a:normAutofit/>
+          </a:bodyPr>
+          <a:lstStyle/>
+          <a:p>
+            <a:r>
+              <a:rPr lang="en-US" sz="3700" dirty="0">
+                <a:solidFill>
+                  <a:schemeClr val="accent1">
+                    <a:lumMod val="75000"/>
+                  </a:schemeClr>
+                </a:solidFill>
+              </a:rPr>
+              <a:t>FURTHER RESEARCH</a:t>
+            </a:r>
+          </a:p>
+        </p:txBody>
+      </p:sp>
+      <p:sp>
+        <p:nvSpPr>
+          <p:cNvPr id="3" name="Content Placeholder 2">
+            <a:extLst>
+              <a:ext uri="{FF2B5EF4-FFF2-40B4-BE49-F238E27FC236}">
+                <a16:creationId xmlns:a16="http://schemas.microsoft.com/office/drawing/2014/main" id="{B82A9D01-F067-0841-9CA2-16B60BACC40D}"/>
+              </a:ext>
+            </a:extLst>
+          </p:cNvPr>
+          <p:cNvSpPr>
+            <a:spLocks noGrp="1"/>
+          </p:cNvSpPr>
+          <p:nvPr>
+            <p:ph sz="quarter" idx="13"/>
+          </p:nvPr>
+        </p:nvSpPr>
+        <p:spPr>
+          <a:xfrm>
+            <a:off x="685800" y="2063395"/>
+            <a:ext cx="4957273" cy="3446103"/>
+          </a:xfrm>
+        </p:spPr>
+        <p:txBody>
+          <a:bodyPr>
+            <a:normAutofit/>
+          </a:bodyPr>
+          <a:lstStyle/>
+          <a:p>
+            <a:r>
+              <a:rPr lang="en-US" sz="1800" dirty="0">
+                <a:latin typeface="Calibri" panose="020F0502020204030204" pitchFamily="34" charset="0"/>
+                <a:cs typeface="Calibri" panose="020F0502020204030204" pitchFamily="34" charset="0"/>
+              </a:rPr>
+              <a:t>Mention how we can take our findings forward (particularly if we have plan for continuing with this data for the final project)</a:t>
+            </a:r>
+          </a:p>
+        </p:txBody>
+      </p:sp>
+      <p:sp>
+        <p:nvSpPr>
+          <p:cNvPr id="6" name="TextBox 5">
+            <a:extLst>
+              <a:ext uri="{FF2B5EF4-FFF2-40B4-BE49-F238E27FC236}">
+                <a16:creationId xmlns:a16="http://schemas.microsoft.com/office/drawing/2014/main" id="{9E854D90-7FB8-1740-B173-CEB26C78B799}"/>
+              </a:ext>
+            </a:extLst>
+          </p:cNvPr>
+          <p:cNvSpPr txBox="1"/>
+          <p:nvPr/>
+        </p:nvSpPr>
+        <p:spPr>
+          <a:xfrm>
+            <a:off x="9081898" y="4494621"/>
+            <a:ext cx="2157962" cy="200055"/>
+          </a:xfrm>
+          <a:prstGeom prst="rect">
+            <a:avLst/>
+          </a:prstGeom>
+          <a:solidFill>
+            <a:srgbClr val="000000"/>
+          </a:solidFill>
+        </p:spPr>
+        <p:txBody>
+          <a:bodyPr wrap="none" rtlCol="0">
+            <a:spAutoFit/>
+          </a:bodyPr>
+          <a:lstStyle/>
+          <a:p>
+            <a:pPr algn="r">
+              <a:spcAft>
+                <a:spcPts val="600"/>
+              </a:spcAft>
+            </a:pPr>
+            <a:r>
+              <a:rPr lang="en-US" sz="700">
+                <a:solidFill>
+                  <a:srgbClr val="FFFFFF"/>
+                </a:solidFill>
+                <a:hlinkClick r:id="rId4" tooltip="http://www.sagaciousnewsnetwork.com/child-narcissistic-parent-my-needs/">
+                  <a:extLst>
+                    <a:ext uri="{A12FA001-AC4F-418D-AE19-62706E023703}">
+                      <ahyp:hlinkClr xmlns:ahyp="http://schemas.microsoft.com/office/drawing/2018/hyperlinkcolor" val="tx"/>
+                    </a:ext>
+                  </a:extLst>
+                </a:hlinkClick>
+              </a:rPr>
+              <a:t>This Photo</a:t>
+            </a:r>
+            <a:r>
+              <a:rPr lang="en-US" sz="700">
+                <a:solidFill>
+                  <a:srgbClr val="FFFFFF"/>
+                </a:solidFill>
+              </a:rPr>
+              <a:t> by Unknown Author is licensed under </a:t>
+            </a:r>
+            <a:r>
+              <a:rPr lang="en-US" sz="700">
+                <a:solidFill>
+                  <a:srgbClr val="FFFFFF"/>
+                </a:solidFill>
+                <a:hlinkClick r:id="rId5" tooltip="https://creativecommons.org/licenses/by/3.0/">
+                  <a:extLst>
+                    <a:ext uri="{A12FA001-AC4F-418D-AE19-62706E023703}">
+                      <ahyp:hlinkClr xmlns:ahyp="http://schemas.microsoft.com/office/drawing/2018/hyperlinkcolor" val="tx"/>
+                    </a:ext>
+                  </a:extLst>
+                </a:hlinkClick>
+              </a:rPr>
+              <a:t>CC BY</a:t>
+            </a:r>
+            <a:endParaRPr lang="en-US" sz="700">
+              <a:solidFill>
+                <a:srgbClr val="FFFFFF"/>
+              </a:solidFill>
+            </a:endParaRPr>
+          </a:p>
+        </p:txBody>
+      </p:sp>
+    </p:spTree>
+    <p:extLst>
+      <p:ext uri="{BB962C8B-B14F-4D97-AF65-F5344CB8AC3E}">
+        <p14:creationId xmlns:p14="http://schemas.microsoft.com/office/powerpoint/2010/main" val="3216832741"/>
+      </p:ext>
+    </p:extLst>
+  </p:cSld>
+  <p:clrMapOvr>
+    <a:masterClrMapping/>
+  </p:clrMapOvr>
+</p:sld>
+</file>
+
+<file path=ppt/slides/slide12.xml><?xml version="1.0" encoding="utf-8"?>
+<p:sld xmlns:a="http://schemas.openxmlformats.org/drawingml/2006/main" xmlns:r="http://schemas.openxmlformats.org/officeDocument/2006/relationships" xmlns:p="http://schemas.openxmlformats.org/presentationml/2006/main">
+  <p:cSld>
+    <p:bg>
+      <p:bgPr>
+        <a:blipFill>
+          <a:blip r:embed="rId2">
+            <a:duotone>
+              <a:schemeClr val="bg1">
+                <a:shade val="48000"/>
+                <a:satMod val="110000"/>
+                <a:lumMod val="40000"/>
+              </a:schemeClr>
+              <a:schemeClr val="bg1">
+                <a:tint val="90000"/>
+                <a:lumMod val="106000"/>
+              </a:schemeClr>
+            </a:duotone>
+          </a:blip>
+          <a:stretch/>
+        </a:blipFill>
+        <a:effectLst/>
+      </p:bgPr>
+    </p:bg>
+    <p:spTree>
+      <p:nvGrpSpPr>
+        <p:cNvPr id="1" name=""/>
+        <p:cNvGrpSpPr/>
+        <p:nvPr/>
+      </p:nvGrpSpPr>
+      <p:grpSpPr>
+        <a:xfrm>
+          <a:off x="0" y="0"/>
+          <a:ext cx="0" cy="0"/>
+          <a:chOff x="0" y="0"/>
+          <a:chExt cx="0" cy="0"/>
+        </a:xfrm>
+      </p:grpSpPr>
+      <p:sp>
+        <p:nvSpPr>
+          <p:cNvPr id="2" name="Title 1">
+            <a:extLst>
+              <a:ext uri="{FF2B5EF4-FFF2-40B4-BE49-F238E27FC236}">
+                <a16:creationId xmlns:a16="http://schemas.microsoft.com/office/drawing/2014/main" id="{EBBD4232-D5D6-184B-B8EB-6439D502D204}"/>
+              </a:ext>
+            </a:extLst>
+          </p:cNvPr>
+          <p:cNvSpPr>
+            <a:spLocks noGrp="1"/>
+          </p:cNvSpPr>
+          <p:nvPr>
+            <p:ph type="title"/>
+          </p:nvPr>
+        </p:nvSpPr>
+        <p:spPr>
+          <a:xfrm>
+            <a:off x="446663" y="1304458"/>
+            <a:ext cx="3326650" cy="2901781"/>
+          </a:xfrm>
+        </p:spPr>
+        <p:txBody>
+          <a:bodyPr vert="horz" lIns="91440" tIns="45720" rIns="91440" bIns="45720" rtlCol="0" anchor="b">
+            <a:normAutofit/>
+          </a:bodyPr>
+          <a:lstStyle/>
+          <a:p>
+            <a:pPr algn="r"/>
+            <a:r>
+              <a:rPr lang="en-US" sz="4800" dirty="0"/>
+              <a:t>COMMENTS /</a:t>
+            </a:r>
+            <a:br>
+              <a:rPr lang="en-US" sz="4800" dirty="0"/>
+            </a:br>
+            <a:r>
+              <a:rPr lang="en-US" sz="4800" dirty="0"/>
+              <a:t> QUESTIONS?</a:t>
+            </a:r>
+          </a:p>
+        </p:txBody>
+      </p:sp>
+      <p:pic>
+        <p:nvPicPr>
+          <p:cNvPr id="5" name="Content Placeholder 4" descr="Text&#10;&#10;Description automatically generated">
+            <a:extLst>
+              <a:ext uri="{FF2B5EF4-FFF2-40B4-BE49-F238E27FC236}">
+                <a16:creationId xmlns:a16="http://schemas.microsoft.com/office/drawing/2014/main" id="{9A9228A2-BF7E-8B4A-AD58-F4A3A0F95581}"/>
+              </a:ext>
+            </a:extLst>
+          </p:cNvPr>
+          <p:cNvPicPr>
+            <a:picLocks noGrp="1" noChangeAspect="1"/>
+          </p:cNvPicPr>
+          <p:nvPr>
+            <p:ph sz="quarter" idx="13"/>
+          </p:nvPr>
+        </p:nvPicPr>
+        <p:blipFill>
+          <a:blip r:embed="rId3">
+            <a:extLst>
+              <a:ext uri="{837473B0-CC2E-450A-ABE3-18F120FF3D39}">
+                <a1611:picAttrSrcUrl xmlns:a1611="http://schemas.microsoft.com/office/drawing/2016/11/main" r:id="rId4"/>
+              </a:ext>
+            </a:extLst>
+          </a:blip>
+          <a:stretch>
+            <a:fillRect/>
+          </a:stretch>
+        </p:blipFill>
+        <p:spPr>
+          <a:xfrm>
+            <a:off x="5321367" y="1758820"/>
+            <a:ext cx="6174771" cy="3334376"/>
+          </a:xfrm>
+          <a:prstGeom prst="rect">
+            <a:avLst/>
+          </a:prstGeom>
+        </p:spPr>
+      </p:pic>
+      <p:sp>
+        <p:nvSpPr>
+          <p:cNvPr id="6" name="TextBox 5">
+            <a:extLst>
+              <a:ext uri="{FF2B5EF4-FFF2-40B4-BE49-F238E27FC236}">
+                <a16:creationId xmlns:a16="http://schemas.microsoft.com/office/drawing/2014/main" id="{A054DB01-79B7-A44D-A0B1-8096CC3EAD51}"/>
+              </a:ext>
+            </a:extLst>
+          </p:cNvPr>
+          <p:cNvSpPr txBox="1"/>
+          <p:nvPr/>
+        </p:nvSpPr>
+        <p:spPr>
+          <a:xfrm>
+            <a:off x="9221156" y="4893141"/>
+            <a:ext cx="2274982" cy="200055"/>
+          </a:xfrm>
+          <a:prstGeom prst="rect">
+            <a:avLst/>
+          </a:prstGeom>
+          <a:solidFill>
+            <a:srgbClr val="000000"/>
+          </a:solidFill>
+        </p:spPr>
+        <p:txBody>
+          <a:bodyPr wrap="none" rtlCol="0">
+            <a:spAutoFit/>
+          </a:bodyPr>
+          <a:lstStyle/>
+          <a:p>
+            <a:pPr algn="r">
+              <a:spcAft>
+                <a:spcPts val="600"/>
+              </a:spcAft>
+            </a:pPr>
+            <a:r>
+              <a:rPr lang="en-US" sz="700">
+                <a:solidFill>
+                  <a:srgbClr val="FFFFFF"/>
+                </a:solidFill>
+                <a:hlinkClick r:id="rId4" tooltip="https://commons.wikimedia.org/wiki/File:Thank-you-word-cloud.jpg">
+                  <a:extLst>
+                    <a:ext uri="{A12FA001-AC4F-418D-AE19-62706E023703}">
+                      <ahyp:hlinkClr xmlns:ahyp="http://schemas.microsoft.com/office/drawing/2018/hyperlinkcolor" val="tx"/>
+                    </a:ext>
+                  </a:extLst>
+                </a:hlinkClick>
+              </a:rPr>
+              <a:t>This Photo</a:t>
+            </a:r>
+            <a:r>
+              <a:rPr lang="en-US" sz="700">
+                <a:solidFill>
+                  <a:srgbClr val="FFFFFF"/>
+                </a:solidFill>
+              </a:rPr>
+              <a:t> by Unknown Author is licensed under </a:t>
+            </a:r>
+            <a:r>
+              <a:rPr lang="en-US" sz="700">
+                <a:solidFill>
+                  <a:srgbClr val="FFFFFF"/>
+                </a:solidFill>
+                <a:hlinkClick r:id="rId5" tooltip="https://creativecommons.org/licenses/by-sa/3.0/">
+                  <a:extLst>
+                    <a:ext uri="{A12FA001-AC4F-418D-AE19-62706E023703}">
+                      <ahyp:hlinkClr xmlns:ahyp="http://schemas.microsoft.com/office/drawing/2018/hyperlinkcolor" val="tx"/>
+                    </a:ext>
+                  </a:extLst>
+                </a:hlinkClick>
+              </a:rPr>
+              <a:t>CC BY-SA</a:t>
+            </a:r>
+            <a:endParaRPr lang="en-US" sz="700">
+              <a:solidFill>
+                <a:srgbClr val="FFFFFF"/>
+              </a:solidFill>
+            </a:endParaRPr>
+          </a:p>
+        </p:txBody>
+      </p:sp>
+    </p:spTree>
+    <p:extLst>
+      <p:ext uri="{BB962C8B-B14F-4D97-AF65-F5344CB8AC3E}">
+        <p14:creationId xmlns:p14="http://schemas.microsoft.com/office/powerpoint/2010/main" val="909605127"/>
+      </p:ext>
+    </p:extLst>
+  </p:cSld>
+  <p:clrMapOvr>
+    <a:masterClrMapping/>
+  </p:clrMapOvr>
+</p:sld>
+</file>
+
 <file path=ppt/slides/slide2.xml><?xml version="1.0" encoding="utf-8"?>
 <p:sld xmlns:a="http://schemas.openxmlformats.org/drawingml/2006/main" xmlns:r="http://schemas.openxmlformats.org/officeDocument/2006/relationships" xmlns:p="http://schemas.openxmlformats.org/presentationml/2006/main">
   <p:cSld>
@@ -9357,7 +10402,7 @@
         </p:blipFill>
         <p:spPr>
           <a:xfrm>
-            <a:off x="20" y="10"/>
+            <a:off x="20" y="0"/>
             <a:ext cx="12191980" cy="6857990"/>
           </a:xfrm>
           <a:prstGeom prst="rect">
@@ -9383,8 +10428,8 @@
         </p:nvSpPr>
         <p:spPr>
           <a:xfrm>
-            <a:off x="5079150" y="742950"/>
-            <a:ext cx="6413335" cy="1636675"/>
+            <a:off x="5816270" y="488173"/>
+            <a:ext cx="4503388" cy="945891"/>
           </a:xfrm>
         </p:spPr>
         <p:txBody>
@@ -9473,8 +10518,8 @@
         </p:nvSpPr>
         <p:spPr>
           <a:xfrm>
-            <a:off x="5800724" y="2803028"/>
-            <a:ext cx="3396853" cy="923330"/>
+            <a:off x="953563" y="1359092"/>
+            <a:ext cx="9664674" cy="2246769"/>
           </a:xfrm>
           <a:prstGeom prst="rect">
             <a:avLst/>
@@ -9492,26 +10537,56 @@
           </a:bodyPr>
           <a:lstStyle/>
           <a:p>
-            <a:r>
-              <a:rPr lang="en-US" dirty="0">
+            <a:pPr marL="285750" indent="-285750">
+              <a:buFont typeface="Arial" panose="020B0604020202020204" pitchFamily="34" charset="0"/>
+              <a:buChar char="•"/>
+            </a:pPr>
+            <a:r>
+              <a:rPr lang="en-US" sz="2000" dirty="0">
                 <a:latin typeface="Calibri" panose="020F0502020204030204" pitchFamily="34" charset="0"/>
                 <a:cs typeface="Calibri" panose="020F0502020204030204" pitchFamily="34" charset="0"/>
               </a:rPr>
-              <a:t>SMART question, lay out the plan of the presentation</a:t>
-            </a:r>
-          </a:p>
-          <a:p>
-            <a:r>
-              <a:rPr lang="en-US">
+              <a:t>Is there a significant difference between the proportion of males vs nonmales who are employed given their degree in higher education?</a:t>
+            </a:r>
+          </a:p>
+          <a:p>
+            <a:pPr marL="285750" indent="-285750">
+              <a:buFont typeface="Arial" panose="020B0604020202020204" pitchFamily="34" charset="0"/>
+              <a:buChar char="•"/>
+            </a:pPr>
+            <a:r>
+              <a:rPr lang="en-US" sz="2000" dirty="0">
                 <a:latin typeface="Calibri" panose="020F0502020204030204" pitchFamily="34" charset="0"/>
                 <a:cs typeface="Calibri" panose="020F0502020204030204" pitchFamily="34" charset="0"/>
               </a:rPr>
-              <a:t>Test comment by Nema</a:t>
-            </a:r>
-            <a:endParaRPr lang="en-US" dirty="0">
-              <a:latin typeface="Calibri" panose="020F0502020204030204" pitchFamily="34" charset="0"/>
-              <a:cs typeface="Calibri" panose="020F0502020204030204" pitchFamily="34" charset="0"/>
-            </a:endParaRPr>
+              <a:t>Is there a difference in the average number of computer skills acquired based on level of education?</a:t>
+            </a:r>
+          </a:p>
+          <a:p>
+            <a:pPr marL="285750" indent="-285750">
+              <a:buFont typeface="Arial" panose="020B0604020202020204" pitchFamily="34" charset="0"/>
+              <a:buChar char="•"/>
+            </a:pPr>
+            <a:r>
+              <a:rPr lang="en-US" sz="2000" dirty="0">
+                <a:latin typeface="Calibri" panose="020F0502020204030204" pitchFamily="34" charset="0"/>
+                <a:cs typeface="Calibri" panose="020F0502020204030204" pitchFamily="34" charset="0"/>
+              </a:rPr>
+              <a:t>Is age a significant factor in determining whether an individual is a professional developer or not?</a:t>
+            </a:r>
+          </a:p>
+          <a:p>
+            <a:pPr marL="285750" indent="-285750">
+              <a:buFont typeface="Arial" panose="020B0604020202020204" pitchFamily="34" charset="0"/>
+              <a:buChar char="•"/>
+            </a:pPr>
+            <a:r>
+              <a:rPr lang="en-US" sz="2000" dirty="0">
+                <a:latin typeface="Calibri" panose="020F0502020204030204" pitchFamily="34" charset="0"/>
+                <a:cs typeface="Calibri" panose="020F0502020204030204" pitchFamily="34" charset="0"/>
+              </a:rPr>
+              <a:t>Is status of mental health associated with a programmer’s previous salary?</a:t>
+            </a:r>
           </a:p>
         </p:txBody>
       </p:sp>
@@ -9726,6 +10801,72 @@
 <file path=ppt/slides/slide4.xml><?xml version="1.0" encoding="utf-8"?>
 <p:sld xmlns:a="http://schemas.openxmlformats.org/drawingml/2006/main" xmlns:r="http://schemas.openxmlformats.org/officeDocument/2006/relationships" xmlns:p="http://schemas.openxmlformats.org/presentationml/2006/main">
   <p:cSld>
+    <p:spTree>
+      <p:nvGrpSpPr>
+        <p:cNvPr id="1" name=""/>
+        <p:cNvGrpSpPr/>
+        <p:nvPr/>
+      </p:nvGrpSpPr>
+      <p:grpSpPr>
+        <a:xfrm>
+          <a:off x="0" y="0"/>
+          <a:ext cx="0" cy="0"/>
+          <a:chOff x="0" y="0"/>
+          <a:chExt cx="0" cy="0"/>
+        </a:xfrm>
+      </p:grpSpPr>
+      <p:pic>
+        <p:nvPicPr>
+          <p:cNvPr id="9" name="Picture 8" descr="Two cartoon characters in a lab&#10;&#10;Description automatically generated">
+            <a:extLst>
+              <a:ext uri="{FF2B5EF4-FFF2-40B4-BE49-F238E27FC236}">
+                <a16:creationId xmlns:a16="http://schemas.microsoft.com/office/drawing/2014/main" id="{EB553CF8-7E2F-84C4-A9AA-8C06DEBF8C54}"/>
+              </a:ext>
+            </a:extLst>
+          </p:cNvPr>
+          <p:cNvPicPr>
+            <a:picLocks noChangeAspect="1"/>
+          </p:cNvPicPr>
+          <p:nvPr/>
+        </p:nvPicPr>
+        <p:blipFill>
+          <a:blip r:embed="rId2">
+            <a:extLst>
+              <a:ext uri="{837473B0-CC2E-450A-ABE3-18F120FF3D39}">
+                <a1611:picAttrSrcUrl xmlns:a1611="http://schemas.microsoft.com/office/drawing/2016/11/main" r:id="rId3"/>
+              </a:ext>
+            </a:extLst>
+          </a:blip>
+          <a:stretch>
+            <a:fillRect/>
+          </a:stretch>
+        </p:blipFill>
+        <p:spPr>
+          <a:xfrm>
+            <a:off x="2840225" y="1811165"/>
+            <a:ext cx="6085663" cy="2434264"/>
+          </a:xfrm>
+          <a:prstGeom prst="rect">
+            <a:avLst/>
+          </a:prstGeom>
+        </p:spPr>
+      </p:pic>
+    </p:spTree>
+    <p:extLst>
+      <p:ext uri="{BB962C8B-B14F-4D97-AF65-F5344CB8AC3E}">
+        <p14:creationId xmlns:p14="http://schemas.microsoft.com/office/powerpoint/2010/main" val="1598900383"/>
+      </p:ext>
+    </p:extLst>
+  </p:cSld>
+  <p:clrMapOvr>
+    <a:masterClrMapping/>
+  </p:clrMapOvr>
+</p:sld>
+</file>
+
+<file path=ppt/slides/slide5.xml><?xml version="1.0" encoding="utf-8"?>
+<p:sld xmlns:a="http://schemas.openxmlformats.org/drawingml/2006/main" xmlns:r="http://schemas.openxmlformats.org/officeDocument/2006/relationships" xmlns:p="http://schemas.openxmlformats.org/presentationml/2006/main">
+  <p:cSld>
     <p:bg>
       <p:bgPr>
         <a:blipFill>
@@ -9779,7 +10920,7 @@
         </p:nvSpPr>
         <p:spPr>
           <a:xfrm>
-            <a:off x="6556354" y="571500"/>
+            <a:off x="6551610" y="349898"/>
             <a:ext cx="4526328" cy="1266265"/>
           </a:xfrm>
         </p:spPr>
@@ -9790,7 +10931,7 @@
           <a:lstStyle/>
           <a:p>
             <a:r>
-              <a:rPr lang="en-US" sz="4100"/>
+              <a:rPr lang="en-US" sz="4100" dirty="0"/>
               <a:t>Hypothesis Testing</a:t>
             </a:r>
           </a:p>
@@ -9814,7 +10955,7 @@
         </p:nvSpPr>
         <p:spPr>
           <a:xfrm>
-            <a:off x="6551610" y="2071048"/>
+            <a:off x="598680" y="704451"/>
             <a:ext cx="4531072" cy="3072290"/>
           </a:xfrm>
         </p:spPr>
@@ -9830,11 +10971,11 @@
               </a:lnSpc>
             </a:pPr>
             <a:r>
-              <a:rPr lang="en-US" sz="1600">
+              <a:rPr lang="en-US" sz="1600" b="1" dirty="0">
                 <a:latin typeface="Calibri" panose="020F0502020204030204" pitchFamily="34" charset="0"/>
                 <a:cs typeface="Calibri" panose="020F0502020204030204" pitchFamily="34" charset="0"/>
               </a:rPr>
-              <a:t>CREATING A COMMUNITY WELL BEING AMONG THE Employee AND STAFFS ENHANCESS THE TOGETHERNESS AND CONECTEDNESS.</a:t>
+              <a:t>Is there a significant difference between the proportion of males vs nonmales who are employed given their degree in higher education?</a:t>
             </a:r>
           </a:p>
           <a:p>
@@ -9843,13 +10984,10 @@
                 <a:spcPct val="110000"/>
               </a:lnSpc>
             </a:pPr>
-            <a:r>
-              <a:rPr lang="en-US" sz="1600">
-                <a:latin typeface="Calibri" panose="020F0502020204030204" pitchFamily="34" charset="0"/>
-                <a:cs typeface="Calibri" panose="020F0502020204030204" pitchFamily="34" charset="0"/>
-              </a:rPr>
-              <a:t>everybody LIKES TO WORK IN A PLACE WHICH PROVIDES A SENSE OF PURPOSE &amp; BELONGING.</a:t>
-            </a:r>
+            <a:endParaRPr lang="en-US" sz="1600" b="1" dirty="0">
+              <a:latin typeface="Calibri" panose="020F0502020204030204" pitchFamily="34" charset="0"/>
+              <a:cs typeface="Calibri" panose="020F0502020204030204" pitchFamily="34" charset="0"/>
+            </a:endParaRPr>
           </a:p>
           <a:p>
             <a:pPr>
@@ -9857,52 +10995,13 @@
                 <a:spcPct val="110000"/>
               </a:lnSpc>
             </a:pPr>
-            <a:r>
-              <a:rPr lang="en-US" sz="1600">
-                <a:latin typeface="Calibri" panose="020F0502020204030204" pitchFamily="34" charset="0"/>
-                <a:cs typeface="Calibri" panose="020F0502020204030204" pitchFamily="34" charset="0"/>
-              </a:rPr>
-              <a:t>Community wellbeing can be a core enabler of employee engagement and organizational performance.</a:t>
-            </a:r>
-          </a:p>
-        </p:txBody>
-      </p:sp>
-      <p:pic>
-        <p:nvPicPr>
-          <p:cNvPr id="9" name="Picture 8" descr="Two cartoon characters in a lab&#10;&#10;Description automatically generated">
-            <a:extLst>
-              <a:ext uri="{FF2B5EF4-FFF2-40B4-BE49-F238E27FC236}">
-                <a16:creationId xmlns:a16="http://schemas.microsoft.com/office/drawing/2014/main" id="{EB553CF8-7E2F-84C4-A9AA-8C06DEBF8C54}"/>
-              </a:ext>
-            </a:extLst>
-          </p:cNvPr>
-          <p:cNvPicPr>
-            <a:picLocks noChangeAspect="1"/>
-          </p:cNvPicPr>
-          <p:nvPr/>
-        </p:nvPicPr>
-        <p:blipFill>
-          <a:blip r:embed="rId3">
-            <a:extLst>
-              <a:ext uri="{837473B0-CC2E-450A-ABE3-18F120FF3D39}">
-                <a1611:picAttrSrcUrl xmlns:a1611="http://schemas.microsoft.com/office/drawing/2016/11/main" r:id="rId4"/>
-              </a:ext>
-            </a:extLst>
-          </a:blip>
-          <a:stretch>
-            <a:fillRect/>
-          </a:stretch>
-        </p:blipFill>
-        <p:spPr>
-          <a:xfrm>
-            <a:off x="750708" y="1779202"/>
-            <a:ext cx="5099864" cy="2039945"/>
-          </a:xfrm>
-          <a:prstGeom prst="rect">
-            <a:avLst/>
-          </a:prstGeom>
-        </p:spPr>
-      </p:pic>
+            <a:endParaRPr lang="en-US" sz="1600" dirty="0">
+              <a:latin typeface="Calibri" panose="020F0502020204030204" pitchFamily="34" charset="0"/>
+              <a:cs typeface="Calibri" panose="020F0502020204030204" pitchFamily="34" charset="0"/>
+            </a:endParaRPr>
+          </a:p>
+        </p:txBody>
+      </p:sp>
     </p:spTree>
     <p:extLst>
       <p:ext uri="{BB962C8B-B14F-4D97-AF65-F5344CB8AC3E}">
@@ -9916,7 +11015,394 @@
 </p:sld>
 </file>
 
-<file path=ppt/slides/slide5.xml><?xml version="1.0" encoding="utf-8"?>
+<file path=ppt/slides/slide6.xml><?xml version="1.0" encoding="utf-8"?>
+<p:sld xmlns:a="http://schemas.openxmlformats.org/drawingml/2006/main" xmlns:r="http://schemas.openxmlformats.org/officeDocument/2006/relationships" xmlns:p="http://schemas.openxmlformats.org/presentationml/2006/main">
+  <p:cSld>
+    <p:spTree>
+      <p:nvGrpSpPr>
+        <p:cNvPr id="1" name=""/>
+        <p:cNvGrpSpPr/>
+        <p:nvPr/>
+      </p:nvGrpSpPr>
+      <p:grpSpPr>
+        <a:xfrm>
+          <a:off x="0" y="0"/>
+          <a:ext cx="0" cy="0"/>
+          <a:chOff x="0" y="0"/>
+          <a:chExt cx="0" cy="0"/>
+        </a:xfrm>
+      </p:grpSpPr>
+      <p:sp>
+        <p:nvSpPr>
+          <p:cNvPr id="2" name="Title 1">
+            <a:extLst>
+              <a:ext uri="{FF2B5EF4-FFF2-40B4-BE49-F238E27FC236}">
+                <a16:creationId xmlns:a16="http://schemas.microsoft.com/office/drawing/2014/main" id="{0B0FA88E-F5CB-F94E-B3CC-A32DC675F506}"/>
+              </a:ext>
+            </a:extLst>
+          </p:cNvPr>
+          <p:cNvSpPr>
+            <a:spLocks noGrp="1"/>
+          </p:cNvSpPr>
+          <p:nvPr>
+            <p:ph type="title"/>
+          </p:nvPr>
+        </p:nvSpPr>
+        <p:spPr>
+          <a:xfrm>
+            <a:off x="6551610" y="349898"/>
+            <a:ext cx="4526328" cy="1266265"/>
+          </a:xfrm>
+        </p:spPr>
+        <p:txBody>
+          <a:bodyPr>
+            <a:normAutofit/>
+          </a:bodyPr>
+          <a:lstStyle/>
+          <a:p>
+            <a:r>
+              <a:rPr lang="en-US" sz="4100" dirty="0"/>
+              <a:t>Hypothesis Testing</a:t>
+            </a:r>
+          </a:p>
+        </p:txBody>
+      </p:sp>
+      <p:sp>
+        <p:nvSpPr>
+          <p:cNvPr id="3" name="Content Placeholder 2">
+            <a:extLst>
+              <a:ext uri="{FF2B5EF4-FFF2-40B4-BE49-F238E27FC236}">
+                <a16:creationId xmlns:a16="http://schemas.microsoft.com/office/drawing/2014/main" id="{66E4F873-2D5F-D642-A6DA-AD596F9C7D00}"/>
+              </a:ext>
+            </a:extLst>
+          </p:cNvPr>
+          <p:cNvSpPr>
+            <a:spLocks noGrp="1"/>
+          </p:cNvSpPr>
+          <p:nvPr>
+            <p:ph sz="quarter" idx="13"/>
+          </p:nvPr>
+        </p:nvSpPr>
+        <p:spPr>
+          <a:xfrm>
+            <a:off x="859937" y="713781"/>
+            <a:ext cx="4531072" cy="3072290"/>
+          </a:xfrm>
+        </p:spPr>
+        <p:txBody>
+          <a:bodyPr anchor="t">
+            <a:normAutofit/>
+          </a:bodyPr>
+          <a:lstStyle/>
+          <a:p>
+            <a:pPr marL="285750" indent="-285750">
+              <a:buFont typeface="Arial" panose="020B0604020202020204" pitchFamily="34" charset="0"/>
+              <a:buChar char="•"/>
+            </a:pPr>
+            <a:r>
+              <a:rPr lang="en-US" sz="1600" dirty="0">
+                <a:latin typeface="Calibri" panose="020F0502020204030204" pitchFamily="34" charset="0"/>
+                <a:cs typeface="Calibri" panose="020F0502020204030204" pitchFamily="34" charset="0"/>
+              </a:rPr>
+              <a:t>Is there a difference in the average number of computer skills acquired based on level of education?</a:t>
+            </a:r>
+          </a:p>
+          <a:p>
+            <a:pPr>
+              <a:lnSpc>
+                <a:spcPct val="110000"/>
+              </a:lnSpc>
+            </a:pPr>
+            <a:endParaRPr lang="en-US" sz="1600" b="1" dirty="0">
+              <a:latin typeface="Calibri" panose="020F0502020204030204" pitchFamily="34" charset="0"/>
+              <a:cs typeface="Calibri" panose="020F0502020204030204" pitchFamily="34" charset="0"/>
+            </a:endParaRPr>
+          </a:p>
+          <a:p>
+            <a:pPr>
+              <a:lnSpc>
+                <a:spcPct val="110000"/>
+              </a:lnSpc>
+            </a:pPr>
+            <a:endParaRPr lang="en-US" sz="1600" dirty="0">
+              <a:latin typeface="Calibri" panose="020F0502020204030204" pitchFamily="34" charset="0"/>
+              <a:cs typeface="Calibri" panose="020F0502020204030204" pitchFamily="34" charset="0"/>
+            </a:endParaRPr>
+          </a:p>
+        </p:txBody>
+      </p:sp>
+    </p:spTree>
+    <p:extLst>
+      <p:ext uri="{BB962C8B-B14F-4D97-AF65-F5344CB8AC3E}">
+        <p14:creationId xmlns:p14="http://schemas.microsoft.com/office/powerpoint/2010/main" val="2895819652"/>
+      </p:ext>
+    </p:extLst>
+  </p:cSld>
+  <p:clrMapOvr>
+    <a:masterClrMapping/>
+  </p:clrMapOvr>
+</p:sld>
+</file>
+
+<file path=ppt/slides/slide7.xml><?xml version="1.0" encoding="utf-8"?>
+<p:sld xmlns:a="http://schemas.openxmlformats.org/drawingml/2006/main" xmlns:r="http://schemas.openxmlformats.org/officeDocument/2006/relationships" xmlns:p="http://schemas.openxmlformats.org/presentationml/2006/main">
+  <p:cSld>
+    <p:spTree>
+      <p:nvGrpSpPr>
+        <p:cNvPr id="1" name=""/>
+        <p:cNvGrpSpPr/>
+        <p:nvPr/>
+      </p:nvGrpSpPr>
+      <p:grpSpPr>
+        <a:xfrm>
+          <a:off x="0" y="0"/>
+          <a:ext cx="0" cy="0"/>
+          <a:chOff x="0" y="0"/>
+          <a:chExt cx="0" cy="0"/>
+        </a:xfrm>
+      </p:grpSpPr>
+      <p:sp>
+        <p:nvSpPr>
+          <p:cNvPr id="2" name="Title 1">
+            <a:extLst>
+              <a:ext uri="{FF2B5EF4-FFF2-40B4-BE49-F238E27FC236}">
+                <a16:creationId xmlns:a16="http://schemas.microsoft.com/office/drawing/2014/main" id="{0B0FA88E-F5CB-F94E-B3CC-A32DC675F506}"/>
+              </a:ext>
+            </a:extLst>
+          </p:cNvPr>
+          <p:cNvSpPr>
+            <a:spLocks noGrp="1"/>
+          </p:cNvSpPr>
+          <p:nvPr>
+            <p:ph type="title"/>
+          </p:nvPr>
+        </p:nvSpPr>
+        <p:spPr>
+          <a:xfrm>
+            <a:off x="6551610" y="349898"/>
+            <a:ext cx="4526328" cy="1266265"/>
+          </a:xfrm>
+        </p:spPr>
+        <p:txBody>
+          <a:bodyPr>
+            <a:normAutofit/>
+          </a:bodyPr>
+          <a:lstStyle/>
+          <a:p>
+            <a:r>
+              <a:rPr lang="en-US" sz="4100" dirty="0"/>
+              <a:t>Hypothesis Testing</a:t>
+            </a:r>
+          </a:p>
+        </p:txBody>
+      </p:sp>
+      <p:sp>
+        <p:nvSpPr>
+          <p:cNvPr id="3" name="Content Placeholder 2">
+            <a:extLst>
+              <a:ext uri="{FF2B5EF4-FFF2-40B4-BE49-F238E27FC236}">
+                <a16:creationId xmlns:a16="http://schemas.microsoft.com/office/drawing/2014/main" id="{66E4F873-2D5F-D642-A6DA-AD596F9C7D00}"/>
+              </a:ext>
+            </a:extLst>
+          </p:cNvPr>
+          <p:cNvSpPr>
+            <a:spLocks noGrp="1"/>
+          </p:cNvSpPr>
+          <p:nvPr>
+            <p:ph sz="quarter" idx="13"/>
+          </p:nvPr>
+        </p:nvSpPr>
+        <p:spPr>
+          <a:xfrm>
+            <a:off x="962574" y="695120"/>
+            <a:ext cx="4531072" cy="3072290"/>
+          </a:xfrm>
+        </p:spPr>
+        <p:txBody>
+          <a:bodyPr anchor="t">
+            <a:normAutofit/>
+          </a:bodyPr>
+          <a:lstStyle/>
+          <a:p>
+            <a:pPr marL="285750" indent="-285750">
+              <a:buFont typeface="Arial" panose="020B0604020202020204" pitchFamily="34" charset="0"/>
+              <a:buChar char="•"/>
+            </a:pPr>
+            <a:r>
+              <a:rPr lang="en-US" sz="1600" dirty="0">
+                <a:latin typeface="Calibri" panose="020F0502020204030204" pitchFamily="34" charset="0"/>
+                <a:cs typeface="Calibri" panose="020F0502020204030204" pitchFamily="34" charset="0"/>
+              </a:rPr>
+              <a:t>Is age a significant factor in determining whether an individual is a professional developer or not?</a:t>
+            </a:r>
+          </a:p>
+          <a:p>
+            <a:pPr>
+              <a:lnSpc>
+                <a:spcPct val="110000"/>
+              </a:lnSpc>
+            </a:pPr>
+            <a:endParaRPr lang="en-US" sz="1600" b="1" dirty="0">
+              <a:latin typeface="Calibri" panose="020F0502020204030204" pitchFamily="34" charset="0"/>
+              <a:cs typeface="Calibri" panose="020F0502020204030204" pitchFamily="34" charset="0"/>
+            </a:endParaRPr>
+          </a:p>
+          <a:p>
+            <a:pPr>
+              <a:lnSpc>
+                <a:spcPct val="110000"/>
+              </a:lnSpc>
+            </a:pPr>
+            <a:endParaRPr lang="en-US" sz="1600" dirty="0">
+              <a:latin typeface="Calibri" panose="020F0502020204030204" pitchFamily="34" charset="0"/>
+              <a:cs typeface="Calibri" panose="020F0502020204030204" pitchFamily="34" charset="0"/>
+            </a:endParaRPr>
+          </a:p>
+        </p:txBody>
+      </p:sp>
+    </p:spTree>
+    <p:extLst>
+      <p:ext uri="{BB962C8B-B14F-4D97-AF65-F5344CB8AC3E}">
+        <p14:creationId xmlns:p14="http://schemas.microsoft.com/office/powerpoint/2010/main" val="3148869259"/>
+      </p:ext>
+    </p:extLst>
+  </p:cSld>
+  <p:clrMapOvr>
+    <a:masterClrMapping/>
+  </p:clrMapOvr>
+</p:sld>
+</file>
+
+<file path=ppt/slides/slide8.xml><?xml version="1.0" encoding="utf-8"?>
+<p:sld xmlns:a="http://schemas.openxmlformats.org/drawingml/2006/main" xmlns:r="http://schemas.openxmlformats.org/officeDocument/2006/relationships" xmlns:p="http://schemas.openxmlformats.org/presentationml/2006/main">
+  <p:cSld>
+    <p:spTree>
+      <p:nvGrpSpPr>
+        <p:cNvPr id="1" name=""/>
+        <p:cNvGrpSpPr/>
+        <p:nvPr/>
+      </p:nvGrpSpPr>
+      <p:grpSpPr>
+        <a:xfrm>
+          <a:off x="0" y="0"/>
+          <a:ext cx="0" cy="0"/>
+          <a:chOff x="0" y="0"/>
+          <a:chExt cx="0" cy="0"/>
+        </a:xfrm>
+      </p:grpSpPr>
+      <p:sp>
+        <p:nvSpPr>
+          <p:cNvPr id="2" name="Title 1">
+            <a:extLst>
+              <a:ext uri="{FF2B5EF4-FFF2-40B4-BE49-F238E27FC236}">
+                <a16:creationId xmlns:a16="http://schemas.microsoft.com/office/drawing/2014/main" id="{0B0FA88E-F5CB-F94E-B3CC-A32DC675F506}"/>
+              </a:ext>
+            </a:extLst>
+          </p:cNvPr>
+          <p:cNvSpPr>
+            <a:spLocks noGrp="1"/>
+          </p:cNvSpPr>
+          <p:nvPr>
+            <p:ph type="title"/>
+          </p:nvPr>
+        </p:nvSpPr>
+        <p:spPr>
+          <a:xfrm>
+            <a:off x="6551610" y="349898"/>
+            <a:ext cx="4526328" cy="1266265"/>
+          </a:xfrm>
+        </p:spPr>
+        <p:txBody>
+          <a:bodyPr>
+            <a:normAutofit/>
+          </a:bodyPr>
+          <a:lstStyle/>
+          <a:p>
+            <a:r>
+              <a:rPr lang="en-US" sz="4100" dirty="0"/>
+              <a:t>Hypothesis Testing</a:t>
+            </a:r>
+          </a:p>
+        </p:txBody>
+      </p:sp>
+      <p:sp>
+        <p:nvSpPr>
+          <p:cNvPr id="3" name="Content Placeholder 2">
+            <a:extLst>
+              <a:ext uri="{FF2B5EF4-FFF2-40B4-BE49-F238E27FC236}">
+                <a16:creationId xmlns:a16="http://schemas.microsoft.com/office/drawing/2014/main" id="{66E4F873-2D5F-D642-A6DA-AD596F9C7D00}"/>
+              </a:ext>
+            </a:extLst>
+          </p:cNvPr>
+          <p:cNvSpPr>
+            <a:spLocks noGrp="1"/>
+          </p:cNvSpPr>
+          <p:nvPr>
+            <p:ph sz="quarter" idx="13"/>
+          </p:nvPr>
+        </p:nvSpPr>
+        <p:spPr>
+          <a:xfrm>
+            <a:off x="757300" y="648467"/>
+            <a:ext cx="4531072" cy="3072290"/>
+          </a:xfrm>
+        </p:spPr>
+        <p:txBody>
+          <a:bodyPr anchor="t">
+            <a:normAutofit/>
+          </a:bodyPr>
+          <a:lstStyle/>
+          <a:p>
+            <a:pPr marL="285750" indent="-285750">
+              <a:buFont typeface="Arial" panose="020B0604020202020204" pitchFamily="34" charset="0"/>
+              <a:buChar char="•"/>
+            </a:pPr>
+            <a:r>
+              <a:rPr lang="en-US" sz="1600" dirty="0">
+                <a:latin typeface="Calibri" panose="020F0502020204030204" pitchFamily="34" charset="0"/>
+                <a:cs typeface="Calibri" panose="020F0502020204030204" pitchFamily="34" charset="0"/>
+              </a:rPr>
+              <a:t>Is status of mental health associated with a programmer’s previous salary?</a:t>
+            </a:r>
+          </a:p>
+          <a:p>
+            <a:pPr>
+              <a:lnSpc>
+                <a:spcPct val="110000"/>
+              </a:lnSpc>
+            </a:pPr>
+            <a:endParaRPr lang="en-US" sz="1600" b="1" dirty="0">
+              <a:latin typeface="Calibri" panose="020F0502020204030204" pitchFamily="34" charset="0"/>
+              <a:cs typeface="Calibri" panose="020F0502020204030204" pitchFamily="34" charset="0"/>
+            </a:endParaRPr>
+          </a:p>
+          <a:p>
+            <a:pPr>
+              <a:lnSpc>
+                <a:spcPct val="110000"/>
+              </a:lnSpc>
+            </a:pPr>
+            <a:endParaRPr lang="en-US" sz="1600" dirty="0">
+              <a:latin typeface="Calibri" panose="020F0502020204030204" pitchFamily="34" charset="0"/>
+              <a:cs typeface="Calibri" panose="020F0502020204030204" pitchFamily="34" charset="0"/>
+            </a:endParaRPr>
+          </a:p>
+        </p:txBody>
+      </p:sp>
+    </p:spTree>
+    <p:extLst>
+      <p:ext uri="{BB962C8B-B14F-4D97-AF65-F5344CB8AC3E}">
+        <p14:creationId xmlns:p14="http://schemas.microsoft.com/office/powerpoint/2010/main" val="156836234"/>
+      </p:ext>
+    </p:extLst>
+  </p:cSld>
+  <p:clrMapOvr>
+    <a:masterClrMapping/>
+  </p:clrMapOvr>
+</p:sld>
+</file>
+
+<file path=ppt/slides/slide9.xml><?xml version="1.0" encoding="utf-8"?>
 <p:sld xmlns:a="http://schemas.openxmlformats.org/drawingml/2006/main" xmlns:r="http://schemas.openxmlformats.org/officeDocument/2006/relationships" xmlns:p="http://schemas.openxmlformats.org/presentationml/2006/main">
   <p:cSld>
     <p:bg>
@@ -10170,831 +11656,6 @@
       <p:bldP spid="2" grpId="0"/>
     </p:bldLst>
   </p:timing>
-</p:sld>
-</file>
-
-<file path=ppt/slides/slide6.xml><?xml version="1.0" encoding="utf-8"?>
-<p:sld xmlns:a="http://schemas.openxmlformats.org/drawingml/2006/main" xmlns:r="http://schemas.openxmlformats.org/officeDocument/2006/relationships" xmlns:p="http://schemas.openxmlformats.org/presentationml/2006/main">
-  <p:cSld>
-    <p:bg>
-      <p:bgPr>
-        <a:blipFill>
-          <a:blip r:embed="rId2">
-            <a:duotone>
-              <a:schemeClr val="bg1">
-                <a:shade val="48000"/>
-                <a:satMod val="110000"/>
-                <a:lumMod val="40000"/>
-              </a:schemeClr>
-              <a:schemeClr val="bg1">
-                <a:tint val="90000"/>
-                <a:lumMod val="106000"/>
-              </a:schemeClr>
-            </a:duotone>
-          </a:blip>
-          <a:stretch/>
-        </a:blipFill>
-        <a:effectLst/>
-      </p:bgPr>
-    </p:bg>
-    <p:spTree>
-      <p:nvGrpSpPr>
-        <p:cNvPr id="1" name=""/>
-        <p:cNvGrpSpPr/>
-        <p:nvPr/>
-      </p:nvGrpSpPr>
-      <p:grpSpPr>
-        <a:xfrm>
-          <a:off x="0" y="0"/>
-          <a:ext cx="0" cy="0"/>
-          <a:chOff x="0" y="0"/>
-          <a:chExt cx="0" cy="0"/>
-        </a:xfrm>
-      </p:grpSpPr>
-      <p:pic>
-        <p:nvPicPr>
-          <p:cNvPr id="10" name="Picture 9">
-            <a:extLst>
-              <a:ext uri="{FF2B5EF4-FFF2-40B4-BE49-F238E27FC236}">
-                <a16:creationId xmlns:a16="http://schemas.microsoft.com/office/drawing/2014/main" id="{05C90836-5ADB-4D63-A39D-D9BC0E10B492}"/>
-              </a:ext>
-              <a:ext uri="{C183D7F6-B498-43B3-948B-1728B52AA6E4}">
-                <adec:decorative xmlns:adec="http://schemas.microsoft.com/office/drawing/2017/decorative" val="1"/>
-              </a:ext>
-            </a:extLst>
-          </p:cNvPr>
-          <p:cNvPicPr>
-            <a:picLocks noGrp="1" noRot="1" noChangeAspect="1" noMove="1" noResize="1" noEditPoints="1" noAdjustHandles="1" noChangeArrowheads="1" noChangeShapeType="1" noCrop="1"/>
-          </p:cNvPicPr>
-          <p:nvPr>
-            <p:extLst>
-              <p:ext uri="{386F3935-93C4-4BCD-93E2-E3B085C9AB24}">
-                <p16:designElem xmlns:p16="http://schemas.microsoft.com/office/powerpoint/2015/main" val="1"/>
-              </p:ext>
-            </p:extLst>
-          </p:nvPr>
-        </p:nvPicPr>
-        <p:blipFill>
-          <a:blip r:embed="rId3">
-            <a:extLst>
-              <a:ext uri="{28A0092B-C50C-407E-A947-70E740481C1C}">
-                <a14:useLocalDpi xmlns:a14="http://schemas.microsoft.com/office/drawing/2010/main" val="0"/>
-              </a:ext>
-            </a:extLst>
-          </a:blip>
-          <a:stretch>
-            <a:fillRect/>
-          </a:stretch>
-        </p:blipFill>
-        <p:spPr>
-          <a:xfrm>
-            <a:off x="0" y="0"/>
-            <a:ext cx="12192000" cy="6858000"/>
-          </a:xfrm>
-          <a:prstGeom prst="rect">
-            <a:avLst/>
-          </a:prstGeom>
-        </p:spPr>
-      </p:pic>
-      <p:sp useBgFill="1">
-        <p:nvSpPr>
-          <p:cNvPr id="12" name="Rectangle 11">
-            <a:extLst>
-              <a:ext uri="{FF2B5EF4-FFF2-40B4-BE49-F238E27FC236}">
-                <a16:creationId xmlns:a16="http://schemas.microsoft.com/office/drawing/2014/main" id="{EC076BC1-44A9-43BA-9FA0-93D9F5636FA2}"/>
-              </a:ext>
-              <a:ext uri="{C183D7F6-B498-43B3-948B-1728B52AA6E4}">
-                <adec:decorative xmlns:adec="http://schemas.microsoft.com/office/drawing/2017/decorative" val="1"/>
-              </a:ext>
-            </a:extLst>
-          </p:cNvPr>
-          <p:cNvSpPr>
-            <a:spLocks noGrp="1" noRot="1" noChangeAspect="1" noMove="1" noResize="1" noEditPoints="1" noAdjustHandles="1" noChangeArrowheads="1" noChangeShapeType="1" noTextEdit="1"/>
-          </p:cNvSpPr>
-          <p:nvPr>
-            <p:extLst>
-              <p:ext uri="{386F3935-93C4-4BCD-93E2-E3B085C9AB24}">
-                <p16:designElem xmlns:p16="http://schemas.microsoft.com/office/powerpoint/2015/main" val="1"/>
-              </p:ext>
-            </p:extLst>
-          </p:nvPr>
-        </p:nvSpPr>
-        <p:spPr>
-          <a:xfrm>
-            <a:off x="1" y="0"/>
-            <a:ext cx="11979952" cy="6644081"/>
-          </a:xfrm>
-          <a:prstGeom prst="rect">
-            <a:avLst/>
-          </a:prstGeom>
-          <a:ln>
-            <a:noFill/>
-          </a:ln>
-          <a:effectLst>
-            <a:outerShdw blurRad="98425" dist="76200" dir="4380000" algn="tl" rotWithShape="0">
-              <a:srgbClr val="000000">
-                <a:alpha val="68000"/>
-              </a:srgbClr>
-            </a:outerShdw>
-          </a:effectLst>
-        </p:spPr>
-        <p:style>
-          <a:lnRef idx="1">
-            <a:schemeClr val="accent1"/>
-          </a:lnRef>
-          <a:fillRef idx="3">
-            <a:schemeClr val="accent1"/>
-          </a:fillRef>
-          <a:effectRef idx="2">
-            <a:schemeClr val="accent1"/>
-          </a:effectRef>
-          <a:fontRef idx="minor">
-            <a:schemeClr val="lt1"/>
-          </a:fontRef>
-        </p:style>
-      </p:sp>
-      <p:sp>
-        <p:nvSpPr>
-          <p:cNvPr id="14" name="Freeform 9">
-            <a:extLst>
-              <a:ext uri="{FF2B5EF4-FFF2-40B4-BE49-F238E27FC236}">
-                <a16:creationId xmlns:a16="http://schemas.microsoft.com/office/drawing/2014/main" id="{10EBC408-9E16-4483-93FA-BB4E0D06D0C3}"/>
-              </a:ext>
-              <a:ext uri="{C183D7F6-B498-43B3-948B-1728B52AA6E4}">
-                <adec:decorative xmlns:adec="http://schemas.microsoft.com/office/drawing/2017/decorative" val="1"/>
-              </a:ext>
-            </a:extLst>
-          </p:cNvPr>
-          <p:cNvSpPr>
-            <a:spLocks noGrp="1" noRot="1" noChangeAspect="1" noMove="1" noResize="1" noEditPoints="1" noAdjustHandles="1" noChangeArrowheads="1" noChangeShapeType="1" noTextEdit="1"/>
-          </p:cNvSpPr>
-          <p:nvPr>
-            <p:extLst>
-              <p:ext uri="{386F3935-93C4-4BCD-93E2-E3B085C9AB24}">
-                <p16:designElem xmlns:p16="http://schemas.microsoft.com/office/powerpoint/2015/main" val="1"/>
-              </p:ext>
-            </p:extLst>
-          </p:nvPr>
-        </p:nvSpPr>
-        <p:spPr>
-          <a:xfrm>
-            <a:off x="-25397" y="0"/>
-            <a:ext cx="11773291" cy="6419514"/>
-          </a:xfrm>
-          <a:custGeom>
-            <a:avLst/>
-            <a:gdLst/>
-            <a:ahLst/>
-            <a:cxnLst/>
-            <a:rect l="l" t="t" r="r" b="b"/>
-            <a:pathLst>
-              <a:path w="11773291" h="6419514">
-                <a:moveTo>
-                  <a:pt x="11750059" y="0"/>
-                </a:moveTo>
-                <a:lnTo>
-                  <a:pt x="11773291" y="6419514"/>
-                </a:lnTo>
-                <a:lnTo>
-                  <a:pt x="0" y="6411047"/>
-                </a:lnTo>
-              </a:path>
-            </a:pathLst>
-          </a:custGeom>
-          <a:ln w="82550">
-            <a:solidFill>
-              <a:schemeClr val="tx1">
-                <a:lumMod val="50000"/>
-                <a:lumOff val="50000"/>
-              </a:schemeClr>
-            </a:solidFill>
-            <a:miter lim="800000"/>
-          </a:ln>
-        </p:spPr>
-        <p:style>
-          <a:lnRef idx="2">
-            <a:schemeClr val="accent1"/>
-          </a:lnRef>
-          <a:fillRef idx="0">
-            <a:schemeClr val="accent1"/>
-          </a:fillRef>
-          <a:effectRef idx="1">
-            <a:schemeClr val="accent1"/>
-          </a:effectRef>
-          <a:fontRef idx="minor">
-            <a:schemeClr val="tx1"/>
-          </a:fontRef>
-        </p:style>
-      </p:sp>
-      <p:sp>
-        <p:nvSpPr>
-          <p:cNvPr id="16" name="Rectangle 15">
-            <a:extLst>
-              <a:ext uri="{FF2B5EF4-FFF2-40B4-BE49-F238E27FC236}">
-                <a16:creationId xmlns:a16="http://schemas.microsoft.com/office/drawing/2014/main" id="{1DAA8918-7760-46BA-B19F-9818085CB710}"/>
-              </a:ext>
-              <a:ext uri="{C183D7F6-B498-43B3-948B-1728B52AA6E4}">
-                <adec:decorative xmlns:adec="http://schemas.microsoft.com/office/drawing/2017/decorative" val="1"/>
-              </a:ext>
-            </a:extLst>
-          </p:cNvPr>
-          <p:cNvSpPr>
-            <a:spLocks noGrp="1" noRot="1" noChangeAspect="1" noMove="1" noResize="1" noEditPoints="1" noAdjustHandles="1" noChangeArrowheads="1" noChangeShapeType="1" noTextEdit="1"/>
-          </p:cNvSpPr>
-          <p:nvPr>
-            <p:extLst>
-              <p:ext uri="{386F3935-93C4-4BCD-93E2-E3B085C9AB24}">
-                <p16:designElem xmlns:p16="http://schemas.microsoft.com/office/powerpoint/2015/main" val="1"/>
-              </p:ext>
-            </p:extLst>
-          </p:nvPr>
-        </p:nvSpPr>
-        <p:spPr bwMode="white">
-          <a:xfrm>
-            <a:off x="0" y="0"/>
-            <a:ext cx="4654296" cy="6380796"/>
-          </a:xfrm>
-          <a:prstGeom prst="rect">
-            <a:avLst/>
-          </a:prstGeom>
-          <a:gradFill flip="none" rotWithShape="1">
-            <a:gsLst>
-              <a:gs pos="34000">
-                <a:schemeClr val="accent1"/>
-              </a:gs>
-              <a:gs pos="100000">
-                <a:schemeClr val="accent1">
-                  <a:lumMod val="50000"/>
-                </a:schemeClr>
-              </a:gs>
-            </a:gsLst>
-            <a:path path="circle">
-              <a:fillToRect l="50000" t="50000" r="50000" b="50000"/>
-            </a:path>
-            <a:tileRect/>
-          </a:gradFill>
-          <a:ln>
-            <a:noFill/>
-          </a:ln>
-        </p:spPr>
-        <p:style>
-          <a:lnRef idx="1">
-            <a:schemeClr val="accent1"/>
-          </a:lnRef>
-          <a:fillRef idx="3">
-            <a:schemeClr val="accent1"/>
-          </a:fillRef>
-          <a:effectRef idx="2">
-            <a:schemeClr val="accent1"/>
-          </a:effectRef>
-          <a:fontRef idx="minor">
-            <a:schemeClr val="lt1"/>
-          </a:fontRef>
-        </p:style>
-      </p:sp>
-      <p:sp>
-        <p:nvSpPr>
-          <p:cNvPr id="2" name="Title 1">
-            <a:extLst>
-              <a:ext uri="{FF2B5EF4-FFF2-40B4-BE49-F238E27FC236}">
-                <a16:creationId xmlns:a16="http://schemas.microsoft.com/office/drawing/2014/main" id="{F01011D5-E803-D04A-9BAA-B1D023907CD1}"/>
-              </a:ext>
-            </a:extLst>
-          </p:cNvPr>
-          <p:cNvSpPr>
-            <a:spLocks noGrp="1"/>
-          </p:cNvSpPr>
-          <p:nvPr>
-            <p:ph type="title"/>
-          </p:nvPr>
-        </p:nvSpPr>
-        <p:spPr>
-          <a:xfrm>
-            <a:off x="685802" y="685800"/>
-            <a:ext cx="3381946" cy="4846967"/>
-          </a:xfrm>
-        </p:spPr>
-        <p:txBody>
-          <a:bodyPr>
-            <a:normAutofit/>
-          </a:bodyPr>
-          <a:lstStyle/>
-          <a:p>
-            <a:r>
-              <a:rPr lang="en-US" sz="4800" dirty="0">
-                <a:solidFill>
-                  <a:srgbClr val="FFFFFF"/>
-                </a:solidFill>
-              </a:rPr>
-              <a:t>LIMITATIONS</a:t>
-            </a:r>
-          </a:p>
-        </p:txBody>
-      </p:sp>
-      <p:graphicFrame>
-        <p:nvGraphicFramePr>
-          <p:cNvPr id="5" name="Content Placeholder 2">
-            <a:extLst>
-              <a:ext uri="{FF2B5EF4-FFF2-40B4-BE49-F238E27FC236}">
-                <a16:creationId xmlns:a16="http://schemas.microsoft.com/office/drawing/2014/main" id="{9A678997-6CE2-4427-A928-E779FE07A1DC}"/>
-              </a:ext>
-            </a:extLst>
-          </p:cNvPr>
-          <p:cNvGraphicFramePr>
-            <a:graphicFrameLocks noGrp="1"/>
-          </p:cNvGraphicFramePr>
-          <p:nvPr>
-            <p:ph sz="quarter" idx="13"/>
-            <p:extLst>
-              <p:ext uri="{D42A27DB-BD31-4B8C-83A1-F6EECF244321}">
-                <p14:modId xmlns:p14="http://schemas.microsoft.com/office/powerpoint/2010/main" val="416030751"/>
-              </p:ext>
-            </p:extLst>
-          </p:nvPr>
-        </p:nvGraphicFramePr>
-        <p:xfrm>
-          <a:off x="5294108" y="685800"/>
-          <a:ext cx="5759656" cy="4846967"/>
-        </p:xfrm>
-        <a:graphic>
-          <a:graphicData uri="http://schemas.openxmlformats.org/drawingml/2006/diagram">
-            <dgm:relIds xmlns:dgm="http://schemas.openxmlformats.org/drawingml/2006/diagram" xmlns:r="http://schemas.openxmlformats.org/officeDocument/2006/relationships" r:dm="rId4" r:lo="rId5" r:qs="rId6" r:cs="rId7"/>
-          </a:graphicData>
-        </a:graphic>
-      </p:graphicFrame>
-    </p:spTree>
-    <p:extLst>
-      <p:ext uri="{BB962C8B-B14F-4D97-AF65-F5344CB8AC3E}">
-        <p14:creationId xmlns:p14="http://schemas.microsoft.com/office/powerpoint/2010/main" val="1803381748"/>
-      </p:ext>
-    </p:extLst>
-  </p:cSld>
-  <p:clrMapOvr>
-    <a:masterClrMapping/>
-  </p:clrMapOvr>
-</p:sld>
-</file>
-
-<file path=ppt/slides/slide7.xml><?xml version="1.0" encoding="utf-8"?>
-<p:sld xmlns:a="http://schemas.openxmlformats.org/drawingml/2006/main" xmlns:r="http://schemas.openxmlformats.org/officeDocument/2006/relationships" xmlns:p="http://schemas.openxmlformats.org/presentationml/2006/main">
-  <p:cSld>
-    <p:bg>
-      <p:bgPr>
-        <a:blipFill>
-          <a:blip r:embed="rId2">
-            <a:duotone>
-              <a:schemeClr val="bg1">
-                <a:shade val="48000"/>
-                <a:satMod val="110000"/>
-                <a:lumMod val="40000"/>
-              </a:schemeClr>
-              <a:schemeClr val="bg1">
-                <a:tint val="90000"/>
-                <a:lumMod val="106000"/>
-              </a:schemeClr>
-            </a:duotone>
-          </a:blip>
-          <a:stretch/>
-        </a:blipFill>
-        <a:effectLst/>
-      </p:bgPr>
-    </p:bg>
-    <p:spTree>
-      <p:nvGrpSpPr>
-        <p:cNvPr id="1" name=""/>
-        <p:cNvGrpSpPr/>
-        <p:nvPr/>
-      </p:nvGrpSpPr>
-      <p:grpSpPr>
-        <a:xfrm>
-          <a:off x="0" y="0"/>
-          <a:ext cx="0" cy="0"/>
-          <a:chOff x="0" y="0"/>
-          <a:chExt cx="0" cy="0"/>
-        </a:xfrm>
-      </p:grpSpPr>
-      <p:pic>
-        <p:nvPicPr>
-          <p:cNvPr id="5" name="Picture 4" descr="A picture containing text, green, beverage, painted&#10;&#10;Description automatically generated">
-            <a:extLst>
-              <a:ext uri="{FF2B5EF4-FFF2-40B4-BE49-F238E27FC236}">
-                <a16:creationId xmlns:a16="http://schemas.microsoft.com/office/drawing/2014/main" id="{1078F5CD-E953-B747-B315-B09CADD402CF}"/>
-              </a:ext>
-            </a:extLst>
-          </p:cNvPr>
-          <p:cNvPicPr>
-            <a:picLocks noChangeAspect="1"/>
-          </p:cNvPicPr>
-          <p:nvPr/>
-        </p:nvPicPr>
-        <p:blipFill>
-          <a:blip r:embed="rId3">
-            <a:extLst>
-              <a:ext uri="{837473B0-CC2E-450A-ABE3-18F120FF3D39}">
-                <a1611:picAttrSrcUrl xmlns:a1611="http://schemas.microsoft.com/office/drawing/2016/11/main" r:id="rId4"/>
-              </a:ext>
-            </a:extLst>
-          </a:blip>
-          <a:stretch>
-            <a:fillRect/>
-          </a:stretch>
-        </p:blipFill>
-        <p:spPr>
-          <a:xfrm>
-            <a:off x="6562455" y="1701137"/>
-            <a:ext cx="4677405" cy="2993539"/>
-          </a:xfrm>
-          <a:prstGeom prst="rect">
-            <a:avLst/>
-          </a:prstGeom>
-          <a:ln>
-            <a:noFill/>
-          </a:ln>
-        </p:spPr>
-      </p:pic>
-      <p:sp>
-        <p:nvSpPr>
-          <p:cNvPr id="2" name="Title 1">
-            <a:extLst>
-              <a:ext uri="{FF2B5EF4-FFF2-40B4-BE49-F238E27FC236}">
-                <a16:creationId xmlns:a16="http://schemas.microsoft.com/office/drawing/2014/main" id="{64B1EACD-B8B4-DB43-A18A-FB3A0EF01670}"/>
-              </a:ext>
-            </a:extLst>
-          </p:cNvPr>
-          <p:cNvSpPr>
-            <a:spLocks noGrp="1"/>
-          </p:cNvSpPr>
-          <p:nvPr>
-            <p:ph type="title"/>
-          </p:nvPr>
-        </p:nvSpPr>
-        <p:spPr>
-          <a:xfrm>
-            <a:off x="685799" y="690479"/>
-            <a:ext cx="4957275" cy="1146825"/>
-          </a:xfrm>
-        </p:spPr>
-        <p:txBody>
-          <a:bodyPr>
-            <a:normAutofit/>
-          </a:bodyPr>
-          <a:lstStyle/>
-          <a:p>
-            <a:r>
-              <a:rPr lang="en-US" sz="3700" dirty="0">
-                <a:solidFill>
-                  <a:schemeClr val="accent1">
-                    <a:lumMod val="75000"/>
-                  </a:schemeClr>
-                </a:solidFill>
-              </a:rPr>
-              <a:t>FURTHER RESEARCH</a:t>
-            </a:r>
-          </a:p>
-        </p:txBody>
-      </p:sp>
-      <p:sp>
-        <p:nvSpPr>
-          <p:cNvPr id="3" name="Content Placeholder 2">
-            <a:extLst>
-              <a:ext uri="{FF2B5EF4-FFF2-40B4-BE49-F238E27FC236}">
-                <a16:creationId xmlns:a16="http://schemas.microsoft.com/office/drawing/2014/main" id="{B82A9D01-F067-0841-9CA2-16B60BACC40D}"/>
-              </a:ext>
-            </a:extLst>
-          </p:cNvPr>
-          <p:cNvSpPr>
-            <a:spLocks noGrp="1"/>
-          </p:cNvSpPr>
-          <p:nvPr>
-            <p:ph sz="quarter" idx="13"/>
-          </p:nvPr>
-        </p:nvSpPr>
-        <p:spPr>
-          <a:xfrm>
-            <a:off x="685800" y="2063395"/>
-            <a:ext cx="4957273" cy="3446103"/>
-          </a:xfrm>
-        </p:spPr>
-        <p:txBody>
-          <a:bodyPr>
-            <a:normAutofit/>
-          </a:bodyPr>
-          <a:lstStyle/>
-          <a:p>
-            <a:r>
-              <a:rPr lang="en-US" sz="1800" dirty="0">
-                <a:latin typeface="Calibri" panose="020F0502020204030204" pitchFamily="34" charset="0"/>
-                <a:cs typeface="Calibri" panose="020F0502020204030204" pitchFamily="34" charset="0"/>
-              </a:rPr>
-              <a:t>Mention how we can take our findings forward (particularly if we have plan for continuing with this data for the final project)</a:t>
-            </a:r>
-          </a:p>
-        </p:txBody>
-      </p:sp>
-      <p:sp>
-        <p:nvSpPr>
-          <p:cNvPr id="6" name="TextBox 5">
-            <a:extLst>
-              <a:ext uri="{FF2B5EF4-FFF2-40B4-BE49-F238E27FC236}">
-                <a16:creationId xmlns:a16="http://schemas.microsoft.com/office/drawing/2014/main" id="{9E854D90-7FB8-1740-B173-CEB26C78B799}"/>
-              </a:ext>
-            </a:extLst>
-          </p:cNvPr>
-          <p:cNvSpPr txBox="1"/>
-          <p:nvPr/>
-        </p:nvSpPr>
-        <p:spPr>
-          <a:xfrm>
-            <a:off x="9081898" y="4494621"/>
-            <a:ext cx="2157962" cy="200055"/>
-          </a:xfrm>
-          <a:prstGeom prst="rect">
-            <a:avLst/>
-          </a:prstGeom>
-          <a:solidFill>
-            <a:srgbClr val="000000"/>
-          </a:solidFill>
-        </p:spPr>
-        <p:txBody>
-          <a:bodyPr wrap="none" rtlCol="0">
-            <a:spAutoFit/>
-          </a:bodyPr>
-          <a:lstStyle/>
-          <a:p>
-            <a:pPr algn="r">
-              <a:spcAft>
-                <a:spcPts val="600"/>
-              </a:spcAft>
-            </a:pPr>
-            <a:r>
-              <a:rPr lang="en-US" sz="700">
-                <a:solidFill>
-                  <a:srgbClr val="FFFFFF"/>
-                </a:solidFill>
-                <a:hlinkClick r:id="rId4" tooltip="http://www.sagaciousnewsnetwork.com/child-narcissistic-parent-my-needs/">
-                  <a:extLst>
-                    <a:ext uri="{A12FA001-AC4F-418D-AE19-62706E023703}">
-                      <ahyp:hlinkClr xmlns:ahyp="http://schemas.microsoft.com/office/drawing/2018/hyperlinkcolor" val="tx"/>
-                    </a:ext>
-                  </a:extLst>
-                </a:hlinkClick>
-              </a:rPr>
-              <a:t>This Photo</a:t>
-            </a:r>
-            <a:r>
-              <a:rPr lang="en-US" sz="700">
-                <a:solidFill>
-                  <a:srgbClr val="FFFFFF"/>
-                </a:solidFill>
-              </a:rPr>
-              <a:t> by Unknown Author is licensed under </a:t>
-            </a:r>
-            <a:r>
-              <a:rPr lang="en-US" sz="700">
-                <a:solidFill>
-                  <a:srgbClr val="FFFFFF"/>
-                </a:solidFill>
-                <a:hlinkClick r:id="rId5" tooltip="https://creativecommons.org/licenses/by/3.0/">
-                  <a:extLst>
-                    <a:ext uri="{A12FA001-AC4F-418D-AE19-62706E023703}">
-                      <ahyp:hlinkClr xmlns:ahyp="http://schemas.microsoft.com/office/drawing/2018/hyperlinkcolor" val="tx"/>
-                    </a:ext>
-                  </a:extLst>
-                </a:hlinkClick>
-              </a:rPr>
-              <a:t>CC BY</a:t>
-            </a:r>
-            <a:endParaRPr lang="en-US" sz="700">
-              <a:solidFill>
-                <a:srgbClr val="FFFFFF"/>
-              </a:solidFill>
-            </a:endParaRPr>
-          </a:p>
-        </p:txBody>
-      </p:sp>
-    </p:spTree>
-    <p:extLst>
-      <p:ext uri="{BB962C8B-B14F-4D97-AF65-F5344CB8AC3E}">
-        <p14:creationId xmlns:p14="http://schemas.microsoft.com/office/powerpoint/2010/main" val="3216832741"/>
-      </p:ext>
-    </p:extLst>
-  </p:cSld>
-  <p:clrMapOvr>
-    <a:masterClrMapping/>
-  </p:clrMapOvr>
-</p:sld>
-</file>
-
-<file path=ppt/slides/slide8.xml><?xml version="1.0" encoding="utf-8"?>
-<p:sld xmlns:a="http://schemas.openxmlformats.org/drawingml/2006/main" xmlns:r="http://schemas.openxmlformats.org/officeDocument/2006/relationships" xmlns:p="http://schemas.openxmlformats.org/presentationml/2006/main">
-  <p:cSld>
-    <p:bg>
-      <p:bgPr>
-        <a:blipFill>
-          <a:blip r:embed="rId2">
-            <a:duotone>
-              <a:schemeClr val="bg1">
-                <a:shade val="48000"/>
-                <a:satMod val="110000"/>
-                <a:lumMod val="40000"/>
-              </a:schemeClr>
-              <a:schemeClr val="bg1">
-                <a:tint val="90000"/>
-                <a:lumMod val="106000"/>
-              </a:schemeClr>
-            </a:duotone>
-          </a:blip>
-          <a:stretch/>
-        </a:blipFill>
-        <a:effectLst/>
-      </p:bgPr>
-    </p:bg>
-    <p:spTree>
-      <p:nvGrpSpPr>
-        <p:cNvPr id="1" name=""/>
-        <p:cNvGrpSpPr/>
-        <p:nvPr/>
-      </p:nvGrpSpPr>
-      <p:grpSpPr>
-        <a:xfrm>
-          <a:off x="0" y="0"/>
-          <a:ext cx="0" cy="0"/>
-          <a:chOff x="0" y="0"/>
-          <a:chExt cx="0" cy="0"/>
-        </a:xfrm>
-      </p:grpSpPr>
-      <p:sp>
-        <p:nvSpPr>
-          <p:cNvPr id="2" name="Title 1">
-            <a:extLst>
-              <a:ext uri="{FF2B5EF4-FFF2-40B4-BE49-F238E27FC236}">
-                <a16:creationId xmlns:a16="http://schemas.microsoft.com/office/drawing/2014/main" id="{EBBD4232-D5D6-184B-B8EB-6439D502D204}"/>
-              </a:ext>
-            </a:extLst>
-          </p:cNvPr>
-          <p:cNvSpPr>
-            <a:spLocks noGrp="1"/>
-          </p:cNvSpPr>
-          <p:nvPr>
-            <p:ph type="title"/>
-          </p:nvPr>
-        </p:nvSpPr>
-        <p:spPr>
-          <a:xfrm>
-            <a:off x="446663" y="1304458"/>
-            <a:ext cx="3326650" cy="2901781"/>
-          </a:xfrm>
-        </p:spPr>
-        <p:txBody>
-          <a:bodyPr vert="horz" lIns="91440" tIns="45720" rIns="91440" bIns="45720" rtlCol="0" anchor="b">
-            <a:normAutofit/>
-          </a:bodyPr>
-          <a:lstStyle/>
-          <a:p>
-            <a:pPr algn="r"/>
-            <a:r>
-              <a:rPr lang="en-US" sz="4800" dirty="0"/>
-              <a:t>COMMENTS /</a:t>
-            </a:r>
-            <a:br>
-              <a:rPr lang="en-US" sz="4800" dirty="0"/>
-            </a:br>
-            <a:r>
-              <a:rPr lang="en-US" sz="4800" dirty="0"/>
-              <a:t> QUESTIONS?</a:t>
-            </a:r>
-          </a:p>
-        </p:txBody>
-      </p:sp>
-      <p:pic>
-        <p:nvPicPr>
-          <p:cNvPr id="5" name="Content Placeholder 4" descr="Text&#10;&#10;Description automatically generated">
-            <a:extLst>
-              <a:ext uri="{FF2B5EF4-FFF2-40B4-BE49-F238E27FC236}">
-                <a16:creationId xmlns:a16="http://schemas.microsoft.com/office/drawing/2014/main" id="{9A9228A2-BF7E-8B4A-AD58-F4A3A0F95581}"/>
-              </a:ext>
-            </a:extLst>
-          </p:cNvPr>
-          <p:cNvPicPr>
-            <a:picLocks noGrp="1" noChangeAspect="1"/>
-          </p:cNvPicPr>
-          <p:nvPr>
-            <p:ph sz="quarter" idx="13"/>
-          </p:nvPr>
-        </p:nvPicPr>
-        <p:blipFill>
-          <a:blip r:embed="rId3">
-            <a:extLst>
-              <a:ext uri="{837473B0-CC2E-450A-ABE3-18F120FF3D39}">
-                <a1611:picAttrSrcUrl xmlns:a1611="http://schemas.microsoft.com/office/drawing/2016/11/main" r:id="rId4"/>
-              </a:ext>
-            </a:extLst>
-          </a:blip>
-          <a:stretch>
-            <a:fillRect/>
-          </a:stretch>
-        </p:blipFill>
-        <p:spPr>
-          <a:xfrm>
-            <a:off x="5321367" y="1758820"/>
-            <a:ext cx="6174771" cy="3334376"/>
-          </a:xfrm>
-          <a:prstGeom prst="rect">
-            <a:avLst/>
-          </a:prstGeom>
-        </p:spPr>
-      </p:pic>
-      <p:sp>
-        <p:nvSpPr>
-          <p:cNvPr id="6" name="TextBox 5">
-            <a:extLst>
-              <a:ext uri="{FF2B5EF4-FFF2-40B4-BE49-F238E27FC236}">
-                <a16:creationId xmlns:a16="http://schemas.microsoft.com/office/drawing/2014/main" id="{A054DB01-79B7-A44D-A0B1-8096CC3EAD51}"/>
-              </a:ext>
-            </a:extLst>
-          </p:cNvPr>
-          <p:cNvSpPr txBox="1"/>
-          <p:nvPr/>
-        </p:nvSpPr>
-        <p:spPr>
-          <a:xfrm>
-            <a:off x="9221156" y="4893141"/>
-            <a:ext cx="2274982" cy="200055"/>
-          </a:xfrm>
-          <a:prstGeom prst="rect">
-            <a:avLst/>
-          </a:prstGeom>
-          <a:solidFill>
-            <a:srgbClr val="000000"/>
-          </a:solidFill>
-        </p:spPr>
-        <p:txBody>
-          <a:bodyPr wrap="none" rtlCol="0">
-            <a:spAutoFit/>
-          </a:bodyPr>
-          <a:lstStyle/>
-          <a:p>
-            <a:pPr algn="r">
-              <a:spcAft>
-                <a:spcPts val="600"/>
-              </a:spcAft>
-            </a:pPr>
-            <a:r>
-              <a:rPr lang="en-US" sz="700">
-                <a:solidFill>
-                  <a:srgbClr val="FFFFFF"/>
-                </a:solidFill>
-                <a:hlinkClick r:id="rId4" tooltip="https://commons.wikimedia.org/wiki/File:Thank-you-word-cloud.jpg">
-                  <a:extLst>
-                    <a:ext uri="{A12FA001-AC4F-418D-AE19-62706E023703}">
-                      <ahyp:hlinkClr xmlns:ahyp="http://schemas.microsoft.com/office/drawing/2018/hyperlinkcolor" val="tx"/>
-                    </a:ext>
-                  </a:extLst>
-                </a:hlinkClick>
-              </a:rPr>
-              <a:t>This Photo</a:t>
-            </a:r>
-            <a:r>
-              <a:rPr lang="en-US" sz="700">
-                <a:solidFill>
-                  <a:srgbClr val="FFFFFF"/>
-                </a:solidFill>
-              </a:rPr>
-              <a:t> by Unknown Author is licensed under </a:t>
-            </a:r>
-            <a:r>
-              <a:rPr lang="en-US" sz="700">
-                <a:solidFill>
-                  <a:srgbClr val="FFFFFF"/>
-                </a:solidFill>
-                <a:hlinkClick r:id="rId5" tooltip="https://creativecommons.org/licenses/by-sa/3.0/">
-                  <a:extLst>
-                    <a:ext uri="{A12FA001-AC4F-418D-AE19-62706E023703}">
-                      <ahyp:hlinkClr xmlns:ahyp="http://schemas.microsoft.com/office/drawing/2018/hyperlinkcolor" val="tx"/>
-                    </a:ext>
-                  </a:extLst>
-                </a:hlinkClick>
-              </a:rPr>
-              <a:t>CC BY-SA</a:t>
-            </a:r>
-            <a:endParaRPr lang="en-US" sz="700">
-              <a:solidFill>
-                <a:srgbClr val="FFFFFF"/>
-              </a:solidFill>
-            </a:endParaRPr>
-          </a:p>
-        </p:txBody>
-      </p:sp>
-    </p:spTree>
-    <p:extLst>
-      <p:ext uri="{BB962C8B-B14F-4D97-AF65-F5344CB8AC3E}">
-        <p14:creationId xmlns:p14="http://schemas.microsoft.com/office/powerpoint/2010/main" val="909605127"/>
-      </p:ext>
-    </p:extLst>
-  </p:cSld>
-  <p:clrMapOvr>
-    <a:masterClrMapping/>
-  </p:clrMapOvr>
 </p:sld>
 </file>
 

--- a/Presentation for Data Science 101.pptx
+++ b/Presentation for Data Science 101.pptx
@@ -348,15 +348,15 @@
 </file>
 
 <file path=ppt/diagrams/colors1.xml><?xml version="1.0" encoding="utf-8"?>
-<dgm:colorsDef xmlns:dgm="http://schemas.openxmlformats.org/drawingml/2006/diagram" xmlns:a="http://schemas.openxmlformats.org/drawingml/2006/main" uniqueId="urn:microsoft.com/office/officeart/2005/8/colors/colorful5">
+<dgm:colorsDef xmlns:dgm="http://schemas.openxmlformats.org/drawingml/2006/diagram" xmlns:a="http://schemas.openxmlformats.org/drawingml/2006/main" uniqueId="urn:microsoft.com/office/officeart/2005/8/colors/accent1_2">
   <dgm:title val=""/>
   <dgm:desc val=""/>
   <dgm:catLst>
-    <dgm:cat type="colorful" pri="10500"/>
+    <dgm:cat type="accent1" pri="11200"/>
   </dgm:catLst>
   <dgm:styleLbl name="node0">
     <dgm:fillClrLst meth="repeat">
-      <a:schemeClr val="accent4"/>
+      <a:schemeClr val="accent1"/>
     </dgm:fillClrLst>
     <dgm:linClrLst meth="repeat">
       <a:schemeClr val="lt1"/>
@@ -366,10 +366,21 @@
     <dgm:txFillClrLst/>
     <dgm:txEffectClrLst/>
   </dgm:styleLbl>
+  <dgm:styleLbl name="alignNode1">
+    <dgm:fillClrLst meth="repeat">
+      <a:schemeClr val="accent1"/>
+    </dgm:fillClrLst>
+    <dgm:linClrLst meth="repeat">
+      <a:schemeClr val="accent1"/>
+    </dgm:linClrLst>
+    <dgm:effectClrLst/>
+    <dgm:txLinClrLst/>
+    <dgm:txFillClrLst/>
+    <dgm:txEffectClrLst/>
+  </dgm:styleLbl>
   <dgm:styleLbl name="node1">
-    <dgm:fillClrLst>
-      <a:schemeClr val="accent5"/>
-      <a:schemeClr val="accent6"/>
+    <dgm:fillClrLst meth="repeat">
+      <a:schemeClr val="accent1"/>
     </dgm:fillClrLst>
     <dgm:linClrLst meth="repeat">
       <a:schemeClr val="lt1"/>
@@ -379,24 +390,9 @@
     <dgm:txFillClrLst/>
     <dgm:txEffectClrLst/>
   </dgm:styleLbl>
-  <dgm:styleLbl name="alignNode1">
-    <dgm:fillClrLst>
-      <a:schemeClr val="accent5"/>
-      <a:schemeClr val="accent6"/>
-    </dgm:fillClrLst>
-    <dgm:linClrLst>
-      <a:schemeClr val="accent5"/>
-      <a:schemeClr val="accent6"/>
-    </dgm:linClrLst>
-    <dgm:effectClrLst/>
-    <dgm:txLinClrLst/>
-    <dgm:txFillClrLst/>
-    <dgm:txEffectClrLst/>
-  </dgm:styleLbl>
   <dgm:styleLbl name="lnNode1">
-    <dgm:fillClrLst>
-      <a:schemeClr val="accent5"/>
-      <a:schemeClr val="accent6"/>
+    <dgm:fillClrLst meth="repeat">
+      <a:schemeClr val="accent1"/>
     </dgm:fillClrLst>
     <dgm:linClrLst meth="repeat">
       <a:schemeClr val="lt1"/>
@@ -407,11 +403,8 @@
     <dgm:txEffectClrLst/>
   </dgm:styleLbl>
   <dgm:styleLbl name="vennNode1">
-    <dgm:fillClrLst>
-      <a:schemeClr val="accent5">
-        <a:alpha val="50000"/>
-      </a:schemeClr>
-      <a:schemeClr val="accent6">
+    <dgm:fillClrLst meth="repeat">
+      <a:schemeClr val="accent1">
         <a:alpha val="50000"/>
       </a:schemeClr>
     </dgm:fillClrLst>
@@ -424,19 +417,7 @@
     <dgm:txEffectClrLst/>
   </dgm:styleLbl>
   <dgm:styleLbl name="node2">
-    <dgm:fillClrLst>
-      <a:schemeClr val="accent6"/>
-    </dgm:fillClrLst>
-    <dgm:linClrLst meth="repeat">
-      <a:schemeClr val="lt1"/>
-    </dgm:linClrLst>
-    <dgm:effectClrLst/>
-    <dgm:txLinClrLst/>
-    <dgm:txFillClrLst/>
-    <dgm:txEffectClrLst/>
-  </dgm:styleLbl>
-  <dgm:styleLbl name="node3">
-    <dgm:fillClrLst>
+    <dgm:fillClrLst meth="repeat">
       <a:schemeClr val="accent1"/>
     </dgm:fillClrLst>
     <dgm:linClrLst meth="repeat">
@@ -447,9 +428,9 @@
     <dgm:txFillClrLst/>
     <dgm:txEffectClrLst/>
   </dgm:styleLbl>
-  <dgm:styleLbl name="node4">
-    <dgm:fillClrLst>
-      <a:schemeClr val="accent2"/>
+  <dgm:styleLbl name="node3">
+    <dgm:fillClrLst meth="repeat">
+      <a:schemeClr val="accent1"/>
     </dgm:fillClrLst>
     <dgm:linClrLst meth="repeat">
       <a:schemeClr val="lt1"/>
@@ -459,12 +440,21 @@
     <dgm:txFillClrLst/>
     <dgm:txEffectClrLst/>
   </dgm:styleLbl>
+  <dgm:styleLbl name="node4">
+    <dgm:fillClrLst meth="repeat">
+      <a:schemeClr val="accent1"/>
+    </dgm:fillClrLst>
+    <dgm:linClrLst meth="repeat">
+      <a:schemeClr val="lt1"/>
+    </dgm:linClrLst>
+    <dgm:effectClrLst/>
+    <dgm:txLinClrLst/>
+    <dgm:txFillClrLst/>
+    <dgm:txEffectClrLst/>
+  </dgm:styleLbl>
   <dgm:styleLbl name="fgImgPlace1">
-    <dgm:fillClrLst>
-      <a:schemeClr val="accent5">
-        <a:tint val="50000"/>
-      </a:schemeClr>
-      <a:schemeClr val="accent6">
+    <dgm:fillClrLst meth="repeat">
+      <a:schemeClr val="accent1">
         <a:tint val="50000"/>
       </a:schemeClr>
     </dgm:fillClrLst>
@@ -479,12 +469,9 @@
     <dgm:txEffectClrLst/>
   </dgm:styleLbl>
   <dgm:styleLbl name="alignImgPlace1">
-    <dgm:fillClrLst>
-      <a:schemeClr val="accent5">
+    <dgm:fillClrLst meth="repeat">
+      <a:schemeClr val="accent1">
         <a:tint val="50000"/>
-      </a:schemeClr>
-      <a:schemeClr val="accent6">
-        <a:tint val="20000"/>
       </a:schemeClr>
     </dgm:fillClrLst>
     <dgm:linClrLst meth="repeat">
@@ -498,12 +485,9 @@
     <dgm:txEffectClrLst/>
   </dgm:styleLbl>
   <dgm:styleLbl name="bgImgPlace1">
-    <dgm:fillClrLst>
-      <a:schemeClr val="accent5">
+    <dgm:fillClrLst meth="repeat">
+      <a:schemeClr val="accent1">
         <a:tint val="50000"/>
-      </a:schemeClr>
-      <a:schemeClr val="accent6">
-        <a:tint val="20000"/>
       </a:schemeClr>
     </dgm:fillClrLst>
     <dgm:linClrLst meth="repeat">
@@ -517,84 +501,14 @@
     <dgm:txEffectClrLst/>
   </dgm:styleLbl>
   <dgm:styleLbl name="sibTrans2D1">
-    <dgm:fillClrLst>
-      <a:schemeClr val="accent5"/>
-      <a:schemeClr val="accent6"/>
+    <dgm:fillClrLst meth="repeat">
+      <a:schemeClr val="accent1">
+        <a:tint val="60000"/>
+      </a:schemeClr>
     </dgm:fillClrLst>
     <dgm:linClrLst meth="repeat">
-      <a:schemeClr val="lt1"/>
-    </dgm:linClrLst>
-    <dgm:effectClrLst/>
-    <dgm:txLinClrLst/>
-    <dgm:txFillClrLst/>
-    <dgm:txEffectClrLst/>
-  </dgm:styleLbl>
-  <dgm:styleLbl name="fgSibTrans2D1">
-    <dgm:fillClrLst>
-      <a:schemeClr val="accent5"/>
-      <a:schemeClr val="accent6"/>
-    </dgm:fillClrLst>
-    <dgm:linClrLst meth="repeat">
-      <a:schemeClr val="lt1"/>
-    </dgm:linClrLst>
-    <dgm:effectClrLst/>
-    <dgm:txLinClrLst/>
-    <dgm:txFillClrLst meth="repeat">
-      <a:schemeClr val="lt1"/>
-    </dgm:txFillClrLst>
-    <dgm:txEffectClrLst/>
-  </dgm:styleLbl>
-  <dgm:styleLbl name="bgSibTrans2D1">
-    <dgm:fillClrLst>
-      <a:schemeClr val="accent5"/>
-      <a:schemeClr val="accent6"/>
-    </dgm:fillClrLst>
-    <dgm:linClrLst meth="repeat">
-      <a:schemeClr val="lt1"/>
-    </dgm:linClrLst>
-    <dgm:effectClrLst/>
-    <dgm:txLinClrLst/>
-    <dgm:txFillClrLst meth="repeat">
-      <a:schemeClr val="lt1"/>
-    </dgm:txFillClrLst>
-    <dgm:txEffectClrLst/>
-  </dgm:styleLbl>
-  <dgm:styleLbl name="sibTrans1D1">
-    <dgm:fillClrLst/>
-    <dgm:linClrLst>
-      <a:schemeClr val="accent5"/>
-      <a:schemeClr val="accent6"/>
-    </dgm:linClrLst>
-    <dgm:effectClrLst/>
-    <dgm:txLinClrLst/>
-    <dgm:txFillClrLst meth="repeat">
-      <a:schemeClr val="tx1"/>
-    </dgm:txFillClrLst>
-    <dgm:txEffectClrLst/>
-  </dgm:styleLbl>
-  <dgm:styleLbl name="callout">
-    <dgm:fillClrLst meth="repeat">
-      <a:schemeClr val="accent5"/>
-    </dgm:fillClrLst>
-    <dgm:linClrLst meth="repeat">
-      <a:schemeClr val="accent5">
-        <a:tint val="50000"/>
-      </a:schemeClr>
-    </dgm:linClrLst>
-    <dgm:effectClrLst/>
-    <dgm:txLinClrLst/>
-    <dgm:txFillClrLst meth="repeat">
-      <a:schemeClr val="tx1"/>
-    </dgm:txFillClrLst>
-    <dgm:txEffectClrLst/>
-  </dgm:styleLbl>
-  <dgm:styleLbl name="asst0">
-    <dgm:fillClrLst meth="repeat">
-      <a:schemeClr val="accent5"/>
-    </dgm:fillClrLst>
-    <dgm:linClrLst meth="repeat">
-      <a:schemeClr val="lt1">
-        <a:shade val="80000"/>
+      <a:schemeClr val="accent1">
+        <a:tint val="60000"/>
       </a:schemeClr>
     </dgm:linClrLst>
     <dgm:effectClrLst/>
@@ -602,13 +516,15 @@
     <dgm:txFillClrLst/>
     <dgm:txEffectClrLst/>
   </dgm:styleLbl>
-  <dgm:styleLbl name="asst1">
+  <dgm:styleLbl name="fgSibTrans2D1">
     <dgm:fillClrLst meth="repeat">
-      <a:schemeClr val="accent6"/>
+      <a:schemeClr val="accent1">
+        <a:tint val="60000"/>
+      </a:schemeClr>
     </dgm:fillClrLst>
     <dgm:linClrLst meth="repeat">
-      <a:schemeClr val="lt1">
-        <a:shade val="80000"/>
+      <a:schemeClr val="accent1">
+        <a:tint val="60000"/>
       </a:schemeClr>
     </dgm:linClrLst>
     <dgm:effectClrLst/>
@@ -616,129 +532,25 @@
     <dgm:txFillClrLst/>
     <dgm:txEffectClrLst/>
   </dgm:styleLbl>
-  <dgm:styleLbl name="asst2">
-    <dgm:fillClrLst>
-      <a:schemeClr val="accent1"/>
+  <dgm:styleLbl name="bgSibTrans2D1">
+    <dgm:fillClrLst meth="repeat">
+      <a:schemeClr val="accent1">
+        <a:tint val="60000"/>
+      </a:schemeClr>
     </dgm:fillClrLst>
     <dgm:linClrLst meth="repeat">
-      <a:schemeClr val="lt1"/>
+      <a:schemeClr val="accent1">
+        <a:tint val="60000"/>
+      </a:schemeClr>
     </dgm:linClrLst>
     <dgm:effectClrLst/>
     <dgm:txLinClrLst/>
     <dgm:txFillClrLst/>
     <dgm:txEffectClrLst/>
   </dgm:styleLbl>
-  <dgm:styleLbl name="asst3">
-    <dgm:fillClrLst>
-      <a:schemeClr val="accent2"/>
-    </dgm:fillClrLst>
-    <dgm:linClrLst meth="repeat">
-      <a:schemeClr val="lt1"/>
-    </dgm:linClrLst>
-    <dgm:effectClrLst/>
-    <dgm:txLinClrLst/>
-    <dgm:txFillClrLst/>
-    <dgm:txEffectClrLst/>
-  </dgm:styleLbl>
-  <dgm:styleLbl name="asst4">
-    <dgm:fillClrLst>
-      <a:schemeClr val="accent3"/>
-    </dgm:fillClrLst>
-    <dgm:linClrLst meth="repeat">
-      <a:schemeClr val="lt1"/>
-    </dgm:linClrLst>
-    <dgm:effectClrLst/>
-    <dgm:txLinClrLst/>
-    <dgm:txFillClrLst/>
-    <dgm:txEffectClrLst/>
-  </dgm:styleLbl>
-  <dgm:styleLbl name="parChTrans2D1">
-    <dgm:fillClrLst meth="repeat">
-      <a:schemeClr val="accent5"/>
-    </dgm:fillClrLst>
-    <dgm:linClrLst meth="repeat">
-      <a:schemeClr val="lt1"/>
-    </dgm:linClrLst>
-    <dgm:effectClrLst/>
-    <dgm:txLinClrLst/>
-    <dgm:txFillClrLst meth="repeat">
-      <a:schemeClr val="lt1"/>
-    </dgm:txFillClrLst>
-    <dgm:txEffectClrLst/>
-  </dgm:styleLbl>
-  <dgm:styleLbl name="parChTrans2D2">
-    <dgm:fillClrLst meth="repeat">
-      <a:schemeClr val="accent6"/>
-    </dgm:fillClrLst>
-    <dgm:linClrLst meth="repeat">
-      <a:schemeClr val="lt1"/>
-    </dgm:linClrLst>
-    <dgm:effectClrLst/>
-    <dgm:txLinClrLst/>
-    <dgm:txFillClrLst/>
-    <dgm:txEffectClrLst/>
-  </dgm:styleLbl>
-  <dgm:styleLbl name="parChTrans2D3">
-    <dgm:fillClrLst meth="repeat">
-      <a:schemeClr val="accent6"/>
-    </dgm:fillClrLst>
-    <dgm:linClrLst meth="repeat">
-      <a:schemeClr val="lt1"/>
-    </dgm:linClrLst>
-    <dgm:effectClrLst/>
-    <dgm:txLinClrLst/>
-    <dgm:txFillClrLst/>
-    <dgm:txEffectClrLst/>
-  </dgm:styleLbl>
-  <dgm:styleLbl name="parChTrans2D4">
+  <dgm:styleLbl name="sibTrans1D1">
     <dgm:fillClrLst meth="repeat">
       <a:schemeClr val="accent1"/>
-    </dgm:fillClrLst>
-    <dgm:linClrLst meth="repeat">
-      <a:schemeClr val="lt1"/>
-    </dgm:linClrLst>
-    <dgm:effectClrLst/>
-    <dgm:txLinClrLst/>
-    <dgm:txFillClrLst meth="repeat">
-      <a:schemeClr val="lt1"/>
-    </dgm:txFillClrLst>
-    <dgm:txEffectClrLst/>
-  </dgm:styleLbl>
-  <dgm:styleLbl name="parChTrans1D1">
-    <dgm:fillClrLst meth="repeat">
-      <a:schemeClr val="accent5"/>
-    </dgm:fillClrLst>
-    <dgm:linClrLst meth="repeat">
-      <a:schemeClr val="accent5"/>
-    </dgm:linClrLst>
-    <dgm:effectClrLst/>
-    <dgm:txLinClrLst/>
-    <dgm:txFillClrLst meth="repeat">
-      <a:schemeClr val="tx1"/>
-    </dgm:txFillClrLst>
-    <dgm:txEffectClrLst/>
-  </dgm:styleLbl>
-  <dgm:styleLbl name="parChTrans1D2">
-    <dgm:fillClrLst meth="repeat">
-      <a:schemeClr val="accent6">
-        <a:tint val="90000"/>
-      </a:schemeClr>
-    </dgm:fillClrLst>
-    <dgm:linClrLst meth="repeat">
-      <a:schemeClr val="accent6"/>
-    </dgm:linClrLst>
-    <dgm:effectClrLst/>
-    <dgm:txLinClrLst/>
-    <dgm:txFillClrLst meth="repeat">
-      <a:schemeClr val="tx1"/>
-    </dgm:txFillClrLst>
-    <dgm:txEffectClrLst/>
-  </dgm:styleLbl>
-  <dgm:styleLbl name="parChTrans1D3">
-    <dgm:fillClrLst meth="repeat">
-      <a:schemeClr val="accent6">
-        <a:tint val="70000"/>
-      </a:schemeClr>
     </dgm:fillClrLst>
     <dgm:linClrLst meth="repeat">
       <a:schemeClr val="accent1"/>
@@ -750,14 +562,14 @@
     </dgm:txFillClrLst>
     <dgm:txEffectClrLst/>
   </dgm:styleLbl>
-  <dgm:styleLbl name="parChTrans1D4">
+  <dgm:styleLbl name="callout">
     <dgm:fillClrLst meth="repeat">
-      <a:schemeClr val="accent6">
+      <a:schemeClr val="accent1"/>
+    </dgm:fillClrLst>
+    <dgm:linClrLst meth="repeat">
+      <a:schemeClr val="accent1">
         <a:tint val="50000"/>
       </a:schemeClr>
-    </dgm:fillClrLst>
-    <dgm:linClrLst meth="repeat">
-      <a:schemeClr val="accent2"/>
     </dgm:linClrLst>
     <dgm:effectClrLst/>
     <dgm:txLinClrLst/>
@@ -766,15 +578,198 @@
     </dgm:txFillClrLst>
     <dgm:txEffectClrLst/>
   </dgm:styleLbl>
+  <dgm:styleLbl name="asst0">
+    <dgm:fillClrLst meth="repeat">
+      <a:schemeClr val="accent1"/>
+    </dgm:fillClrLst>
+    <dgm:linClrLst meth="repeat">
+      <a:schemeClr val="lt1"/>
+    </dgm:linClrLst>
+    <dgm:effectClrLst/>
+    <dgm:txLinClrLst/>
+    <dgm:txFillClrLst/>
+    <dgm:txEffectClrLst/>
+  </dgm:styleLbl>
+  <dgm:styleLbl name="asst1">
+    <dgm:fillClrLst meth="repeat">
+      <a:schemeClr val="accent1"/>
+    </dgm:fillClrLst>
+    <dgm:linClrLst meth="repeat">
+      <a:schemeClr val="lt1"/>
+    </dgm:linClrLst>
+    <dgm:effectClrLst/>
+    <dgm:txLinClrLst/>
+    <dgm:txFillClrLst/>
+    <dgm:txEffectClrLst/>
+  </dgm:styleLbl>
+  <dgm:styleLbl name="asst2">
+    <dgm:fillClrLst meth="repeat">
+      <a:schemeClr val="accent1"/>
+    </dgm:fillClrLst>
+    <dgm:linClrLst meth="repeat">
+      <a:schemeClr val="lt1"/>
+    </dgm:linClrLst>
+    <dgm:effectClrLst/>
+    <dgm:txLinClrLst/>
+    <dgm:txFillClrLst/>
+    <dgm:txEffectClrLst/>
+  </dgm:styleLbl>
+  <dgm:styleLbl name="asst3">
+    <dgm:fillClrLst meth="repeat">
+      <a:schemeClr val="accent1"/>
+    </dgm:fillClrLst>
+    <dgm:linClrLst meth="repeat">
+      <a:schemeClr val="lt1"/>
+    </dgm:linClrLst>
+    <dgm:effectClrLst/>
+    <dgm:txLinClrLst/>
+    <dgm:txFillClrLst/>
+    <dgm:txEffectClrLst/>
+  </dgm:styleLbl>
+  <dgm:styleLbl name="asst4">
+    <dgm:fillClrLst meth="repeat">
+      <a:schemeClr val="accent1"/>
+    </dgm:fillClrLst>
+    <dgm:linClrLst meth="repeat">
+      <a:schemeClr val="lt1"/>
+    </dgm:linClrLst>
+    <dgm:effectClrLst/>
+    <dgm:txLinClrLst/>
+    <dgm:txFillClrLst/>
+    <dgm:txEffectClrLst/>
+  </dgm:styleLbl>
+  <dgm:styleLbl name="parChTrans2D1">
+    <dgm:fillClrLst meth="repeat">
+      <a:schemeClr val="accent1">
+        <a:tint val="60000"/>
+      </a:schemeClr>
+    </dgm:fillClrLst>
+    <dgm:linClrLst meth="repeat">
+      <a:schemeClr val="accent1">
+        <a:tint val="60000"/>
+      </a:schemeClr>
+    </dgm:linClrLst>
+    <dgm:effectClrLst/>
+    <dgm:txLinClrLst/>
+    <dgm:txFillClrLst meth="repeat">
+      <a:schemeClr val="lt1"/>
+    </dgm:txFillClrLst>
+    <dgm:txEffectClrLst/>
+  </dgm:styleLbl>
+  <dgm:styleLbl name="parChTrans2D2">
+    <dgm:fillClrLst meth="repeat">
+      <a:schemeClr val="accent1"/>
+    </dgm:fillClrLst>
+    <dgm:linClrLst meth="repeat">
+      <a:schemeClr val="accent1"/>
+    </dgm:linClrLst>
+    <dgm:effectClrLst/>
+    <dgm:txLinClrLst/>
+    <dgm:txFillClrLst meth="repeat">
+      <a:schemeClr val="lt1"/>
+    </dgm:txFillClrLst>
+    <dgm:txEffectClrLst/>
+  </dgm:styleLbl>
+  <dgm:styleLbl name="parChTrans2D3">
+    <dgm:fillClrLst meth="repeat">
+      <a:schemeClr val="accent1"/>
+    </dgm:fillClrLst>
+    <dgm:linClrLst meth="repeat">
+      <a:schemeClr val="accent1"/>
+    </dgm:linClrLst>
+    <dgm:effectClrLst/>
+    <dgm:txLinClrLst/>
+    <dgm:txFillClrLst meth="repeat">
+      <a:schemeClr val="lt1"/>
+    </dgm:txFillClrLst>
+    <dgm:txEffectClrLst/>
+  </dgm:styleLbl>
+  <dgm:styleLbl name="parChTrans2D4">
+    <dgm:fillClrLst meth="repeat">
+      <a:schemeClr val="accent1"/>
+    </dgm:fillClrLst>
+    <dgm:linClrLst meth="repeat">
+      <a:schemeClr val="accent1"/>
+    </dgm:linClrLst>
+    <dgm:effectClrLst/>
+    <dgm:txLinClrLst/>
+    <dgm:txFillClrLst meth="repeat">
+      <a:schemeClr val="lt1"/>
+    </dgm:txFillClrLst>
+    <dgm:txEffectClrLst/>
+  </dgm:styleLbl>
+  <dgm:styleLbl name="parChTrans1D1">
+    <dgm:fillClrLst meth="repeat">
+      <a:schemeClr val="accent1"/>
+    </dgm:fillClrLst>
+    <dgm:linClrLst meth="repeat">
+      <a:schemeClr val="accent1">
+        <a:shade val="60000"/>
+      </a:schemeClr>
+    </dgm:linClrLst>
+    <dgm:effectClrLst/>
+    <dgm:txLinClrLst/>
+    <dgm:txFillClrLst meth="repeat">
+      <a:schemeClr val="tx1"/>
+    </dgm:txFillClrLst>
+    <dgm:txEffectClrLst/>
+  </dgm:styleLbl>
+  <dgm:styleLbl name="parChTrans1D2">
+    <dgm:fillClrLst meth="repeat">
+      <a:schemeClr val="accent1"/>
+    </dgm:fillClrLst>
+    <dgm:linClrLst meth="repeat">
+      <a:schemeClr val="accent1">
+        <a:shade val="60000"/>
+      </a:schemeClr>
+    </dgm:linClrLst>
+    <dgm:effectClrLst/>
+    <dgm:txLinClrLst/>
+    <dgm:txFillClrLst meth="repeat">
+      <a:schemeClr val="tx1"/>
+    </dgm:txFillClrLst>
+    <dgm:txEffectClrLst/>
+  </dgm:styleLbl>
+  <dgm:styleLbl name="parChTrans1D3">
+    <dgm:fillClrLst meth="repeat">
+      <a:schemeClr val="accent1"/>
+    </dgm:fillClrLst>
+    <dgm:linClrLst meth="repeat">
+      <a:schemeClr val="accent1">
+        <a:shade val="80000"/>
+      </a:schemeClr>
+    </dgm:linClrLst>
+    <dgm:effectClrLst/>
+    <dgm:txLinClrLst/>
+    <dgm:txFillClrLst meth="repeat">
+      <a:schemeClr val="tx1"/>
+    </dgm:txFillClrLst>
+    <dgm:txEffectClrLst/>
+  </dgm:styleLbl>
+  <dgm:styleLbl name="parChTrans1D4">
+    <dgm:fillClrLst meth="repeat">
+      <a:schemeClr val="accent1"/>
+    </dgm:fillClrLst>
+    <dgm:linClrLst meth="repeat">
+      <a:schemeClr val="accent1">
+        <a:shade val="80000"/>
+      </a:schemeClr>
+    </dgm:linClrLst>
+    <dgm:effectClrLst/>
+    <dgm:txLinClrLst/>
+    <dgm:txFillClrLst meth="repeat">
+      <a:schemeClr val="tx1"/>
+    </dgm:txFillClrLst>
+    <dgm:txEffectClrLst/>
+  </dgm:styleLbl>
   <dgm:styleLbl name="fgAcc1">
     <dgm:fillClrLst meth="repeat">
       <a:schemeClr val="lt1">
         <a:alpha val="90000"/>
       </a:schemeClr>
     </dgm:fillClrLst>
-    <dgm:linClrLst>
-      <a:schemeClr val="accent5"/>
-      <a:schemeClr val="accent6"/>
+    <dgm:linClrLst meth="repeat">
+      <a:schemeClr val="accent1"/>
     </dgm:linClrLst>
     <dgm:effectClrLst/>
     <dgm:txLinClrLst/>
@@ -789,9 +784,8 @@
         <a:alpha val="90000"/>
       </a:schemeClr>
     </dgm:fillClrLst>
-    <dgm:linClrLst>
-      <a:schemeClr val="accent5"/>
-      <a:schemeClr val="accent6"/>
+    <dgm:linClrLst meth="repeat">
+      <a:schemeClr val="accent1"/>
     </dgm:linClrLst>
     <dgm:effectClrLst/>
     <dgm:txLinClrLst/>
@@ -806,9 +800,8 @@
         <a:alpha val="90000"/>
       </a:schemeClr>
     </dgm:fillClrLst>
-    <dgm:linClrLst>
-      <a:schemeClr val="accent5"/>
-      <a:schemeClr val="accent6"/>
+    <dgm:linClrLst meth="repeat">
+      <a:schemeClr val="accent1"/>
     </dgm:linClrLst>
     <dgm:effectClrLst/>
     <dgm:txLinClrLst/>
@@ -824,7 +817,7 @@
       </a:schemeClr>
     </dgm:fillClrLst>
     <dgm:linClrLst meth="repeat">
-      <a:schemeClr val="accent5"/>
+      <a:schemeClr val="accent1"/>
     </dgm:linClrLst>
     <dgm:effectClrLst/>
     <dgm:txLinClrLst/>
@@ -839,9 +832,8 @@
         <a:alpha val="90000"/>
       </a:schemeClr>
     </dgm:fillClrLst>
-    <dgm:linClrLst>
-      <a:schemeClr val="accent5"/>
-      <a:schemeClr val="accent6"/>
+    <dgm:linClrLst meth="repeat">
+      <a:schemeClr val="accent1"/>
     </dgm:linClrLst>
     <dgm:effectClrLst/>
     <dgm:txLinClrLst/>
@@ -854,9 +846,8 @@
     <dgm:fillClrLst meth="repeat">
       <a:schemeClr val="lt1"/>
     </dgm:fillClrLst>
-    <dgm:linClrLst>
-      <a:schemeClr val="accent5"/>
-      <a:schemeClr val="accent6"/>
+    <dgm:linClrLst meth="repeat">
+      <a:schemeClr val="accent1"/>
     </dgm:linClrLst>
     <dgm:effectClrLst/>
     <dgm:txLinClrLst/>
@@ -869,9 +860,8 @@
     <dgm:fillClrLst meth="repeat">
       <a:schemeClr val="lt1"/>
     </dgm:fillClrLst>
-    <dgm:linClrLst>
-      <a:schemeClr val="accent5"/>
-      <a:schemeClr val="accent6"/>
+    <dgm:linClrLst meth="repeat">
+      <a:schemeClr val="accent1"/>
     </dgm:linClrLst>
     <dgm:effectClrLst/>
     <dgm:txLinClrLst/>
@@ -884,9 +874,8 @@
     <dgm:fillClrLst meth="repeat">
       <a:schemeClr val="lt1"/>
     </dgm:fillClrLst>
-    <dgm:linClrLst>
-      <a:schemeClr val="accent5"/>
-      <a:schemeClr val="accent6"/>
+    <dgm:linClrLst meth="repeat">
+      <a:schemeClr val="accent1"/>
     </dgm:linClrLst>
     <dgm:effectClrLst/>
     <dgm:txLinClrLst/>
@@ -896,24 +885,16 @@
     <dgm:txEffectClrLst/>
   </dgm:styleLbl>
   <dgm:styleLbl name="fgAccFollowNode1">
-    <dgm:fillClrLst>
-      <a:schemeClr val="accent5">
+    <dgm:fillClrLst meth="repeat">
+      <a:schemeClr val="accent1">
+        <a:alpha val="90000"/>
         <a:tint val="40000"/>
-        <a:alpha val="90000"/>
-      </a:schemeClr>
-      <a:schemeClr val="accent6">
-        <a:tint val="40000"/>
-        <a:alpha val="90000"/>
       </a:schemeClr>
     </dgm:fillClrLst>
-    <dgm:linClrLst>
-      <a:schemeClr val="accent5">
+    <dgm:linClrLst meth="repeat">
+      <a:schemeClr val="accent1">
+        <a:alpha val="90000"/>
         <a:tint val="40000"/>
-        <a:alpha val="90000"/>
-      </a:schemeClr>
-      <a:schemeClr val="accent5">
-        <a:tint val="40000"/>
-        <a:alpha val="90000"/>
       </a:schemeClr>
     </dgm:linClrLst>
     <dgm:effectClrLst/>
@@ -924,24 +905,16 @@
     <dgm:txEffectClrLst/>
   </dgm:styleLbl>
   <dgm:styleLbl name="alignAccFollowNode1">
-    <dgm:fillClrLst>
-      <a:schemeClr val="accent5">
+    <dgm:fillClrLst meth="repeat">
+      <a:schemeClr val="accent1">
+        <a:alpha val="90000"/>
         <a:tint val="40000"/>
-        <a:alpha val="90000"/>
-      </a:schemeClr>
-      <a:schemeClr val="accent6">
-        <a:tint val="40000"/>
-        <a:alpha val="90000"/>
       </a:schemeClr>
     </dgm:fillClrLst>
-    <dgm:linClrLst>
-      <a:schemeClr val="accent5">
+    <dgm:linClrLst meth="repeat">
+      <a:schemeClr val="accent1">
+        <a:alpha val="90000"/>
         <a:tint val="40000"/>
-        <a:alpha val="90000"/>
-      </a:schemeClr>
-      <a:schemeClr val="accent6">
-        <a:tint val="40000"/>
-        <a:alpha val="90000"/>
       </a:schemeClr>
     </dgm:linClrLst>
     <dgm:effectClrLst/>
@@ -952,24 +925,16 @@
     <dgm:txEffectClrLst/>
   </dgm:styleLbl>
   <dgm:styleLbl name="bgAccFollowNode1">
-    <dgm:fillClrLst>
-      <a:schemeClr val="accent5">
+    <dgm:fillClrLst meth="repeat">
+      <a:schemeClr val="accent1">
+        <a:alpha val="90000"/>
         <a:tint val="40000"/>
-        <a:alpha val="90000"/>
-      </a:schemeClr>
-      <a:schemeClr val="accent6">
-        <a:tint val="40000"/>
-        <a:alpha val="90000"/>
       </a:schemeClr>
     </dgm:fillClrLst>
-    <dgm:linClrLst>
-      <a:schemeClr val="accent5">
+    <dgm:linClrLst meth="repeat">
+      <a:schemeClr val="accent1">
+        <a:alpha val="90000"/>
         <a:tint val="40000"/>
-        <a:alpha val="90000"/>
-      </a:schemeClr>
-      <a:schemeClr val="accent6">
-        <a:tint val="40000"/>
-        <a:alpha val="90000"/>
       </a:schemeClr>
     </dgm:linClrLst>
     <dgm:effectClrLst/>
@@ -985,39 +950,7 @@
         <a:alpha val="90000"/>
       </a:schemeClr>
     </dgm:fillClrLst>
-    <dgm:linClrLst>
-      <a:schemeClr val="accent4"/>
-    </dgm:linClrLst>
-    <dgm:effectClrLst/>
-    <dgm:txLinClrLst/>
-    <dgm:txFillClrLst meth="repeat">
-      <a:schemeClr val="dk1"/>
-    </dgm:txFillClrLst>
-    <dgm:txEffectClrLst/>
-  </dgm:styleLbl>
-  <dgm:styleLbl name="fgAcc2">
-    <dgm:fillClrLst meth="repeat">
-      <a:schemeClr val="lt1">
-        <a:alpha val="90000"/>
-      </a:schemeClr>
-    </dgm:fillClrLst>
-    <dgm:linClrLst>
-      <a:schemeClr val="accent6"/>
-    </dgm:linClrLst>
-    <dgm:effectClrLst/>
-    <dgm:txLinClrLst/>
-    <dgm:txFillClrLst meth="repeat">
-      <a:schemeClr val="dk1"/>
-    </dgm:txFillClrLst>
-    <dgm:txEffectClrLst/>
-  </dgm:styleLbl>
-  <dgm:styleLbl name="fgAcc3">
-    <dgm:fillClrLst meth="repeat">
-      <a:schemeClr val="lt1">
-        <a:alpha val="90000"/>
-      </a:schemeClr>
-    </dgm:fillClrLst>
-    <dgm:linClrLst>
+    <dgm:linClrLst meth="repeat">
       <a:schemeClr val="accent1"/>
     </dgm:linClrLst>
     <dgm:effectClrLst/>
@@ -1027,14 +960,14 @@
     </dgm:txFillClrLst>
     <dgm:txEffectClrLst/>
   </dgm:styleLbl>
-  <dgm:styleLbl name="fgAcc4">
+  <dgm:styleLbl name="fgAcc2">
     <dgm:fillClrLst meth="repeat">
       <a:schemeClr val="lt1">
         <a:alpha val="90000"/>
       </a:schemeClr>
     </dgm:fillClrLst>
-    <dgm:linClrLst>
-      <a:schemeClr val="accent2"/>
+    <dgm:linClrLst meth="repeat">
+      <a:schemeClr val="accent1"/>
     </dgm:linClrLst>
     <dgm:effectClrLst/>
     <dgm:txLinClrLst/>
@@ -1043,14 +976,14 @@
     </dgm:txFillClrLst>
     <dgm:txEffectClrLst/>
   </dgm:styleLbl>
-  <dgm:styleLbl name="bgShp">
+  <dgm:styleLbl name="fgAcc3">
     <dgm:fillClrLst meth="repeat">
-      <a:schemeClr val="accent5">
-        <a:tint val="40000"/>
+      <a:schemeClr val="lt1">
+        <a:alpha val="90000"/>
       </a:schemeClr>
     </dgm:fillClrLst>
     <dgm:linClrLst meth="repeat">
-      <a:schemeClr val="dk1"/>
+      <a:schemeClr val="accent1"/>
     </dgm:linClrLst>
     <dgm:effectClrLst/>
     <dgm:txLinClrLst/>
@@ -1059,14 +992,46 @@
     </dgm:txFillClrLst>
     <dgm:txEffectClrLst/>
   </dgm:styleLbl>
-  <dgm:styleLbl name="dkBgShp">
+  <dgm:styleLbl name="fgAcc4">
     <dgm:fillClrLst meth="repeat">
-      <a:schemeClr val="accent5">
-        <a:shade val="90000"/>
+      <a:schemeClr val="lt1">
+        <a:alpha val="90000"/>
       </a:schemeClr>
     </dgm:fillClrLst>
     <dgm:linClrLst meth="repeat">
+      <a:schemeClr val="accent1"/>
+    </dgm:linClrLst>
+    <dgm:effectClrLst/>
+    <dgm:txLinClrLst/>
+    <dgm:txFillClrLst meth="repeat">
       <a:schemeClr val="dk1"/>
+    </dgm:txFillClrLst>
+    <dgm:txEffectClrLst/>
+  </dgm:styleLbl>
+  <dgm:styleLbl name="bgShp">
+    <dgm:fillClrLst meth="repeat">
+      <a:schemeClr val="accent1">
+        <a:tint val="40000"/>
+      </a:schemeClr>
+    </dgm:fillClrLst>
+    <dgm:linClrLst meth="repeat">
+      <a:schemeClr val="accent1"/>
+    </dgm:linClrLst>
+    <dgm:effectClrLst/>
+    <dgm:txLinClrLst/>
+    <dgm:txFillClrLst meth="repeat">
+      <a:schemeClr val="dk1"/>
+    </dgm:txFillClrLst>
+    <dgm:txEffectClrLst/>
+  </dgm:styleLbl>
+  <dgm:styleLbl name="dkBgShp">
+    <dgm:fillClrLst meth="repeat">
+      <a:schemeClr val="accent1">
+        <a:shade val="80000"/>
+      </a:schemeClr>
+    </dgm:fillClrLst>
+    <dgm:linClrLst meth="repeat">
+      <a:schemeClr val="accent1"/>
     </dgm:linClrLst>
     <dgm:effectClrLst/>
     <dgm:txLinClrLst/>
@@ -1077,13 +1042,13 @@
   </dgm:styleLbl>
   <dgm:styleLbl name="trBgShp">
     <dgm:fillClrLst meth="repeat">
-      <a:schemeClr val="accent5">
+      <a:schemeClr val="accent1">
         <a:tint val="50000"/>
         <a:alpha val="40000"/>
       </a:schemeClr>
     </dgm:fillClrLst>
     <dgm:linClrLst meth="repeat">
-      <a:schemeClr val="accent5"/>
+      <a:schemeClr val="accent1"/>
     </dgm:linClrLst>
     <dgm:effectClrLst/>
     <dgm:txLinClrLst/>
@@ -1094,8 +1059,8 @@
   </dgm:styleLbl>
   <dgm:styleLbl name="fgShp">
     <dgm:fillClrLst meth="repeat">
-      <a:schemeClr val="accent5">
-        <a:tint val="40000"/>
+      <a:schemeClr val="accent1">
+        <a:tint val="60000"/>
       </a:schemeClr>
     </dgm:fillClrLst>
     <dgm:linClrLst meth="repeat">
@@ -1129,11 +1094,1186 @@
 </dgm:colorsDef>
 </file>
 
+<file path=ppt/diagrams/colors2.xml><?xml version="1.0" encoding="utf-8"?>
+<dgm:colorsDef xmlns:dgm="http://schemas.openxmlformats.org/drawingml/2006/diagram" xmlns:a="http://schemas.openxmlformats.org/drawingml/2006/main" uniqueId="urn:microsoft.com/office/officeart/2005/8/colors/colorful1">
+  <dgm:title val=""/>
+  <dgm:desc val=""/>
+  <dgm:catLst>
+    <dgm:cat type="colorful" pri="10100"/>
+  </dgm:catLst>
+  <dgm:styleLbl name="node0">
+    <dgm:fillClrLst meth="repeat">
+      <a:schemeClr val="accent1"/>
+    </dgm:fillClrLst>
+    <dgm:linClrLst meth="repeat">
+      <a:schemeClr val="lt1"/>
+    </dgm:linClrLst>
+    <dgm:effectClrLst/>
+    <dgm:txLinClrLst/>
+    <dgm:txFillClrLst/>
+    <dgm:txEffectClrLst/>
+  </dgm:styleLbl>
+  <dgm:styleLbl name="node1">
+    <dgm:fillClrLst meth="repeat">
+      <a:schemeClr val="accent2"/>
+      <a:schemeClr val="accent3"/>
+      <a:schemeClr val="accent4"/>
+      <a:schemeClr val="accent5"/>
+      <a:schemeClr val="accent6"/>
+    </dgm:fillClrLst>
+    <dgm:linClrLst meth="repeat">
+      <a:schemeClr val="lt1"/>
+    </dgm:linClrLst>
+    <dgm:effectClrLst/>
+    <dgm:txLinClrLst/>
+    <dgm:txFillClrLst/>
+    <dgm:txEffectClrLst/>
+  </dgm:styleLbl>
+  <dgm:styleLbl name="alignNode1">
+    <dgm:fillClrLst meth="repeat">
+      <a:schemeClr val="accent2"/>
+      <a:schemeClr val="accent3"/>
+      <a:schemeClr val="accent4"/>
+      <a:schemeClr val="accent5"/>
+      <a:schemeClr val="accent6"/>
+    </dgm:fillClrLst>
+    <dgm:linClrLst meth="repeat">
+      <a:schemeClr val="accent2"/>
+      <a:schemeClr val="accent3"/>
+      <a:schemeClr val="accent4"/>
+      <a:schemeClr val="accent5"/>
+      <a:schemeClr val="accent6"/>
+    </dgm:linClrLst>
+    <dgm:effectClrLst/>
+    <dgm:txLinClrLst/>
+    <dgm:txFillClrLst/>
+    <dgm:txEffectClrLst/>
+  </dgm:styleLbl>
+  <dgm:styleLbl name="lnNode1">
+    <dgm:fillClrLst meth="repeat">
+      <a:schemeClr val="accent2"/>
+      <a:schemeClr val="accent3"/>
+      <a:schemeClr val="accent4"/>
+      <a:schemeClr val="accent5"/>
+      <a:schemeClr val="accent6"/>
+    </dgm:fillClrLst>
+    <dgm:linClrLst meth="repeat">
+      <a:schemeClr val="lt1"/>
+    </dgm:linClrLst>
+    <dgm:effectClrLst/>
+    <dgm:txLinClrLst/>
+    <dgm:txFillClrLst/>
+    <dgm:txEffectClrLst/>
+  </dgm:styleLbl>
+  <dgm:styleLbl name="vennNode1">
+    <dgm:fillClrLst meth="repeat">
+      <a:schemeClr val="accent2">
+        <a:alpha val="50000"/>
+      </a:schemeClr>
+      <a:schemeClr val="accent3">
+        <a:alpha val="50000"/>
+      </a:schemeClr>
+      <a:schemeClr val="accent4">
+        <a:alpha val="50000"/>
+      </a:schemeClr>
+      <a:schemeClr val="accent5">
+        <a:alpha val="50000"/>
+      </a:schemeClr>
+      <a:schemeClr val="accent6">
+        <a:alpha val="50000"/>
+      </a:schemeClr>
+    </dgm:fillClrLst>
+    <dgm:linClrLst meth="repeat">
+      <a:schemeClr val="lt1"/>
+    </dgm:linClrLst>
+    <dgm:effectClrLst/>
+    <dgm:txLinClrLst/>
+    <dgm:txFillClrLst/>
+    <dgm:txEffectClrLst/>
+  </dgm:styleLbl>
+  <dgm:styleLbl name="node2">
+    <dgm:fillClrLst>
+      <a:schemeClr val="accent2"/>
+    </dgm:fillClrLst>
+    <dgm:linClrLst meth="repeat">
+      <a:schemeClr val="lt1"/>
+    </dgm:linClrLst>
+    <dgm:effectClrLst/>
+    <dgm:txLinClrLst/>
+    <dgm:txFillClrLst/>
+    <dgm:txEffectClrLst/>
+  </dgm:styleLbl>
+  <dgm:styleLbl name="node3">
+    <dgm:fillClrLst>
+      <a:schemeClr val="accent3"/>
+    </dgm:fillClrLst>
+    <dgm:linClrLst meth="repeat">
+      <a:schemeClr val="lt1"/>
+    </dgm:linClrLst>
+    <dgm:effectClrLst/>
+    <dgm:txLinClrLst/>
+    <dgm:txFillClrLst/>
+    <dgm:txEffectClrLst/>
+  </dgm:styleLbl>
+  <dgm:styleLbl name="node4">
+    <dgm:fillClrLst>
+      <a:schemeClr val="accent4"/>
+    </dgm:fillClrLst>
+    <dgm:linClrLst meth="repeat">
+      <a:schemeClr val="lt1"/>
+    </dgm:linClrLst>
+    <dgm:effectClrLst/>
+    <dgm:txLinClrLst/>
+    <dgm:txFillClrLst/>
+    <dgm:txEffectClrLst/>
+  </dgm:styleLbl>
+  <dgm:styleLbl name="fgImgPlace1">
+    <dgm:fillClrLst meth="repeat">
+      <a:schemeClr val="accent2">
+        <a:tint val="50000"/>
+      </a:schemeClr>
+      <a:schemeClr val="accent3">
+        <a:tint val="50000"/>
+      </a:schemeClr>
+      <a:schemeClr val="accent4">
+        <a:tint val="50000"/>
+      </a:schemeClr>
+      <a:schemeClr val="accent5">
+        <a:tint val="50000"/>
+      </a:schemeClr>
+      <a:schemeClr val="accent6">
+        <a:tint val="50000"/>
+      </a:schemeClr>
+    </dgm:fillClrLst>
+    <dgm:linClrLst meth="repeat">
+      <a:schemeClr val="lt1"/>
+    </dgm:linClrLst>
+    <dgm:effectClrLst/>
+    <dgm:txLinClrLst/>
+    <dgm:txFillClrLst meth="repeat">
+      <a:schemeClr val="lt1"/>
+    </dgm:txFillClrLst>
+    <dgm:txEffectClrLst/>
+  </dgm:styleLbl>
+  <dgm:styleLbl name="alignImgPlace1">
+    <dgm:fillClrLst>
+      <a:schemeClr val="accent1">
+        <a:tint val="50000"/>
+      </a:schemeClr>
+      <a:schemeClr val="accent2">
+        <a:tint val="20000"/>
+      </a:schemeClr>
+    </dgm:fillClrLst>
+    <dgm:linClrLst meth="repeat">
+      <a:schemeClr val="lt1"/>
+    </dgm:linClrLst>
+    <dgm:effectClrLst/>
+    <dgm:txLinClrLst/>
+    <dgm:txFillClrLst meth="repeat">
+      <a:schemeClr val="lt1"/>
+    </dgm:txFillClrLst>
+    <dgm:txEffectClrLst/>
+  </dgm:styleLbl>
+  <dgm:styleLbl name="bgImgPlace1">
+    <dgm:fillClrLst>
+      <a:schemeClr val="accent1">
+        <a:tint val="50000"/>
+      </a:schemeClr>
+      <a:schemeClr val="accent2">
+        <a:tint val="20000"/>
+      </a:schemeClr>
+    </dgm:fillClrLst>
+    <dgm:linClrLst meth="repeat">
+      <a:schemeClr val="lt1"/>
+    </dgm:linClrLst>
+    <dgm:effectClrLst/>
+    <dgm:txLinClrLst/>
+    <dgm:txFillClrLst meth="repeat">
+      <a:schemeClr val="lt1"/>
+    </dgm:txFillClrLst>
+    <dgm:txEffectClrLst/>
+  </dgm:styleLbl>
+  <dgm:styleLbl name="sibTrans2D1">
+    <dgm:fillClrLst meth="repeat">
+      <a:schemeClr val="accent2"/>
+      <a:schemeClr val="accent3"/>
+      <a:schemeClr val="accent4"/>
+      <a:schemeClr val="accent5"/>
+      <a:schemeClr val="accent6"/>
+    </dgm:fillClrLst>
+    <dgm:linClrLst meth="cycle">
+      <a:schemeClr val="lt1"/>
+    </dgm:linClrLst>
+    <dgm:effectClrLst/>
+    <dgm:txLinClrLst/>
+    <dgm:txFillClrLst/>
+    <dgm:txEffectClrLst/>
+  </dgm:styleLbl>
+  <dgm:styleLbl name="fgSibTrans2D1">
+    <dgm:fillClrLst meth="repeat">
+      <a:schemeClr val="accent2"/>
+      <a:schemeClr val="accent3"/>
+      <a:schemeClr val="accent4"/>
+      <a:schemeClr val="accent5"/>
+      <a:schemeClr val="accent6"/>
+    </dgm:fillClrLst>
+    <dgm:linClrLst meth="cycle">
+      <a:schemeClr val="lt1"/>
+    </dgm:linClrLst>
+    <dgm:effectClrLst/>
+    <dgm:txLinClrLst/>
+    <dgm:txFillClrLst meth="repeat">
+      <a:schemeClr val="lt1"/>
+    </dgm:txFillClrLst>
+    <dgm:txEffectClrLst/>
+  </dgm:styleLbl>
+  <dgm:styleLbl name="bgSibTrans2D1">
+    <dgm:fillClrLst meth="repeat">
+      <a:schemeClr val="accent2"/>
+      <a:schemeClr val="accent3"/>
+      <a:schemeClr val="accent4"/>
+      <a:schemeClr val="accent5"/>
+      <a:schemeClr val="accent6"/>
+    </dgm:fillClrLst>
+    <dgm:linClrLst meth="cycle">
+      <a:schemeClr val="lt1"/>
+    </dgm:linClrLst>
+    <dgm:effectClrLst/>
+    <dgm:txLinClrLst/>
+    <dgm:txFillClrLst meth="repeat">
+      <a:schemeClr val="lt1"/>
+    </dgm:txFillClrLst>
+    <dgm:txEffectClrLst/>
+  </dgm:styleLbl>
+  <dgm:styleLbl name="sibTrans1D1">
+    <dgm:fillClrLst meth="repeat">
+      <a:schemeClr val="accent2"/>
+      <a:schemeClr val="accent3"/>
+      <a:schemeClr val="accent4"/>
+      <a:schemeClr val="accent5"/>
+      <a:schemeClr val="accent6"/>
+    </dgm:fillClrLst>
+    <dgm:linClrLst meth="repeat">
+      <a:schemeClr val="accent2"/>
+      <a:schemeClr val="accent3"/>
+      <a:schemeClr val="accent4"/>
+      <a:schemeClr val="accent5"/>
+      <a:schemeClr val="accent6"/>
+    </dgm:linClrLst>
+    <dgm:effectClrLst/>
+    <dgm:txLinClrLst/>
+    <dgm:txFillClrLst meth="repeat">
+      <a:schemeClr val="tx1"/>
+    </dgm:txFillClrLst>
+    <dgm:txEffectClrLst/>
+  </dgm:styleLbl>
+  <dgm:styleLbl name="callout">
+    <dgm:fillClrLst meth="repeat">
+      <a:schemeClr val="accent2"/>
+    </dgm:fillClrLst>
+    <dgm:linClrLst meth="repeat">
+      <a:schemeClr val="accent2">
+        <a:tint val="50000"/>
+      </a:schemeClr>
+    </dgm:linClrLst>
+    <dgm:effectClrLst/>
+    <dgm:txLinClrLst/>
+    <dgm:txFillClrLst meth="repeat">
+      <a:schemeClr val="tx1"/>
+    </dgm:txFillClrLst>
+    <dgm:txEffectClrLst/>
+  </dgm:styleLbl>
+  <dgm:styleLbl name="asst0">
+    <dgm:fillClrLst meth="repeat">
+      <a:schemeClr val="accent1"/>
+    </dgm:fillClrLst>
+    <dgm:linClrLst meth="repeat">
+      <a:schemeClr val="lt1"/>
+    </dgm:linClrLst>
+    <dgm:effectClrLst/>
+    <dgm:txLinClrLst/>
+    <dgm:txFillClrLst/>
+    <dgm:txEffectClrLst/>
+  </dgm:styleLbl>
+  <dgm:styleLbl name="asst1">
+    <dgm:fillClrLst meth="repeat">
+      <a:schemeClr val="accent2"/>
+    </dgm:fillClrLst>
+    <dgm:linClrLst meth="repeat">
+      <a:schemeClr val="lt1"/>
+    </dgm:linClrLst>
+    <dgm:effectClrLst/>
+    <dgm:txLinClrLst/>
+    <dgm:txFillClrLst/>
+    <dgm:txEffectClrLst/>
+  </dgm:styleLbl>
+  <dgm:styleLbl name="asst2">
+    <dgm:fillClrLst>
+      <a:schemeClr val="accent3"/>
+    </dgm:fillClrLst>
+    <dgm:linClrLst meth="repeat">
+      <a:schemeClr val="lt1"/>
+    </dgm:linClrLst>
+    <dgm:effectClrLst/>
+    <dgm:txLinClrLst/>
+    <dgm:txFillClrLst/>
+    <dgm:txEffectClrLst/>
+  </dgm:styleLbl>
+  <dgm:styleLbl name="asst3">
+    <dgm:fillClrLst>
+      <a:schemeClr val="accent4"/>
+    </dgm:fillClrLst>
+    <dgm:linClrLst meth="repeat">
+      <a:schemeClr val="lt1"/>
+    </dgm:linClrLst>
+    <dgm:effectClrLst/>
+    <dgm:txLinClrLst/>
+    <dgm:txFillClrLst/>
+    <dgm:txEffectClrLst/>
+  </dgm:styleLbl>
+  <dgm:styleLbl name="asst4">
+    <dgm:fillClrLst>
+      <a:schemeClr val="accent5"/>
+    </dgm:fillClrLst>
+    <dgm:linClrLst meth="repeat">
+      <a:schemeClr val="lt1"/>
+    </dgm:linClrLst>
+    <dgm:effectClrLst/>
+    <dgm:txLinClrLst/>
+    <dgm:txFillClrLst/>
+    <dgm:txEffectClrLst/>
+  </dgm:styleLbl>
+  <dgm:styleLbl name="parChTrans2D1">
+    <dgm:fillClrLst meth="repeat">
+      <a:schemeClr val="accent2"/>
+    </dgm:fillClrLst>
+    <dgm:linClrLst meth="repeat">
+      <a:schemeClr val="lt1"/>
+    </dgm:linClrLst>
+    <dgm:effectClrLst/>
+    <dgm:txLinClrLst/>
+    <dgm:txFillClrLst meth="repeat">
+      <a:schemeClr val="lt1"/>
+    </dgm:txFillClrLst>
+    <dgm:txEffectClrLst/>
+  </dgm:styleLbl>
+  <dgm:styleLbl name="parChTrans2D2">
+    <dgm:fillClrLst meth="repeat">
+      <a:schemeClr val="accent3"/>
+    </dgm:fillClrLst>
+    <dgm:linClrLst meth="repeat">
+      <a:schemeClr val="lt1"/>
+    </dgm:linClrLst>
+    <dgm:effectClrLst/>
+    <dgm:txLinClrLst/>
+    <dgm:txFillClrLst/>
+    <dgm:txEffectClrLst/>
+  </dgm:styleLbl>
+  <dgm:styleLbl name="parChTrans2D3">
+    <dgm:fillClrLst meth="repeat">
+      <a:schemeClr val="accent4"/>
+    </dgm:fillClrLst>
+    <dgm:linClrLst meth="repeat">
+      <a:schemeClr val="lt1"/>
+    </dgm:linClrLst>
+    <dgm:effectClrLst/>
+    <dgm:txLinClrLst/>
+    <dgm:txFillClrLst/>
+    <dgm:txEffectClrLst/>
+  </dgm:styleLbl>
+  <dgm:styleLbl name="parChTrans2D4">
+    <dgm:fillClrLst meth="repeat">
+      <a:schemeClr val="accent5"/>
+    </dgm:fillClrLst>
+    <dgm:linClrLst meth="repeat">
+      <a:schemeClr val="lt1"/>
+    </dgm:linClrLst>
+    <dgm:effectClrLst/>
+    <dgm:txLinClrLst/>
+    <dgm:txFillClrLst meth="repeat">
+      <a:schemeClr val="lt1"/>
+    </dgm:txFillClrLst>
+    <dgm:txEffectClrLst/>
+  </dgm:styleLbl>
+  <dgm:styleLbl name="parChTrans1D1">
+    <dgm:fillClrLst meth="repeat">
+      <a:schemeClr val="accent2"/>
+    </dgm:fillClrLst>
+    <dgm:linClrLst meth="repeat">
+      <a:schemeClr val="accent1"/>
+    </dgm:linClrLst>
+    <dgm:effectClrLst/>
+    <dgm:txLinClrLst/>
+    <dgm:txFillClrLst meth="repeat">
+      <a:schemeClr val="tx1"/>
+    </dgm:txFillClrLst>
+    <dgm:txEffectClrLst/>
+  </dgm:styleLbl>
+  <dgm:styleLbl name="parChTrans1D2">
+    <dgm:fillClrLst meth="repeat">
+      <a:schemeClr val="accent3">
+        <a:tint val="90000"/>
+      </a:schemeClr>
+    </dgm:fillClrLst>
+    <dgm:linClrLst meth="repeat">
+      <a:schemeClr val="accent2"/>
+    </dgm:linClrLst>
+    <dgm:effectClrLst/>
+    <dgm:txLinClrLst/>
+    <dgm:txFillClrLst meth="repeat">
+      <a:schemeClr val="tx1"/>
+    </dgm:txFillClrLst>
+    <dgm:txEffectClrLst/>
+  </dgm:styleLbl>
+  <dgm:styleLbl name="parChTrans1D3">
+    <dgm:fillClrLst meth="repeat">
+      <a:schemeClr val="accent4">
+        <a:tint val="70000"/>
+      </a:schemeClr>
+    </dgm:fillClrLst>
+    <dgm:linClrLst meth="repeat">
+      <a:schemeClr val="accent3"/>
+    </dgm:linClrLst>
+    <dgm:effectClrLst/>
+    <dgm:txLinClrLst/>
+    <dgm:txFillClrLst meth="repeat">
+      <a:schemeClr val="tx1"/>
+    </dgm:txFillClrLst>
+    <dgm:txEffectClrLst/>
+  </dgm:styleLbl>
+  <dgm:styleLbl name="parChTrans1D4">
+    <dgm:fillClrLst meth="repeat">
+      <a:schemeClr val="accent5">
+        <a:tint val="50000"/>
+      </a:schemeClr>
+    </dgm:fillClrLst>
+    <dgm:linClrLst meth="repeat">
+      <a:schemeClr val="accent4"/>
+    </dgm:linClrLst>
+    <dgm:effectClrLst/>
+    <dgm:txLinClrLst/>
+    <dgm:txFillClrLst meth="repeat">
+      <a:schemeClr val="tx1"/>
+    </dgm:txFillClrLst>
+    <dgm:txEffectClrLst/>
+  </dgm:styleLbl>
+  <dgm:styleLbl name="fgAcc1">
+    <dgm:fillClrLst meth="repeat">
+      <a:schemeClr val="lt1">
+        <a:alpha val="90000"/>
+      </a:schemeClr>
+    </dgm:fillClrLst>
+    <dgm:linClrLst meth="repeat">
+      <a:schemeClr val="accent2"/>
+      <a:schemeClr val="accent3"/>
+      <a:schemeClr val="accent4"/>
+      <a:schemeClr val="accent5"/>
+      <a:schemeClr val="accent6"/>
+    </dgm:linClrLst>
+    <dgm:effectClrLst/>
+    <dgm:txLinClrLst/>
+    <dgm:txFillClrLst meth="repeat">
+      <a:schemeClr val="dk1"/>
+    </dgm:txFillClrLst>
+    <dgm:txEffectClrLst/>
+  </dgm:styleLbl>
+  <dgm:styleLbl name="conFgAcc1">
+    <dgm:fillClrLst meth="repeat">
+      <a:schemeClr val="lt1">
+        <a:alpha val="90000"/>
+      </a:schemeClr>
+    </dgm:fillClrLst>
+    <dgm:linClrLst meth="repeat">
+      <a:schemeClr val="accent2"/>
+      <a:schemeClr val="accent3"/>
+      <a:schemeClr val="accent4"/>
+      <a:schemeClr val="accent5"/>
+      <a:schemeClr val="accent6"/>
+    </dgm:linClrLst>
+    <dgm:effectClrLst/>
+    <dgm:txLinClrLst/>
+    <dgm:txFillClrLst meth="repeat">
+      <a:schemeClr val="dk1"/>
+    </dgm:txFillClrLst>
+    <dgm:txEffectClrLst/>
+  </dgm:styleLbl>
+  <dgm:styleLbl name="alignAcc1">
+    <dgm:fillClrLst meth="repeat">
+      <a:schemeClr val="lt1">
+        <a:alpha val="90000"/>
+      </a:schemeClr>
+    </dgm:fillClrLst>
+    <dgm:linClrLst meth="repeat">
+      <a:schemeClr val="accent2"/>
+      <a:schemeClr val="accent3"/>
+      <a:schemeClr val="accent4"/>
+      <a:schemeClr val="accent5"/>
+      <a:schemeClr val="accent6"/>
+    </dgm:linClrLst>
+    <dgm:effectClrLst/>
+    <dgm:txLinClrLst/>
+    <dgm:txFillClrLst meth="repeat">
+      <a:schemeClr val="dk1"/>
+    </dgm:txFillClrLst>
+    <dgm:txEffectClrLst/>
+  </dgm:styleLbl>
+  <dgm:styleLbl name="trAlignAcc1">
+    <dgm:fillClrLst meth="repeat">
+      <a:schemeClr val="lt1">
+        <a:alpha val="40000"/>
+      </a:schemeClr>
+    </dgm:fillClrLst>
+    <dgm:linClrLst meth="repeat">
+      <a:schemeClr val="accent1"/>
+    </dgm:linClrLst>
+    <dgm:effectClrLst/>
+    <dgm:txLinClrLst/>
+    <dgm:txFillClrLst meth="repeat">
+      <a:schemeClr val="dk1"/>
+    </dgm:txFillClrLst>
+    <dgm:txEffectClrLst/>
+  </dgm:styleLbl>
+  <dgm:styleLbl name="bgAcc1">
+    <dgm:fillClrLst meth="repeat">
+      <a:schemeClr val="lt1">
+        <a:alpha val="90000"/>
+      </a:schemeClr>
+    </dgm:fillClrLst>
+    <dgm:linClrLst meth="repeat">
+      <a:schemeClr val="accent2"/>
+      <a:schemeClr val="accent3"/>
+      <a:schemeClr val="accent4"/>
+      <a:schemeClr val="accent5"/>
+      <a:schemeClr val="accent6"/>
+    </dgm:linClrLst>
+    <dgm:effectClrLst/>
+    <dgm:txLinClrLst/>
+    <dgm:txFillClrLst meth="repeat">
+      <a:schemeClr val="dk1"/>
+    </dgm:txFillClrLst>
+    <dgm:txEffectClrLst/>
+  </dgm:styleLbl>
+  <dgm:styleLbl name="solidFgAcc1">
+    <dgm:fillClrLst meth="repeat">
+      <a:schemeClr val="lt1"/>
+    </dgm:fillClrLst>
+    <dgm:linClrLst meth="repeat">
+      <a:schemeClr val="accent2"/>
+      <a:schemeClr val="accent3"/>
+      <a:schemeClr val="accent4"/>
+      <a:schemeClr val="accent5"/>
+      <a:schemeClr val="accent6"/>
+    </dgm:linClrLst>
+    <dgm:effectClrLst/>
+    <dgm:txLinClrLst/>
+    <dgm:txFillClrLst meth="repeat">
+      <a:schemeClr val="dk1"/>
+    </dgm:txFillClrLst>
+    <dgm:txEffectClrLst/>
+  </dgm:styleLbl>
+  <dgm:styleLbl name="solidAlignAcc1">
+    <dgm:fillClrLst meth="repeat">
+      <a:schemeClr val="lt1"/>
+    </dgm:fillClrLst>
+    <dgm:linClrLst meth="repeat">
+      <a:schemeClr val="accent2"/>
+      <a:schemeClr val="accent3"/>
+      <a:schemeClr val="accent4"/>
+      <a:schemeClr val="accent5"/>
+      <a:schemeClr val="accent6"/>
+    </dgm:linClrLst>
+    <dgm:effectClrLst/>
+    <dgm:txLinClrLst/>
+    <dgm:txFillClrLst meth="repeat">
+      <a:schemeClr val="dk1"/>
+    </dgm:txFillClrLst>
+    <dgm:txEffectClrLst/>
+  </dgm:styleLbl>
+  <dgm:styleLbl name="solidBgAcc1">
+    <dgm:fillClrLst meth="repeat">
+      <a:schemeClr val="lt1"/>
+    </dgm:fillClrLst>
+    <dgm:linClrLst meth="repeat">
+      <a:schemeClr val="accent2"/>
+      <a:schemeClr val="accent3"/>
+      <a:schemeClr val="accent4"/>
+      <a:schemeClr val="accent5"/>
+      <a:schemeClr val="accent6"/>
+    </dgm:linClrLst>
+    <dgm:effectClrLst/>
+    <dgm:txLinClrLst/>
+    <dgm:txFillClrLst meth="repeat">
+      <a:schemeClr val="dk1"/>
+    </dgm:txFillClrLst>
+    <dgm:txEffectClrLst/>
+  </dgm:styleLbl>
+  <dgm:styleLbl name="fgAccFollowNode1">
+    <dgm:fillClrLst meth="repeat">
+      <a:schemeClr val="accent2">
+        <a:tint val="40000"/>
+        <a:alpha val="90000"/>
+      </a:schemeClr>
+      <a:schemeClr val="accent3">
+        <a:tint val="40000"/>
+        <a:alpha val="90000"/>
+      </a:schemeClr>
+      <a:schemeClr val="accent4">
+        <a:tint val="40000"/>
+        <a:alpha val="90000"/>
+      </a:schemeClr>
+      <a:schemeClr val="accent5">
+        <a:tint val="40000"/>
+        <a:alpha val="90000"/>
+      </a:schemeClr>
+      <a:schemeClr val="accent6">
+        <a:tint val="40000"/>
+        <a:alpha val="90000"/>
+      </a:schemeClr>
+    </dgm:fillClrLst>
+    <dgm:linClrLst meth="repeat">
+      <a:schemeClr val="accent2">
+        <a:tint val="40000"/>
+        <a:alpha val="90000"/>
+      </a:schemeClr>
+      <a:schemeClr val="accent3">
+        <a:tint val="40000"/>
+        <a:alpha val="90000"/>
+      </a:schemeClr>
+      <a:schemeClr val="accent4">
+        <a:tint val="40000"/>
+        <a:alpha val="90000"/>
+      </a:schemeClr>
+      <a:schemeClr val="accent5">
+        <a:tint val="40000"/>
+        <a:alpha val="90000"/>
+      </a:schemeClr>
+      <a:schemeClr val="accent6">
+        <a:tint val="40000"/>
+        <a:alpha val="90000"/>
+      </a:schemeClr>
+    </dgm:linClrLst>
+    <dgm:effectClrLst/>
+    <dgm:txLinClrLst/>
+    <dgm:txFillClrLst meth="repeat">
+      <a:schemeClr val="dk1"/>
+    </dgm:txFillClrLst>
+    <dgm:txEffectClrLst/>
+  </dgm:styleLbl>
+  <dgm:styleLbl name="alignAccFollowNode1">
+    <dgm:fillClrLst meth="repeat">
+      <a:schemeClr val="accent2">
+        <a:tint val="40000"/>
+        <a:alpha val="90000"/>
+      </a:schemeClr>
+      <a:schemeClr val="accent3">
+        <a:tint val="40000"/>
+        <a:alpha val="90000"/>
+      </a:schemeClr>
+      <a:schemeClr val="accent4">
+        <a:tint val="40000"/>
+        <a:alpha val="90000"/>
+      </a:schemeClr>
+      <a:schemeClr val="accent5">
+        <a:tint val="40000"/>
+        <a:alpha val="90000"/>
+      </a:schemeClr>
+      <a:schemeClr val="accent6">
+        <a:tint val="40000"/>
+        <a:alpha val="90000"/>
+      </a:schemeClr>
+    </dgm:fillClrLst>
+    <dgm:linClrLst meth="repeat">
+      <a:schemeClr val="accent2">
+        <a:tint val="40000"/>
+        <a:alpha val="90000"/>
+      </a:schemeClr>
+      <a:schemeClr val="accent3">
+        <a:tint val="40000"/>
+        <a:alpha val="90000"/>
+      </a:schemeClr>
+      <a:schemeClr val="accent4">
+        <a:tint val="40000"/>
+        <a:alpha val="90000"/>
+      </a:schemeClr>
+      <a:schemeClr val="accent5">
+        <a:tint val="40000"/>
+        <a:alpha val="90000"/>
+      </a:schemeClr>
+      <a:schemeClr val="accent6">
+        <a:tint val="40000"/>
+        <a:alpha val="90000"/>
+      </a:schemeClr>
+    </dgm:linClrLst>
+    <dgm:effectClrLst/>
+    <dgm:txLinClrLst/>
+    <dgm:txFillClrLst meth="repeat">
+      <a:schemeClr val="dk1"/>
+    </dgm:txFillClrLst>
+    <dgm:txEffectClrLst/>
+  </dgm:styleLbl>
+  <dgm:styleLbl name="bgAccFollowNode1">
+    <dgm:fillClrLst meth="repeat">
+      <a:schemeClr val="accent2">
+        <a:tint val="40000"/>
+        <a:alpha val="90000"/>
+      </a:schemeClr>
+      <a:schemeClr val="accent3">
+        <a:tint val="40000"/>
+        <a:alpha val="90000"/>
+      </a:schemeClr>
+      <a:schemeClr val="accent4">
+        <a:tint val="40000"/>
+        <a:alpha val="90000"/>
+      </a:schemeClr>
+      <a:schemeClr val="accent5">
+        <a:tint val="40000"/>
+        <a:alpha val="90000"/>
+      </a:schemeClr>
+      <a:schemeClr val="accent6">
+        <a:tint val="40000"/>
+        <a:alpha val="90000"/>
+      </a:schemeClr>
+    </dgm:fillClrLst>
+    <dgm:linClrLst meth="repeat">
+      <a:schemeClr val="accent2">
+        <a:tint val="40000"/>
+        <a:alpha val="90000"/>
+      </a:schemeClr>
+      <a:schemeClr val="accent3">
+        <a:tint val="40000"/>
+        <a:alpha val="90000"/>
+      </a:schemeClr>
+      <a:schemeClr val="accent4">
+        <a:tint val="40000"/>
+        <a:alpha val="90000"/>
+      </a:schemeClr>
+      <a:schemeClr val="accent5">
+        <a:tint val="40000"/>
+        <a:alpha val="90000"/>
+      </a:schemeClr>
+      <a:schemeClr val="accent6">
+        <a:tint val="40000"/>
+        <a:alpha val="90000"/>
+      </a:schemeClr>
+    </dgm:linClrLst>
+    <dgm:effectClrLst/>
+    <dgm:txLinClrLst/>
+    <dgm:txFillClrLst meth="repeat">
+      <a:schemeClr val="dk1"/>
+    </dgm:txFillClrLst>
+    <dgm:txEffectClrLst/>
+  </dgm:styleLbl>
+  <dgm:styleLbl name="fgAcc0">
+    <dgm:fillClrLst meth="repeat">
+      <a:schemeClr val="lt1">
+        <a:alpha val="90000"/>
+      </a:schemeClr>
+    </dgm:fillClrLst>
+    <dgm:linClrLst>
+      <a:schemeClr val="accent1"/>
+    </dgm:linClrLst>
+    <dgm:effectClrLst/>
+    <dgm:txLinClrLst/>
+    <dgm:txFillClrLst meth="repeat">
+      <a:schemeClr val="dk1"/>
+    </dgm:txFillClrLst>
+    <dgm:txEffectClrLst/>
+  </dgm:styleLbl>
+  <dgm:styleLbl name="fgAcc2">
+    <dgm:fillClrLst meth="repeat">
+      <a:schemeClr val="lt1">
+        <a:alpha val="90000"/>
+      </a:schemeClr>
+    </dgm:fillClrLst>
+    <dgm:linClrLst>
+      <a:schemeClr val="accent2"/>
+    </dgm:linClrLst>
+    <dgm:effectClrLst/>
+    <dgm:txLinClrLst/>
+    <dgm:txFillClrLst meth="repeat">
+      <a:schemeClr val="dk1"/>
+    </dgm:txFillClrLst>
+    <dgm:txEffectClrLst/>
+  </dgm:styleLbl>
+  <dgm:styleLbl name="fgAcc3">
+    <dgm:fillClrLst meth="repeat">
+      <a:schemeClr val="lt1">
+        <a:alpha val="90000"/>
+      </a:schemeClr>
+    </dgm:fillClrLst>
+    <dgm:linClrLst>
+      <a:schemeClr val="accent3"/>
+    </dgm:linClrLst>
+    <dgm:effectClrLst/>
+    <dgm:txLinClrLst/>
+    <dgm:txFillClrLst meth="repeat">
+      <a:schemeClr val="dk1"/>
+    </dgm:txFillClrLst>
+    <dgm:txEffectClrLst/>
+  </dgm:styleLbl>
+  <dgm:styleLbl name="fgAcc4">
+    <dgm:fillClrLst meth="repeat">
+      <a:schemeClr val="lt1">
+        <a:alpha val="90000"/>
+      </a:schemeClr>
+    </dgm:fillClrLst>
+    <dgm:linClrLst>
+      <a:schemeClr val="accent4"/>
+    </dgm:linClrLst>
+    <dgm:effectClrLst/>
+    <dgm:txLinClrLst/>
+    <dgm:txFillClrLst meth="repeat">
+      <a:schemeClr val="dk1"/>
+    </dgm:txFillClrLst>
+    <dgm:txEffectClrLst/>
+  </dgm:styleLbl>
+  <dgm:styleLbl name="bgShp">
+    <dgm:fillClrLst meth="repeat">
+      <a:schemeClr val="accent2">
+        <a:tint val="40000"/>
+      </a:schemeClr>
+    </dgm:fillClrLst>
+    <dgm:linClrLst meth="repeat">
+      <a:schemeClr val="dk1"/>
+    </dgm:linClrLst>
+    <dgm:effectClrLst/>
+    <dgm:txLinClrLst/>
+    <dgm:txFillClrLst meth="repeat">
+      <a:schemeClr val="dk1"/>
+    </dgm:txFillClrLst>
+    <dgm:txEffectClrLst/>
+  </dgm:styleLbl>
+  <dgm:styleLbl name="dkBgShp">
+    <dgm:fillClrLst meth="repeat">
+      <a:schemeClr val="accent2">
+        <a:shade val="90000"/>
+      </a:schemeClr>
+    </dgm:fillClrLst>
+    <dgm:linClrLst meth="repeat">
+      <a:schemeClr val="dk1"/>
+    </dgm:linClrLst>
+    <dgm:effectClrLst/>
+    <dgm:txLinClrLst/>
+    <dgm:txFillClrLst meth="repeat">
+      <a:schemeClr val="lt1"/>
+    </dgm:txFillClrLst>
+    <dgm:txEffectClrLst/>
+  </dgm:styleLbl>
+  <dgm:styleLbl name="trBgShp">
+    <dgm:fillClrLst meth="repeat">
+      <a:schemeClr val="accent1">
+        <a:tint val="50000"/>
+        <a:alpha val="40000"/>
+      </a:schemeClr>
+    </dgm:fillClrLst>
+    <dgm:linClrLst meth="repeat">
+      <a:schemeClr val="accent2"/>
+    </dgm:linClrLst>
+    <dgm:effectClrLst/>
+    <dgm:txLinClrLst/>
+    <dgm:txFillClrLst meth="repeat">
+      <a:schemeClr val="lt1"/>
+    </dgm:txFillClrLst>
+    <dgm:txEffectClrLst/>
+  </dgm:styleLbl>
+  <dgm:styleLbl name="fgShp">
+    <dgm:fillClrLst meth="repeat">
+      <a:schemeClr val="accent2">
+        <a:tint val="40000"/>
+      </a:schemeClr>
+    </dgm:fillClrLst>
+    <dgm:linClrLst meth="repeat">
+      <a:schemeClr val="lt1"/>
+    </dgm:linClrLst>
+    <dgm:effectClrLst/>
+    <dgm:txLinClrLst/>
+    <dgm:txFillClrLst meth="repeat">
+      <a:schemeClr val="dk1"/>
+    </dgm:txFillClrLst>
+    <dgm:txEffectClrLst/>
+  </dgm:styleLbl>
+  <dgm:styleLbl name="revTx">
+    <dgm:fillClrLst meth="repeat">
+      <a:schemeClr val="lt1">
+        <a:alpha val="0"/>
+      </a:schemeClr>
+    </dgm:fillClrLst>
+    <dgm:linClrLst meth="repeat">
+      <a:schemeClr val="dk1">
+        <a:alpha val="0"/>
+      </a:schemeClr>
+    </dgm:linClrLst>
+    <dgm:effectClrLst/>
+    <dgm:txLinClrLst/>
+    <dgm:txFillClrLst meth="repeat">
+      <a:schemeClr val="tx1"/>
+    </dgm:txFillClrLst>
+    <dgm:txEffectClrLst/>
+  </dgm:styleLbl>
+</dgm:colorsDef>
+</file>
+
 <file path=ppt/diagrams/data1.xml><?xml version="1.0" encoding="utf-8"?>
 <dgm:dataModel xmlns:dgm="http://schemas.openxmlformats.org/drawingml/2006/diagram" xmlns:a="http://schemas.openxmlformats.org/drawingml/2006/main">
   <dgm:ptLst>
+    <dgm:pt modelId="{09445D9B-FDEE-42AA-B2BC-4EF416DD1083}" type="doc">
+      <dgm:prSet loTypeId="urn:microsoft.com/office/officeart/2005/8/layout/vList2" loCatId="list" qsTypeId="urn:microsoft.com/office/officeart/2005/8/quickstyle/simple1" qsCatId="simple" csTypeId="urn:microsoft.com/office/officeart/2005/8/colors/accent1_2" csCatId="accent1" phldr="1"/>
+      <dgm:spPr/>
+      <dgm:t>
+        <a:bodyPr/>
+        <a:lstStyle/>
+        <a:p>
+          <a:endParaRPr lang="en-US"/>
+        </a:p>
+      </dgm:t>
+    </dgm:pt>
+    <dgm:pt modelId="{F6A4C95D-F794-4ABD-8637-65702A9346A6}">
+      <dgm:prSet custT="1"/>
+      <dgm:spPr/>
+      <dgm:t>
+        <a:bodyPr/>
+        <a:lstStyle/>
+        <a:p>
+          <a:r>
+            <a:rPr lang="en-US" sz="1600" dirty="0">
+              <a:latin typeface="Calibri" panose="020F0502020204030204" pitchFamily="34" charset="0"/>
+              <a:cs typeface="Calibri" panose="020F0502020204030204" pitchFamily="34" charset="0"/>
+            </a:rPr>
+            <a:t>Is there a significant difference between the proportion of males vs nonmales who are employed given their degree in higher education?</a:t>
+          </a:r>
+        </a:p>
+      </dgm:t>
+    </dgm:pt>
+    <dgm:pt modelId="{DD2B7AFF-C980-4EBC-BCD5-818B32EE7585}" type="parTrans" cxnId="{CD5EA9CE-178F-4E26-88B2-D9FC16189BB6}">
+      <dgm:prSet/>
+      <dgm:spPr/>
+      <dgm:t>
+        <a:bodyPr/>
+        <a:lstStyle/>
+        <a:p>
+          <a:endParaRPr lang="en-US"/>
+        </a:p>
+      </dgm:t>
+    </dgm:pt>
+    <dgm:pt modelId="{2B9572B7-F33F-4ED7-B2C5-85AB225F4B88}" type="sibTrans" cxnId="{CD5EA9CE-178F-4E26-88B2-D9FC16189BB6}">
+      <dgm:prSet phldrT="01"/>
+      <dgm:spPr/>
+      <dgm:t>
+        <a:bodyPr/>
+        <a:lstStyle/>
+        <a:p>
+          <a:endParaRPr lang="en-US"/>
+        </a:p>
+      </dgm:t>
+    </dgm:pt>
+    <dgm:pt modelId="{222B611D-999D-4595-8ACE-5D553FAA7566}">
+      <dgm:prSet custT="1"/>
+      <dgm:spPr/>
+      <dgm:t>
+        <a:bodyPr/>
+        <a:lstStyle/>
+        <a:p>
+          <a:r>
+            <a:rPr lang="en-US" sz="1600" dirty="0">
+              <a:latin typeface="Calibri" panose="020F0502020204030204" pitchFamily="34" charset="0"/>
+              <a:cs typeface="Calibri" panose="020F0502020204030204" pitchFamily="34" charset="0"/>
+            </a:rPr>
+            <a:t>Is there a difference in the average number of computer skills acquired based on level of education?</a:t>
+          </a:r>
+        </a:p>
+      </dgm:t>
+    </dgm:pt>
+    <dgm:pt modelId="{E9D63D33-FA6C-449D-99B2-93664100DE89}" type="parTrans" cxnId="{D3AF7BD2-FEBB-4CA3-A8DE-CE47580840CF}">
+      <dgm:prSet/>
+      <dgm:spPr/>
+      <dgm:t>
+        <a:bodyPr/>
+        <a:lstStyle/>
+        <a:p>
+          <a:endParaRPr lang="en-US"/>
+        </a:p>
+      </dgm:t>
+    </dgm:pt>
+    <dgm:pt modelId="{EE568BD9-A2AF-4FEF-B1DA-E5CF688C1866}" type="sibTrans" cxnId="{D3AF7BD2-FEBB-4CA3-A8DE-CE47580840CF}">
+      <dgm:prSet phldrT="02"/>
+      <dgm:spPr/>
+      <dgm:t>
+        <a:bodyPr/>
+        <a:lstStyle/>
+        <a:p>
+          <a:endParaRPr lang="en-US"/>
+        </a:p>
+      </dgm:t>
+    </dgm:pt>
+    <dgm:pt modelId="{09408577-E297-47AB-B6D3-FB331AD77AD7}">
+      <dgm:prSet custT="1"/>
+      <dgm:spPr/>
+      <dgm:t>
+        <a:bodyPr/>
+        <a:lstStyle/>
+        <a:p>
+          <a:r>
+            <a:rPr lang="en-US" sz="1600" dirty="0">
+              <a:latin typeface="Calibri" panose="020F0502020204030204" pitchFamily="34" charset="0"/>
+              <a:cs typeface="Calibri" panose="020F0502020204030204" pitchFamily="34" charset="0"/>
+            </a:rPr>
+            <a:t>Is age a significant factor in determining whether an individual is a professional developer or not?</a:t>
+          </a:r>
+        </a:p>
+      </dgm:t>
+    </dgm:pt>
+    <dgm:pt modelId="{6515360C-CE19-4B04-A19B-08A6228C9275}" type="parTrans" cxnId="{2368462C-9E7D-43E0-980A-A8810758CB1B}">
+      <dgm:prSet/>
+      <dgm:spPr/>
+      <dgm:t>
+        <a:bodyPr/>
+        <a:lstStyle/>
+        <a:p>
+          <a:endParaRPr lang="en-US"/>
+        </a:p>
+      </dgm:t>
+    </dgm:pt>
+    <dgm:pt modelId="{5E4374D7-9E21-451E-B572-8D2D64F9558A}" type="sibTrans" cxnId="{2368462C-9E7D-43E0-980A-A8810758CB1B}">
+      <dgm:prSet phldrT="03"/>
+      <dgm:spPr/>
+      <dgm:t>
+        <a:bodyPr/>
+        <a:lstStyle/>
+        <a:p>
+          <a:endParaRPr lang="en-US"/>
+        </a:p>
+      </dgm:t>
+    </dgm:pt>
+    <dgm:pt modelId="{B46CE157-6E2E-4639-87D6-6AB37D0AF83C}">
+      <dgm:prSet custT="1"/>
+      <dgm:spPr/>
+      <dgm:t>
+        <a:bodyPr/>
+        <a:lstStyle/>
+        <a:p>
+          <a:r>
+            <a:rPr lang="en-US" sz="1600" dirty="0">
+              <a:latin typeface="Calibri" panose="020F0502020204030204" pitchFamily="34" charset="0"/>
+              <a:cs typeface="Calibri" panose="020F0502020204030204" pitchFamily="34" charset="0"/>
+            </a:rPr>
+            <a:t>Is status  mental health associated with a programmer’s previous salary?</a:t>
+          </a:r>
+        </a:p>
+      </dgm:t>
+    </dgm:pt>
+    <dgm:pt modelId="{5E4BE69E-9673-4F14-92ED-7167AE720E9D}" type="parTrans" cxnId="{57041668-F87D-45E3-BAAD-F0C4306823A9}">
+      <dgm:prSet/>
+      <dgm:spPr/>
+      <dgm:t>
+        <a:bodyPr/>
+        <a:lstStyle/>
+        <a:p>
+          <a:endParaRPr lang="en-US"/>
+        </a:p>
+      </dgm:t>
+    </dgm:pt>
+    <dgm:pt modelId="{AFF0B3FC-4232-44EA-931E-AA3FE7DAE0C9}" type="sibTrans" cxnId="{57041668-F87D-45E3-BAAD-F0C4306823A9}">
+      <dgm:prSet phldrT="04"/>
+      <dgm:spPr/>
+      <dgm:t>
+        <a:bodyPr/>
+        <a:lstStyle/>
+        <a:p>
+          <a:endParaRPr lang="en-US"/>
+        </a:p>
+      </dgm:t>
+    </dgm:pt>
+    <dgm:pt modelId="{99AE798A-732D-8F45-BF59-D65437F35A3B}" type="pres">
+      <dgm:prSet presAssocID="{09445D9B-FDEE-42AA-B2BC-4EF416DD1083}" presName="linear" presStyleCnt="0">
+        <dgm:presLayoutVars>
+          <dgm:animLvl val="lvl"/>
+          <dgm:resizeHandles val="exact"/>
+        </dgm:presLayoutVars>
+      </dgm:prSet>
+      <dgm:spPr/>
+    </dgm:pt>
+    <dgm:pt modelId="{79F437C3-3263-B240-AF51-CEE5D049F7CC}" type="pres">
+      <dgm:prSet presAssocID="{F6A4C95D-F794-4ABD-8637-65702A9346A6}" presName="parentText" presStyleLbl="node1" presStyleIdx="0" presStyleCnt="4">
+        <dgm:presLayoutVars>
+          <dgm:chMax val="0"/>
+          <dgm:bulletEnabled val="1"/>
+        </dgm:presLayoutVars>
+      </dgm:prSet>
+      <dgm:spPr/>
+    </dgm:pt>
+    <dgm:pt modelId="{3907D6A2-7A51-3444-8902-3523B4E7C5D9}" type="pres">
+      <dgm:prSet presAssocID="{2B9572B7-F33F-4ED7-B2C5-85AB225F4B88}" presName="spacer" presStyleCnt="0"/>
+      <dgm:spPr/>
+    </dgm:pt>
+    <dgm:pt modelId="{EEC7E5C8-78D3-194C-974B-2D5E263DB8D6}" type="pres">
+      <dgm:prSet presAssocID="{222B611D-999D-4595-8ACE-5D553FAA7566}" presName="parentText" presStyleLbl="node1" presStyleIdx="1" presStyleCnt="4">
+        <dgm:presLayoutVars>
+          <dgm:chMax val="0"/>
+          <dgm:bulletEnabled val="1"/>
+        </dgm:presLayoutVars>
+      </dgm:prSet>
+      <dgm:spPr/>
+    </dgm:pt>
+    <dgm:pt modelId="{55EE0810-070B-8B46-B714-36A889D40B60}" type="pres">
+      <dgm:prSet presAssocID="{EE568BD9-A2AF-4FEF-B1DA-E5CF688C1866}" presName="spacer" presStyleCnt="0"/>
+      <dgm:spPr/>
+    </dgm:pt>
+    <dgm:pt modelId="{F1D8301A-FB29-6C40-BF31-F2F2D8F2ED7F}" type="pres">
+      <dgm:prSet presAssocID="{09408577-E297-47AB-B6D3-FB331AD77AD7}" presName="parentText" presStyleLbl="node1" presStyleIdx="2" presStyleCnt="4">
+        <dgm:presLayoutVars>
+          <dgm:chMax val="0"/>
+          <dgm:bulletEnabled val="1"/>
+        </dgm:presLayoutVars>
+      </dgm:prSet>
+      <dgm:spPr/>
+    </dgm:pt>
+    <dgm:pt modelId="{6177B051-FB0D-EA41-95D1-6766D0531879}" type="pres">
+      <dgm:prSet presAssocID="{5E4374D7-9E21-451E-B572-8D2D64F9558A}" presName="spacer" presStyleCnt="0"/>
+      <dgm:spPr/>
+    </dgm:pt>
+    <dgm:pt modelId="{DE3AC7A8-FA85-9941-8986-D340E135C312}" type="pres">
+      <dgm:prSet presAssocID="{B46CE157-6E2E-4639-87D6-6AB37D0AF83C}" presName="parentText" presStyleLbl="node1" presStyleIdx="3" presStyleCnt="4">
+        <dgm:presLayoutVars>
+          <dgm:chMax val="0"/>
+          <dgm:bulletEnabled val="1"/>
+        </dgm:presLayoutVars>
+      </dgm:prSet>
+      <dgm:spPr/>
+    </dgm:pt>
+  </dgm:ptLst>
+  <dgm:cxnLst>
+    <dgm:cxn modelId="{23B99427-2D92-2F4B-9822-97BF2179487B}" type="presOf" srcId="{222B611D-999D-4595-8ACE-5D553FAA7566}" destId="{EEC7E5C8-78D3-194C-974B-2D5E263DB8D6}" srcOrd="0" destOrd="0" presId="urn:microsoft.com/office/officeart/2005/8/layout/vList2"/>
+    <dgm:cxn modelId="{2368462C-9E7D-43E0-980A-A8810758CB1B}" srcId="{09445D9B-FDEE-42AA-B2BC-4EF416DD1083}" destId="{09408577-E297-47AB-B6D3-FB331AD77AD7}" srcOrd="2" destOrd="0" parTransId="{6515360C-CE19-4B04-A19B-08A6228C9275}" sibTransId="{5E4374D7-9E21-451E-B572-8D2D64F9558A}"/>
+    <dgm:cxn modelId="{1E11F42F-75D5-674D-A360-8061D0ED924B}" type="presOf" srcId="{09445D9B-FDEE-42AA-B2BC-4EF416DD1083}" destId="{99AE798A-732D-8F45-BF59-D65437F35A3B}" srcOrd="0" destOrd="0" presId="urn:microsoft.com/office/officeart/2005/8/layout/vList2"/>
+    <dgm:cxn modelId="{57041668-F87D-45E3-BAAD-F0C4306823A9}" srcId="{09445D9B-FDEE-42AA-B2BC-4EF416DD1083}" destId="{B46CE157-6E2E-4639-87D6-6AB37D0AF83C}" srcOrd="3" destOrd="0" parTransId="{5E4BE69E-9673-4F14-92ED-7167AE720E9D}" sibTransId="{AFF0B3FC-4232-44EA-931E-AA3FE7DAE0C9}"/>
+    <dgm:cxn modelId="{5264F98A-2E56-AD42-9668-093760EE4DE3}" type="presOf" srcId="{09408577-E297-47AB-B6D3-FB331AD77AD7}" destId="{F1D8301A-FB29-6C40-BF31-F2F2D8F2ED7F}" srcOrd="0" destOrd="0" presId="urn:microsoft.com/office/officeart/2005/8/layout/vList2"/>
+    <dgm:cxn modelId="{0A1A639D-2BE1-A140-96E8-298A50F5F570}" type="presOf" srcId="{B46CE157-6E2E-4639-87D6-6AB37D0AF83C}" destId="{DE3AC7A8-FA85-9941-8986-D340E135C312}" srcOrd="0" destOrd="0" presId="urn:microsoft.com/office/officeart/2005/8/layout/vList2"/>
+    <dgm:cxn modelId="{22E26BB6-108F-2F40-AADF-894544E7651D}" type="presOf" srcId="{F6A4C95D-F794-4ABD-8637-65702A9346A6}" destId="{79F437C3-3263-B240-AF51-CEE5D049F7CC}" srcOrd="0" destOrd="0" presId="urn:microsoft.com/office/officeart/2005/8/layout/vList2"/>
+    <dgm:cxn modelId="{CD5EA9CE-178F-4E26-88B2-D9FC16189BB6}" srcId="{09445D9B-FDEE-42AA-B2BC-4EF416DD1083}" destId="{F6A4C95D-F794-4ABD-8637-65702A9346A6}" srcOrd="0" destOrd="0" parTransId="{DD2B7AFF-C980-4EBC-BCD5-818B32EE7585}" sibTransId="{2B9572B7-F33F-4ED7-B2C5-85AB225F4B88}"/>
+    <dgm:cxn modelId="{D3AF7BD2-FEBB-4CA3-A8DE-CE47580840CF}" srcId="{09445D9B-FDEE-42AA-B2BC-4EF416DD1083}" destId="{222B611D-999D-4595-8ACE-5D553FAA7566}" srcOrd="1" destOrd="0" parTransId="{E9D63D33-FA6C-449D-99B2-93664100DE89}" sibTransId="{EE568BD9-A2AF-4FEF-B1DA-E5CF688C1866}"/>
+    <dgm:cxn modelId="{6A945B07-A7FE-4E44-8FC6-34EEC4F24FEC}" type="presParOf" srcId="{99AE798A-732D-8F45-BF59-D65437F35A3B}" destId="{79F437C3-3263-B240-AF51-CEE5D049F7CC}" srcOrd="0" destOrd="0" presId="urn:microsoft.com/office/officeart/2005/8/layout/vList2"/>
+    <dgm:cxn modelId="{A2F18CDA-8574-4C42-AE96-590625E88216}" type="presParOf" srcId="{99AE798A-732D-8F45-BF59-D65437F35A3B}" destId="{3907D6A2-7A51-3444-8902-3523B4E7C5D9}" srcOrd="1" destOrd="0" presId="urn:microsoft.com/office/officeart/2005/8/layout/vList2"/>
+    <dgm:cxn modelId="{007FD267-89C5-524D-9817-05AAFC8ED3C4}" type="presParOf" srcId="{99AE798A-732D-8F45-BF59-D65437F35A3B}" destId="{EEC7E5C8-78D3-194C-974B-2D5E263DB8D6}" srcOrd="2" destOrd="0" presId="urn:microsoft.com/office/officeart/2005/8/layout/vList2"/>
+    <dgm:cxn modelId="{8CA831D0-4B7F-BE46-93B3-DEF39D1B56D4}" type="presParOf" srcId="{99AE798A-732D-8F45-BF59-D65437F35A3B}" destId="{55EE0810-070B-8B46-B714-36A889D40B60}" srcOrd="3" destOrd="0" presId="urn:microsoft.com/office/officeart/2005/8/layout/vList2"/>
+    <dgm:cxn modelId="{EC773C25-849A-1143-B1F9-62E7EDB427D3}" type="presParOf" srcId="{99AE798A-732D-8F45-BF59-D65437F35A3B}" destId="{F1D8301A-FB29-6C40-BF31-F2F2D8F2ED7F}" srcOrd="4" destOrd="0" presId="urn:microsoft.com/office/officeart/2005/8/layout/vList2"/>
+    <dgm:cxn modelId="{2FCD5D88-C7DF-2049-8BAB-D761D2553CD6}" type="presParOf" srcId="{99AE798A-732D-8F45-BF59-D65437F35A3B}" destId="{6177B051-FB0D-EA41-95D1-6766D0531879}" srcOrd="5" destOrd="0" presId="urn:microsoft.com/office/officeart/2005/8/layout/vList2"/>
+    <dgm:cxn modelId="{2A367F4E-7F79-6141-9D8C-E450EB82C018}" type="presParOf" srcId="{99AE798A-732D-8F45-BF59-D65437F35A3B}" destId="{DE3AC7A8-FA85-9941-8986-D340E135C312}" srcOrd="6" destOrd="0" presId="urn:microsoft.com/office/officeart/2005/8/layout/vList2"/>
+  </dgm:cxnLst>
+  <dgm:bg/>
+  <dgm:whole/>
+  <dgm:extLst>
+    <a:ext uri="http://schemas.microsoft.com/office/drawing/2008/diagram">
+      <dsp:dataModelExt xmlns:dsp="http://schemas.microsoft.com/office/drawing/2008/diagram" relId="rId8" minVer="http://schemas.openxmlformats.org/drawingml/2006/diagram"/>
+    </a:ext>
+  </dgm:extLst>
+</dgm:dataModel>
+</file>
+
+<file path=ppt/diagrams/data2.xml><?xml version="1.0" encoding="utf-8"?>
+<dgm:dataModel xmlns:dgm="http://schemas.openxmlformats.org/drawingml/2006/diagram" xmlns:a="http://schemas.openxmlformats.org/drawingml/2006/main">
+  <dgm:ptLst>
     <dgm:pt modelId="{A15AA906-191F-4549-8436-FEBEA94677CB}" type="doc">
-      <dgm:prSet loTypeId="urn:microsoft.com/office/officeart/2005/8/layout/vList2" loCatId="list" qsTypeId="urn:microsoft.com/office/officeart/2005/8/quickstyle/simple2" qsCatId="simple" csTypeId="urn:microsoft.com/office/officeart/2005/8/colors/colorful5" csCatId="colorful" phldr="1"/>
+      <dgm:prSet loTypeId="urn:microsoft.com/office/officeart/2016/7/layout/RepeatingBendingProcessNew" loCatId="process" qsTypeId="urn:microsoft.com/office/officeart/2005/8/quickstyle/simple4" qsCatId="simple" csTypeId="urn:microsoft.com/office/officeart/2005/8/colors/colorful1" csCatId="colorful" phldr="1"/>
       <dgm:spPr/>
       <dgm:t>
         <a:bodyPr/>
@@ -1151,11 +2291,18 @@
         <a:lstStyle/>
         <a:p>
           <a:r>
+            <a:rPr lang="en-US" b="1" dirty="0">
+              <a:latin typeface="Calibri" panose="020F0502020204030204" pitchFamily="34" charset="0"/>
+              <a:cs typeface="Calibri" panose="020F0502020204030204" pitchFamily="34" charset="0"/>
+            </a:rPr>
+            <a:t>Biases</a:t>
+          </a:r>
+          <a:r>
             <a:rPr lang="en-US" dirty="0">
               <a:latin typeface="Calibri" panose="020F0502020204030204" pitchFamily="34" charset="0"/>
               <a:cs typeface="Calibri" panose="020F0502020204030204" pitchFamily="34" charset="0"/>
             </a:rPr>
-            <a:t>Biases</a:t>
+            <a:t>: Data is from Stack Overflow, so it's tech-focused.</a:t>
           </a:r>
         </a:p>
       </dgm:t>
@@ -1190,11 +2337,18 @@
         <a:lstStyle/>
         <a:p>
           <a:r>
+            <a:rPr lang="en-US" b="1" dirty="0">
+              <a:latin typeface="Calibri" panose="020F0502020204030204" pitchFamily="34" charset="0"/>
+              <a:cs typeface="Calibri" panose="020F0502020204030204" pitchFamily="34" charset="0"/>
+            </a:rPr>
+            <a:t>Human error: </a:t>
+          </a:r>
+          <a:r>
             <a:rPr lang="en-US" dirty="0">
               <a:latin typeface="Calibri" panose="020F0502020204030204" pitchFamily="34" charset="0"/>
               <a:cs typeface="Calibri" panose="020F0502020204030204" pitchFamily="34" charset="0"/>
             </a:rPr>
-            <a:t>Human error</a:t>
+            <a:t>Mistakes in the data can affect the study's results.</a:t>
           </a:r>
         </a:p>
       </dgm:t>
@@ -1221,56 +2375,6 @@
         </a:p>
       </dgm:t>
     </dgm:pt>
-    <dgm:pt modelId="{9BF04D48-1CC6-4839-B8D1-95B4FA3524D9}">
-      <dgm:prSet/>
-      <dgm:spPr/>
-      <dgm:t>
-        <a:bodyPr/>
-        <a:lstStyle/>
-        <a:p>
-          <a:r>
-            <a:rPr lang="en-US" dirty="0">
-              <a:latin typeface="Calibri" panose="020F0502020204030204" pitchFamily="34" charset="0"/>
-              <a:cs typeface="Calibri" panose="020F0502020204030204" pitchFamily="34" charset="0"/>
-            </a:rPr>
-            <a:t>Data</a:t>
-          </a:r>
-          <a:r>
-            <a:rPr lang="en-US" baseline="0" dirty="0">
-              <a:latin typeface="Calibri" panose="020F0502020204030204" pitchFamily="34" charset="0"/>
-              <a:cs typeface="Calibri" panose="020F0502020204030204" pitchFamily="34" charset="0"/>
-            </a:rPr>
-            <a:t> loss in cleaning</a:t>
-          </a:r>
-          <a:endParaRPr lang="en-US" dirty="0">
-            <a:latin typeface="Calibri" panose="020F0502020204030204" pitchFamily="34" charset="0"/>
-            <a:cs typeface="Calibri" panose="020F0502020204030204" pitchFamily="34" charset="0"/>
-          </a:endParaRPr>
-        </a:p>
-      </dgm:t>
-    </dgm:pt>
-    <dgm:pt modelId="{1E1A71A2-066E-423E-ACA7-E558022CC34E}" type="parTrans" cxnId="{71E08B5C-67F7-4A7B-BEB4-7C969FBACE54}">
-      <dgm:prSet/>
-      <dgm:spPr/>
-      <dgm:t>
-        <a:bodyPr/>
-        <a:lstStyle/>
-        <a:p>
-          <a:endParaRPr lang="en-US"/>
-        </a:p>
-      </dgm:t>
-    </dgm:pt>
-    <dgm:pt modelId="{01144C6F-0F9D-4D43-BBA8-3220226F28E1}" type="sibTrans" cxnId="{71E08B5C-67F7-4A7B-BEB4-7C969FBACE54}">
-      <dgm:prSet/>
-      <dgm:spPr/>
-      <dgm:t>
-        <a:bodyPr/>
-        <a:lstStyle/>
-        <a:p>
-          <a:endParaRPr lang="en-US"/>
-        </a:p>
-      </dgm:t>
-    </dgm:pt>
     <dgm:pt modelId="{96F870F9-2029-470B-A260-E7E879824B54}">
       <dgm:prSet/>
       <dgm:spPr/>
@@ -1279,11 +2383,18 @@
         <a:lstStyle/>
         <a:p>
           <a:r>
+            <a:rPr lang="en-US" b="1" dirty="0">
+              <a:latin typeface="Calibri" panose="020F0502020204030204" pitchFamily="34" charset="0"/>
+              <a:cs typeface="Calibri" panose="020F0502020204030204" pitchFamily="34" charset="0"/>
+            </a:rPr>
+            <a:t>Categorization: </a:t>
+          </a:r>
+          <a:r>
             <a:rPr lang="en-US" dirty="0">
               <a:latin typeface="Calibri" panose="020F0502020204030204" pitchFamily="34" charset="0"/>
               <a:cs typeface="Calibri" panose="020F0502020204030204" pitchFamily="34" charset="0"/>
             </a:rPr>
-            <a:t>categorization</a:t>
+            <a:t>Some features have lots of categories, complicating analysis.</a:t>
           </a:r>
         </a:p>
       </dgm:t>
@@ -1317,10 +2428,20 @@
         <a:bodyPr/>
         <a:lstStyle/>
         <a:p>
-          <a:endParaRPr lang="en-US" dirty="0">
-            <a:latin typeface="Calibri" panose="020F0502020204030204" pitchFamily="34" charset="0"/>
-            <a:cs typeface="Calibri" panose="020F0502020204030204" pitchFamily="34" charset="0"/>
-          </a:endParaRPr>
+          <a:r>
+            <a:rPr lang="en-US" b="1" dirty="0">
+              <a:latin typeface="Calibri" panose="020F0502020204030204" pitchFamily="34" charset="0"/>
+              <a:cs typeface="Calibri" panose="020F0502020204030204" pitchFamily="34" charset="0"/>
+            </a:rPr>
+            <a:t>Age: </a:t>
+          </a:r>
+          <a:r>
+            <a:rPr lang="en-US" dirty="0">
+              <a:latin typeface="Calibri" panose="020F0502020204030204" pitchFamily="34" charset="0"/>
+              <a:cs typeface="Calibri" panose="020F0502020204030204" pitchFamily="34" charset="0"/>
+            </a:rPr>
+            <a:t>We don’t know in depth details of age(only under/above 35).</a:t>
+          </a:r>
         </a:p>
       </dgm:t>
     </dgm:pt>
@@ -1346,71 +2467,139 @@
         </a:p>
       </dgm:t>
     </dgm:pt>
-    <dgm:pt modelId="{33B43129-3725-8748-BD5F-7758A7DE3FC4}" type="pres">
-      <dgm:prSet presAssocID="{A15AA906-191F-4549-8436-FEBEA94677CB}" presName="linear" presStyleCnt="0">
+    <dgm:pt modelId="{9BF04D48-1CC6-4839-B8D1-95B4FA3524D9}">
+      <dgm:prSet/>
+      <dgm:spPr/>
+      <dgm:t>
+        <a:bodyPr/>
+        <a:lstStyle/>
+        <a:p>
+          <a:r>
+            <a:rPr lang="en-US" b="1" dirty="0">
+              <a:latin typeface="Calibri" panose="020F0502020204030204" pitchFamily="34" charset="0"/>
+              <a:cs typeface="Calibri" panose="020F0502020204030204" pitchFamily="34" charset="0"/>
+            </a:rPr>
+            <a:t>Data</a:t>
+          </a:r>
+          <a:r>
+            <a:rPr lang="en-US" b="1" baseline="0" dirty="0">
+              <a:latin typeface="Calibri" panose="020F0502020204030204" pitchFamily="34" charset="0"/>
+              <a:cs typeface="Calibri" panose="020F0502020204030204" pitchFamily="34" charset="0"/>
+            </a:rPr>
+            <a:t> loss in cleaning: </a:t>
+          </a:r>
+          <a:r>
+            <a:rPr lang="en-US" baseline="0" dirty="0">
+              <a:latin typeface="Calibri" panose="020F0502020204030204" pitchFamily="34" charset="0"/>
+              <a:cs typeface="Calibri" panose="020F0502020204030204" pitchFamily="34" charset="0"/>
+            </a:rPr>
+            <a:t>May lack key factors such as connections and accuracy.</a:t>
+          </a:r>
+          <a:endParaRPr lang="en-US" dirty="0">
+            <a:latin typeface="Calibri" panose="020F0502020204030204" pitchFamily="34" charset="0"/>
+            <a:cs typeface="Calibri" panose="020F0502020204030204" pitchFamily="34" charset="0"/>
+          </a:endParaRPr>
+        </a:p>
+      </dgm:t>
+    </dgm:pt>
+    <dgm:pt modelId="{01144C6F-0F9D-4D43-BBA8-3220226F28E1}" type="sibTrans" cxnId="{71E08B5C-67F7-4A7B-BEB4-7C969FBACE54}">
+      <dgm:prSet/>
+      <dgm:spPr/>
+      <dgm:t>
+        <a:bodyPr/>
+        <a:lstStyle/>
+        <a:p>
+          <a:endParaRPr lang="en-US"/>
+        </a:p>
+      </dgm:t>
+    </dgm:pt>
+    <dgm:pt modelId="{1E1A71A2-066E-423E-ACA7-E558022CC34E}" type="parTrans" cxnId="{71E08B5C-67F7-4A7B-BEB4-7C969FBACE54}">
+      <dgm:prSet/>
+      <dgm:spPr/>
+      <dgm:t>
+        <a:bodyPr/>
+        <a:lstStyle/>
+        <a:p>
+          <a:endParaRPr lang="en-US"/>
+        </a:p>
+      </dgm:t>
+    </dgm:pt>
+    <dgm:pt modelId="{4FF1BCFF-0F39-774F-A095-69D13B5AE57E}" type="pres">
+      <dgm:prSet presAssocID="{A15AA906-191F-4549-8436-FEBEA94677CB}" presName="Name0" presStyleCnt="0">
         <dgm:presLayoutVars>
-          <dgm:animLvl val="lvl"/>
+          <dgm:dir/>
           <dgm:resizeHandles val="exact"/>
         </dgm:presLayoutVars>
       </dgm:prSet>
       <dgm:spPr/>
     </dgm:pt>
-    <dgm:pt modelId="{893ADDC2-4125-9A45-BD31-550DC5D1A057}" type="pres">
-      <dgm:prSet presAssocID="{26E85509-46FC-432E-8583-625DACFDA84D}" presName="parentText" presStyleLbl="node1" presStyleIdx="0" presStyleCnt="5">
+    <dgm:pt modelId="{A71D507B-DE50-524E-864A-9B7ADD512BD5}" type="pres">
+      <dgm:prSet presAssocID="{26E85509-46FC-432E-8583-625DACFDA84D}" presName="node" presStyleLbl="node1" presStyleIdx="0" presStyleCnt="5">
         <dgm:presLayoutVars>
-          <dgm:chMax val="0"/>
           <dgm:bulletEnabled val="1"/>
         </dgm:presLayoutVars>
       </dgm:prSet>
       <dgm:spPr/>
     </dgm:pt>
-    <dgm:pt modelId="{1069050D-4256-F443-AFA3-3D720289D430}" type="pres">
-      <dgm:prSet presAssocID="{F7786CC6-578E-4E80-B3DC-1422747C4EBA}" presName="spacer" presStyleCnt="0"/>
+    <dgm:pt modelId="{EE076A30-B4D6-1F4A-8A7E-8B26A4D03353}" type="pres">
+      <dgm:prSet presAssocID="{F7786CC6-578E-4E80-B3DC-1422747C4EBA}" presName="sibTrans" presStyleLbl="sibTrans1D1" presStyleIdx="0" presStyleCnt="4"/>
       <dgm:spPr/>
     </dgm:pt>
-    <dgm:pt modelId="{5DCC5A96-20E1-3941-8CAB-00D53CFF326A}" type="pres">
-      <dgm:prSet presAssocID="{085F711A-E98E-44D9-8916-1AAF7DEE1605}" presName="parentText" presStyleLbl="node1" presStyleIdx="1" presStyleCnt="5">
+    <dgm:pt modelId="{6B5A33C1-7956-684E-90CD-4CA6C02CDF29}" type="pres">
+      <dgm:prSet presAssocID="{F7786CC6-578E-4E80-B3DC-1422747C4EBA}" presName="connectorText" presStyleLbl="sibTrans1D1" presStyleIdx="0" presStyleCnt="4"/>
+      <dgm:spPr/>
+    </dgm:pt>
+    <dgm:pt modelId="{D91C79BF-61B1-D94A-85DE-EDE29B092FDE}" type="pres">
+      <dgm:prSet presAssocID="{085F711A-E98E-44D9-8916-1AAF7DEE1605}" presName="node" presStyleLbl="node1" presStyleIdx="1" presStyleCnt="5">
         <dgm:presLayoutVars>
-          <dgm:chMax val="0"/>
           <dgm:bulletEnabled val="1"/>
         </dgm:presLayoutVars>
       </dgm:prSet>
       <dgm:spPr/>
     </dgm:pt>
-    <dgm:pt modelId="{8DC369BA-F4D3-B64E-81D7-244F262CE8CE}" type="pres">
-      <dgm:prSet presAssocID="{71B19766-5D3C-4FB6-A972-87DD9A732667}" presName="spacer" presStyleCnt="0"/>
+    <dgm:pt modelId="{3EF9E912-C83E-4A42-A3EA-E84894E84F43}" type="pres">
+      <dgm:prSet presAssocID="{71B19766-5D3C-4FB6-A972-87DD9A732667}" presName="sibTrans" presStyleLbl="sibTrans1D1" presStyleIdx="1" presStyleCnt="4"/>
       <dgm:spPr/>
     </dgm:pt>
-    <dgm:pt modelId="{EF3A3922-1DED-2F45-BB5D-8C1F62BEA01C}" type="pres">
-      <dgm:prSet presAssocID="{9BF04D48-1CC6-4839-B8D1-95B4FA3524D9}" presName="parentText" presStyleLbl="node1" presStyleIdx="2" presStyleCnt="5">
+    <dgm:pt modelId="{91CB4A4C-83DA-9941-9816-AB2B0CFE28A2}" type="pres">
+      <dgm:prSet presAssocID="{71B19766-5D3C-4FB6-A972-87DD9A732667}" presName="connectorText" presStyleLbl="sibTrans1D1" presStyleIdx="1" presStyleCnt="4"/>
+      <dgm:spPr/>
+    </dgm:pt>
+    <dgm:pt modelId="{BA7A1DA0-3717-FA49-8F78-88B22C15E985}" type="pres">
+      <dgm:prSet presAssocID="{9BF04D48-1CC6-4839-B8D1-95B4FA3524D9}" presName="node" presStyleLbl="node1" presStyleIdx="2" presStyleCnt="5">
         <dgm:presLayoutVars>
-          <dgm:chMax val="0"/>
           <dgm:bulletEnabled val="1"/>
         </dgm:presLayoutVars>
       </dgm:prSet>
       <dgm:spPr/>
     </dgm:pt>
-    <dgm:pt modelId="{7BDA4BAD-9E29-DE4F-B4D0-45842E6AF152}" type="pres">
-      <dgm:prSet presAssocID="{01144C6F-0F9D-4D43-BBA8-3220226F28E1}" presName="spacer" presStyleCnt="0"/>
+    <dgm:pt modelId="{2103C446-59A4-B24E-97AB-995EA938F0BA}" type="pres">
+      <dgm:prSet presAssocID="{01144C6F-0F9D-4D43-BBA8-3220226F28E1}" presName="sibTrans" presStyleLbl="sibTrans1D1" presStyleIdx="2" presStyleCnt="4"/>
       <dgm:spPr/>
     </dgm:pt>
-    <dgm:pt modelId="{447B64B8-4E27-514E-B6E2-516748A62724}" type="pres">
-      <dgm:prSet presAssocID="{96F870F9-2029-470B-A260-E7E879824B54}" presName="parentText" presStyleLbl="node1" presStyleIdx="3" presStyleCnt="5">
+    <dgm:pt modelId="{F5D46909-B1C8-CB4B-850D-B537894E4E28}" type="pres">
+      <dgm:prSet presAssocID="{01144C6F-0F9D-4D43-BBA8-3220226F28E1}" presName="connectorText" presStyleLbl="sibTrans1D1" presStyleIdx="2" presStyleCnt="4"/>
+      <dgm:spPr/>
+    </dgm:pt>
+    <dgm:pt modelId="{71389831-D2A8-9D42-9E6A-7C5AAADC0819}" type="pres">
+      <dgm:prSet presAssocID="{96F870F9-2029-470B-A260-E7E879824B54}" presName="node" presStyleLbl="node1" presStyleIdx="3" presStyleCnt="5">
         <dgm:presLayoutVars>
-          <dgm:chMax val="0"/>
           <dgm:bulletEnabled val="1"/>
         </dgm:presLayoutVars>
       </dgm:prSet>
       <dgm:spPr/>
     </dgm:pt>
-    <dgm:pt modelId="{B1285E8A-030D-B94A-886A-A99000825777}" type="pres">
-      <dgm:prSet presAssocID="{90DFFEA5-DE81-444C-82F0-13906D034735}" presName="spacer" presStyleCnt="0"/>
+    <dgm:pt modelId="{B40CA93F-0659-324C-AD13-97DBCE13E137}" type="pres">
+      <dgm:prSet presAssocID="{90DFFEA5-DE81-444C-82F0-13906D034735}" presName="sibTrans" presStyleLbl="sibTrans1D1" presStyleIdx="3" presStyleCnt="4"/>
       <dgm:spPr/>
     </dgm:pt>
-    <dgm:pt modelId="{6D5C2959-0D2F-A945-9FBB-C260C8F481BA}" type="pres">
-      <dgm:prSet presAssocID="{FBD0A0A6-5AEA-4AA5-A9AD-587F212075A4}" presName="parentText" presStyleLbl="node1" presStyleIdx="4" presStyleCnt="5">
+    <dgm:pt modelId="{7F539E12-2876-3B46-887A-4F0BBF3CFCC3}" type="pres">
+      <dgm:prSet presAssocID="{90DFFEA5-DE81-444C-82F0-13906D034735}" presName="connectorText" presStyleLbl="sibTrans1D1" presStyleIdx="3" presStyleCnt="4"/>
+      <dgm:spPr/>
+    </dgm:pt>
+    <dgm:pt modelId="{C668F36F-89AD-C947-9540-C69528D361A9}" type="pres">
+      <dgm:prSet presAssocID="{FBD0A0A6-5AEA-4AA5-A9AD-587F212075A4}" presName="node" presStyleLbl="node1" presStyleIdx="4" presStyleCnt="5">
         <dgm:presLayoutVars>
-          <dgm:chMax val="0"/>
           <dgm:bulletEnabled val="1"/>
         </dgm:presLayoutVars>
       </dgm:prSet>
@@ -1418,32 +2607,44 @@
     </dgm:pt>
   </dgm:ptLst>
   <dgm:cxnLst>
-    <dgm:cxn modelId="{C2E1E630-8F28-6D43-9AA5-FAF9A72DFBC2}" type="presOf" srcId="{FBD0A0A6-5AEA-4AA5-A9AD-587F212075A4}" destId="{6D5C2959-0D2F-A945-9FBB-C260C8F481BA}" srcOrd="0" destOrd="0" presId="urn:microsoft.com/office/officeart/2005/8/layout/vList2"/>
-    <dgm:cxn modelId="{EEA0CB3A-8237-7C41-A204-18ECC37E7FD1}" type="presOf" srcId="{A15AA906-191F-4549-8436-FEBEA94677CB}" destId="{33B43129-3725-8748-BD5F-7758A7DE3FC4}" srcOrd="0" destOrd="0" presId="urn:microsoft.com/office/officeart/2005/8/layout/vList2"/>
+    <dgm:cxn modelId="{B5760B09-F814-C34D-BC75-33FB75618506}" type="presOf" srcId="{71B19766-5D3C-4FB6-A972-87DD9A732667}" destId="{3EF9E912-C83E-4A42-A3EA-E84894E84F43}" srcOrd="0" destOrd="0" presId="urn:microsoft.com/office/officeart/2016/7/layout/RepeatingBendingProcessNew"/>
+    <dgm:cxn modelId="{97C48213-95B5-A54D-B6B9-89488E287431}" type="presOf" srcId="{96F870F9-2029-470B-A260-E7E879824B54}" destId="{71389831-D2A8-9D42-9E6A-7C5AAADC0819}" srcOrd="0" destOrd="0" presId="urn:microsoft.com/office/officeart/2016/7/layout/RepeatingBendingProcessNew"/>
+    <dgm:cxn modelId="{4A377736-0352-7143-B34F-08306A7AB6FD}" type="presOf" srcId="{01144C6F-0F9D-4D43-BBA8-3220226F28E1}" destId="{F5D46909-B1C8-CB4B-850D-B537894E4E28}" srcOrd="1" destOrd="0" presId="urn:microsoft.com/office/officeart/2016/7/layout/RepeatingBendingProcessNew"/>
+    <dgm:cxn modelId="{E6CD5D37-9B43-E644-AAF3-B333E7B5BC14}" type="presOf" srcId="{F7786CC6-578E-4E80-B3DC-1422747C4EBA}" destId="{EE076A30-B4D6-1F4A-8A7E-8B26A4D03353}" srcOrd="0" destOrd="0" presId="urn:microsoft.com/office/officeart/2016/7/layout/RepeatingBendingProcessNew"/>
+    <dgm:cxn modelId="{7CEF9D3C-55ED-DA45-ADD0-FFC5073EAA49}" type="presOf" srcId="{71B19766-5D3C-4FB6-A972-87DD9A732667}" destId="{91CB4A4C-83DA-9941-9816-AB2B0CFE28A2}" srcOrd="1" destOrd="0" presId="urn:microsoft.com/office/officeart/2016/7/layout/RepeatingBendingProcessNew"/>
+    <dgm:cxn modelId="{524E7647-98C3-42F1-BD5B-BA6318FF2019}" srcId="{A15AA906-191F-4549-8436-FEBEA94677CB}" destId="{085F711A-E98E-44D9-8916-1AAF7DEE1605}" srcOrd="1" destOrd="0" parTransId="{289A7E90-80B2-4526-BD64-37C430D0F225}" sibTransId="{71B19766-5D3C-4FB6-A972-87DD9A732667}"/>
+    <dgm:cxn modelId="{67BB7A49-009A-0745-A49F-CD1F2AC293CA}" type="presOf" srcId="{FBD0A0A6-5AEA-4AA5-A9AD-587F212075A4}" destId="{C668F36F-89AD-C947-9540-C69528D361A9}" srcOrd="0" destOrd="0" presId="urn:microsoft.com/office/officeart/2016/7/layout/RepeatingBendingProcessNew"/>
+    <dgm:cxn modelId="{35F5CF50-1BAF-E846-BA56-E049F4B1D6E7}" type="presOf" srcId="{085F711A-E98E-44D9-8916-1AAF7DEE1605}" destId="{D91C79BF-61B1-D94A-85DE-EDE29B092FDE}" srcOrd="0" destOrd="0" presId="urn:microsoft.com/office/officeart/2016/7/layout/RepeatingBendingProcessNew"/>
     <dgm:cxn modelId="{71E08B5C-67F7-4A7B-BEB4-7C969FBACE54}" srcId="{A15AA906-191F-4549-8436-FEBEA94677CB}" destId="{9BF04D48-1CC6-4839-B8D1-95B4FA3524D9}" srcOrd="2" destOrd="0" parTransId="{1E1A71A2-066E-423E-ACA7-E558022CC34E}" sibTransId="{01144C6F-0F9D-4D43-BBA8-3220226F28E1}"/>
-    <dgm:cxn modelId="{524E7647-98C3-42F1-BD5B-BA6318FF2019}" srcId="{A15AA906-191F-4549-8436-FEBEA94677CB}" destId="{085F711A-E98E-44D9-8916-1AAF7DEE1605}" srcOrd="1" destOrd="0" parTransId="{289A7E90-80B2-4526-BD64-37C430D0F225}" sibTransId="{71B19766-5D3C-4FB6-A972-87DD9A732667}"/>
+    <dgm:cxn modelId="{26917C6C-ECC8-504A-8DF3-4F7FA66D000B}" type="presOf" srcId="{01144C6F-0F9D-4D43-BBA8-3220226F28E1}" destId="{2103C446-59A4-B24E-97AB-995EA938F0BA}" srcOrd="0" destOrd="0" presId="urn:microsoft.com/office/officeart/2016/7/layout/RepeatingBendingProcessNew"/>
+    <dgm:cxn modelId="{4800B76F-8886-0D47-81D7-A23525E49478}" type="presOf" srcId="{90DFFEA5-DE81-444C-82F0-13906D034735}" destId="{B40CA93F-0659-324C-AD13-97DBCE13E137}" srcOrd="0" destOrd="0" presId="urn:microsoft.com/office/officeart/2016/7/layout/RepeatingBendingProcessNew"/>
     <dgm:cxn modelId="{547BFC72-BC89-4F28-A31A-CB48A1DA7062}" srcId="{A15AA906-191F-4549-8436-FEBEA94677CB}" destId="{96F870F9-2029-470B-A260-E7E879824B54}" srcOrd="3" destOrd="0" parTransId="{F2F672B7-6EA9-4676-B8C5-3831897BC4B8}" sibTransId="{90DFFEA5-DE81-444C-82F0-13906D034735}"/>
-    <dgm:cxn modelId="{E7F93557-33E1-2C48-B8DD-EAE1CC17D569}" type="presOf" srcId="{96F870F9-2029-470B-A260-E7E879824B54}" destId="{447B64B8-4E27-514E-B6E2-516748A62724}" srcOrd="0" destOrd="0" presId="urn:microsoft.com/office/officeart/2005/8/layout/vList2"/>
     <dgm:cxn modelId="{1F577B9B-4F5A-471D-8038-926CAC768F7A}" srcId="{A15AA906-191F-4549-8436-FEBEA94677CB}" destId="{26E85509-46FC-432E-8583-625DACFDA84D}" srcOrd="0" destOrd="0" parTransId="{52583981-7684-4AA0-8B99-302D3102B31B}" sibTransId="{F7786CC6-578E-4E80-B3DC-1422747C4EBA}"/>
-    <dgm:cxn modelId="{7BD15A9D-67F9-1D42-9591-0FC1BE5A589D}" type="presOf" srcId="{085F711A-E98E-44D9-8916-1AAF7DEE1605}" destId="{5DCC5A96-20E1-3941-8CAB-00D53CFF326A}" srcOrd="0" destOrd="0" presId="urn:microsoft.com/office/officeart/2005/8/layout/vList2"/>
-    <dgm:cxn modelId="{8F311CF2-829F-664D-BD90-CD7F542B4945}" type="presOf" srcId="{26E85509-46FC-432E-8583-625DACFDA84D}" destId="{893ADDC2-4125-9A45-BD31-550DC5D1A057}" srcOrd="0" destOrd="0" presId="urn:microsoft.com/office/officeart/2005/8/layout/vList2"/>
+    <dgm:cxn modelId="{BEC37EBA-C7B4-184E-A8D0-E6D009C20C12}" type="presOf" srcId="{A15AA906-191F-4549-8436-FEBEA94677CB}" destId="{4FF1BCFF-0F39-774F-A095-69D13B5AE57E}" srcOrd="0" destOrd="0" presId="urn:microsoft.com/office/officeart/2016/7/layout/RepeatingBendingProcessNew"/>
+    <dgm:cxn modelId="{1E5E1CD0-81B1-4F45-BEED-ADBC926395F1}" type="presOf" srcId="{90DFFEA5-DE81-444C-82F0-13906D034735}" destId="{7F539E12-2876-3B46-887A-4F0BBF3CFCC3}" srcOrd="1" destOrd="0" presId="urn:microsoft.com/office/officeart/2016/7/layout/RepeatingBendingProcessNew"/>
+    <dgm:cxn modelId="{F4FF83D1-AE44-7E42-BF25-234B0BE7577A}" type="presOf" srcId="{9BF04D48-1CC6-4839-B8D1-95B4FA3524D9}" destId="{BA7A1DA0-3717-FA49-8F78-88B22C15E985}" srcOrd="0" destOrd="0" presId="urn:microsoft.com/office/officeart/2016/7/layout/RepeatingBendingProcessNew"/>
+    <dgm:cxn modelId="{F494BFE2-9A4C-DC45-B931-C6BA85E0EEC0}" type="presOf" srcId="{F7786CC6-578E-4E80-B3DC-1422747C4EBA}" destId="{6B5A33C1-7956-684E-90CD-4CA6C02CDF29}" srcOrd="1" destOrd="0" presId="urn:microsoft.com/office/officeart/2016/7/layout/RepeatingBendingProcessNew"/>
     <dgm:cxn modelId="{6A3DDEF2-078E-4A6D-B5F4-08EBFBACE219}" srcId="{A15AA906-191F-4549-8436-FEBEA94677CB}" destId="{FBD0A0A6-5AEA-4AA5-A9AD-587F212075A4}" srcOrd="4" destOrd="0" parTransId="{F3B1A976-5CBD-4D25-908C-A73DCD406B5D}" sibTransId="{7E964D5E-04FB-47FB-BB85-796E6EA78431}"/>
-    <dgm:cxn modelId="{B03C9BFB-7375-554A-A9FE-A3A922E5777A}" type="presOf" srcId="{9BF04D48-1CC6-4839-B8D1-95B4FA3524D9}" destId="{EF3A3922-1DED-2F45-BB5D-8C1F62BEA01C}" srcOrd="0" destOrd="0" presId="urn:microsoft.com/office/officeart/2005/8/layout/vList2"/>
-    <dgm:cxn modelId="{218137B4-E52F-9040-BAFA-0A20899B1E41}" type="presParOf" srcId="{33B43129-3725-8748-BD5F-7758A7DE3FC4}" destId="{893ADDC2-4125-9A45-BD31-550DC5D1A057}" srcOrd="0" destOrd="0" presId="urn:microsoft.com/office/officeart/2005/8/layout/vList2"/>
-    <dgm:cxn modelId="{D4CF075A-0EB9-9442-8679-94B01A656E91}" type="presParOf" srcId="{33B43129-3725-8748-BD5F-7758A7DE3FC4}" destId="{1069050D-4256-F443-AFA3-3D720289D430}" srcOrd="1" destOrd="0" presId="urn:microsoft.com/office/officeart/2005/8/layout/vList2"/>
-    <dgm:cxn modelId="{2E14ECD4-2C9C-5043-B904-22F56899A2D2}" type="presParOf" srcId="{33B43129-3725-8748-BD5F-7758A7DE3FC4}" destId="{5DCC5A96-20E1-3941-8CAB-00D53CFF326A}" srcOrd="2" destOrd="0" presId="urn:microsoft.com/office/officeart/2005/8/layout/vList2"/>
-    <dgm:cxn modelId="{57C227D4-9241-FB42-8525-4CF8D2484C46}" type="presParOf" srcId="{33B43129-3725-8748-BD5F-7758A7DE3FC4}" destId="{8DC369BA-F4D3-B64E-81D7-244F262CE8CE}" srcOrd="3" destOrd="0" presId="urn:microsoft.com/office/officeart/2005/8/layout/vList2"/>
-    <dgm:cxn modelId="{6C48A4B7-E4DD-9948-B540-1EB9C3AD36E6}" type="presParOf" srcId="{33B43129-3725-8748-BD5F-7758A7DE3FC4}" destId="{EF3A3922-1DED-2F45-BB5D-8C1F62BEA01C}" srcOrd="4" destOrd="0" presId="urn:microsoft.com/office/officeart/2005/8/layout/vList2"/>
-    <dgm:cxn modelId="{17EA89EF-3957-5B4C-84C3-6747DFBCE9BC}" type="presParOf" srcId="{33B43129-3725-8748-BD5F-7758A7DE3FC4}" destId="{7BDA4BAD-9E29-DE4F-B4D0-45842E6AF152}" srcOrd="5" destOrd="0" presId="urn:microsoft.com/office/officeart/2005/8/layout/vList2"/>
-    <dgm:cxn modelId="{618BF274-8DDC-E648-8C90-3A2E5CA7C30E}" type="presParOf" srcId="{33B43129-3725-8748-BD5F-7758A7DE3FC4}" destId="{447B64B8-4E27-514E-B6E2-516748A62724}" srcOrd="6" destOrd="0" presId="urn:microsoft.com/office/officeart/2005/8/layout/vList2"/>
-    <dgm:cxn modelId="{BDC52BDC-EE59-3A4B-889D-8AFB94AACA6B}" type="presParOf" srcId="{33B43129-3725-8748-BD5F-7758A7DE3FC4}" destId="{B1285E8A-030D-B94A-886A-A99000825777}" srcOrd="7" destOrd="0" presId="urn:microsoft.com/office/officeart/2005/8/layout/vList2"/>
-    <dgm:cxn modelId="{68F047A1-E282-0445-92BA-8948D41C2B74}" type="presParOf" srcId="{33B43129-3725-8748-BD5F-7758A7DE3FC4}" destId="{6D5C2959-0D2F-A945-9FBB-C260C8F481BA}" srcOrd="8" destOrd="0" presId="urn:microsoft.com/office/officeart/2005/8/layout/vList2"/>
+    <dgm:cxn modelId="{5EA5D2F3-25A8-2443-B2D8-1D6612BA52FB}" type="presOf" srcId="{26E85509-46FC-432E-8583-625DACFDA84D}" destId="{A71D507B-DE50-524E-864A-9B7ADD512BD5}" srcOrd="0" destOrd="0" presId="urn:microsoft.com/office/officeart/2016/7/layout/RepeatingBendingProcessNew"/>
+    <dgm:cxn modelId="{C0881D6D-5079-2847-8EA7-984ACE05CB52}" type="presParOf" srcId="{4FF1BCFF-0F39-774F-A095-69D13B5AE57E}" destId="{A71D507B-DE50-524E-864A-9B7ADD512BD5}" srcOrd="0" destOrd="0" presId="urn:microsoft.com/office/officeart/2016/7/layout/RepeatingBendingProcessNew"/>
+    <dgm:cxn modelId="{57F507F7-EF8A-3C40-AE35-5E5F730C0D8F}" type="presParOf" srcId="{4FF1BCFF-0F39-774F-A095-69D13B5AE57E}" destId="{EE076A30-B4D6-1F4A-8A7E-8B26A4D03353}" srcOrd="1" destOrd="0" presId="urn:microsoft.com/office/officeart/2016/7/layout/RepeatingBendingProcessNew"/>
+    <dgm:cxn modelId="{72950E7C-57B9-4B49-B685-F3BE705EC775}" type="presParOf" srcId="{EE076A30-B4D6-1F4A-8A7E-8B26A4D03353}" destId="{6B5A33C1-7956-684E-90CD-4CA6C02CDF29}" srcOrd="0" destOrd="0" presId="urn:microsoft.com/office/officeart/2016/7/layout/RepeatingBendingProcessNew"/>
+    <dgm:cxn modelId="{38255DDE-2037-4445-9A15-8CE005BF81F9}" type="presParOf" srcId="{4FF1BCFF-0F39-774F-A095-69D13B5AE57E}" destId="{D91C79BF-61B1-D94A-85DE-EDE29B092FDE}" srcOrd="2" destOrd="0" presId="urn:microsoft.com/office/officeart/2016/7/layout/RepeatingBendingProcessNew"/>
+    <dgm:cxn modelId="{621A5A0C-2B1F-8E42-93B6-4797C0591722}" type="presParOf" srcId="{4FF1BCFF-0F39-774F-A095-69D13B5AE57E}" destId="{3EF9E912-C83E-4A42-A3EA-E84894E84F43}" srcOrd="3" destOrd="0" presId="urn:microsoft.com/office/officeart/2016/7/layout/RepeatingBendingProcessNew"/>
+    <dgm:cxn modelId="{2DA3C88C-D5D6-6E44-9FE3-53B231357A1D}" type="presParOf" srcId="{3EF9E912-C83E-4A42-A3EA-E84894E84F43}" destId="{91CB4A4C-83DA-9941-9816-AB2B0CFE28A2}" srcOrd="0" destOrd="0" presId="urn:microsoft.com/office/officeart/2016/7/layout/RepeatingBendingProcessNew"/>
+    <dgm:cxn modelId="{660D338F-8BDB-524B-99CA-9AFD8C695D39}" type="presParOf" srcId="{4FF1BCFF-0F39-774F-A095-69D13B5AE57E}" destId="{BA7A1DA0-3717-FA49-8F78-88B22C15E985}" srcOrd="4" destOrd="0" presId="urn:microsoft.com/office/officeart/2016/7/layout/RepeatingBendingProcessNew"/>
+    <dgm:cxn modelId="{B33C842C-660E-9D43-A1F2-89B544FBC69F}" type="presParOf" srcId="{4FF1BCFF-0F39-774F-A095-69D13B5AE57E}" destId="{2103C446-59A4-B24E-97AB-995EA938F0BA}" srcOrd="5" destOrd="0" presId="urn:microsoft.com/office/officeart/2016/7/layout/RepeatingBendingProcessNew"/>
+    <dgm:cxn modelId="{D755A10B-E00C-204B-9D62-13FB88A73948}" type="presParOf" srcId="{2103C446-59A4-B24E-97AB-995EA938F0BA}" destId="{F5D46909-B1C8-CB4B-850D-B537894E4E28}" srcOrd="0" destOrd="0" presId="urn:microsoft.com/office/officeart/2016/7/layout/RepeatingBendingProcessNew"/>
+    <dgm:cxn modelId="{AE160260-8946-B64E-9568-03913104C29A}" type="presParOf" srcId="{4FF1BCFF-0F39-774F-A095-69D13B5AE57E}" destId="{71389831-D2A8-9D42-9E6A-7C5AAADC0819}" srcOrd="6" destOrd="0" presId="urn:microsoft.com/office/officeart/2016/7/layout/RepeatingBendingProcessNew"/>
+    <dgm:cxn modelId="{49CFD10D-D36B-294C-9861-83AAC97FAE01}" type="presParOf" srcId="{4FF1BCFF-0F39-774F-A095-69D13B5AE57E}" destId="{B40CA93F-0659-324C-AD13-97DBCE13E137}" srcOrd="7" destOrd="0" presId="urn:microsoft.com/office/officeart/2016/7/layout/RepeatingBendingProcessNew"/>
+    <dgm:cxn modelId="{36D9356B-855E-4240-B803-9AA4D46845F4}" type="presParOf" srcId="{B40CA93F-0659-324C-AD13-97DBCE13E137}" destId="{7F539E12-2876-3B46-887A-4F0BBF3CFCC3}" srcOrd="0" destOrd="0" presId="urn:microsoft.com/office/officeart/2016/7/layout/RepeatingBendingProcessNew"/>
+    <dgm:cxn modelId="{43FE38E9-96ED-004D-92F5-22FB1597070E}" type="presParOf" srcId="{4FF1BCFF-0F39-774F-A095-69D13B5AE57E}" destId="{C668F36F-89AD-C947-9540-C69528D361A9}" srcOrd="8" destOrd="0" presId="urn:microsoft.com/office/officeart/2016/7/layout/RepeatingBendingProcessNew"/>
   </dgm:cxnLst>
   <dgm:bg/>
   <dgm:whole/>
   <dgm:extLst>
     <a:ext uri="http://schemas.microsoft.com/office/drawing/2008/diagram">
-      <dsp:dataModelExt xmlns:dsp="http://schemas.microsoft.com/office/drawing/2008/diagram" relId="rId8" minVer="http://schemas.openxmlformats.org/drawingml/2006/diagram"/>
+      <dsp:dataModelExt xmlns:dsp="http://schemas.microsoft.com/office/drawing/2008/diagram" relId="rId7" minVer="http://schemas.openxmlformats.org/drawingml/2006/diagram"/>
     </a:ext>
   </dgm:extLst>
 </dgm:dataModel>
@@ -1457,28 +2658,28 @@
       <dsp:cNvGrpSpPr/>
     </dsp:nvGrpSpPr>
     <dsp:grpSpPr/>
-    <dsp:sp modelId="{893ADDC2-4125-9A45-BD31-550DC5D1A057}">
+    <dsp:sp modelId="{79F437C3-3263-B240-AF51-CEE5D049F7CC}">
       <dsp:nvSpPr>
         <dsp:cNvPr id="0" name=""/>
         <dsp:cNvSpPr/>
       </dsp:nvSpPr>
       <dsp:spPr>
         <a:xfrm>
-          <a:off x="0" y="57473"/>
-          <a:ext cx="5759656" cy="863460"/>
+          <a:off x="0" y="821"/>
+          <a:ext cx="9653477" cy="619460"/>
         </a:xfrm>
         <a:prstGeom prst="roundRect">
           <a:avLst/>
         </a:prstGeom>
         <a:solidFill>
-          <a:schemeClr val="accent5">
+          <a:schemeClr val="accent1">
             <a:hueOff val="0"/>
             <a:satOff val="0"/>
             <a:lumOff val="0"/>
             <a:alphaOff val="0"/>
           </a:schemeClr>
         </a:solidFill>
-        <a:ln w="25400" cap="flat" cmpd="sng" algn="ctr">
+        <a:ln w="19050" cap="flat" cmpd="sng" algn="ctr">
           <a:solidFill>
             <a:schemeClr val="lt1">
               <a:hueOff val="0"/>
@@ -1492,13 +2693,13 @@
         <a:effectLst/>
       </dsp:spPr>
       <dsp:style>
-        <a:lnRef idx="3">
+        <a:lnRef idx="2">
           <a:scrgbClr r="0" g="0" b="0"/>
         </a:lnRef>
         <a:fillRef idx="1">
           <a:scrgbClr r="0" g="0" b="0"/>
         </a:fillRef>
-        <a:effectRef idx="1">
+        <a:effectRef idx="0">
           <a:scrgbClr r="0" g="0" b="0"/>
         </a:effectRef>
         <a:fontRef idx="minor">
@@ -1506,12 +2707,12 @@
         </a:fontRef>
       </dsp:style>
       <dsp:txBody>
-        <a:bodyPr spcFirstLastPara="0" vert="horz" wrap="square" lIns="137160" tIns="137160" rIns="137160" bIns="137160" numCol="1" spcCol="1270" anchor="ctr" anchorCtr="0">
+        <a:bodyPr spcFirstLastPara="0" vert="horz" wrap="square" lIns="60960" tIns="60960" rIns="60960" bIns="60960" numCol="1" spcCol="1270" anchor="ctr" anchorCtr="0">
           <a:noAutofit/>
         </a:bodyPr>
         <a:lstStyle/>
         <a:p>
-          <a:pPr marL="0" lvl="0" indent="0" algn="l" defTabSz="1600200">
+          <a:pPr marL="0" lvl="0" indent="0" algn="l" defTabSz="711200">
             <a:lnSpc>
               <a:spcPct val="90000"/>
             </a:lnSpc>
@@ -1524,41 +2725,41 @@
             <a:buNone/>
           </a:pPr>
           <a:r>
-            <a:rPr lang="en-US" sz="3600" kern="1200" dirty="0">
+            <a:rPr lang="en-US" sz="1600" kern="1200" dirty="0">
               <a:latin typeface="Calibri" panose="020F0502020204030204" pitchFamily="34" charset="0"/>
               <a:cs typeface="Calibri" panose="020F0502020204030204" pitchFamily="34" charset="0"/>
             </a:rPr>
-            <a:t>Biases</a:t>
+            <a:t>Is there a significant difference between the proportion of males vs nonmales who are employed given their degree in higher education?</a:t>
           </a:r>
         </a:p>
       </dsp:txBody>
       <dsp:txXfrm>
-        <a:off x="42151" y="99624"/>
-        <a:ext cx="5675354" cy="779158"/>
+        <a:off x="30240" y="31061"/>
+        <a:ext cx="9592997" cy="558980"/>
       </dsp:txXfrm>
     </dsp:sp>
-    <dsp:sp modelId="{5DCC5A96-20E1-3941-8CAB-00D53CFF326A}">
+    <dsp:sp modelId="{EEC7E5C8-78D3-194C-974B-2D5E263DB8D6}">
       <dsp:nvSpPr>
         <dsp:cNvPr id="0" name=""/>
         <dsp:cNvSpPr/>
       </dsp:nvSpPr>
       <dsp:spPr>
         <a:xfrm>
-          <a:off x="0" y="1024613"/>
-          <a:ext cx="5759656" cy="863460"/>
+          <a:off x="0" y="634399"/>
+          <a:ext cx="9653477" cy="619460"/>
         </a:xfrm>
         <a:prstGeom prst="roundRect">
           <a:avLst/>
         </a:prstGeom>
         <a:solidFill>
-          <a:schemeClr val="accent5">
-            <a:hueOff val="4782880"/>
-            <a:satOff val="-6234"/>
-            <a:lumOff val="-1569"/>
+          <a:schemeClr val="accent1">
+            <a:hueOff val="0"/>
+            <a:satOff val="0"/>
+            <a:lumOff val="0"/>
             <a:alphaOff val="0"/>
           </a:schemeClr>
         </a:solidFill>
-        <a:ln w="25400" cap="flat" cmpd="sng" algn="ctr">
+        <a:ln w="19050" cap="flat" cmpd="sng" algn="ctr">
           <a:solidFill>
             <a:schemeClr val="lt1">
               <a:hueOff val="0"/>
@@ -1572,13 +2773,13 @@
         <a:effectLst/>
       </dsp:spPr>
       <dsp:style>
-        <a:lnRef idx="3">
+        <a:lnRef idx="2">
           <a:scrgbClr r="0" g="0" b="0"/>
         </a:lnRef>
         <a:fillRef idx="1">
           <a:scrgbClr r="0" g="0" b="0"/>
         </a:fillRef>
-        <a:effectRef idx="1">
+        <a:effectRef idx="0">
           <a:scrgbClr r="0" g="0" b="0"/>
         </a:effectRef>
         <a:fontRef idx="minor">
@@ -1586,12 +2787,12 @@
         </a:fontRef>
       </dsp:style>
       <dsp:txBody>
-        <a:bodyPr spcFirstLastPara="0" vert="horz" wrap="square" lIns="137160" tIns="137160" rIns="137160" bIns="137160" numCol="1" spcCol="1270" anchor="ctr" anchorCtr="0">
+        <a:bodyPr spcFirstLastPara="0" vert="horz" wrap="square" lIns="60960" tIns="60960" rIns="60960" bIns="60960" numCol="1" spcCol="1270" anchor="ctr" anchorCtr="0">
           <a:noAutofit/>
         </a:bodyPr>
         <a:lstStyle/>
         <a:p>
-          <a:pPr marL="0" lvl="0" indent="0" algn="l" defTabSz="1600200">
+          <a:pPr marL="0" lvl="0" indent="0" algn="l" defTabSz="711200">
             <a:lnSpc>
               <a:spcPct val="90000"/>
             </a:lnSpc>
@@ -1604,41 +2805,41 @@
             <a:buNone/>
           </a:pPr>
           <a:r>
-            <a:rPr lang="en-US" sz="3600" kern="1200" dirty="0">
+            <a:rPr lang="en-US" sz="1600" kern="1200" dirty="0">
               <a:latin typeface="Calibri" panose="020F0502020204030204" pitchFamily="34" charset="0"/>
               <a:cs typeface="Calibri" panose="020F0502020204030204" pitchFamily="34" charset="0"/>
             </a:rPr>
-            <a:t>Human error</a:t>
+            <a:t>Is there a difference in the average number of computer skills acquired based on level of education?</a:t>
           </a:r>
         </a:p>
       </dsp:txBody>
       <dsp:txXfrm>
-        <a:off x="42151" y="1066764"/>
-        <a:ext cx="5675354" cy="779158"/>
+        <a:off x="30240" y="664639"/>
+        <a:ext cx="9592997" cy="558980"/>
       </dsp:txXfrm>
     </dsp:sp>
-    <dsp:sp modelId="{EF3A3922-1DED-2F45-BB5D-8C1F62BEA01C}">
+    <dsp:sp modelId="{F1D8301A-FB29-6C40-BF31-F2F2D8F2ED7F}">
       <dsp:nvSpPr>
         <dsp:cNvPr id="0" name=""/>
         <dsp:cNvSpPr/>
       </dsp:nvSpPr>
       <dsp:spPr>
         <a:xfrm>
-          <a:off x="0" y="1991753"/>
-          <a:ext cx="5759656" cy="863460"/>
+          <a:off x="0" y="1267978"/>
+          <a:ext cx="9653477" cy="619460"/>
         </a:xfrm>
         <a:prstGeom prst="roundRect">
           <a:avLst/>
         </a:prstGeom>
         <a:solidFill>
-          <a:schemeClr val="accent5">
-            <a:hueOff val="9565760"/>
-            <a:satOff val="-12468"/>
-            <a:lumOff val="-3137"/>
+          <a:schemeClr val="accent1">
+            <a:hueOff val="0"/>
+            <a:satOff val="0"/>
+            <a:lumOff val="0"/>
             <a:alphaOff val="0"/>
           </a:schemeClr>
         </a:solidFill>
-        <a:ln w="25400" cap="flat" cmpd="sng" algn="ctr">
+        <a:ln w="19050" cap="flat" cmpd="sng" algn="ctr">
           <a:solidFill>
             <a:schemeClr val="lt1">
               <a:hueOff val="0"/>
@@ -1652,13 +2853,13 @@
         <a:effectLst/>
       </dsp:spPr>
       <dsp:style>
-        <a:lnRef idx="3">
+        <a:lnRef idx="2">
           <a:scrgbClr r="0" g="0" b="0"/>
         </a:lnRef>
         <a:fillRef idx="1">
           <a:scrgbClr r="0" g="0" b="0"/>
         </a:fillRef>
-        <a:effectRef idx="1">
+        <a:effectRef idx="0">
           <a:scrgbClr r="0" g="0" b="0"/>
         </a:effectRef>
         <a:fontRef idx="minor">
@@ -1666,12 +2867,12 @@
         </a:fontRef>
       </dsp:style>
       <dsp:txBody>
-        <a:bodyPr spcFirstLastPara="0" vert="horz" wrap="square" lIns="137160" tIns="137160" rIns="137160" bIns="137160" numCol="1" spcCol="1270" anchor="ctr" anchorCtr="0">
+        <a:bodyPr spcFirstLastPara="0" vert="horz" wrap="square" lIns="60960" tIns="60960" rIns="60960" bIns="60960" numCol="1" spcCol="1270" anchor="ctr" anchorCtr="0">
           <a:noAutofit/>
         </a:bodyPr>
         <a:lstStyle/>
         <a:p>
-          <a:pPr marL="0" lvl="0" indent="0" algn="l" defTabSz="1600200">
+          <a:pPr marL="0" lvl="0" indent="0" algn="l" defTabSz="711200">
             <a:lnSpc>
               <a:spcPct val="90000"/>
             </a:lnSpc>
@@ -1684,52 +2885,41 @@
             <a:buNone/>
           </a:pPr>
           <a:r>
-            <a:rPr lang="en-US" sz="3600" kern="1200" dirty="0">
+            <a:rPr lang="en-US" sz="1600" kern="1200" dirty="0">
               <a:latin typeface="Calibri" panose="020F0502020204030204" pitchFamily="34" charset="0"/>
               <a:cs typeface="Calibri" panose="020F0502020204030204" pitchFamily="34" charset="0"/>
             </a:rPr>
-            <a:t>Data</a:t>
+            <a:t>Is age a significant factor in determining whether an individual is a professional developer or not?</a:t>
           </a:r>
-          <a:r>
-            <a:rPr lang="en-US" sz="3600" kern="1200" baseline="0" dirty="0">
-              <a:latin typeface="Calibri" panose="020F0502020204030204" pitchFamily="34" charset="0"/>
-              <a:cs typeface="Calibri" panose="020F0502020204030204" pitchFamily="34" charset="0"/>
-            </a:rPr>
-            <a:t> loss in cleaning</a:t>
-          </a:r>
-          <a:endParaRPr lang="en-US" sz="3600" kern="1200" dirty="0">
-            <a:latin typeface="Calibri" panose="020F0502020204030204" pitchFamily="34" charset="0"/>
-            <a:cs typeface="Calibri" panose="020F0502020204030204" pitchFamily="34" charset="0"/>
-          </a:endParaRPr>
         </a:p>
       </dsp:txBody>
       <dsp:txXfrm>
-        <a:off x="42151" y="2033904"/>
-        <a:ext cx="5675354" cy="779158"/>
+        <a:off x="30240" y="1298218"/>
+        <a:ext cx="9592997" cy="558980"/>
       </dsp:txXfrm>
     </dsp:sp>
-    <dsp:sp modelId="{447B64B8-4E27-514E-B6E2-516748A62724}">
+    <dsp:sp modelId="{DE3AC7A8-FA85-9941-8986-D340E135C312}">
       <dsp:nvSpPr>
         <dsp:cNvPr id="0" name=""/>
         <dsp:cNvSpPr/>
       </dsp:nvSpPr>
       <dsp:spPr>
         <a:xfrm>
-          <a:off x="0" y="2958893"/>
-          <a:ext cx="5759656" cy="863460"/>
+          <a:off x="0" y="1901557"/>
+          <a:ext cx="9653477" cy="619460"/>
         </a:xfrm>
         <a:prstGeom prst="roundRect">
           <a:avLst/>
         </a:prstGeom>
         <a:solidFill>
-          <a:schemeClr val="accent5">
-            <a:hueOff val="14348641"/>
-            <a:satOff val="-18702"/>
-            <a:lumOff val="-4706"/>
+          <a:schemeClr val="accent1">
+            <a:hueOff val="0"/>
+            <a:satOff val="0"/>
+            <a:lumOff val="0"/>
             <a:alphaOff val="0"/>
           </a:schemeClr>
         </a:solidFill>
-        <a:ln w="25400" cap="flat" cmpd="sng" algn="ctr">
+        <a:ln w="19050" cap="flat" cmpd="sng" algn="ctr">
           <a:solidFill>
             <a:schemeClr val="lt1">
               <a:hueOff val="0"/>
@@ -1743,13 +2933,13 @@
         <a:effectLst/>
       </dsp:spPr>
       <dsp:style>
-        <a:lnRef idx="3">
+        <a:lnRef idx="2">
           <a:scrgbClr r="0" g="0" b="0"/>
         </a:lnRef>
         <a:fillRef idx="1">
           <a:scrgbClr r="0" g="0" b="0"/>
         </a:fillRef>
-        <a:effectRef idx="1">
+        <a:effectRef idx="0">
           <a:scrgbClr r="0" g="0" b="0"/>
         </a:effectRef>
         <a:fontRef idx="minor">
@@ -1757,12 +2947,12 @@
         </a:fontRef>
       </dsp:style>
       <dsp:txBody>
-        <a:bodyPr spcFirstLastPara="0" vert="horz" wrap="square" lIns="137160" tIns="137160" rIns="137160" bIns="137160" numCol="1" spcCol="1270" anchor="ctr" anchorCtr="0">
+        <a:bodyPr spcFirstLastPara="0" vert="horz" wrap="square" lIns="60960" tIns="60960" rIns="60960" bIns="60960" numCol="1" spcCol="1270" anchor="ctr" anchorCtr="0">
           <a:noAutofit/>
         </a:bodyPr>
         <a:lstStyle/>
         <a:p>
-          <a:pPr marL="0" lvl="0" indent="0" algn="l" defTabSz="1600200">
+          <a:pPr marL="0" lvl="0" indent="0" algn="l" defTabSz="711200">
             <a:lnSpc>
               <a:spcPct val="90000"/>
             </a:lnSpc>
@@ -1775,43 +2965,62 @@
             <a:buNone/>
           </a:pPr>
           <a:r>
-            <a:rPr lang="en-US" sz="3600" kern="1200" dirty="0">
+            <a:rPr lang="en-US" sz="1600" kern="1200" dirty="0">
               <a:latin typeface="Calibri" panose="020F0502020204030204" pitchFamily="34" charset="0"/>
               <a:cs typeface="Calibri" panose="020F0502020204030204" pitchFamily="34" charset="0"/>
             </a:rPr>
-            <a:t>categorization</a:t>
+            <a:t>Is status  mental health associated with a programmer’s previous salary?</a:t>
           </a:r>
         </a:p>
       </dsp:txBody>
       <dsp:txXfrm>
-        <a:off x="42151" y="3001044"/>
-        <a:ext cx="5675354" cy="779158"/>
+        <a:off x="30240" y="1931797"/>
+        <a:ext cx="9592997" cy="558980"/>
       </dsp:txXfrm>
     </dsp:sp>
-    <dsp:sp modelId="{6D5C2959-0D2F-A945-9FBB-C260C8F481BA}">
+  </dsp:spTree>
+</dsp:drawing>
+</file>
+
+<file path=ppt/diagrams/drawing2.xml><?xml version="1.0" encoding="utf-8"?>
+<dsp:drawing xmlns:dgm="http://schemas.openxmlformats.org/drawingml/2006/diagram" xmlns:dsp="http://schemas.microsoft.com/office/drawing/2008/diagram" xmlns:a="http://schemas.openxmlformats.org/drawingml/2006/main">
+  <dsp:spTree>
+    <dsp:nvGrpSpPr>
+      <dsp:cNvPr id="0" name=""/>
+      <dsp:cNvGrpSpPr/>
+    </dsp:nvGrpSpPr>
+    <dsp:grpSpPr/>
+    <dsp:sp modelId="{EE076A30-B4D6-1F4A-8A7E-8B26A4D03353}">
       <dsp:nvSpPr>
         <dsp:cNvPr id="0" name=""/>
         <dsp:cNvSpPr/>
       </dsp:nvSpPr>
       <dsp:spPr>
         <a:xfrm>
-          <a:off x="0" y="3926033"/>
-          <a:ext cx="5759656" cy="863460"/>
+          <a:off x="3402025" y="775553"/>
+          <a:ext cx="597294" cy="91440"/>
         </a:xfrm>
-        <a:prstGeom prst="roundRect">
+        <a:custGeom>
           <a:avLst/>
-        </a:prstGeom>
-        <a:solidFill>
-          <a:schemeClr val="accent5">
-            <a:hueOff val="19131520"/>
-            <a:satOff val="-24936"/>
-            <a:lumOff val="-6275"/>
-            <a:alphaOff val="0"/>
-          </a:schemeClr>
-        </a:solidFill>
-        <a:ln w="25400" cap="flat" cmpd="sng" algn="ctr">
+          <a:gdLst/>
+          <a:ahLst/>
+          <a:cxnLst/>
+          <a:rect l="0" t="0" r="0" b="0"/>
+          <a:pathLst>
+            <a:path>
+              <a:moveTo>
+                <a:pt x="0" y="45720"/>
+              </a:moveTo>
+              <a:lnTo>
+                <a:pt x="597294" y="45720"/>
+              </a:lnTo>
+            </a:path>
+          </a:pathLst>
+        </a:custGeom>
+        <a:noFill/>
+        <a:ln w="9525" cap="flat" cmpd="sng" algn="ctr">
           <a:solidFill>
-            <a:schemeClr val="lt1">
+            <a:schemeClr val="accent2">
               <a:hueOff val="0"/>
               <a:satOff val="0"/>
               <a:lumOff val="0"/>
@@ -1819,30 +3028,29 @@
             </a:schemeClr>
           </a:solidFill>
           <a:prstDash val="solid"/>
+          <a:tailEnd type="arrow"/>
         </a:ln>
         <a:effectLst/>
       </dsp:spPr>
       <dsp:style>
-        <a:lnRef idx="3">
+        <a:lnRef idx="1">
           <a:scrgbClr r="0" g="0" b="0"/>
         </a:lnRef>
-        <a:fillRef idx="1">
+        <a:fillRef idx="0">
           <a:scrgbClr r="0" g="0" b="0"/>
         </a:fillRef>
-        <a:effectRef idx="1">
+        <a:effectRef idx="0">
           <a:scrgbClr r="0" g="0" b="0"/>
         </a:effectRef>
-        <a:fontRef idx="minor">
-          <a:schemeClr val="lt1"/>
-        </a:fontRef>
+        <a:fontRef idx="minor"/>
       </dsp:style>
       <dsp:txBody>
-        <a:bodyPr spcFirstLastPara="0" vert="horz" wrap="square" lIns="137160" tIns="137160" rIns="137160" bIns="137160" numCol="1" spcCol="1270" anchor="ctr" anchorCtr="0">
+        <a:bodyPr spcFirstLastPara="0" vert="horz" wrap="square" lIns="12700" tIns="0" rIns="12700" bIns="0" numCol="1" spcCol="1270" anchor="ctr" anchorCtr="0">
           <a:noAutofit/>
         </a:bodyPr>
         <a:lstStyle/>
         <a:p>
-          <a:pPr marL="0" lvl="0" indent="0" algn="l" defTabSz="1600200">
+          <a:pPr marL="0" lvl="0" indent="0" algn="ctr" defTabSz="222250">
             <a:lnSpc>
               <a:spcPct val="90000"/>
             </a:lnSpc>
@@ -1854,15 +3062,729 @@
             </a:spcAft>
             <a:buNone/>
           </a:pPr>
-          <a:endParaRPr lang="en-US" sz="3600" kern="1200" dirty="0">
+          <a:endParaRPr lang="en-US" sz="500" kern="1200"/>
+        </a:p>
+      </dsp:txBody>
+      <dsp:txXfrm>
+        <a:off x="3684974" y="818133"/>
+        <a:ext cx="31394" cy="6278"/>
+      </dsp:txXfrm>
+    </dsp:sp>
+    <dsp:sp modelId="{A71D507B-DE50-524E-864A-9B7ADD512BD5}">
+      <dsp:nvSpPr>
+        <dsp:cNvPr id="0" name=""/>
+        <dsp:cNvSpPr/>
+      </dsp:nvSpPr>
+      <dsp:spPr>
+        <a:xfrm>
+          <a:off x="673850" y="2280"/>
+          <a:ext cx="2729974" cy="1637984"/>
+        </a:xfrm>
+        <a:prstGeom prst="rect">
+          <a:avLst/>
+        </a:prstGeom>
+        <a:blipFill>
+          <a:blip xmlns:r="http://schemas.openxmlformats.org/officeDocument/2006/relationships" r:embed="rId1">
+            <a:duotone>
+              <a:schemeClr val="accent2">
+                <a:hueOff val="0"/>
+                <a:satOff val="0"/>
+                <a:lumOff val="0"/>
+                <a:alphaOff val="0"/>
+                <a:shade val="88000"/>
+                <a:lumMod val="88000"/>
+              </a:schemeClr>
+              <a:schemeClr val="accent2">
+                <a:hueOff val="0"/>
+                <a:satOff val="0"/>
+                <a:lumOff val="0"/>
+                <a:alphaOff val="0"/>
+              </a:schemeClr>
+            </a:duotone>
+          </a:blip>
+          <a:tile tx="0" ty="0" sx="100000" sy="100000" flip="none" algn="tl"/>
+        </a:blipFill>
+        <a:ln>
+          <a:noFill/>
+        </a:ln>
+        <a:effectLst/>
+      </dsp:spPr>
+      <dsp:style>
+        <a:lnRef idx="0">
+          <a:scrgbClr r="0" g="0" b="0"/>
+        </a:lnRef>
+        <a:fillRef idx="3">
+          <a:scrgbClr r="0" g="0" b="0"/>
+        </a:fillRef>
+        <a:effectRef idx="2">
+          <a:scrgbClr r="0" g="0" b="0"/>
+        </a:effectRef>
+        <a:fontRef idx="minor">
+          <a:schemeClr val="lt1"/>
+        </a:fontRef>
+      </dsp:style>
+      <dsp:txBody>
+        <a:bodyPr spcFirstLastPara="0" vert="horz" wrap="square" lIns="133771" tIns="140416" rIns="133771" bIns="140416" numCol="1" spcCol="1270" anchor="ctr" anchorCtr="0">
+          <a:noAutofit/>
+        </a:bodyPr>
+        <a:lstStyle/>
+        <a:p>
+          <a:pPr marL="0" lvl="0" indent="0" algn="ctr" defTabSz="933450">
+            <a:lnSpc>
+              <a:spcPct val="90000"/>
+            </a:lnSpc>
+            <a:spcBef>
+              <a:spcPct val="0"/>
+            </a:spcBef>
+            <a:spcAft>
+              <a:spcPct val="35000"/>
+            </a:spcAft>
+            <a:buNone/>
+          </a:pPr>
+          <a:r>
+            <a:rPr lang="en-US" sz="2100" b="1" kern="1200" dirty="0">
+              <a:latin typeface="Calibri" panose="020F0502020204030204" pitchFamily="34" charset="0"/>
+              <a:cs typeface="Calibri" panose="020F0502020204030204" pitchFamily="34" charset="0"/>
+            </a:rPr>
+            <a:t>Biases</a:t>
+          </a:r>
+          <a:r>
+            <a:rPr lang="en-US" sz="2100" kern="1200" dirty="0">
+              <a:latin typeface="Calibri" panose="020F0502020204030204" pitchFamily="34" charset="0"/>
+              <a:cs typeface="Calibri" panose="020F0502020204030204" pitchFamily="34" charset="0"/>
+            </a:rPr>
+            <a:t>: Data is from Stack Overflow, so it's tech-focused.</a:t>
+          </a:r>
+        </a:p>
+      </dsp:txBody>
+      <dsp:txXfrm>
+        <a:off x="673850" y="2280"/>
+        <a:ext cx="2729974" cy="1637984"/>
+      </dsp:txXfrm>
+    </dsp:sp>
+    <dsp:sp modelId="{3EF9E912-C83E-4A42-A3EA-E84894E84F43}">
+      <dsp:nvSpPr>
+        <dsp:cNvPr id="0" name=""/>
+        <dsp:cNvSpPr/>
+      </dsp:nvSpPr>
+      <dsp:spPr>
+        <a:xfrm>
+          <a:off x="6759893" y="775553"/>
+          <a:ext cx="597294" cy="91440"/>
+        </a:xfrm>
+        <a:custGeom>
+          <a:avLst/>
+          <a:gdLst/>
+          <a:ahLst/>
+          <a:cxnLst/>
+          <a:rect l="0" t="0" r="0" b="0"/>
+          <a:pathLst>
+            <a:path>
+              <a:moveTo>
+                <a:pt x="0" y="45720"/>
+              </a:moveTo>
+              <a:lnTo>
+                <a:pt x="597294" y="45720"/>
+              </a:lnTo>
+            </a:path>
+          </a:pathLst>
+        </a:custGeom>
+        <a:noFill/>
+        <a:ln w="9525" cap="flat" cmpd="sng" algn="ctr">
+          <a:solidFill>
+            <a:schemeClr val="accent3">
+              <a:hueOff val="0"/>
+              <a:satOff val="0"/>
+              <a:lumOff val="0"/>
+              <a:alphaOff val="0"/>
+            </a:schemeClr>
+          </a:solidFill>
+          <a:prstDash val="solid"/>
+          <a:tailEnd type="arrow"/>
+        </a:ln>
+        <a:effectLst/>
+      </dsp:spPr>
+      <dsp:style>
+        <a:lnRef idx="1">
+          <a:scrgbClr r="0" g="0" b="0"/>
+        </a:lnRef>
+        <a:fillRef idx="0">
+          <a:scrgbClr r="0" g="0" b="0"/>
+        </a:fillRef>
+        <a:effectRef idx="0">
+          <a:scrgbClr r="0" g="0" b="0"/>
+        </a:effectRef>
+        <a:fontRef idx="minor"/>
+      </dsp:style>
+      <dsp:txBody>
+        <a:bodyPr spcFirstLastPara="0" vert="horz" wrap="square" lIns="12700" tIns="0" rIns="12700" bIns="0" numCol="1" spcCol="1270" anchor="ctr" anchorCtr="0">
+          <a:noAutofit/>
+        </a:bodyPr>
+        <a:lstStyle/>
+        <a:p>
+          <a:pPr marL="0" lvl="0" indent="0" algn="ctr" defTabSz="222250">
+            <a:lnSpc>
+              <a:spcPct val="90000"/>
+            </a:lnSpc>
+            <a:spcBef>
+              <a:spcPct val="0"/>
+            </a:spcBef>
+            <a:spcAft>
+              <a:spcPct val="35000"/>
+            </a:spcAft>
+            <a:buNone/>
+          </a:pPr>
+          <a:endParaRPr lang="en-US" sz="500" kern="1200"/>
+        </a:p>
+      </dsp:txBody>
+      <dsp:txXfrm>
+        <a:off x="7042843" y="818133"/>
+        <a:ext cx="31394" cy="6278"/>
+      </dsp:txXfrm>
+    </dsp:sp>
+    <dsp:sp modelId="{D91C79BF-61B1-D94A-85DE-EDE29B092FDE}">
+      <dsp:nvSpPr>
+        <dsp:cNvPr id="0" name=""/>
+        <dsp:cNvSpPr/>
+      </dsp:nvSpPr>
+      <dsp:spPr>
+        <a:xfrm>
+          <a:off x="4031719" y="2280"/>
+          <a:ext cx="2729974" cy="1637984"/>
+        </a:xfrm>
+        <a:prstGeom prst="rect">
+          <a:avLst/>
+        </a:prstGeom>
+        <a:blipFill>
+          <a:blip xmlns:r="http://schemas.openxmlformats.org/officeDocument/2006/relationships" r:embed="rId1">
+            <a:duotone>
+              <a:schemeClr val="accent3">
+                <a:hueOff val="0"/>
+                <a:satOff val="0"/>
+                <a:lumOff val="0"/>
+                <a:alphaOff val="0"/>
+                <a:shade val="88000"/>
+                <a:lumMod val="88000"/>
+              </a:schemeClr>
+              <a:schemeClr val="accent3">
+                <a:hueOff val="0"/>
+                <a:satOff val="0"/>
+                <a:lumOff val="0"/>
+                <a:alphaOff val="0"/>
+              </a:schemeClr>
+            </a:duotone>
+          </a:blip>
+          <a:tile tx="0" ty="0" sx="100000" sy="100000" flip="none" algn="tl"/>
+        </a:blipFill>
+        <a:ln>
+          <a:noFill/>
+        </a:ln>
+        <a:effectLst/>
+      </dsp:spPr>
+      <dsp:style>
+        <a:lnRef idx="0">
+          <a:scrgbClr r="0" g="0" b="0"/>
+        </a:lnRef>
+        <a:fillRef idx="3">
+          <a:scrgbClr r="0" g="0" b="0"/>
+        </a:fillRef>
+        <a:effectRef idx="2">
+          <a:scrgbClr r="0" g="0" b="0"/>
+        </a:effectRef>
+        <a:fontRef idx="minor">
+          <a:schemeClr val="lt1"/>
+        </a:fontRef>
+      </dsp:style>
+      <dsp:txBody>
+        <a:bodyPr spcFirstLastPara="0" vert="horz" wrap="square" lIns="133771" tIns="140416" rIns="133771" bIns="140416" numCol="1" spcCol="1270" anchor="ctr" anchorCtr="0">
+          <a:noAutofit/>
+        </a:bodyPr>
+        <a:lstStyle/>
+        <a:p>
+          <a:pPr marL="0" lvl="0" indent="0" algn="ctr" defTabSz="933450">
+            <a:lnSpc>
+              <a:spcPct val="90000"/>
+            </a:lnSpc>
+            <a:spcBef>
+              <a:spcPct val="0"/>
+            </a:spcBef>
+            <a:spcAft>
+              <a:spcPct val="35000"/>
+            </a:spcAft>
+            <a:buNone/>
+          </a:pPr>
+          <a:r>
+            <a:rPr lang="en-US" sz="2100" b="1" kern="1200" dirty="0">
+              <a:latin typeface="Calibri" panose="020F0502020204030204" pitchFamily="34" charset="0"/>
+              <a:cs typeface="Calibri" panose="020F0502020204030204" pitchFamily="34" charset="0"/>
+            </a:rPr>
+            <a:t>Human error: </a:t>
+          </a:r>
+          <a:r>
+            <a:rPr lang="en-US" sz="2100" kern="1200" dirty="0">
+              <a:latin typeface="Calibri" panose="020F0502020204030204" pitchFamily="34" charset="0"/>
+              <a:cs typeface="Calibri" panose="020F0502020204030204" pitchFamily="34" charset="0"/>
+            </a:rPr>
+            <a:t>Mistakes in the data can affect the study's results.</a:t>
+          </a:r>
+        </a:p>
+      </dsp:txBody>
+      <dsp:txXfrm>
+        <a:off x="4031719" y="2280"/>
+        <a:ext cx="2729974" cy="1637984"/>
+      </dsp:txXfrm>
+    </dsp:sp>
+    <dsp:sp modelId="{2103C446-59A4-B24E-97AB-995EA938F0BA}">
+      <dsp:nvSpPr>
+        <dsp:cNvPr id="0" name=""/>
+        <dsp:cNvSpPr/>
+      </dsp:nvSpPr>
+      <dsp:spPr>
+        <a:xfrm>
+          <a:off x="2038837" y="1638465"/>
+          <a:ext cx="6715737" cy="597294"/>
+        </a:xfrm>
+        <a:custGeom>
+          <a:avLst/>
+          <a:gdLst/>
+          <a:ahLst/>
+          <a:cxnLst/>
+          <a:rect l="0" t="0" r="0" b="0"/>
+          <a:pathLst>
+            <a:path>
+              <a:moveTo>
+                <a:pt x="6715737" y="0"/>
+              </a:moveTo>
+              <a:lnTo>
+                <a:pt x="6715737" y="315747"/>
+              </a:lnTo>
+              <a:lnTo>
+                <a:pt x="0" y="315747"/>
+              </a:lnTo>
+              <a:lnTo>
+                <a:pt x="0" y="597294"/>
+              </a:lnTo>
+            </a:path>
+          </a:pathLst>
+        </a:custGeom>
+        <a:noFill/>
+        <a:ln w="9525" cap="flat" cmpd="sng" algn="ctr">
+          <a:solidFill>
+            <a:schemeClr val="accent4">
+              <a:hueOff val="0"/>
+              <a:satOff val="0"/>
+              <a:lumOff val="0"/>
+              <a:alphaOff val="0"/>
+            </a:schemeClr>
+          </a:solidFill>
+          <a:prstDash val="solid"/>
+          <a:tailEnd type="arrow"/>
+        </a:ln>
+        <a:effectLst/>
+      </dsp:spPr>
+      <dsp:style>
+        <a:lnRef idx="1">
+          <a:scrgbClr r="0" g="0" b="0"/>
+        </a:lnRef>
+        <a:fillRef idx="0">
+          <a:scrgbClr r="0" g="0" b="0"/>
+        </a:fillRef>
+        <a:effectRef idx="0">
+          <a:scrgbClr r="0" g="0" b="0"/>
+        </a:effectRef>
+        <a:fontRef idx="minor"/>
+      </dsp:style>
+      <dsp:txBody>
+        <a:bodyPr spcFirstLastPara="0" vert="horz" wrap="square" lIns="12700" tIns="0" rIns="12700" bIns="0" numCol="1" spcCol="1270" anchor="ctr" anchorCtr="0">
+          <a:noAutofit/>
+        </a:bodyPr>
+        <a:lstStyle/>
+        <a:p>
+          <a:pPr marL="0" lvl="0" indent="0" algn="ctr" defTabSz="222250">
+            <a:lnSpc>
+              <a:spcPct val="90000"/>
+            </a:lnSpc>
+            <a:spcBef>
+              <a:spcPct val="0"/>
+            </a:spcBef>
+            <a:spcAft>
+              <a:spcPct val="35000"/>
+            </a:spcAft>
+            <a:buNone/>
+          </a:pPr>
+          <a:endParaRPr lang="en-US" sz="500" kern="1200"/>
+        </a:p>
+      </dsp:txBody>
+      <dsp:txXfrm>
+        <a:off x="5228080" y="1933973"/>
+        <a:ext cx="337251" cy="6278"/>
+      </dsp:txXfrm>
+    </dsp:sp>
+    <dsp:sp modelId="{BA7A1DA0-3717-FA49-8F78-88B22C15E985}">
+      <dsp:nvSpPr>
+        <dsp:cNvPr id="0" name=""/>
+        <dsp:cNvSpPr/>
+      </dsp:nvSpPr>
+      <dsp:spPr>
+        <a:xfrm>
+          <a:off x="7389587" y="2280"/>
+          <a:ext cx="2729974" cy="1637984"/>
+        </a:xfrm>
+        <a:prstGeom prst="rect">
+          <a:avLst/>
+        </a:prstGeom>
+        <a:blipFill>
+          <a:blip xmlns:r="http://schemas.openxmlformats.org/officeDocument/2006/relationships" r:embed="rId1">
+            <a:duotone>
+              <a:schemeClr val="accent4">
+                <a:hueOff val="0"/>
+                <a:satOff val="0"/>
+                <a:lumOff val="0"/>
+                <a:alphaOff val="0"/>
+                <a:shade val="88000"/>
+                <a:lumMod val="88000"/>
+              </a:schemeClr>
+              <a:schemeClr val="accent4">
+                <a:hueOff val="0"/>
+                <a:satOff val="0"/>
+                <a:lumOff val="0"/>
+                <a:alphaOff val="0"/>
+              </a:schemeClr>
+            </a:duotone>
+          </a:blip>
+          <a:tile tx="0" ty="0" sx="100000" sy="100000" flip="none" algn="tl"/>
+        </a:blipFill>
+        <a:ln>
+          <a:noFill/>
+        </a:ln>
+        <a:effectLst/>
+      </dsp:spPr>
+      <dsp:style>
+        <a:lnRef idx="0">
+          <a:scrgbClr r="0" g="0" b="0"/>
+        </a:lnRef>
+        <a:fillRef idx="3">
+          <a:scrgbClr r="0" g="0" b="0"/>
+        </a:fillRef>
+        <a:effectRef idx="2">
+          <a:scrgbClr r="0" g="0" b="0"/>
+        </a:effectRef>
+        <a:fontRef idx="minor">
+          <a:schemeClr val="lt1"/>
+        </a:fontRef>
+      </dsp:style>
+      <dsp:txBody>
+        <a:bodyPr spcFirstLastPara="0" vert="horz" wrap="square" lIns="133771" tIns="140416" rIns="133771" bIns="140416" numCol="1" spcCol="1270" anchor="ctr" anchorCtr="0">
+          <a:noAutofit/>
+        </a:bodyPr>
+        <a:lstStyle/>
+        <a:p>
+          <a:pPr marL="0" lvl="0" indent="0" algn="ctr" defTabSz="933450">
+            <a:lnSpc>
+              <a:spcPct val="90000"/>
+            </a:lnSpc>
+            <a:spcBef>
+              <a:spcPct val="0"/>
+            </a:spcBef>
+            <a:spcAft>
+              <a:spcPct val="35000"/>
+            </a:spcAft>
+            <a:buNone/>
+          </a:pPr>
+          <a:r>
+            <a:rPr lang="en-US" sz="2100" b="1" kern="1200" dirty="0">
+              <a:latin typeface="Calibri" panose="020F0502020204030204" pitchFamily="34" charset="0"/>
+              <a:cs typeface="Calibri" panose="020F0502020204030204" pitchFamily="34" charset="0"/>
+            </a:rPr>
+            <a:t>Data</a:t>
+          </a:r>
+          <a:r>
+            <a:rPr lang="en-US" sz="2100" b="1" kern="1200" baseline="0" dirty="0">
+              <a:latin typeface="Calibri" panose="020F0502020204030204" pitchFamily="34" charset="0"/>
+              <a:cs typeface="Calibri" panose="020F0502020204030204" pitchFamily="34" charset="0"/>
+            </a:rPr>
+            <a:t> loss in cleaning: </a:t>
+          </a:r>
+          <a:r>
+            <a:rPr lang="en-US" sz="2100" kern="1200" baseline="0" dirty="0">
+              <a:latin typeface="Calibri" panose="020F0502020204030204" pitchFamily="34" charset="0"/>
+              <a:cs typeface="Calibri" panose="020F0502020204030204" pitchFamily="34" charset="0"/>
+            </a:rPr>
+            <a:t>May lack key factors such as connections and accuracy.</a:t>
+          </a:r>
+          <a:endParaRPr lang="en-US" sz="2100" kern="1200" dirty="0">
             <a:latin typeface="Calibri" panose="020F0502020204030204" pitchFamily="34" charset="0"/>
             <a:cs typeface="Calibri" panose="020F0502020204030204" pitchFamily="34" charset="0"/>
           </a:endParaRPr>
         </a:p>
       </dsp:txBody>
       <dsp:txXfrm>
-        <a:off x="42151" y="3968184"/>
-        <a:ext cx="5675354" cy="779158"/>
+        <a:off x="7389587" y="2280"/>
+        <a:ext cx="2729974" cy="1637984"/>
+      </dsp:txXfrm>
+    </dsp:sp>
+    <dsp:sp modelId="{B40CA93F-0659-324C-AD13-97DBCE13E137}">
+      <dsp:nvSpPr>
+        <dsp:cNvPr id="0" name=""/>
+        <dsp:cNvSpPr/>
+      </dsp:nvSpPr>
+      <dsp:spPr>
+        <a:xfrm>
+          <a:off x="3402025" y="3041431"/>
+          <a:ext cx="597294" cy="91440"/>
+        </a:xfrm>
+        <a:custGeom>
+          <a:avLst/>
+          <a:gdLst/>
+          <a:ahLst/>
+          <a:cxnLst/>
+          <a:rect l="0" t="0" r="0" b="0"/>
+          <a:pathLst>
+            <a:path>
+              <a:moveTo>
+                <a:pt x="0" y="45720"/>
+              </a:moveTo>
+              <a:lnTo>
+                <a:pt x="597294" y="45720"/>
+              </a:lnTo>
+            </a:path>
+          </a:pathLst>
+        </a:custGeom>
+        <a:noFill/>
+        <a:ln w="9525" cap="flat" cmpd="sng" algn="ctr">
+          <a:solidFill>
+            <a:schemeClr val="accent5">
+              <a:hueOff val="0"/>
+              <a:satOff val="0"/>
+              <a:lumOff val="0"/>
+              <a:alphaOff val="0"/>
+            </a:schemeClr>
+          </a:solidFill>
+          <a:prstDash val="solid"/>
+          <a:tailEnd type="arrow"/>
+        </a:ln>
+        <a:effectLst/>
+      </dsp:spPr>
+      <dsp:style>
+        <a:lnRef idx="1">
+          <a:scrgbClr r="0" g="0" b="0"/>
+        </a:lnRef>
+        <a:fillRef idx="0">
+          <a:scrgbClr r="0" g="0" b="0"/>
+        </a:fillRef>
+        <a:effectRef idx="0">
+          <a:scrgbClr r="0" g="0" b="0"/>
+        </a:effectRef>
+        <a:fontRef idx="minor"/>
+      </dsp:style>
+      <dsp:txBody>
+        <a:bodyPr spcFirstLastPara="0" vert="horz" wrap="square" lIns="12700" tIns="0" rIns="12700" bIns="0" numCol="1" spcCol="1270" anchor="ctr" anchorCtr="0">
+          <a:noAutofit/>
+        </a:bodyPr>
+        <a:lstStyle/>
+        <a:p>
+          <a:pPr marL="0" lvl="0" indent="0" algn="ctr" defTabSz="222250">
+            <a:lnSpc>
+              <a:spcPct val="90000"/>
+            </a:lnSpc>
+            <a:spcBef>
+              <a:spcPct val="0"/>
+            </a:spcBef>
+            <a:spcAft>
+              <a:spcPct val="35000"/>
+            </a:spcAft>
+            <a:buNone/>
+          </a:pPr>
+          <a:endParaRPr lang="en-US" sz="500" kern="1200"/>
+        </a:p>
+      </dsp:txBody>
+      <dsp:txXfrm>
+        <a:off x="3684974" y="3084012"/>
+        <a:ext cx="31394" cy="6278"/>
+      </dsp:txXfrm>
+    </dsp:sp>
+    <dsp:sp modelId="{71389831-D2A8-9D42-9E6A-7C5AAADC0819}">
+      <dsp:nvSpPr>
+        <dsp:cNvPr id="0" name=""/>
+        <dsp:cNvSpPr/>
+      </dsp:nvSpPr>
+      <dsp:spPr>
+        <a:xfrm>
+          <a:off x="673850" y="2268159"/>
+          <a:ext cx="2729974" cy="1637984"/>
+        </a:xfrm>
+        <a:prstGeom prst="rect">
+          <a:avLst/>
+        </a:prstGeom>
+        <a:blipFill>
+          <a:blip xmlns:r="http://schemas.openxmlformats.org/officeDocument/2006/relationships" r:embed="rId1">
+            <a:duotone>
+              <a:schemeClr val="accent5">
+                <a:hueOff val="0"/>
+                <a:satOff val="0"/>
+                <a:lumOff val="0"/>
+                <a:alphaOff val="0"/>
+                <a:shade val="88000"/>
+                <a:lumMod val="88000"/>
+              </a:schemeClr>
+              <a:schemeClr val="accent5">
+                <a:hueOff val="0"/>
+                <a:satOff val="0"/>
+                <a:lumOff val="0"/>
+                <a:alphaOff val="0"/>
+              </a:schemeClr>
+            </a:duotone>
+          </a:blip>
+          <a:tile tx="0" ty="0" sx="100000" sy="100000" flip="none" algn="tl"/>
+        </a:blipFill>
+        <a:ln>
+          <a:noFill/>
+        </a:ln>
+        <a:effectLst/>
+      </dsp:spPr>
+      <dsp:style>
+        <a:lnRef idx="0">
+          <a:scrgbClr r="0" g="0" b="0"/>
+        </a:lnRef>
+        <a:fillRef idx="3">
+          <a:scrgbClr r="0" g="0" b="0"/>
+        </a:fillRef>
+        <a:effectRef idx="2">
+          <a:scrgbClr r="0" g="0" b="0"/>
+        </a:effectRef>
+        <a:fontRef idx="minor">
+          <a:schemeClr val="lt1"/>
+        </a:fontRef>
+      </dsp:style>
+      <dsp:txBody>
+        <a:bodyPr spcFirstLastPara="0" vert="horz" wrap="square" lIns="133771" tIns="140416" rIns="133771" bIns="140416" numCol="1" spcCol="1270" anchor="ctr" anchorCtr="0">
+          <a:noAutofit/>
+        </a:bodyPr>
+        <a:lstStyle/>
+        <a:p>
+          <a:pPr marL="0" lvl="0" indent="0" algn="ctr" defTabSz="933450">
+            <a:lnSpc>
+              <a:spcPct val="90000"/>
+            </a:lnSpc>
+            <a:spcBef>
+              <a:spcPct val="0"/>
+            </a:spcBef>
+            <a:spcAft>
+              <a:spcPct val="35000"/>
+            </a:spcAft>
+            <a:buNone/>
+          </a:pPr>
+          <a:r>
+            <a:rPr lang="en-US" sz="2100" b="1" kern="1200" dirty="0">
+              <a:latin typeface="Calibri" panose="020F0502020204030204" pitchFamily="34" charset="0"/>
+              <a:cs typeface="Calibri" panose="020F0502020204030204" pitchFamily="34" charset="0"/>
+            </a:rPr>
+            <a:t>Categorization: </a:t>
+          </a:r>
+          <a:r>
+            <a:rPr lang="en-US" sz="2100" kern="1200" dirty="0">
+              <a:latin typeface="Calibri" panose="020F0502020204030204" pitchFamily="34" charset="0"/>
+              <a:cs typeface="Calibri" panose="020F0502020204030204" pitchFamily="34" charset="0"/>
+            </a:rPr>
+            <a:t>Some features have lots of categories, complicating analysis.</a:t>
+          </a:r>
+        </a:p>
+      </dsp:txBody>
+      <dsp:txXfrm>
+        <a:off x="673850" y="2268159"/>
+        <a:ext cx="2729974" cy="1637984"/>
+      </dsp:txXfrm>
+    </dsp:sp>
+    <dsp:sp modelId="{C668F36F-89AD-C947-9540-C69528D361A9}">
+      <dsp:nvSpPr>
+        <dsp:cNvPr id="0" name=""/>
+        <dsp:cNvSpPr/>
+      </dsp:nvSpPr>
+      <dsp:spPr>
+        <a:xfrm>
+          <a:off x="4031719" y="2268159"/>
+          <a:ext cx="2729974" cy="1637984"/>
+        </a:xfrm>
+        <a:prstGeom prst="rect">
+          <a:avLst/>
+        </a:prstGeom>
+        <a:blipFill>
+          <a:blip xmlns:r="http://schemas.openxmlformats.org/officeDocument/2006/relationships" r:embed="rId1">
+            <a:duotone>
+              <a:schemeClr val="accent6">
+                <a:hueOff val="0"/>
+                <a:satOff val="0"/>
+                <a:lumOff val="0"/>
+                <a:alphaOff val="0"/>
+                <a:shade val="88000"/>
+                <a:lumMod val="88000"/>
+              </a:schemeClr>
+              <a:schemeClr val="accent6">
+                <a:hueOff val="0"/>
+                <a:satOff val="0"/>
+                <a:lumOff val="0"/>
+                <a:alphaOff val="0"/>
+              </a:schemeClr>
+            </a:duotone>
+          </a:blip>
+          <a:tile tx="0" ty="0" sx="100000" sy="100000" flip="none" algn="tl"/>
+        </a:blipFill>
+        <a:ln>
+          <a:noFill/>
+        </a:ln>
+        <a:effectLst/>
+      </dsp:spPr>
+      <dsp:style>
+        <a:lnRef idx="0">
+          <a:scrgbClr r="0" g="0" b="0"/>
+        </a:lnRef>
+        <a:fillRef idx="3">
+          <a:scrgbClr r="0" g="0" b="0"/>
+        </a:fillRef>
+        <a:effectRef idx="2">
+          <a:scrgbClr r="0" g="0" b="0"/>
+        </a:effectRef>
+        <a:fontRef idx="minor">
+          <a:schemeClr val="lt1"/>
+        </a:fontRef>
+      </dsp:style>
+      <dsp:txBody>
+        <a:bodyPr spcFirstLastPara="0" vert="horz" wrap="square" lIns="133771" tIns="140416" rIns="133771" bIns="140416" numCol="1" spcCol="1270" anchor="ctr" anchorCtr="0">
+          <a:noAutofit/>
+        </a:bodyPr>
+        <a:lstStyle/>
+        <a:p>
+          <a:pPr marL="0" lvl="0" indent="0" algn="ctr" defTabSz="933450">
+            <a:lnSpc>
+              <a:spcPct val="90000"/>
+            </a:lnSpc>
+            <a:spcBef>
+              <a:spcPct val="0"/>
+            </a:spcBef>
+            <a:spcAft>
+              <a:spcPct val="35000"/>
+            </a:spcAft>
+            <a:buNone/>
+          </a:pPr>
+          <a:r>
+            <a:rPr lang="en-US" sz="2100" b="1" kern="1200" dirty="0">
+              <a:latin typeface="Calibri" panose="020F0502020204030204" pitchFamily="34" charset="0"/>
+              <a:cs typeface="Calibri" panose="020F0502020204030204" pitchFamily="34" charset="0"/>
+            </a:rPr>
+            <a:t>Age: </a:t>
+          </a:r>
+          <a:r>
+            <a:rPr lang="en-US" sz="2100" kern="1200" dirty="0">
+              <a:latin typeface="Calibri" panose="020F0502020204030204" pitchFamily="34" charset="0"/>
+              <a:cs typeface="Calibri" panose="020F0502020204030204" pitchFamily="34" charset="0"/>
+            </a:rPr>
+            <a:t>We don’t know in depth details of age(only under/above 35).</a:t>
+          </a:r>
+        </a:p>
+      </dsp:txBody>
+      <dsp:txXfrm>
+        <a:off x="4031719" y="2268159"/>
+        <a:ext cx="2729974" cy="1637984"/>
       </dsp:txXfrm>
     </dsp:sp>
   </dsp:spTree>
@@ -2036,12 +3958,204 @@
 </dgm:layoutDef>
 </file>
 
+<file path=ppt/diagrams/layout2.xml><?xml version="1.0" encoding="utf-8"?>
+<dgm:layoutDef xmlns:dgm="http://schemas.openxmlformats.org/drawingml/2006/diagram" xmlns:a="http://schemas.openxmlformats.org/drawingml/2006/main" uniqueId="urn:microsoft.com/office/officeart/2016/7/layout/RepeatingBendingProcessNew">
+  <dgm:title val="Repeating Bending Process New"/>
+  <dgm:desc val=""/>
+  <dgm:catLst>
+    <dgm:cat type="process" pri="500"/>
+  </dgm:catLst>
+  <dgm:sampData>
+    <dgm:dataModel>
+      <dgm:ptLst>
+        <dgm:pt modelId="0" type="doc"/>
+        <dgm:pt modelId="1">
+          <dgm:prSet phldr="1"/>
+        </dgm:pt>
+        <dgm:pt modelId="2">
+          <dgm:prSet phldr="1"/>
+        </dgm:pt>
+        <dgm:pt modelId="3">
+          <dgm:prSet phldr="1"/>
+        </dgm:pt>
+        <dgm:pt modelId="4">
+          <dgm:prSet phldr="1"/>
+        </dgm:pt>
+        <dgm:pt modelId="5">
+          <dgm:prSet phldr="1"/>
+        </dgm:pt>
+      </dgm:ptLst>
+      <dgm:cxnLst>
+        <dgm:cxn modelId="7" srcId="0" destId="1" srcOrd="0" destOrd="0"/>
+        <dgm:cxn modelId="8" srcId="0" destId="2" srcOrd="1" destOrd="0"/>
+        <dgm:cxn modelId="9" srcId="0" destId="3" srcOrd="2" destOrd="0"/>
+        <dgm:cxn modelId="10" srcId="0" destId="4" srcOrd="3" destOrd="0"/>
+        <dgm:cxn modelId="11" srcId="0" destId="5" srcOrd="4" destOrd="0"/>
+      </dgm:cxnLst>
+      <dgm:bg/>
+      <dgm:whole/>
+    </dgm:dataModel>
+  </dgm:sampData>
+  <dgm:styleData>
+    <dgm:dataModel>
+      <dgm:ptLst>
+        <dgm:pt modelId="0" type="doc"/>
+        <dgm:pt modelId="1"/>
+        <dgm:pt modelId="2"/>
+      </dgm:ptLst>
+      <dgm:cxnLst>
+        <dgm:cxn modelId="3" srcId="0" destId="1" srcOrd="0" destOrd="0"/>
+        <dgm:cxn modelId="4" srcId="0" destId="2" srcOrd="1" destOrd="0"/>
+      </dgm:cxnLst>
+      <dgm:bg/>
+      <dgm:whole/>
+    </dgm:dataModel>
+  </dgm:styleData>
+  <dgm:clrData>
+    <dgm:dataModel>
+      <dgm:ptLst>
+        <dgm:pt modelId="0" type="doc"/>
+        <dgm:pt modelId="1"/>
+        <dgm:pt modelId="2"/>
+        <dgm:pt modelId="3"/>
+        <dgm:pt modelId="4"/>
+      </dgm:ptLst>
+      <dgm:cxnLst>
+        <dgm:cxn modelId="5" srcId="0" destId="1" srcOrd="0" destOrd="0"/>
+        <dgm:cxn modelId="6" srcId="0" destId="2" srcOrd="1" destOrd="0"/>
+        <dgm:cxn modelId="7" srcId="0" destId="3" srcOrd="2" destOrd="0"/>
+        <dgm:cxn modelId="8" srcId="0" destId="4" srcOrd="3" destOrd="0"/>
+      </dgm:cxnLst>
+      <dgm:bg/>
+      <dgm:whole/>
+    </dgm:dataModel>
+  </dgm:clrData>
+  <dgm:layoutNode name="Name0">
+    <dgm:varLst>
+      <dgm:dir/>
+      <dgm:resizeHandles val="exact"/>
+    </dgm:varLst>
+    <dgm:choose name="Name1">
+      <dgm:if name="Name2" axis="self" func="var" arg="dir" op="equ" val="norm">
+        <dgm:alg type="snake">
+          <dgm:param type="grDir" val="tL"/>
+          <dgm:param type="flowDir" val="row"/>
+          <dgm:param type="contDir" val="sameDir"/>
+          <dgm:param type="bkpt" val="endCnv"/>
+        </dgm:alg>
+      </dgm:if>
+      <dgm:else name="Name3">
+        <dgm:alg type="snake">
+          <dgm:param type="grDir" val="tR"/>
+          <dgm:param type="flowDir" val="row"/>
+          <dgm:param type="contDir" val="sameDir"/>
+          <dgm:param type="bkpt" val="endCnv"/>
+        </dgm:alg>
+      </dgm:else>
+    </dgm:choose>
+    <dgm:shape xmlns:r="http://schemas.openxmlformats.org/officeDocument/2006/relationships" r:blip="">
+      <dgm:adjLst/>
+    </dgm:shape>
+    <dgm:presOf/>
+    <dgm:constrLst>
+      <dgm:constr type="w" for="ch" ptType="node" refType="w"/>
+      <dgm:constr type="w" for="ch" forName="sibTrans" refType="w" refFor="ch" refPtType="node" op="equ" fact="0.23"/>
+      <dgm:constr type="sp" refType="w" refFor="ch" refForName="sibTrans" op="equ"/>
+      <dgm:constr type="userB" for="des" forName="connectorText" refType="sp"/>
+      <dgm:constr type="primFontSz" for="ch" ptType="node" op="equ" val="65"/>
+      <dgm:constr type="h" for="ch" ptType="sibTrans" op="equ"/>
+      <dgm:constr type="primFontSz" for="des" forName="connectorText" op="equ" val="55"/>
+      <dgm:constr type="primFontSz" for="des" forName="connectorText" refType="primFontSz" refFor="ch" refPtType="node" op="lte" fact="0.8"/>
+    </dgm:constrLst>
+    <dgm:ruleLst/>
+    <dgm:forEach name="nodesForEach" axis="ch" ptType="node">
+      <dgm:layoutNode name="node">
+        <dgm:varLst>
+          <dgm:bulletEnabled val="1"/>
+        </dgm:varLst>
+        <dgm:alg type="tx"/>
+        <dgm:shape xmlns:r="http://schemas.openxmlformats.org/officeDocument/2006/relationships" type="rect" r:blip="">
+          <dgm:adjLst/>
+        </dgm:shape>
+        <dgm:presOf axis="desOrSelf" ptType="node"/>
+        <dgm:constrLst>
+          <dgm:constr type="h" refType="w" fact="0.6"/>
+          <dgm:constr type="tMarg" refType="h" fact="0.243"/>
+          <dgm:constr type="bMarg" refType="h" fact="0.243"/>
+          <dgm:constr type="lMarg" refType="w" fact="0.1389"/>
+          <dgm:constr type="rMarg" refType="w" fact="0.1389"/>
+        </dgm:constrLst>
+        <dgm:ruleLst>
+          <dgm:rule type="primFontSz" val="12" fact="NaN" max="NaN"/>
+        </dgm:ruleLst>
+      </dgm:layoutNode>
+      <dgm:forEach name="sibTransForEach" axis="followSib" ptType="sibTrans" cnt="1">
+        <dgm:layoutNode name="sibTrans">
+          <dgm:choose name="Name4">
+            <dgm:if name="Name5" axis="self" func="var" arg="dir" op="equ" val="norm">
+              <dgm:alg type="conn">
+                <dgm:param type="connRout" val="bend"/>
+                <dgm:param type="dim" val="1D"/>
+                <dgm:param type="begPts" val="midR bCtr"/>
+                <dgm:param type="endPts" val="midL tCtr"/>
+              </dgm:alg>
+            </dgm:if>
+            <dgm:else name="Name6">
+              <dgm:alg type="conn">
+                <dgm:param type="connRout" val="bend"/>
+                <dgm:param type="dim" val="1D"/>
+                <dgm:param type="begPts" val="midL bCtr"/>
+                <dgm:param type="endPts" val="midR tCtr"/>
+              </dgm:alg>
+            </dgm:else>
+          </dgm:choose>
+          <dgm:shape xmlns:r="http://schemas.openxmlformats.org/officeDocument/2006/relationships" type="conn" r:blip="" zOrderOff="-2">
+            <dgm:adjLst/>
+          </dgm:shape>
+          <dgm:presOf axis="self"/>
+          <dgm:constrLst>
+            <dgm:constr type="begPad" val="-0.05"/>
+            <dgm:constr type="endPad" val="0.9"/>
+            <dgm:constr type="userA" for="ch" refType="connDist"/>
+          </dgm:constrLst>
+          <dgm:ruleLst/>
+          <dgm:layoutNode name="connectorText">
+            <dgm:alg type="tx">
+              <dgm:param type="autoTxRot" val="upr"/>
+            </dgm:alg>
+            <dgm:shape xmlns:r="http://schemas.openxmlformats.org/officeDocument/2006/relationships" type="rect" r:blip="" hideGeom="1">
+              <dgm:adjLst/>
+            </dgm:shape>
+            <dgm:presOf axis="self"/>
+            <dgm:constrLst>
+              <dgm:constr type="userA"/>
+              <dgm:constr type="userB"/>
+              <dgm:constr type="w" refType="userA" fact="0.05"/>
+              <dgm:constr type="h" refType="userB" fact="0.01"/>
+              <dgm:constr type="lMarg" val="1"/>
+              <dgm:constr type="rMarg" val="1"/>
+              <dgm:constr type="tMarg"/>
+              <dgm:constr type="bMarg"/>
+            </dgm:constrLst>
+            <dgm:ruleLst>
+              <dgm:rule type="w" val="NaN" fact="0.6" max="NaN"/>
+              <dgm:rule type="h" val="NaN" fact="0.6" max="NaN"/>
+              <dgm:rule type="primFontSz" val="5" fact="NaN" max="NaN"/>
+            </dgm:ruleLst>
+          </dgm:layoutNode>
+        </dgm:layoutNode>
+      </dgm:forEach>
+    </dgm:forEach>
+  </dgm:layoutNode>
+</dgm:layoutDef>
+</file>
+
 <file path=ppt/diagrams/quickStyle1.xml><?xml version="1.0" encoding="utf-8"?>
-<dgm:styleDef xmlns:dgm="http://schemas.openxmlformats.org/drawingml/2006/diagram" xmlns:a="http://schemas.openxmlformats.org/drawingml/2006/main" uniqueId="urn:microsoft.com/office/officeart/2005/8/quickstyle/simple2">
+<dgm:styleDef xmlns:dgm="http://schemas.openxmlformats.org/drawingml/2006/diagram" xmlns:a="http://schemas.openxmlformats.org/drawingml/2006/main" uniqueId="urn:microsoft.com/office/officeart/2005/8/quickstyle/simple1">
   <dgm:title val=""/>
   <dgm:desc val=""/>
   <dgm:catLst>
-    <dgm:cat type="simple" pri="10200"/>
+    <dgm:cat type="simple" pri="10100"/>
   </dgm:catLst>
   <dgm:scene3d>
     <a:camera prst="orthographicFront"/>
@@ -2055,13 +4169,13 @@
     <dgm:sp3d/>
     <dgm:txPr/>
     <dgm:style>
-      <a:lnRef idx="3">
+      <a:lnRef idx="2">
         <a:scrgbClr r="0" g="0" b="0"/>
       </a:lnRef>
       <a:fillRef idx="1">
         <a:scrgbClr r="0" g="0" b="0"/>
       </a:fillRef>
-      <a:effectRef idx="1">
+      <a:effectRef idx="0">
         <a:scrgbClr r="0" g="0" b="0"/>
       </a:effectRef>
       <a:fontRef idx="minor">
@@ -2077,13 +4191,13 @@
     <dgm:sp3d/>
     <dgm:txPr/>
     <dgm:style>
-      <a:lnRef idx="3">
+      <a:lnRef idx="2">
         <a:scrgbClr r="0" g="0" b="0"/>
       </a:lnRef>
       <a:fillRef idx="1">
         <a:scrgbClr r="0" g="0" b="0"/>
       </a:fillRef>
-      <a:effectRef idx="1">
+      <a:effectRef idx="0">
         <a:scrgbClr r="0" g="0" b="0"/>
       </a:effectRef>
       <a:fontRef idx="minor">
@@ -2099,7 +4213,7 @@
     <dgm:sp3d/>
     <dgm:txPr/>
     <dgm:style>
-      <a:lnRef idx="3">
+      <a:lnRef idx="2">
         <a:scrgbClr r="0" g="0" b="0"/>
       </a:lnRef>
       <a:fillRef idx="1">
@@ -2127,7 +4241,7 @@
       <a:fillRef idx="1">
         <a:scrgbClr r="0" g="0" b="0"/>
       </a:fillRef>
-      <a:effectRef idx="1">
+      <a:effectRef idx="0">
         <a:scrgbClr r="0" g="0" b="0"/>
       </a:effectRef>
       <a:fontRef idx="minor">
@@ -2143,13 +4257,13 @@
     <dgm:sp3d/>
     <dgm:txPr/>
     <dgm:style>
-      <a:lnRef idx="3">
+      <a:lnRef idx="2">
         <a:scrgbClr r="0" g="0" b="0"/>
       </a:lnRef>
       <a:fillRef idx="1">
         <a:scrgbClr r="0" g="0" b="0"/>
       </a:fillRef>
-      <a:effectRef idx="1">
+      <a:effectRef idx="0">
         <a:scrgbClr r="0" g="0" b="0"/>
       </a:effectRef>
       <a:fontRef idx="minor">
@@ -2165,13 +4279,13 @@
     <dgm:sp3d/>
     <dgm:txPr/>
     <dgm:style>
-      <a:lnRef idx="3">
+      <a:lnRef idx="2">
         <a:scrgbClr r="0" g="0" b="0"/>
       </a:lnRef>
       <a:fillRef idx="1">
         <a:scrgbClr r="0" g="0" b="0"/>
       </a:fillRef>
-      <a:effectRef idx="1">
+      <a:effectRef idx="0">
         <a:scrgbClr r="0" g="0" b="0"/>
       </a:effectRef>
       <a:fontRef idx="minor">
@@ -2187,13 +4301,13 @@
     <dgm:sp3d/>
     <dgm:txPr/>
     <dgm:style>
-      <a:lnRef idx="3">
+      <a:lnRef idx="2">
         <a:scrgbClr r="0" g="0" b="0"/>
       </a:lnRef>
       <a:fillRef idx="1">
         <a:scrgbClr r="0" g="0" b="0"/>
       </a:fillRef>
-      <a:effectRef idx="1">
+      <a:effectRef idx="0">
         <a:scrgbClr r="0" g="0" b="0"/>
       </a:effectRef>
       <a:fontRef idx="minor">
@@ -2209,13 +4323,13 @@
     <dgm:sp3d/>
     <dgm:txPr/>
     <dgm:style>
-      <a:lnRef idx="3">
+      <a:lnRef idx="2">
         <a:scrgbClr r="0" g="0" b="0"/>
       </a:lnRef>
       <a:fillRef idx="1">
         <a:scrgbClr r="0" g="0" b="0"/>
       </a:fillRef>
-      <a:effectRef idx="1">
+      <a:effectRef idx="0">
         <a:scrgbClr r="0" g="0" b="0"/>
       </a:effectRef>
       <a:fontRef idx="minor">
@@ -2231,13 +4345,13 @@
     <dgm:sp3d/>
     <dgm:txPr/>
     <dgm:style>
-      <a:lnRef idx="3">
+      <a:lnRef idx="2">
         <a:scrgbClr r="0" g="0" b="0"/>
       </a:lnRef>
       <a:fillRef idx="1">
         <a:scrgbClr r="0" g="0" b="0"/>
       </a:fillRef>
-      <a:effectRef idx="1">
+      <a:effectRef idx="0">
         <a:scrgbClr r="0" g="0" b="0"/>
       </a:effectRef>
       <a:fontRef idx="minor"/>
@@ -2251,13 +4365,13 @@
     <dgm:sp3d/>
     <dgm:txPr/>
     <dgm:style>
-      <a:lnRef idx="3">
+      <a:lnRef idx="2">
         <a:scrgbClr r="0" g="0" b="0"/>
       </a:lnRef>
       <a:fillRef idx="1">
         <a:scrgbClr r="0" g="0" b="0"/>
       </a:fillRef>
-      <a:effectRef idx="1">
+      <a:effectRef idx="0">
         <a:scrgbClr r="0" g="0" b="0"/>
       </a:effectRef>
       <a:fontRef idx="minor"/>
@@ -2271,13 +4385,13 @@
     <dgm:sp3d/>
     <dgm:txPr/>
     <dgm:style>
-      <a:lnRef idx="3">
+      <a:lnRef idx="2">
         <a:scrgbClr r="0" g="0" b="0"/>
       </a:lnRef>
       <a:fillRef idx="1">
         <a:scrgbClr r="0" g="0" b="0"/>
       </a:fillRef>
-      <a:effectRef idx="1">
+      <a:effectRef idx="0">
         <a:scrgbClr r="0" g="0" b="0"/>
       </a:effectRef>
       <a:fontRef idx="minor"/>
@@ -2297,7 +4411,7 @@
       <a:fillRef idx="1">
         <a:scrgbClr r="0" g="0" b="0"/>
       </a:fillRef>
-      <a:effectRef idx="1">
+      <a:effectRef idx="0">
         <a:scrgbClr r="0" g="0" b="0"/>
       </a:effectRef>
       <a:fontRef idx="minor">
@@ -2319,7 +4433,7 @@
       <a:fillRef idx="1">
         <a:scrgbClr r="0" g="0" b="0"/>
       </a:fillRef>
-      <a:effectRef idx="1">
+      <a:effectRef idx="0">
         <a:scrgbClr r="0" g="0" b="0"/>
       </a:effectRef>
       <a:fontRef idx="minor">
@@ -2341,7 +4455,7 @@
       <a:fillRef idx="1">
         <a:scrgbClr r="0" g="0" b="0"/>
       </a:fillRef>
-      <a:effectRef idx="1">
+      <a:effectRef idx="0">
         <a:scrgbClr r="0" g="0" b="0"/>
       </a:effectRef>
       <a:fontRef idx="minor">
@@ -2383,7 +4497,7 @@
       <a:fillRef idx="1">
         <a:scrgbClr r="0" g="0" b="0"/>
       </a:fillRef>
-      <a:effectRef idx="1">
+      <a:effectRef idx="0">
         <a:scrgbClr r="0" g="0" b="0"/>
       </a:effectRef>
       <a:fontRef idx="minor"/>
@@ -2397,13 +4511,13 @@
     <dgm:sp3d/>
     <dgm:txPr/>
     <dgm:style>
-      <a:lnRef idx="3">
+      <a:lnRef idx="2">
         <a:scrgbClr r="0" g="0" b="0"/>
       </a:lnRef>
       <a:fillRef idx="1">
         <a:scrgbClr r="0" g="0" b="0"/>
       </a:fillRef>
-      <a:effectRef idx="1">
+      <a:effectRef idx="0">
         <a:scrgbClr r="0" g="0" b="0"/>
       </a:effectRef>
       <a:fontRef idx="minor">
@@ -2419,13 +4533,13 @@
     <dgm:sp3d/>
     <dgm:txPr/>
     <dgm:style>
-      <a:lnRef idx="3">
+      <a:lnRef idx="2">
         <a:scrgbClr r="0" g="0" b="0"/>
       </a:lnRef>
       <a:fillRef idx="1">
         <a:scrgbClr r="0" g="0" b="0"/>
       </a:fillRef>
-      <a:effectRef idx="1">
+      <a:effectRef idx="0">
         <a:scrgbClr r="0" g="0" b="0"/>
       </a:effectRef>
       <a:fontRef idx="minor">
@@ -2441,13 +4555,13 @@
     <dgm:sp3d/>
     <dgm:txPr/>
     <dgm:style>
-      <a:lnRef idx="3">
+      <a:lnRef idx="2">
         <a:scrgbClr r="0" g="0" b="0"/>
       </a:lnRef>
       <a:fillRef idx="1">
         <a:scrgbClr r="0" g="0" b="0"/>
       </a:fillRef>
-      <a:effectRef idx="1">
+      <a:effectRef idx="0">
         <a:scrgbClr r="0" g="0" b="0"/>
       </a:effectRef>
       <a:fontRef idx="minor">
@@ -2463,13 +4577,13 @@
     <dgm:sp3d/>
     <dgm:txPr/>
     <dgm:style>
-      <a:lnRef idx="3">
+      <a:lnRef idx="2">
         <a:scrgbClr r="0" g="0" b="0"/>
       </a:lnRef>
       <a:fillRef idx="1">
         <a:scrgbClr r="0" g="0" b="0"/>
       </a:fillRef>
-      <a:effectRef idx="1">
+      <a:effectRef idx="0">
         <a:scrgbClr r="0" g="0" b="0"/>
       </a:effectRef>
       <a:fontRef idx="minor">
@@ -2485,13 +4599,13 @@
     <dgm:sp3d/>
     <dgm:txPr/>
     <dgm:style>
-      <a:lnRef idx="3">
+      <a:lnRef idx="2">
         <a:scrgbClr r="0" g="0" b="0"/>
       </a:lnRef>
       <a:fillRef idx="1">
         <a:scrgbClr r="0" g="0" b="0"/>
       </a:fillRef>
-      <a:effectRef idx="1">
+      <a:effectRef idx="0">
         <a:scrgbClr r="0" g="0" b="0"/>
       </a:effectRef>
       <a:fontRef idx="minor">
@@ -2507,13 +4621,13 @@
     <dgm:sp3d/>
     <dgm:txPr/>
     <dgm:style>
-      <a:lnRef idx="3">
+      <a:lnRef idx="2">
         <a:scrgbClr r="0" g="0" b="0"/>
       </a:lnRef>
       <a:fillRef idx="1">
         <a:scrgbClr r="0" g="0" b="0"/>
       </a:fillRef>
-      <a:effectRef idx="1">
+      <a:effectRef idx="0">
         <a:scrgbClr r="0" g="0" b="0"/>
       </a:effectRef>
       <a:fontRef idx="minor">
@@ -2529,13 +4643,13 @@
     <dgm:sp3d/>
     <dgm:txPr/>
     <dgm:style>
-      <a:lnRef idx="3">
+      <a:lnRef idx="2">
         <a:scrgbClr r="0" g="0" b="0"/>
       </a:lnRef>
       <a:fillRef idx="1">
         <a:scrgbClr r="0" g="0" b="0"/>
       </a:fillRef>
-      <a:effectRef idx="1">
+      <a:effectRef idx="0">
         <a:scrgbClr r="0" g="0" b="0"/>
       </a:effectRef>
       <a:fontRef idx="minor">
@@ -2551,13 +4665,13 @@
     <dgm:sp3d/>
     <dgm:txPr/>
     <dgm:style>
-      <a:lnRef idx="3">
+      <a:lnRef idx="2">
         <a:scrgbClr r="0" g="0" b="0"/>
       </a:lnRef>
       <a:fillRef idx="1">
         <a:scrgbClr r="0" g="0" b="0"/>
       </a:fillRef>
-      <a:effectRef idx="1">
+      <a:effectRef idx="0">
         <a:scrgbClr r="0" g="0" b="0"/>
       </a:effectRef>
       <a:fontRef idx="minor">
@@ -2573,13 +4687,13 @@
     <dgm:sp3d/>
     <dgm:txPr/>
     <dgm:style>
-      <a:lnRef idx="3">
+      <a:lnRef idx="2">
         <a:scrgbClr r="0" g="0" b="0"/>
       </a:lnRef>
       <a:fillRef idx="1">
         <a:scrgbClr r="0" g="0" b="0"/>
       </a:fillRef>
-      <a:effectRef idx="1">
+      <a:effectRef idx="0">
         <a:scrgbClr r="0" g="0" b="0"/>
       </a:effectRef>
       <a:fontRef idx="minor">
@@ -3035,13 +5149,1047 @@
     <dgm:sp3d/>
     <dgm:txPr/>
     <dgm:style>
-      <a:lnRef idx="3">
+      <a:lnRef idx="2">
         <a:scrgbClr r="0" g="0" b="0"/>
       </a:lnRef>
       <a:fillRef idx="1">
         <a:scrgbClr r="0" g="0" b="0"/>
       </a:fillRef>
+      <a:effectRef idx="0">
+        <a:scrgbClr r="0" g="0" b="0"/>
+      </a:effectRef>
+      <a:fontRef idx="minor"/>
+    </dgm:style>
+  </dgm:styleLbl>
+  <dgm:styleLbl name="revTx">
+    <dgm:scene3d>
+      <a:camera prst="orthographicFront"/>
+      <a:lightRig rig="threePt" dir="t"/>
+    </dgm:scene3d>
+    <dgm:sp3d/>
+    <dgm:txPr/>
+    <dgm:style>
+      <a:lnRef idx="0">
+        <a:scrgbClr r="0" g="0" b="0"/>
+      </a:lnRef>
+      <a:fillRef idx="0">
+        <a:scrgbClr r="0" g="0" b="0"/>
+      </a:fillRef>
+      <a:effectRef idx="0">
+        <a:scrgbClr r="0" g="0" b="0"/>
+      </a:effectRef>
+      <a:fontRef idx="minor"/>
+    </dgm:style>
+  </dgm:styleLbl>
+</dgm:styleDef>
+</file>
+
+<file path=ppt/diagrams/quickStyle2.xml><?xml version="1.0" encoding="utf-8"?>
+<dgm:styleDef xmlns:dgm="http://schemas.openxmlformats.org/drawingml/2006/diagram" xmlns:a="http://schemas.openxmlformats.org/drawingml/2006/main" uniqueId="urn:microsoft.com/office/officeart/2005/8/quickstyle/simple4">
+  <dgm:title val=""/>
+  <dgm:desc val=""/>
+  <dgm:catLst>
+    <dgm:cat type="simple" pri="10400"/>
+  </dgm:catLst>
+  <dgm:scene3d>
+    <a:camera prst="orthographicFront"/>
+    <a:lightRig rig="threePt" dir="t"/>
+  </dgm:scene3d>
+  <dgm:styleLbl name="node0">
+    <dgm:scene3d>
+      <a:camera prst="orthographicFront"/>
+      <a:lightRig rig="threePt" dir="t"/>
+    </dgm:scene3d>
+    <dgm:sp3d/>
+    <dgm:txPr/>
+    <dgm:style>
+      <a:lnRef idx="0">
+        <a:scrgbClr r="0" g="0" b="0"/>
+      </a:lnRef>
+      <a:fillRef idx="3">
+        <a:scrgbClr r="0" g="0" b="0"/>
+      </a:fillRef>
+      <a:effectRef idx="2">
+        <a:scrgbClr r="0" g="0" b="0"/>
+      </a:effectRef>
+      <a:fontRef idx="minor">
+        <a:schemeClr val="lt1"/>
+      </a:fontRef>
+    </dgm:style>
+  </dgm:styleLbl>
+  <dgm:styleLbl name="lnNode1">
+    <dgm:scene3d>
+      <a:camera prst="orthographicFront"/>
+      <a:lightRig rig="threePt" dir="t"/>
+    </dgm:scene3d>
+    <dgm:sp3d/>
+    <dgm:txPr/>
+    <dgm:style>
+      <a:lnRef idx="1">
+        <a:scrgbClr r="0" g="0" b="0"/>
+      </a:lnRef>
+      <a:fillRef idx="3">
+        <a:scrgbClr r="0" g="0" b="0"/>
+      </a:fillRef>
+      <a:effectRef idx="2">
+        <a:scrgbClr r="0" g="0" b="0"/>
+      </a:effectRef>
+      <a:fontRef idx="minor">
+        <a:schemeClr val="lt1"/>
+      </a:fontRef>
+    </dgm:style>
+  </dgm:styleLbl>
+  <dgm:styleLbl name="vennNode1">
+    <dgm:scene3d>
+      <a:camera prst="orthographicFront"/>
+      <a:lightRig rig="threePt" dir="t"/>
+    </dgm:scene3d>
+    <dgm:sp3d/>
+    <dgm:txPr/>
+    <dgm:style>
+      <a:lnRef idx="0">
+        <a:scrgbClr r="0" g="0" b="0"/>
+      </a:lnRef>
+      <a:fillRef idx="3">
+        <a:scrgbClr r="0" g="0" b="0"/>
+      </a:fillRef>
+      <a:effectRef idx="0">
+        <a:scrgbClr r="0" g="0" b="0"/>
+      </a:effectRef>
+      <a:fontRef idx="minor">
+        <a:schemeClr val="tx1"/>
+      </a:fontRef>
+    </dgm:style>
+  </dgm:styleLbl>
+  <dgm:styleLbl name="alignNode1">
+    <dgm:scene3d>
+      <a:camera prst="orthographicFront"/>
+      <a:lightRig rig="threePt" dir="t"/>
+    </dgm:scene3d>
+    <dgm:sp3d/>
+    <dgm:txPr/>
+    <dgm:style>
+      <a:lnRef idx="1">
+        <a:scrgbClr r="0" g="0" b="0"/>
+      </a:lnRef>
+      <a:fillRef idx="3">
+        <a:scrgbClr r="0" g="0" b="0"/>
+      </a:fillRef>
+      <a:effectRef idx="2">
+        <a:scrgbClr r="0" g="0" b="0"/>
+      </a:effectRef>
+      <a:fontRef idx="minor">
+        <a:schemeClr val="lt1"/>
+      </a:fontRef>
+    </dgm:style>
+  </dgm:styleLbl>
+  <dgm:styleLbl name="node1">
+    <dgm:scene3d>
+      <a:camera prst="orthographicFront"/>
+      <a:lightRig rig="threePt" dir="t"/>
+    </dgm:scene3d>
+    <dgm:sp3d/>
+    <dgm:txPr/>
+    <dgm:style>
+      <a:lnRef idx="0">
+        <a:scrgbClr r="0" g="0" b="0"/>
+      </a:lnRef>
+      <a:fillRef idx="3">
+        <a:scrgbClr r="0" g="0" b="0"/>
+      </a:fillRef>
+      <a:effectRef idx="2">
+        <a:scrgbClr r="0" g="0" b="0"/>
+      </a:effectRef>
+      <a:fontRef idx="minor">
+        <a:schemeClr val="lt1"/>
+      </a:fontRef>
+    </dgm:style>
+  </dgm:styleLbl>
+  <dgm:styleLbl name="node2">
+    <dgm:scene3d>
+      <a:camera prst="orthographicFront"/>
+      <a:lightRig rig="threePt" dir="t"/>
+    </dgm:scene3d>
+    <dgm:sp3d/>
+    <dgm:txPr/>
+    <dgm:style>
+      <a:lnRef idx="0">
+        <a:scrgbClr r="0" g="0" b="0"/>
+      </a:lnRef>
+      <a:fillRef idx="3">
+        <a:scrgbClr r="0" g="0" b="0"/>
+      </a:fillRef>
+      <a:effectRef idx="2">
+        <a:scrgbClr r="0" g="0" b="0"/>
+      </a:effectRef>
+      <a:fontRef idx="minor">
+        <a:schemeClr val="lt1"/>
+      </a:fontRef>
+    </dgm:style>
+  </dgm:styleLbl>
+  <dgm:styleLbl name="node3">
+    <dgm:scene3d>
+      <a:camera prst="orthographicFront"/>
+      <a:lightRig rig="threePt" dir="t"/>
+    </dgm:scene3d>
+    <dgm:sp3d/>
+    <dgm:txPr/>
+    <dgm:style>
+      <a:lnRef idx="0">
+        <a:scrgbClr r="0" g="0" b="0"/>
+      </a:lnRef>
+      <a:fillRef idx="3">
+        <a:scrgbClr r="0" g="0" b="0"/>
+      </a:fillRef>
+      <a:effectRef idx="2">
+        <a:scrgbClr r="0" g="0" b="0"/>
+      </a:effectRef>
+      <a:fontRef idx="minor">
+        <a:schemeClr val="lt1"/>
+      </a:fontRef>
+    </dgm:style>
+  </dgm:styleLbl>
+  <dgm:styleLbl name="node4">
+    <dgm:scene3d>
+      <a:camera prst="orthographicFront"/>
+      <a:lightRig rig="threePt" dir="t"/>
+    </dgm:scene3d>
+    <dgm:sp3d/>
+    <dgm:txPr/>
+    <dgm:style>
+      <a:lnRef idx="0">
+        <a:scrgbClr r="0" g="0" b="0"/>
+      </a:lnRef>
+      <a:fillRef idx="3">
+        <a:scrgbClr r="0" g="0" b="0"/>
+      </a:fillRef>
+      <a:effectRef idx="2">
+        <a:scrgbClr r="0" g="0" b="0"/>
+      </a:effectRef>
+      <a:fontRef idx="minor">
+        <a:schemeClr val="lt1"/>
+      </a:fontRef>
+    </dgm:style>
+  </dgm:styleLbl>
+  <dgm:styleLbl name="fgImgPlace1">
+    <dgm:scene3d>
+      <a:camera prst="orthographicFront"/>
+      <a:lightRig rig="threePt" dir="t"/>
+    </dgm:scene3d>
+    <dgm:sp3d/>
+    <dgm:txPr/>
+    <dgm:style>
+      <a:lnRef idx="0">
+        <a:scrgbClr r="0" g="0" b="0"/>
+      </a:lnRef>
+      <a:fillRef idx="1">
+        <a:scrgbClr r="0" g="0" b="0"/>
+      </a:fillRef>
+      <a:effectRef idx="2">
+        <a:scrgbClr r="0" g="0" b="0"/>
+      </a:effectRef>
+      <a:fontRef idx="minor"/>
+    </dgm:style>
+  </dgm:styleLbl>
+  <dgm:styleLbl name="alignImgPlace1">
+    <dgm:scene3d>
+      <a:camera prst="orthographicFront"/>
+      <a:lightRig rig="threePt" dir="t"/>
+    </dgm:scene3d>
+    <dgm:sp3d/>
+    <dgm:txPr/>
+    <dgm:style>
+      <a:lnRef idx="0">
+        <a:scrgbClr r="0" g="0" b="0"/>
+      </a:lnRef>
+      <a:fillRef idx="1">
+        <a:scrgbClr r="0" g="0" b="0"/>
+      </a:fillRef>
+      <a:effectRef idx="2">
+        <a:scrgbClr r="0" g="0" b="0"/>
+      </a:effectRef>
+      <a:fontRef idx="minor"/>
+    </dgm:style>
+  </dgm:styleLbl>
+  <dgm:styleLbl name="bgImgPlace1">
+    <dgm:scene3d>
+      <a:camera prst="orthographicFront"/>
+      <a:lightRig rig="threePt" dir="t"/>
+    </dgm:scene3d>
+    <dgm:sp3d/>
+    <dgm:txPr/>
+    <dgm:style>
+      <a:lnRef idx="0">
+        <a:scrgbClr r="0" g="0" b="0"/>
+      </a:lnRef>
+      <a:fillRef idx="1">
+        <a:scrgbClr r="0" g="0" b="0"/>
+      </a:fillRef>
+      <a:effectRef idx="2">
+        <a:scrgbClr r="0" g="0" b="0"/>
+      </a:effectRef>
+      <a:fontRef idx="minor"/>
+    </dgm:style>
+  </dgm:styleLbl>
+  <dgm:styleLbl name="sibTrans2D1">
+    <dgm:scene3d>
+      <a:camera prst="orthographicFront"/>
+      <a:lightRig rig="threePt" dir="t"/>
+    </dgm:scene3d>
+    <dgm:sp3d/>
+    <dgm:txPr/>
+    <dgm:style>
+      <a:lnRef idx="0">
+        <a:scrgbClr r="0" g="0" b="0"/>
+      </a:lnRef>
+      <a:fillRef idx="3">
+        <a:scrgbClr r="0" g="0" b="0"/>
+      </a:fillRef>
+      <a:effectRef idx="2">
+        <a:scrgbClr r="0" g="0" b="0"/>
+      </a:effectRef>
+      <a:fontRef idx="minor">
+        <a:schemeClr val="lt1"/>
+      </a:fontRef>
+    </dgm:style>
+  </dgm:styleLbl>
+  <dgm:styleLbl name="fgSibTrans2D1">
+    <dgm:scene3d>
+      <a:camera prst="orthographicFront"/>
+      <a:lightRig rig="threePt" dir="t"/>
+    </dgm:scene3d>
+    <dgm:sp3d/>
+    <dgm:txPr/>
+    <dgm:style>
+      <a:lnRef idx="0">
+        <a:scrgbClr r="0" g="0" b="0"/>
+      </a:lnRef>
+      <a:fillRef idx="3">
+        <a:scrgbClr r="0" g="0" b="0"/>
+      </a:fillRef>
+      <a:effectRef idx="2">
+        <a:scrgbClr r="0" g="0" b="0"/>
+      </a:effectRef>
+      <a:fontRef idx="minor">
+        <a:schemeClr val="lt1"/>
+      </a:fontRef>
+    </dgm:style>
+  </dgm:styleLbl>
+  <dgm:styleLbl name="bgSibTrans2D1">
+    <dgm:scene3d>
+      <a:camera prst="orthographicFront"/>
+      <a:lightRig rig="threePt" dir="t"/>
+    </dgm:scene3d>
+    <dgm:sp3d/>
+    <dgm:txPr/>
+    <dgm:style>
+      <a:lnRef idx="0">
+        <a:scrgbClr r="0" g="0" b="0"/>
+      </a:lnRef>
+      <a:fillRef idx="3">
+        <a:scrgbClr r="0" g="0" b="0"/>
+      </a:fillRef>
+      <a:effectRef idx="2">
+        <a:scrgbClr r="0" g="0" b="0"/>
+      </a:effectRef>
+      <a:fontRef idx="minor">
+        <a:schemeClr val="lt1"/>
+      </a:fontRef>
+    </dgm:style>
+  </dgm:styleLbl>
+  <dgm:styleLbl name="sibTrans1D1">
+    <dgm:scene3d>
+      <a:camera prst="orthographicFront"/>
+      <a:lightRig rig="threePt" dir="t"/>
+    </dgm:scene3d>
+    <dgm:sp3d/>
+    <dgm:txPr/>
+    <dgm:style>
+      <a:lnRef idx="1">
+        <a:scrgbClr r="0" g="0" b="0"/>
+      </a:lnRef>
+      <a:fillRef idx="0">
+        <a:scrgbClr r="0" g="0" b="0"/>
+      </a:fillRef>
+      <a:effectRef idx="0">
+        <a:scrgbClr r="0" g="0" b="0"/>
+      </a:effectRef>
+      <a:fontRef idx="minor"/>
+    </dgm:style>
+  </dgm:styleLbl>
+  <dgm:styleLbl name="callout">
+    <dgm:scene3d>
+      <a:camera prst="orthographicFront"/>
+      <a:lightRig rig="threePt" dir="t"/>
+    </dgm:scene3d>
+    <dgm:sp3d/>
+    <dgm:txPr/>
+    <dgm:style>
+      <a:lnRef idx="2">
+        <a:scrgbClr r="0" g="0" b="0"/>
+      </a:lnRef>
+      <a:fillRef idx="1">
+        <a:scrgbClr r="0" g="0" b="0"/>
+      </a:fillRef>
       <a:effectRef idx="1">
+        <a:scrgbClr r="0" g="0" b="0"/>
+      </a:effectRef>
+      <a:fontRef idx="minor"/>
+    </dgm:style>
+  </dgm:styleLbl>
+  <dgm:styleLbl name="asst0">
+    <dgm:scene3d>
+      <a:camera prst="orthographicFront"/>
+      <a:lightRig rig="threePt" dir="t"/>
+    </dgm:scene3d>
+    <dgm:sp3d/>
+    <dgm:txPr/>
+    <dgm:style>
+      <a:lnRef idx="0">
+        <a:scrgbClr r="0" g="0" b="0"/>
+      </a:lnRef>
+      <a:fillRef idx="3">
+        <a:scrgbClr r="0" g="0" b="0"/>
+      </a:fillRef>
+      <a:effectRef idx="2">
+        <a:scrgbClr r="0" g="0" b="0"/>
+      </a:effectRef>
+      <a:fontRef idx="minor">
+        <a:schemeClr val="lt1"/>
+      </a:fontRef>
+    </dgm:style>
+  </dgm:styleLbl>
+  <dgm:styleLbl name="asst1">
+    <dgm:scene3d>
+      <a:camera prst="orthographicFront"/>
+      <a:lightRig rig="threePt" dir="t"/>
+    </dgm:scene3d>
+    <dgm:sp3d/>
+    <dgm:txPr/>
+    <dgm:style>
+      <a:lnRef idx="0">
+        <a:scrgbClr r="0" g="0" b="0"/>
+      </a:lnRef>
+      <a:fillRef idx="3">
+        <a:scrgbClr r="0" g="0" b="0"/>
+      </a:fillRef>
+      <a:effectRef idx="2">
+        <a:scrgbClr r="0" g="0" b="0"/>
+      </a:effectRef>
+      <a:fontRef idx="minor">
+        <a:schemeClr val="lt1"/>
+      </a:fontRef>
+    </dgm:style>
+  </dgm:styleLbl>
+  <dgm:styleLbl name="asst2">
+    <dgm:scene3d>
+      <a:camera prst="orthographicFront"/>
+      <a:lightRig rig="threePt" dir="t"/>
+    </dgm:scene3d>
+    <dgm:sp3d/>
+    <dgm:txPr/>
+    <dgm:style>
+      <a:lnRef idx="0">
+        <a:scrgbClr r="0" g="0" b="0"/>
+      </a:lnRef>
+      <a:fillRef idx="3">
+        <a:scrgbClr r="0" g="0" b="0"/>
+      </a:fillRef>
+      <a:effectRef idx="2">
+        <a:scrgbClr r="0" g="0" b="0"/>
+      </a:effectRef>
+      <a:fontRef idx="minor">
+        <a:schemeClr val="lt1"/>
+      </a:fontRef>
+    </dgm:style>
+  </dgm:styleLbl>
+  <dgm:styleLbl name="asst3">
+    <dgm:scene3d>
+      <a:camera prst="orthographicFront"/>
+      <a:lightRig rig="threePt" dir="t"/>
+    </dgm:scene3d>
+    <dgm:sp3d/>
+    <dgm:txPr/>
+    <dgm:style>
+      <a:lnRef idx="0">
+        <a:scrgbClr r="0" g="0" b="0"/>
+      </a:lnRef>
+      <a:fillRef idx="3">
+        <a:scrgbClr r="0" g="0" b="0"/>
+      </a:fillRef>
+      <a:effectRef idx="2">
+        <a:scrgbClr r="0" g="0" b="0"/>
+      </a:effectRef>
+      <a:fontRef idx="minor">
+        <a:schemeClr val="lt1"/>
+      </a:fontRef>
+    </dgm:style>
+  </dgm:styleLbl>
+  <dgm:styleLbl name="asst4">
+    <dgm:scene3d>
+      <a:camera prst="orthographicFront"/>
+      <a:lightRig rig="threePt" dir="t"/>
+    </dgm:scene3d>
+    <dgm:sp3d/>
+    <dgm:txPr/>
+    <dgm:style>
+      <a:lnRef idx="0">
+        <a:scrgbClr r="0" g="0" b="0"/>
+      </a:lnRef>
+      <a:fillRef idx="3">
+        <a:scrgbClr r="0" g="0" b="0"/>
+      </a:fillRef>
+      <a:effectRef idx="2">
+        <a:scrgbClr r="0" g="0" b="0"/>
+      </a:effectRef>
+      <a:fontRef idx="minor">
+        <a:schemeClr val="lt1"/>
+      </a:fontRef>
+    </dgm:style>
+  </dgm:styleLbl>
+  <dgm:styleLbl name="parChTrans2D1">
+    <dgm:scene3d>
+      <a:camera prst="orthographicFront"/>
+      <a:lightRig rig="threePt" dir="t"/>
+    </dgm:scene3d>
+    <dgm:sp3d/>
+    <dgm:txPr/>
+    <dgm:style>
+      <a:lnRef idx="0">
+        <a:scrgbClr r="0" g="0" b="0"/>
+      </a:lnRef>
+      <a:fillRef idx="3">
+        <a:scrgbClr r="0" g="0" b="0"/>
+      </a:fillRef>
+      <a:effectRef idx="2">
+        <a:scrgbClr r="0" g="0" b="0"/>
+      </a:effectRef>
+      <a:fontRef idx="minor">
+        <a:schemeClr val="lt1"/>
+      </a:fontRef>
+    </dgm:style>
+  </dgm:styleLbl>
+  <dgm:styleLbl name="parChTrans2D2">
+    <dgm:scene3d>
+      <a:camera prst="orthographicFront"/>
+      <a:lightRig rig="threePt" dir="t"/>
+    </dgm:scene3d>
+    <dgm:sp3d/>
+    <dgm:txPr/>
+    <dgm:style>
+      <a:lnRef idx="0">
+        <a:scrgbClr r="0" g="0" b="0"/>
+      </a:lnRef>
+      <a:fillRef idx="3">
+        <a:scrgbClr r="0" g="0" b="0"/>
+      </a:fillRef>
+      <a:effectRef idx="2">
+        <a:scrgbClr r="0" g="0" b="0"/>
+      </a:effectRef>
+      <a:fontRef idx="minor">
+        <a:schemeClr val="lt1"/>
+      </a:fontRef>
+    </dgm:style>
+  </dgm:styleLbl>
+  <dgm:styleLbl name="parChTrans2D3">
+    <dgm:scene3d>
+      <a:camera prst="orthographicFront"/>
+      <a:lightRig rig="threePt" dir="t"/>
+    </dgm:scene3d>
+    <dgm:sp3d/>
+    <dgm:txPr/>
+    <dgm:style>
+      <a:lnRef idx="1">
+        <a:scrgbClr r="0" g="0" b="0"/>
+      </a:lnRef>
+      <a:fillRef idx="3">
+        <a:scrgbClr r="0" g="0" b="0"/>
+      </a:fillRef>
+      <a:effectRef idx="2">
+        <a:scrgbClr r="0" g="0" b="0"/>
+      </a:effectRef>
+      <a:fontRef idx="minor">
+        <a:schemeClr val="lt1"/>
+      </a:fontRef>
+    </dgm:style>
+  </dgm:styleLbl>
+  <dgm:styleLbl name="parChTrans2D4">
+    <dgm:scene3d>
+      <a:camera prst="orthographicFront"/>
+      <a:lightRig rig="threePt" dir="t"/>
+    </dgm:scene3d>
+    <dgm:sp3d/>
+    <dgm:txPr/>
+    <dgm:style>
+      <a:lnRef idx="1">
+        <a:scrgbClr r="0" g="0" b="0"/>
+      </a:lnRef>
+      <a:fillRef idx="3">
+        <a:scrgbClr r="0" g="0" b="0"/>
+      </a:fillRef>
+      <a:effectRef idx="2">
+        <a:scrgbClr r="0" g="0" b="0"/>
+      </a:effectRef>
+      <a:fontRef idx="minor">
+        <a:schemeClr val="lt1"/>
+      </a:fontRef>
+    </dgm:style>
+  </dgm:styleLbl>
+  <dgm:styleLbl name="parChTrans1D1">
+    <dgm:scene3d>
+      <a:camera prst="orthographicFront"/>
+      <a:lightRig rig="threePt" dir="t"/>
+    </dgm:scene3d>
+    <dgm:sp3d/>
+    <dgm:txPr/>
+    <dgm:style>
+      <a:lnRef idx="1">
+        <a:scrgbClr r="0" g="0" b="0"/>
+      </a:lnRef>
+      <a:fillRef idx="0">
+        <a:scrgbClr r="0" g="0" b="0"/>
+      </a:fillRef>
+      <a:effectRef idx="0">
+        <a:scrgbClr r="0" g="0" b="0"/>
+      </a:effectRef>
+      <a:fontRef idx="minor"/>
+    </dgm:style>
+  </dgm:styleLbl>
+  <dgm:styleLbl name="parChTrans1D2">
+    <dgm:scene3d>
+      <a:camera prst="orthographicFront"/>
+      <a:lightRig rig="threePt" dir="t"/>
+    </dgm:scene3d>
+    <dgm:sp3d/>
+    <dgm:txPr/>
+    <dgm:style>
+      <a:lnRef idx="1">
+        <a:scrgbClr r="0" g="0" b="0"/>
+      </a:lnRef>
+      <a:fillRef idx="0">
+        <a:scrgbClr r="0" g="0" b="0"/>
+      </a:fillRef>
+      <a:effectRef idx="0">
+        <a:scrgbClr r="0" g="0" b="0"/>
+      </a:effectRef>
+      <a:fontRef idx="minor"/>
+    </dgm:style>
+  </dgm:styleLbl>
+  <dgm:styleLbl name="parChTrans1D3">
+    <dgm:scene3d>
+      <a:camera prst="orthographicFront"/>
+      <a:lightRig rig="threePt" dir="t"/>
+    </dgm:scene3d>
+    <dgm:sp3d/>
+    <dgm:txPr/>
+    <dgm:style>
+      <a:lnRef idx="1">
+        <a:scrgbClr r="0" g="0" b="0"/>
+      </a:lnRef>
+      <a:fillRef idx="0">
+        <a:scrgbClr r="0" g="0" b="0"/>
+      </a:fillRef>
+      <a:effectRef idx="0">
+        <a:scrgbClr r="0" g="0" b="0"/>
+      </a:effectRef>
+      <a:fontRef idx="minor"/>
+    </dgm:style>
+  </dgm:styleLbl>
+  <dgm:styleLbl name="parChTrans1D4">
+    <dgm:scene3d>
+      <a:camera prst="orthographicFront"/>
+      <a:lightRig rig="threePt" dir="t"/>
+    </dgm:scene3d>
+    <dgm:sp3d/>
+    <dgm:txPr/>
+    <dgm:style>
+      <a:lnRef idx="1">
+        <a:scrgbClr r="0" g="0" b="0"/>
+      </a:lnRef>
+      <a:fillRef idx="0">
+        <a:scrgbClr r="0" g="0" b="0"/>
+      </a:fillRef>
+      <a:effectRef idx="0">
+        <a:scrgbClr r="0" g="0" b="0"/>
+      </a:effectRef>
+      <a:fontRef idx="minor"/>
+    </dgm:style>
+  </dgm:styleLbl>
+  <dgm:styleLbl name="fgAcc1">
+    <dgm:scene3d>
+      <a:camera prst="orthographicFront"/>
+      <a:lightRig rig="threePt" dir="t"/>
+    </dgm:scene3d>
+    <dgm:sp3d/>
+    <dgm:txPr/>
+    <dgm:style>
+      <a:lnRef idx="1">
+        <a:scrgbClr r="0" g="0" b="0"/>
+      </a:lnRef>
+      <a:fillRef idx="1">
+        <a:scrgbClr r="0" g="0" b="0"/>
+      </a:fillRef>
+      <a:effectRef idx="0">
+        <a:scrgbClr r="0" g="0" b="0"/>
+      </a:effectRef>
+      <a:fontRef idx="minor"/>
+    </dgm:style>
+  </dgm:styleLbl>
+  <dgm:styleLbl name="conFgAcc1">
+    <dgm:scene3d>
+      <a:camera prst="orthographicFront"/>
+      <a:lightRig rig="threePt" dir="t"/>
+    </dgm:scene3d>
+    <dgm:sp3d/>
+    <dgm:txPr/>
+    <dgm:style>
+      <a:lnRef idx="1">
+        <a:scrgbClr r="0" g="0" b="0"/>
+      </a:lnRef>
+      <a:fillRef idx="1">
+        <a:scrgbClr r="0" g="0" b="0"/>
+      </a:fillRef>
+      <a:effectRef idx="0">
+        <a:scrgbClr r="0" g="0" b="0"/>
+      </a:effectRef>
+      <a:fontRef idx="minor"/>
+    </dgm:style>
+  </dgm:styleLbl>
+  <dgm:styleLbl name="alignAcc1">
+    <dgm:scene3d>
+      <a:camera prst="orthographicFront"/>
+      <a:lightRig rig="threePt" dir="t"/>
+    </dgm:scene3d>
+    <dgm:sp3d/>
+    <dgm:txPr/>
+    <dgm:style>
+      <a:lnRef idx="1">
+        <a:scrgbClr r="0" g="0" b="0"/>
+      </a:lnRef>
+      <a:fillRef idx="1">
+        <a:scrgbClr r="0" g="0" b="0"/>
+      </a:fillRef>
+      <a:effectRef idx="0">
+        <a:scrgbClr r="0" g="0" b="0"/>
+      </a:effectRef>
+      <a:fontRef idx="minor"/>
+    </dgm:style>
+  </dgm:styleLbl>
+  <dgm:styleLbl name="trAlignAcc1">
+    <dgm:scene3d>
+      <a:camera prst="orthographicFront"/>
+      <a:lightRig rig="threePt" dir="t"/>
+    </dgm:scene3d>
+    <dgm:sp3d/>
+    <dgm:txPr/>
+    <dgm:style>
+      <a:lnRef idx="1">
+        <a:scrgbClr r="0" g="0" b="0"/>
+      </a:lnRef>
+      <a:fillRef idx="1">
+        <a:scrgbClr r="0" g="0" b="0"/>
+      </a:fillRef>
+      <a:effectRef idx="0">
+        <a:scrgbClr r="0" g="0" b="0"/>
+      </a:effectRef>
+      <a:fontRef idx="minor"/>
+    </dgm:style>
+  </dgm:styleLbl>
+  <dgm:styleLbl name="bgAcc1">
+    <dgm:scene3d>
+      <a:camera prst="orthographicFront"/>
+      <a:lightRig rig="threePt" dir="t"/>
+    </dgm:scene3d>
+    <dgm:sp3d/>
+    <dgm:txPr/>
+    <dgm:style>
+      <a:lnRef idx="1">
+        <a:scrgbClr r="0" g="0" b="0"/>
+      </a:lnRef>
+      <a:fillRef idx="1">
+        <a:scrgbClr r="0" g="0" b="0"/>
+      </a:fillRef>
+      <a:effectRef idx="0">
+        <a:scrgbClr r="0" g="0" b="0"/>
+      </a:effectRef>
+      <a:fontRef idx="minor"/>
+    </dgm:style>
+  </dgm:styleLbl>
+  <dgm:styleLbl name="solidFgAcc1">
+    <dgm:scene3d>
+      <a:camera prst="orthographicFront"/>
+      <a:lightRig rig="threePt" dir="t"/>
+    </dgm:scene3d>
+    <dgm:sp3d/>
+    <dgm:txPr/>
+    <dgm:style>
+      <a:lnRef idx="1">
+        <a:scrgbClr r="0" g="0" b="0"/>
+      </a:lnRef>
+      <a:fillRef idx="1">
+        <a:scrgbClr r="0" g="0" b="0"/>
+      </a:fillRef>
+      <a:effectRef idx="0">
+        <a:scrgbClr r="0" g="0" b="0"/>
+      </a:effectRef>
+      <a:fontRef idx="minor"/>
+    </dgm:style>
+  </dgm:styleLbl>
+  <dgm:styleLbl name="solidAlignAcc1">
+    <dgm:scene3d>
+      <a:camera prst="orthographicFront"/>
+      <a:lightRig rig="threePt" dir="t"/>
+    </dgm:scene3d>
+    <dgm:sp3d/>
+    <dgm:txPr/>
+    <dgm:style>
+      <a:lnRef idx="1">
+        <a:scrgbClr r="0" g="0" b="0"/>
+      </a:lnRef>
+      <a:fillRef idx="1">
+        <a:scrgbClr r="0" g="0" b="0"/>
+      </a:fillRef>
+      <a:effectRef idx="0">
+        <a:scrgbClr r="0" g="0" b="0"/>
+      </a:effectRef>
+      <a:fontRef idx="minor"/>
+    </dgm:style>
+  </dgm:styleLbl>
+  <dgm:styleLbl name="solidBgAcc1">
+    <dgm:scene3d>
+      <a:camera prst="orthographicFront"/>
+      <a:lightRig rig="threePt" dir="t"/>
+    </dgm:scene3d>
+    <dgm:sp3d/>
+    <dgm:txPr/>
+    <dgm:style>
+      <a:lnRef idx="1">
+        <a:scrgbClr r="0" g="0" b="0"/>
+      </a:lnRef>
+      <a:fillRef idx="1">
+        <a:scrgbClr r="0" g="0" b="0"/>
+      </a:fillRef>
+      <a:effectRef idx="0">
+        <a:scrgbClr r="0" g="0" b="0"/>
+      </a:effectRef>
+      <a:fontRef idx="minor"/>
+    </dgm:style>
+  </dgm:styleLbl>
+  <dgm:styleLbl name="fgAccFollowNode1">
+    <dgm:scene3d>
+      <a:camera prst="orthographicFront"/>
+      <a:lightRig rig="threePt" dir="t"/>
+    </dgm:scene3d>
+    <dgm:sp3d/>
+    <dgm:txPr/>
+    <dgm:style>
+      <a:lnRef idx="1">
+        <a:scrgbClr r="0" g="0" b="0"/>
+      </a:lnRef>
+      <a:fillRef idx="1">
+        <a:scrgbClr r="0" g="0" b="0"/>
+      </a:fillRef>
+      <a:effectRef idx="0">
+        <a:scrgbClr r="0" g="0" b="0"/>
+      </a:effectRef>
+      <a:fontRef idx="minor"/>
+    </dgm:style>
+  </dgm:styleLbl>
+  <dgm:styleLbl name="alignAccFollowNode1">
+    <dgm:scene3d>
+      <a:camera prst="orthographicFront"/>
+      <a:lightRig rig="threePt" dir="t"/>
+    </dgm:scene3d>
+    <dgm:sp3d/>
+    <dgm:txPr/>
+    <dgm:style>
+      <a:lnRef idx="1">
+        <a:scrgbClr r="0" g="0" b="0"/>
+      </a:lnRef>
+      <a:fillRef idx="1">
+        <a:scrgbClr r="0" g="0" b="0"/>
+      </a:fillRef>
+      <a:effectRef idx="0">
+        <a:scrgbClr r="0" g="0" b="0"/>
+      </a:effectRef>
+      <a:fontRef idx="minor"/>
+    </dgm:style>
+  </dgm:styleLbl>
+  <dgm:styleLbl name="bgAccFollowNode1">
+    <dgm:scene3d>
+      <a:camera prst="orthographicFront"/>
+      <a:lightRig rig="threePt" dir="t"/>
+    </dgm:scene3d>
+    <dgm:sp3d/>
+    <dgm:txPr/>
+    <dgm:style>
+      <a:lnRef idx="1">
+        <a:scrgbClr r="0" g="0" b="0"/>
+      </a:lnRef>
+      <a:fillRef idx="1">
+        <a:scrgbClr r="0" g="0" b="0"/>
+      </a:fillRef>
+      <a:effectRef idx="0">
+        <a:scrgbClr r="0" g="0" b="0"/>
+      </a:effectRef>
+      <a:fontRef idx="minor"/>
+    </dgm:style>
+  </dgm:styleLbl>
+  <dgm:styleLbl name="fgAcc0">
+    <dgm:scene3d>
+      <a:camera prst="orthographicFront"/>
+      <a:lightRig rig="threePt" dir="t"/>
+    </dgm:scene3d>
+    <dgm:sp3d/>
+    <dgm:txPr/>
+    <dgm:style>
+      <a:lnRef idx="1">
+        <a:scrgbClr r="0" g="0" b="0"/>
+      </a:lnRef>
+      <a:fillRef idx="1">
+        <a:scrgbClr r="0" g="0" b="0"/>
+      </a:fillRef>
+      <a:effectRef idx="0">
+        <a:scrgbClr r="0" g="0" b="0"/>
+      </a:effectRef>
+      <a:fontRef idx="minor"/>
+    </dgm:style>
+  </dgm:styleLbl>
+  <dgm:styleLbl name="fgAcc2">
+    <dgm:scene3d>
+      <a:camera prst="orthographicFront"/>
+      <a:lightRig rig="threePt" dir="t"/>
+    </dgm:scene3d>
+    <dgm:sp3d/>
+    <dgm:txPr/>
+    <dgm:style>
+      <a:lnRef idx="1">
+        <a:scrgbClr r="0" g="0" b="0"/>
+      </a:lnRef>
+      <a:fillRef idx="1">
+        <a:scrgbClr r="0" g="0" b="0"/>
+      </a:fillRef>
+      <a:effectRef idx="0">
+        <a:scrgbClr r="0" g="0" b="0"/>
+      </a:effectRef>
+      <a:fontRef idx="minor"/>
+    </dgm:style>
+  </dgm:styleLbl>
+  <dgm:styleLbl name="fgAcc3">
+    <dgm:scene3d>
+      <a:camera prst="orthographicFront"/>
+      <a:lightRig rig="threePt" dir="t"/>
+    </dgm:scene3d>
+    <dgm:sp3d/>
+    <dgm:txPr/>
+    <dgm:style>
+      <a:lnRef idx="1">
+        <a:scrgbClr r="0" g="0" b="0"/>
+      </a:lnRef>
+      <a:fillRef idx="1">
+        <a:scrgbClr r="0" g="0" b="0"/>
+      </a:fillRef>
+      <a:effectRef idx="0">
+        <a:scrgbClr r="0" g="0" b="0"/>
+      </a:effectRef>
+      <a:fontRef idx="minor"/>
+    </dgm:style>
+  </dgm:styleLbl>
+  <dgm:styleLbl name="fgAcc4">
+    <dgm:scene3d>
+      <a:camera prst="orthographicFront"/>
+      <a:lightRig rig="threePt" dir="t"/>
+    </dgm:scene3d>
+    <dgm:sp3d/>
+    <dgm:txPr/>
+    <dgm:style>
+      <a:lnRef idx="1">
+        <a:scrgbClr r="0" g="0" b="0"/>
+      </a:lnRef>
+      <a:fillRef idx="1">
+        <a:scrgbClr r="0" g="0" b="0"/>
+      </a:fillRef>
+      <a:effectRef idx="0">
+        <a:scrgbClr r="0" g="0" b="0"/>
+      </a:effectRef>
+      <a:fontRef idx="minor"/>
+    </dgm:style>
+  </dgm:styleLbl>
+  <dgm:styleLbl name="bgShp">
+    <dgm:scene3d>
+      <a:camera prst="orthographicFront"/>
+      <a:lightRig rig="threePt" dir="t"/>
+    </dgm:scene3d>
+    <dgm:sp3d/>
+    <dgm:txPr/>
+    <dgm:style>
+      <a:lnRef idx="0">
+        <a:scrgbClr r="0" g="0" b="0"/>
+      </a:lnRef>
+      <a:fillRef idx="1">
+        <a:scrgbClr r="0" g="0" b="0"/>
+      </a:fillRef>
+      <a:effectRef idx="2">
+        <a:scrgbClr r="0" g="0" b="0"/>
+      </a:effectRef>
+      <a:fontRef idx="minor"/>
+    </dgm:style>
+  </dgm:styleLbl>
+  <dgm:styleLbl name="dkBgShp">
+    <dgm:scene3d>
+      <a:camera prst="orthographicFront"/>
+      <a:lightRig rig="threePt" dir="t"/>
+    </dgm:scene3d>
+    <dgm:sp3d/>
+    <dgm:txPr/>
+    <dgm:style>
+      <a:lnRef idx="0">
+        <a:scrgbClr r="0" g="0" b="0"/>
+      </a:lnRef>
+      <a:fillRef idx="1">
+        <a:scrgbClr r="0" g="0" b="0"/>
+      </a:fillRef>
+      <a:effectRef idx="2">
+        <a:scrgbClr r="0" g="0" b="0"/>
+      </a:effectRef>
+      <a:fontRef idx="minor"/>
+    </dgm:style>
+  </dgm:styleLbl>
+  <dgm:styleLbl name="trBgShp">
+    <dgm:scene3d>
+      <a:camera prst="orthographicFront"/>
+      <a:lightRig rig="threePt" dir="t"/>
+    </dgm:scene3d>
+    <dgm:sp3d/>
+    <dgm:txPr/>
+    <dgm:style>
+      <a:lnRef idx="0">
+        <a:scrgbClr r="0" g="0" b="0"/>
+      </a:lnRef>
+      <a:fillRef idx="1">
+        <a:scrgbClr r="0" g="0" b="0"/>
+      </a:fillRef>
+      <a:effectRef idx="0">
+        <a:scrgbClr r="0" g="0" b="0"/>
+      </a:effectRef>
+      <a:fontRef idx="minor"/>
+    </dgm:style>
+  </dgm:styleLbl>
+  <dgm:styleLbl name="fgShp">
+    <dgm:scene3d>
+      <a:camera prst="orthographicFront"/>
+      <a:lightRig rig="threePt" dir="t"/>
+    </dgm:scene3d>
+    <dgm:sp3d/>
+    <dgm:txPr/>
+    <dgm:style>
+      <a:lnRef idx="0">
+        <a:scrgbClr r="0" g="0" b="0"/>
+      </a:lnRef>
+      <a:fillRef idx="3">
+        <a:scrgbClr r="0" g="0" b="0"/>
+      </a:fillRef>
+      <a:effectRef idx="2">
         <a:scrgbClr r="0" g="0" b="0"/>
       </a:effectRef>
       <a:fontRef idx="minor"/>
@@ -3524,7 +6672,7 @@
           <a:p>
             <a:fld id="{F7AFFB9B-9FB8-469E-96F9-4D32314110B6}" type="datetimeFigureOut">
               <a:rPr lang="en-US" smtClean="0"/>
-              <a:t>10/25/2023</a:t>
+              <a:t>10/25/23</a:t>
             </a:fld>
             <a:endParaRPr lang="en-US" dirty="0"/>
           </a:p>
@@ -3862,7 +7010,7 @@
           <a:p>
             <a:fld id="{341D2AC3-6A0B-4169-B1EA-E3AE8B351BDD}" type="datetimeFigureOut">
               <a:rPr lang="en-US" smtClean="0"/>
-              <a:t>10/25/2023</a:t>
+              <a:t>10/25/23</a:t>
             </a:fld>
             <a:endParaRPr lang="en-US" dirty="0"/>
           </a:p>
@@ -4058,7 +7206,7 @@
           <a:p>
             <a:fld id="{DD4B9363-8B87-41B7-9F8E-64519CBB8F34}" type="datetimeFigureOut">
               <a:rPr lang="en-US" smtClean="0"/>
-              <a:t>10/25/2023</a:t>
+              <a:t>10/25/23</a:t>
             </a:fld>
             <a:endParaRPr lang="en-US" dirty="0"/>
           </a:p>
@@ -4328,7 +7476,7 @@
           <a:p>
             <a:fld id="{EAEF5746-5284-4951-9F37-7AE924EDBCB7}" type="datetimeFigureOut">
               <a:rPr lang="en-US" smtClean="0"/>
-              <a:t>10/25/2023</a:t>
+              <a:t>10/25/23</a:t>
             </a:fld>
             <a:endParaRPr lang="en-US" dirty="0"/>
           </a:p>
@@ -4756,7 +7904,7 @@
           <a:p>
             <a:fld id="{02398B29-7265-4A65-A2A4-6703C057B7C1}" type="datetimeFigureOut">
               <a:rPr lang="en-US" smtClean="0"/>
-              <a:t>10/25/2023</a:t>
+              <a:t>10/25/23</a:t>
             </a:fld>
             <a:endParaRPr lang="en-US" dirty="0"/>
           </a:p>
@@ -5306,7 +8454,7 @@
           <a:p>
             <a:fld id="{28FBA082-94DF-4C4B-A041-6624924AB0A8}" type="datetimeFigureOut">
               <a:rPr lang="en-US" smtClean="0"/>
-              <a:t>10/25/2023</a:t>
+              <a:t>10/25/23</a:t>
             </a:fld>
             <a:endParaRPr lang="en-US" dirty="0"/>
           </a:p>
@@ -6096,7 +9244,7 @@
           <a:p>
             <a:fld id="{B27686C4-3AB5-4E0C-86CA-FB108C350AA9}" type="datetimeFigureOut">
               <a:rPr lang="en-US" smtClean="0"/>
-              <a:t>10/25/2023</a:t>
+              <a:t>10/25/23</a:t>
             </a:fld>
             <a:endParaRPr lang="en-US" dirty="0"/>
           </a:p>
@@ -6275,7 +9423,7 @@
           <a:p>
             <a:fld id="{49FF1211-4E0C-4AB3-B04F-585959BDAFE8}" type="datetimeFigureOut">
               <a:rPr lang="en-US" smtClean="0"/>
-              <a:t>10/25/2023</a:t>
+              <a:t>10/25/23</a:t>
             </a:fld>
             <a:endParaRPr lang="en-US" dirty="0"/>
           </a:p>
@@ -6459,7 +9607,7 @@
           <a:p>
             <a:fld id="{28BDECAF-D3BE-4069-9C78-642ECCD01477}" type="datetimeFigureOut">
               <a:rPr lang="en-US" smtClean="0"/>
-              <a:t>10/25/2023</a:t>
+              <a:t>10/25/23</a:t>
             </a:fld>
             <a:endParaRPr lang="en-US" dirty="0"/>
           </a:p>
@@ -6634,7 +9782,7 @@
           <a:p>
             <a:fld id="{8EFBDC27-E420-4878-9EE6-7B9656D6442A}" type="datetimeFigureOut">
               <a:rPr lang="en-US" smtClean="0"/>
-              <a:t>10/25/2023</a:t>
+              <a:t>10/25/23</a:t>
             </a:fld>
             <a:endParaRPr lang="en-US" dirty="0"/>
           </a:p>
@@ -6884,7 +10032,7 @@
           <a:p>
             <a:fld id="{0F7F47CF-67C9-420C-80A5-E2069FF0C2DF}" type="datetimeFigureOut">
               <a:rPr lang="en-US" smtClean="0"/>
-              <a:t>10/25/2023</a:t>
+              <a:t>10/25/23</a:t>
             </a:fld>
             <a:endParaRPr lang="en-US" dirty="0"/>
           </a:p>
@@ -7121,7 +10269,7 @@
           <a:p>
             <a:fld id="{AE22DC73-F065-42F5-A9F2-D90B2E42A0B3}" type="datetimeFigureOut">
               <a:rPr lang="en-US" smtClean="0"/>
-              <a:t>10/25/2023</a:t>
+              <a:t>10/25/23</a:t>
             </a:fld>
             <a:endParaRPr lang="en-US" dirty="0"/>
           </a:p>
@@ -7506,7 +10654,7 @@
           <a:p>
             <a:fld id="{76BEA702-9B29-41CC-9BCC-3DF8A0D379FE}" type="datetimeFigureOut">
               <a:rPr lang="en-US" smtClean="0"/>
-              <a:t>10/25/2023</a:t>
+              <a:t>10/25/23</a:t>
             </a:fld>
             <a:endParaRPr lang="en-US" dirty="0"/>
           </a:p>
@@ -7624,7 +10772,7 @@
           <a:p>
             <a:fld id="{097649AC-CB8F-4FF1-9A34-5861C74DD0A7}" type="datetimeFigureOut">
               <a:rPr lang="en-US" smtClean="0"/>
-              <a:t>10/25/2023</a:t>
+              <a:t>10/25/23</a:t>
             </a:fld>
             <a:endParaRPr lang="en-US" dirty="0"/>
           </a:p>
@@ -7719,7 +10867,7 @@
           <a:p>
             <a:fld id="{3EC5CECA-2D3A-4680-9B49-752200DE467C}" type="datetimeFigureOut">
               <a:rPr lang="en-US" smtClean="0"/>
-              <a:t>10/25/2023</a:t>
+              <a:t>10/25/23</a:t>
             </a:fld>
             <a:endParaRPr lang="en-US" dirty="0"/>
           </a:p>
@@ -7972,7 +11120,7 @@
           <a:p>
             <a:fld id="{50C3BFE2-83B7-4B0A-B9D3-AB28331082B3}" type="datetimeFigureOut">
               <a:rPr lang="en-US" smtClean="0"/>
-              <a:t>10/25/2023</a:t>
+              <a:t>10/25/23</a:t>
             </a:fld>
             <a:endParaRPr lang="en-US" dirty="0"/>
           </a:p>
@@ -8241,7 +11389,7 @@
           <a:p>
             <a:fld id="{12EF78E3-FDA3-4D28-AAA2-0B81F349A39D}" type="datetimeFigureOut">
               <a:rPr lang="en-US" smtClean="0"/>
-              <a:t>10/25/2023</a:t>
+              <a:t>10/25/23</a:t>
             </a:fld>
             <a:endParaRPr lang="en-US" dirty="0"/>
           </a:p>
@@ -8645,7 +11793,7 @@
           <a:p>
             <a:fld id="{C35BB1C6-BF8F-4481-8AB2-603A1C8A906A}" type="datetimeFigureOut">
               <a:rPr lang="en-US" smtClean="0"/>
-              <a:t>10/25/2023</a:t>
+              <a:t>10/25/23</a:t>
             </a:fld>
             <a:endParaRPr lang="en-US" dirty="0"/>
           </a:p>
@@ -9266,7 +12414,7 @@
                   </a:schemeClr>
                 </a:solidFill>
               </a:rPr>
-              <a:t>, SANDHYA,PAVAN </a:t>
+              <a:t>, SANDHYA, PAVAN </a:t>
             </a:r>
           </a:p>
         </p:txBody>
@@ -9535,57 +12683,12 @@
           <a:chExt cx="0" cy="0"/>
         </a:xfrm>
       </p:grpSpPr>
-      <p:pic>
-        <p:nvPicPr>
-          <p:cNvPr id="10" name="Picture 9">
+      <p:sp useBgFill="1">
+        <p:nvSpPr>
+          <p:cNvPr id="15" name="Rectangle 14">
             <a:extLst>
               <a:ext uri="{FF2B5EF4-FFF2-40B4-BE49-F238E27FC236}">
-                <a16:creationId xmlns:a16="http://schemas.microsoft.com/office/drawing/2014/main" id="{05C90836-5ADB-4D63-A39D-D9BC0E10B492}"/>
-              </a:ext>
-              <a:ext uri="{C183D7F6-B498-43B3-948B-1728B52AA6E4}">
-                <adec:decorative xmlns:adec="http://schemas.microsoft.com/office/drawing/2017/decorative" val="1"/>
-              </a:ext>
-            </a:extLst>
-          </p:cNvPr>
-          <p:cNvPicPr>
-            <a:picLocks noGrp="1" noRot="1" noChangeAspect="1" noMove="1" noResize="1" noEditPoints="1" noAdjustHandles="1" noChangeArrowheads="1" noChangeShapeType="1" noCrop="1"/>
-          </p:cNvPicPr>
-          <p:nvPr>
-            <p:extLst>
-              <p:ext uri="{386F3935-93C4-4BCD-93E2-E3B085C9AB24}">
-                <p16:designElem xmlns:p16="http://schemas.microsoft.com/office/powerpoint/2015/main" val="1"/>
-              </p:ext>
-            </p:extLst>
-          </p:nvPr>
-        </p:nvPicPr>
-        <p:blipFill>
-          <a:blip r:embed="rId3">
-            <a:extLst>
-              <a:ext uri="{28A0092B-C50C-407E-A947-70E740481C1C}">
-                <a14:useLocalDpi xmlns:a14="http://schemas.microsoft.com/office/drawing/2010/main" val="0"/>
-              </a:ext>
-            </a:extLst>
-          </a:blip>
-          <a:stretch>
-            <a:fillRect/>
-          </a:stretch>
-        </p:blipFill>
-        <p:spPr>
-          <a:xfrm>
-            <a:off x="0" y="0"/>
-            <a:ext cx="12192000" cy="6858000"/>
-          </a:xfrm>
-          <a:prstGeom prst="rect">
-            <a:avLst/>
-          </a:prstGeom>
-        </p:spPr>
-      </p:pic>
-      <p:sp useBgFill="1">
-        <p:nvSpPr>
-          <p:cNvPr id="12" name="Rectangle 11">
-            <a:extLst>
-              <a:ext uri="{FF2B5EF4-FFF2-40B4-BE49-F238E27FC236}">
-                <a16:creationId xmlns:a16="http://schemas.microsoft.com/office/drawing/2014/main" id="{EC076BC1-44A9-43BA-9FA0-93D9F5636FA2}"/>
+                <a16:creationId xmlns:a16="http://schemas.microsoft.com/office/drawing/2014/main" id="{56D17CE0-4072-41ED-BDEE-C7BC0ABF429A}"/>
               </a:ext>
               <a:ext uri="{C183D7F6-B498-43B3-948B-1728B52AA6E4}">
                 <adec:decorative xmlns:adec="http://schemas.microsoft.com/office/drawing/2017/decorative" val="1"/>
@@ -9605,8 +12708,8 @@
         </p:nvSpPr>
         <p:spPr>
           <a:xfrm>
-            <a:off x="1" y="0"/>
-            <a:ext cx="11979952" cy="6644081"/>
+            <a:off x="0" y="0"/>
+            <a:ext cx="12192000" cy="6858000"/>
           </a:xfrm>
           <a:prstGeom prst="rect">
             <a:avLst/>
@@ -9614,22 +12717,17 @@
           <a:ln>
             <a:noFill/>
           </a:ln>
-          <a:effectLst>
-            <a:outerShdw blurRad="98425" dist="76200" dir="4380000" algn="tl" rotWithShape="0">
-              <a:srgbClr val="000000">
-                <a:alpha val="68000"/>
-              </a:srgbClr>
-            </a:outerShdw>
-          </a:effectLst>
         </p:spPr>
         <p:style>
-          <a:lnRef idx="1">
-            <a:schemeClr val="accent1"/>
+          <a:lnRef idx="2">
+            <a:schemeClr val="accent1">
+              <a:shade val="50000"/>
+            </a:schemeClr>
           </a:lnRef>
-          <a:fillRef idx="3">
+          <a:fillRef idx="1">
             <a:schemeClr val="accent1"/>
           </a:fillRef>
-          <a:effectRef idx="2">
+          <a:effectRef idx="0">
             <a:schemeClr val="accent1"/>
           </a:effectRef>
           <a:fontRef idx="minor">
@@ -9637,162 +12735,10 @@
           </a:fontRef>
         </p:style>
         <p:txBody>
-          <a:bodyPr/>
+          <a:bodyPr rtlCol="0" anchor="ctr"/>
           <a:lstStyle/>
           <a:p>
-            <a:endParaRPr lang="en-US"/>
-          </a:p>
-        </p:txBody>
-      </p:sp>
-      <p:sp>
-        <p:nvSpPr>
-          <p:cNvPr id="14" name="Freeform 9">
-            <a:extLst>
-              <a:ext uri="{FF2B5EF4-FFF2-40B4-BE49-F238E27FC236}">
-                <a16:creationId xmlns:a16="http://schemas.microsoft.com/office/drawing/2014/main" id="{10EBC408-9E16-4483-93FA-BB4E0D06D0C3}"/>
-              </a:ext>
-              <a:ext uri="{C183D7F6-B498-43B3-948B-1728B52AA6E4}">
-                <adec:decorative xmlns:adec="http://schemas.microsoft.com/office/drawing/2017/decorative" val="1"/>
-              </a:ext>
-            </a:extLst>
-          </p:cNvPr>
-          <p:cNvSpPr>
-            <a:spLocks noGrp="1" noRot="1" noChangeAspect="1" noMove="1" noResize="1" noEditPoints="1" noAdjustHandles="1" noChangeArrowheads="1" noChangeShapeType="1" noTextEdit="1"/>
-          </p:cNvSpPr>
-          <p:nvPr>
-            <p:extLst>
-              <p:ext uri="{386F3935-93C4-4BCD-93E2-E3B085C9AB24}">
-                <p16:designElem xmlns:p16="http://schemas.microsoft.com/office/powerpoint/2015/main" val="1"/>
-              </p:ext>
-            </p:extLst>
-          </p:nvPr>
-        </p:nvSpPr>
-        <p:spPr>
-          <a:xfrm>
-            <a:off x="-25397" y="0"/>
-            <a:ext cx="11773291" cy="6419514"/>
-          </a:xfrm>
-          <a:custGeom>
-            <a:avLst/>
-            <a:gdLst/>
-            <a:ahLst/>
-            <a:cxnLst/>
-            <a:rect l="l" t="t" r="r" b="b"/>
-            <a:pathLst>
-              <a:path w="11773291" h="6419514">
-                <a:moveTo>
-                  <a:pt x="11750059" y="0"/>
-                </a:moveTo>
-                <a:lnTo>
-                  <a:pt x="11773291" y="6419514"/>
-                </a:lnTo>
-                <a:lnTo>
-                  <a:pt x="0" y="6411047"/>
-                </a:lnTo>
-              </a:path>
-            </a:pathLst>
-          </a:custGeom>
-          <a:ln w="82550">
-            <a:solidFill>
-              <a:schemeClr val="tx1">
-                <a:lumMod val="50000"/>
-                <a:lumOff val="50000"/>
-              </a:schemeClr>
-            </a:solidFill>
-            <a:miter lim="800000"/>
-          </a:ln>
-        </p:spPr>
-        <p:style>
-          <a:lnRef idx="2">
-            <a:schemeClr val="accent1"/>
-          </a:lnRef>
-          <a:fillRef idx="0">
-            <a:schemeClr val="accent1"/>
-          </a:fillRef>
-          <a:effectRef idx="1">
-            <a:schemeClr val="accent1"/>
-          </a:effectRef>
-          <a:fontRef idx="minor">
-            <a:schemeClr val="tx1"/>
-          </a:fontRef>
-        </p:style>
-        <p:txBody>
-          <a:bodyPr/>
-          <a:lstStyle/>
-          <a:p>
-            <a:endParaRPr lang="en-US"/>
-          </a:p>
-        </p:txBody>
-      </p:sp>
-      <p:sp>
-        <p:nvSpPr>
-          <p:cNvPr id="16" name="Rectangle 15">
-            <a:extLst>
-              <a:ext uri="{FF2B5EF4-FFF2-40B4-BE49-F238E27FC236}">
-                <a16:creationId xmlns:a16="http://schemas.microsoft.com/office/drawing/2014/main" id="{1DAA8918-7760-46BA-B19F-9818085CB710}"/>
-              </a:ext>
-              <a:ext uri="{C183D7F6-B498-43B3-948B-1728B52AA6E4}">
-                <adec:decorative xmlns:adec="http://schemas.microsoft.com/office/drawing/2017/decorative" val="1"/>
-              </a:ext>
-            </a:extLst>
-          </p:cNvPr>
-          <p:cNvSpPr>
-            <a:spLocks noGrp="1" noRot="1" noChangeAspect="1" noMove="1" noResize="1" noEditPoints="1" noAdjustHandles="1" noChangeArrowheads="1" noChangeShapeType="1" noTextEdit="1"/>
-          </p:cNvSpPr>
-          <p:nvPr>
-            <p:extLst>
-              <p:ext uri="{386F3935-93C4-4BCD-93E2-E3B085C9AB24}">
-                <p16:designElem xmlns:p16="http://schemas.microsoft.com/office/powerpoint/2015/main" val="1"/>
-              </p:ext>
-            </p:extLst>
-          </p:nvPr>
-        </p:nvSpPr>
-        <p:spPr bwMode="white">
-          <a:xfrm>
-            <a:off x="0" y="0"/>
-            <a:ext cx="4654296" cy="6380796"/>
-          </a:xfrm>
-          <a:prstGeom prst="rect">
-            <a:avLst/>
-          </a:prstGeom>
-          <a:gradFill flip="none" rotWithShape="1">
-            <a:gsLst>
-              <a:gs pos="34000">
-                <a:schemeClr val="accent1"/>
-              </a:gs>
-              <a:gs pos="100000">
-                <a:schemeClr val="accent1">
-                  <a:lumMod val="50000"/>
-                </a:schemeClr>
-              </a:gs>
-            </a:gsLst>
-            <a:path path="circle">
-              <a:fillToRect l="50000" t="50000" r="50000" b="50000"/>
-            </a:path>
-            <a:tileRect/>
-          </a:gradFill>
-          <a:ln>
-            <a:noFill/>
-          </a:ln>
-        </p:spPr>
-        <p:style>
-          <a:lnRef idx="1">
-            <a:schemeClr val="accent1"/>
-          </a:lnRef>
-          <a:fillRef idx="3">
-            <a:schemeClr val="accent1"/>
-          </a:fillRef>
-          <a:effectRef idx="2">
-            <a:schemeClr val="accent1"/>
-          </a:effectRef>
-          <a:fontRef idx="minor">
-            <a:schemeClr val="lt1"/>
-          </a:fontRef>
-        </p:style>
-        <p:txBody>
-          <a:bodyPr/>
-          <a:lstStyle/>
-          <a:p>
+            <a:pPr algn="ctr"/>
             <a:endParaRPr lang="en-US"/>
           </a:p>
         </p:txBody>
@@ -9815,8 +12761,8 @@
         </p:nvSpPr>
         <p:spPr>
           <a:xfrm>
-            <a:off x="685802" y="685800"/>
-            <a:ext cx="3381946" cy="4846967"/>
+            <a:off x="685800" y="685800"/>
+            <a:ext cx="10792837" cy="1151965"/>
           </a:xfrm>
         </p:spPr>
         <p:txBody>
@@ -9826,13 +12772,10 @@
           <a:lstStyle/>
           <a:p>
             <a:r>
-              <a:rPr lang="en-US" sz="4800" dirty="0">
-                <a:solidFill>
-                  <a:srgbClr val="FFFFFF"/>
-                </a:solidFill>
-              </a:rPr>
+              <a:rPr lang="en-US"/>
               <a:t>LIMITATIONS</a:t>
             </a:r>
+            <a:endParaRPr lang="en-US" dirty="0"/>
           </a:p>
         </p:txBody>
       </p:sp>
@@ -9852,18 +12795,18 @@
             <p:ph sz="quarter" idx="13"/>
             <p:extLst>
               <p:ext uri="{D42A27DB-BD31-4B8C-83A1-F6EECF244321}">
-                <p14:modId xmlns:p14="http://schemas.microsoft.com/office/powerpoint/2010/main" val="416030751"/>
+                <p14:modId xmlns:p14="http://schemas.microsoft.com/office/powerpoint/2010/main" val="1397871501"/>
               </p:ext>
             </p:extLst>
           </p:nvPr>
         </p:nvGraphicFramePr>
         <p:xfrm>
-          <a:off x="5294108" y="685800"/>
-          <a:ext cx="5759656" cy="4846967"/>
+          <a:off x="685800" y="2063750"/>
+          <a:ext cx="10793413" cy="3908425"/>
         </p:xfrm>
         <a:graphic>
           <a:graphicData uri="http://schemas.openxmlformats.org/drawingml/2006/diagram">
-            <dgm:relIds xmlns:dgm="http://schemas.openxmlformats.org/drawingml/2006/diagram" xmlns:r="http://schemas.openxmlformats.org/officeDocument/2006/relationships" r:dm="rId4" r:lo="rId5" r:qs="rId6" r:cs="rId7"/>
+            <dgm:relIds xmlns:dgm="http://schemas.openxmlformats.org/drawingml/2006/diagram" xmlns:r="http://schemas.openxmlformats.org/officeDocument/2006/relationships" r:dm="rId3" r:lo="rId4" r:qs="rId5" r:cs="rId6"/>
           </a:graphicData>
         </a:graphic>
       </p:graphicFrame>
@@ -9918,45 +12861,6 @@
           <a:chExt cx="0" cy="0"/>
         </a:xfrm>
       </p:grpSpPr>
-      <p:pic>
-        <p:nvPicPr>
-          <p:cNvPr id="5" name="Picture 4" descr="A picture containing text, green, beverage, painted&#10;&#10;Description automatically generated">
-            <a:extLst>
-              <a:ext uri="{FF2B5EF4-FFF2-40B4-BE49-F238E27FC236}">
-                <a16:creationId xmlns:a16="http://schemas.microsoft.com/office/drawing/2014/main" id="{1078F5CD-E953-B747-B315-B09CADD402CF}"/>
-              </a:ext>
-            </a:extLst>
-          </p:cNvPr>
-          <p:cNvPicPr>
-            <a:picLocks noChangeAspect="1"/>
-          </p:cNvPicPr>
-          <p:nvPr/>
-        </p:nvPicPr>
-        <p:blipFill>
-          <a:blip r:embed="rId3">
-            <a:extLst>
-              <a:ext uri="{837473B0-CC2E-450A-ABE3-18F120FF3D39}">
-                <a1611:picAttrSrcUrl xmlns:a1611="http://schemas.microsoft.com/office/drawing/2016/11/main" r:id="rId4"/>
-              </a:ext>
-            </a:extLst>
-          </a:blip>
-          <a:stretch>
-            <a:fillRect/>
-          </a:stretch>
-        </p:blipFill>
-        <p:spPr>
-          <a:xfrm>
-            <a:off x="6562455" y="1701137"/>
-            <a:ext cx="4677405" cy="2993539"/>
-          </a:xfrm>
-          <a:prstGeom prst="rect">
-            <a:avLst/>
-          </a:prstGeom>
-          <a:ln>
-            <a:noFill/>
-          </a:ln>
-        </p:spPr>
-      </p:pic>
       <p:sp>
         <p:nvSpPr>
           <p:cNvPr id="2" name="Title 1">
@@ -9975,8 +12879,8 @@
         </p:nvSpPr>
         <p:spPr>
           <a:xfrm>
-            <a:off x="685799" y="690479"/>
-            <a:ext cx="4957275" cy="1146825"/>
+            <a:off x="685802" y="685800"/>
+            <a:ext cx="4951408" cy="1151965"/>
           </a:xfrm>
         </p:spPr>
         <p:txBody>
@@ -9986,13 +12890,7 @@
           <a:lstStyle/>
           <a:p>
             <a:r>
-              <a:rPr lang="en-US" sz="3700" dirty="0">
-                <a:solidFill>
-                  <a:schemeClr val="accent1">
-                    <a:lumMod val="75000"/>
-                  </a:schemeClr>
-                </a:solidFill>
-              </a:rPr>
+              <a:rPr lang="en-US" sz="4600" dirty="0"/>
               <a:t>FURTHER RESEARCH</a:t>
             </a:r>
           </a:p>
@@ -10016,8 +12914,8 @@
         </p:nvSpPr>
         <p:spPr>
           <a:xfrm>
-            <a:off x="685800" y="2063395"/>
-            <a:ext cx="4957273" cy="3446103"/>
+            <a:off x="685801" y="2076423"/>
+            <a:ext cx="4951410" cy="3288739"/>
           </a:xfrm>
         </p:spPr>
         <p:txBody>
@@ -10026,97 +12924,123 @@
           </a:bodyPr>
           <a:lstStyle/>
           <a:p>
+            <a:pPr>
+              <a:lnSpc>
+                <a:spcPct val="110000"/>
+              </a:lnSpc>
+            </a:pPr>
             <a:r>
-              <a:rPr lang="en-US" sz="1800" dirty="0">
+              <a:rPr lang="en-US" sz="1600" b="1" dirty="0">
                 <a:latin typeface="Calibri" panose="020F0502020204030204" pitchFamily="34" charset="0"/>
                 <a:cs typeface="Calibri" panose="020F0502020204030204" pitchFamily="34" charset="0"/>
               </a:rPr>
-              <a:t>Mention how we can take our findings forward (particularly if we have plan for continuing with this data for the final project)</a:t>
+              <a:t>DEEPEN ANALYSIS: </a:t>
+            </a:r>
+            <a:r>
+              <a:rPr lang="en-US" sz="1600" dirty="0">
+                <a:latin typeface="Calibri" panose="020F0502020204030204" pitchFamily="34" charset="0"/>
+                <a:cs typeface="Calibri" panose="020F0502020204030204" pitchFamily="34" charset="0"/>
+              </a:rPr>
+              <a:t>Dive deeper into specific categories, like age or country, for more detailed insights.</a:t>
+            </a:r>
+          </a:p>
+          <a:p>
+            <a:pPr>
+              <a:lnSpc>
+                <a:spcPct val="110000"/>
+              </a:lnSpc>
+            </a:pPr>
+            <a:r>
+              <a:rPr lang="en-US" sz="1600" b="1" dirty="0">
+                <a:latin typeface="Calibri" panose="020F0502020204030204" pitchFamily="34" charset="0"/>
+                <a:cs typeface="Calibri" panose="020F0502020204030204" pitchFamily="34" charset="0"/>
+              </a:rPr>
+              <a:t>Predictive Modeling: </a:t>
+            </a:r>
+            <a:r>
+              <a:rPr lang="en-US" sz="1600" dirty="0">
+                <a:latin typeface="Calibri" panose="020F0502020204030204" pitchFamily="34" charset="0"/>
+                <a:cs typeface="Calibri" panose="020F0502020204030204" pitchFamily="34" charset="0"/>
+              </a:rPr>
+              <a:t>Use the data to create models predicting employability, refining them as we gather more insights.</a:t>
+            </a:r>
+          </a:p>
+          <a:p>
+            <a:pPr>
+              <a:lnSpc>
+                <a:spcPct val="110000"/>
+              </a:lnSpc>
+            </a:pPr>
+            <a:r>
+              <a:rPr lang="en-US" sz="1600" b="1" dirty="0">
+                <a:latin typeface="Calibri" panose="020F0502020204030204" pitchFamily="34" charset="0"/>
+                <a:cs typeface="Calibri" panose="020F0502020204030204" pitchFamily="34" charset="0"/>
+              </a:rPr>
+              <a:t>Feedback: </a:t>
+            </a:r>
+            <a:r>
+              <a:rPr lang="en-US" sz="1600" dirty="0">
+                <a:latin typeface="Calibri" panose="020F0502020204030204" pitchFamily="34" charset="0"/>
+                <a:cs typeface="Calibri" panose="020F0502020204030204" pitchFamily="34" charset="0"/>
+              </a:rPr>
+              <a:t>UTILIZE THE FEEDBACK GIVEN BY THE PROFESSOR/PEER to GUIDE OUR NEXT STEPS Final project.</a:t>
             </a:r>
           </a:p>
         </p:txBody>
       </p:sp>
-      <p:sp>
-        <p:nvSpPr>
-          <p:cNvPr id="6" name="TextBox 5">
+      <p:pic>
+        <p:nvPicPr>
+          <p:cNvPr id="1026" name="Picture 2" descr="Harvard Data Science Initiative rolls out new research areas – Harvard  Gazette">
             <a:extLst>
               <a:ext uri="{FF2B5EF4-FFF2-40B4-BE49-F238E27FC236}">
-                <a16:creationId xmlns:a16="http://schemas.microsoft.com/office/drawing/2014/main" id="{9E854D90-7FB8-1740-B173-CEB26C78B799}"/>
+                <a16:creationId xmlns:a16="http://schemas.microsoft.com/office/drawing/2014/main" id="{5399E186-E438-3503-EF97-CC2187843AA8}"/>
               </a:ext>
             </a:extLst>
           </p:cNvPr>
-          <p:cNvSpPr txBox="1"/>
+          <p:cNvPicPr>
+            <a:picLocks noChangeAspect="1" noChangeArrowheads="1"/>
+          </p:cNvPicPr>
           <p:nvPr/>
-        </p:nvSpPr>
-        <p:spPr>
+        </p:nvPicPr>
+        <p:blipFill rotWithShape="1">
+          <a:blip r:embed="rId3">
+            <a:extLst>
+              <a:ext uri="{28A0092B-C50C-407E-A947-70E740481C1C}">
+                <a14:useLocalDpi xmlns:a14="http://schemas.microsoft.com/office/drawing/2010/main" val="0"/>
+              </a:ext>
+            </a:extLst>
+          </a:blip>
+          <a:srcRect l="24394" r="19266" b="2"/>
+          <a:stretch/>
+        </p:blipFill>
+        <p:spPr bwMode="auto">
           <a:xfrm>
-            <a:off x="9081898" y="4494621"/>
-            <a:ext cx="2157962" cy="200055"/>
+            <a:off x="6094410" y="10"/>
+            <a:ext cx="5310189" cy="5301586"/>
           </a:xfrm>
           <a:prstGeom prst="rect">
             <a:avLst/>
           </a:prstGeom>
-          <a:solidFill>
-            <a:srgbClr val="000000"/>
-          </a:solidFill>
-        </p:spPr>
-        <p:txBody>
-          <a:bodyPr wrap="none" rtlCol="0">
-            <a:spAutoFit/>
-          </a:bodyPr>
-          <a:lstStyle/>
-          <a:p>
-            <a:pPr algn="r">
-              <a:spcAft>
-                <a:spcPts val="600"/>
-              </a:spcAft>
-            </a:pPr>
-            <a:r>
-              <a:rPr lang="en-US" sz="700">
+          <a:noFill/>
+          <a:ln w="57150" cmpd="thinThick">
+            <a:solidFill>
+              <a:schemeClr val="bg1">
+                <a:lumMod val="50000"/>
+              </a:schemeClr>
+            </a:solidFill>
+            <a:miter lim="800000"/>
+          </a:ln>
+          <a:extLst>
+            <a:ext uri="{909E8E84-426E-40DD-AFC4-6F175D3DCCD1}">
+              <a14:hiddenFill xmlns:a14="http://schemas.microsoft.com/office/drawing/2010/main">
                 <a:solidFill>
                   <a:srgbClr val="FFFFFF"/>
                 </a:solidFill>
-                <a:hlinkClick r:id="rId4" tooltip="http://www.sagaciousnewsnetwork.com/child-narcissistic-parent-my-needs/">
-                  <a:extLst>
-                    <a:ext uri="{A12FA001-AC4F-418D-AE19-62706E023703}">
-                      <ahyp:hlinkClr xmlns:ahyp="http://schemas.microsoft.com/office/drawing/2018/hyperlinkcolor" val="tx"/>
-                    </a:ext>
-                  </a:extLst>
-                </a:hlinkClick>
-              </a:rPr>
-              <a:t>This Photo</a:t>
-            </a:r>
-            <a:r>
-              <a:rPr lang="en-US" sz="700">
-                <a:solidFill>
-                  <a:srgbClr val="FFFFFF"/>
-                </a:solidFill>
-              </a:rPr>
-              <a:t> by Unknown Author is licensed under </a:t>
-            </a:r>
-            <a:r>
-              <a:rPr lang="en-US" sz="700">
-                <a:solidFill>
-                  <a:srgbClr val="FFFFFF"/>
-                </a:solidFill>
-                <a:hlinkClick r:id="rId5" tooltip="https://creativecommons.org/licenses/by/3.0/">
-                  <a:extLst>
-                    <a:ext uri="{A12FA001-AC4F-418D-AE19-62706E023703}">
-                      <ahyp:hlinkClr xmlns:ahyp="http://schemas.microsoft.com/office/drawing/2018/hyperlinkcolor" val="tx"/>
-                    </a:ext>
-                  </a:extLst>
-                </a:hlinkClick>
-              </a:rPr>
-              <a:t>CC BY</a:t>
-            </a:r>
-            <a:endParaRPr lang="en-US" sz="700">
-              <a:solidFill>
-                <a:srgbClr val="FFFFFF"/>
-              </a:solidFill>
-            </a:endParaRPr>
-          </a:p>
-        </p:txBody>
-      </p:sp>
+              </a14:hiddenFill>
+            </a:ext>
+          </a:extLst>
+        </p:spPr>
+      </p:pic>
     </p:spTree>
     <p:extLst>
       <p:ext uri="{BB962C8B-B14F-4D97-AF65-F5344CB8AC3E}">
@@ -10428,7 +13352,7 @@
         </p:nvSpPr>
         <p:spPr>
           <a:xfrm>
-            <a:off x="5816270" y="488173"/>
+            <a:off x="5541950" y="240056"/>
             <a:ext cx="4503388" cy="945891"/>
           </a:xfrm>
         </p:spPr>
@@ -10504,92 +13428,34 @@
           </a:p>
         </p:txBody>
       </p:sp>
-      <p:sp>
-        <p:nvSpPr>
-          <p:cNvPr id="6" name="TextBox 5">
+      <p:graphicFrame>
+        <p:nvGraphicFramePr>
+          <p:cNvPr id="16" name="TextBox 5">
             <a:extLst>
               <a:ext uri="{FF2B5EF4-FFF2-40B4-BE49-F238E27FC236}">
-                <a16:creationId xmlns:a16="http://schemas.microsoft.com/office/drawing/2014/main" id="{BBF26071-F77F-7993-F2B2-44F8B1219379}"/>
+                <a16:creationId xmlns:a16="http://schemas.microsoft.com/office/drawing/2014/main" id="{A22CFA97-9844-7D09-52C4-7ECC84308178}"/>
               </a:ext>
             </a:extLst>
           </p:cNvPr>
-          <p:cNvSpPr txBox="1"/>
-          <p:nvPr/>
-        </p:nvSpPr>
-        <p:spPr>
-          <a:xfrm>
-            <a:off x="953563" y="1359092"/>
-            <a:ext cx="9664674" cy="2246769"/>
-          </a:xfrm>
-          <a:prstGeom prst="rect">
-            <a:avLst/>
-          </a:prstGeom>
-          <a:noFill/>
-          <a:ln>
-            <a:solidFill>
-              <a:schemeClr val="accent1"/>
-            </a:solidFill>
-          </a:ln>
-        </p:spPr>
-        <p:txBody>
-          <a:bodyPr wrap="square">
-            <a:spAutoFit/>
-          </a:bodyPr>
-          <a:lstStyle/>
-          <a:p>
-            <a:pPr marL="285750" indent="-285750">
-              <a:buFont typeface="Arial" panose="020B0604020202020204" pitchFamily="34" charset="0"/>
-              <a:buChar char="•"/>
-            </a:pPr>
-            <a:r>
-              <a:rPr lang="en-US" sz="2000" dirty="0">
-                <a:latin typeface="Calibri" panose="020F0502020204030204" pitchFamily="34" charset="0"/>
-                <a:cs typeface="Calibri" panose="020F0502020204030204" pitchFamily="34" charset="0"/>
-              </a:rPr>
-              <a:t>Is there a significant difference between the proportion of males vs nonmales who are employed given their degree in higher education?</a:t>
-            </a:r>
-          </a:p>
-          <a:p>
-            <a:pPr marL="285750" indent="-285750">
-              <a:buFont typeface="Arial" panose="020B0604020202020204" pitchFamily="34" charset="0"/>
-              <a:buChar char="•"/>
-            </a:pPr>
-            <a:r>
-              <a:rPr lang="en-US" sz="2000" dirty="0">
-                <a:latin typeface="Calibri" panose="020F0502020204030204" pitchFamily="34" charset="0"/>
-                <a:cs typeface="Calibri" panose="020F0502020204030204" pitchFamily="34" charset="0"/>
-              </a:rPr>
-              <a:t>Is there a difference in the average number of computer skills acquired based on level of education?</a:t>
-            </a:r>
-          </a:p>
-          <a:p>
-            <a:pPr marL="285750" indent="-285750">
-              <a:buFont typeface="Arial" panose="020B0604020202020204" pitchFamily="34" charset="0"/>
-              <a:buChar char="•"/>
-            </a:pPr>
-            <a:r>
-              <a:rPr lang="en-US" sz="2000" dirty="0">
-                <a:latin typeface="Calibri" panose="020F0502020204030204" pitchFamily="34" charset="0"/>
-                <a:cs typeface="Calibri" panose="020F0502020204030204" pitchFamily="34" charset="0"/>
-              </a:rPr>
-              <a:t>Is age a significant factor in determining whether an individual is a professional developer or not?</a:t>
-            </a:r>
-          </a:p>
-          <a:p>
-            <a:pPr marL="285750" indent="-285750">
-              <a:buFont typeface="Arial" panose="020B0604020202020204" pitchFamily="34" charset="0"/>
-              <a:buChar char="•"/>
-            </a:pPr>
-            <a:r>
-              <a:rPr lang="en-US" sz="2000" dirty="0">
-                <a:latin typeface="Calibri" panose="020F0502020204030204" pitchFamily="34" charset="0"/>
-                <a:cs typeface="Calibri" panose="020F0502020204030204" pitchFamily="34" charset="0"/>
-              </a:rPr>
-              <a:t>Is status of mental health associated with a programmer’s previous salary?</a:t>
-            </a:r>
-          </a:p>
-        </p:txBody>
-      </p:sp>
+          <p:cNvGraphicFramePr/>
+          <p:nvPr>
+            <p:extLst>
+              <p:ext uri="{D42A27DB-BD31-4B8C-83A1-F6EECF244321}">
+                <p14:modId xmlns:p14="http://schemas.microsoft.com/office/powerpoint/2010/main" val="410439422"/>
+              </p:ext>
+            </p:extLst>
+          </p:nvPr>
+        </p:nvGraphicFramePr>
+        <p:xfrm>
+          <a:off x="511603" y="1185947"/>
+          <a:ext cx="9653477" cy="2521839"/>
+        </p:xfrm>
+        <a:graphic>
+          <a:graphicData uri="http://schemas.openxmlformats.org/drawingml/2006/diagram">
+            <dgm:relIds xmlns:dgm="http://schemas.openxmlformats.org/drawingml/2006/diagram" xmlns:r="http://schemas.openxmlformats.org/officeDocument/2006/relationships" r:dm="rId4" r:lo="rId5" r:qs="rId6" r:cs="rId7"/>
+          </a:graphicData>
+        </a:graphic>
+      </p:graphicFrame>
     </p:spTree>
     <p:extLst>
       <p:ext uri="{BB962C8B-B14F-4D97-AF65-F5344CB8AC3E}">
@@ -10801,6 +13667,27 @@
 <file path=ppt/slides/slide4.xml><?xml version="1.0" encoding="utf-8"?>
 <p:sld xmlns:a="http://schemas.openxmlformats.org/drawingml/2006/main" xmlns:r="http://schemas.openxmlformats.org/officeDocument/2006/relationships" xmlns:p="http://schemas.openxmlformats.org/presentationml/2006/main">
   <p:cSld>
+    <p:bg>
+      <p:bgPr>
+        <a:blipFill>
+          <a:blip r:embed="rId2">
+            <a:duotone>
+              <a:schemeClr val="bg1">
+                <a:shade val="48000"/>
+                <a:satMod val="110000"/>
+                <a:lumMod val="40000"/>
+              </a:schemeClr>
+              <a:schemeClr val="bg1">
+                <a:tint val="90000"/>
+                <a:lumMod val="106000"/>
+              </a:schemeClr>
+            </a:duotone>
+          </a:blip>
+          <a:stretch/>
+        </a:blipFill>
+        <a:effectLst/>
+      </p:bgPr>
+    </p:bg>
     <p:spTree>
       <p:nvGrpSpPr>
         <p:cNvPr id="1" name=""/>
@@ -10817,6 +13704,273 @@
       </p:grpSpPr>
       <p:pic>
         <p:nvPicPr>
+          <p:cNvPr id="14" name="Picture 13">
+            <a:extLst>
+              <a:ext uri="{FF2B5EF4-FFF2-40B4-BE49-F238E27FC236}">
+                <a16:creationId xmlns:a16="http://schemas.microsoft.com/office/drawing/2014/main" id="{F770B4CD-535A-4FF2-B700-8C40F0031E93}"/>
+              </a:ext>
+              <a:ext uri="{C183D7F6-B498-43B3-948B-1728B52AA6E4}">
+                <adec:decorative xmlns:adec="http://schemas.microsoft.com/office/drawing/2017/decorative" val="1"/>
+              </a:ext>
+            </a:extLst>
+          </p:cNvPr>
+          <p:cNvPicPr>
+            <a:picLocks noGrp="1" noRot="1" noChangeAspect="1" noMove="1" noResize="1" noEditPoints="1" noAdjustHandles="1" noChangeArrowheads="1" noChangeShapeType="1" noCrop="1"/>
+          </p:cNvPicPr>
+          <p:nvPr>
+            <p:extLst>
+              <p:ext uri="{386F3935-93C4-4BCD-93E2-E3B085C9AB24}">
+                <p16:designElem xmlns:p16="http://schemas.microsoft.com/office/powerpoint/2015/main" val="1"/>
+              </p:ext>
+            </p:extLst>
+          </p:nvPr>
+        </p:nvPicPr>
+        <p:blipFill>
+          <a:blip r:embed="rId3">
+            <a:extLst>
+              <a:ext uri="{28A0092B-C50C-407E-A947-70E740481C1C}">
+                <a14:useLocalDpi xmlns:a14="http://schemas.microsoft.com/office/drawing/2010/main" val="0"/>
+              </a:ext>
+            </a:extLst>
+          </a:blip>
+          <a:stretch>
+            <a:fillRect/>
+          </a:stretch>
+        </p:blipFill>
+        <p:spPr>
+          <a:xfrm>
+            <a:off x="0" y="0"/>
+            <a:ext cx="12192000" cy="6858000"/>
+          </a:xfrm>
+          <a:prstGeom prst="rect">
+            <a:avLst/>
+          </a:prstGeom>
+        </p:spPr>
+      </p:pic>
+      <p:grpSp>
+        <p:nvGrpSpPr>
+          <p:cNvPr id="16" name="Group 15">
+            <a:extLst>
+              <a:ext uri="{FF2B5EF4-FFF2-40B4-BE49-F238E27FC236}">
+                <a16:creationId xmlns:a16="http://schemas.microsoft.com/office/drawing/2014/main" id="{42AB5EEF-5DB7-47EA-BB55-DC7DAC8A6870}"/>
+              </a:ext>
+              <a:ext uri="{C183D7F6-B498-43B3-948B-1728B52AA6E4}">
+                <adec:decorative xmlns:adec="http://schemas.microsoft.com/office/drawing/2017/decorative" val="1"/>
+              </a:ext>
+            </a:extLst>
+          </p:cNvPr>
+          <p:cNvGrpSpPr>
+            <a:grpSpLocks noGrp="1" noUngrp="1" noRot="1" noChangeAspect="1" noMove="1" noResize="1"/>
+          </p:cNvGrpSpPr>
+          <p:nvPr>
+            <p:extLst>
+              <p:ext uri="{386F3935-93C4-4BCD-93E2-E3B085C9AB24}">
+                <p16:designElem xmlns:p16="http://schemas.microsoft.com/office/powerpoint/2015/main" val="1"/>
+              </p:ext>
+            </p:extLst>
+          </p:nvPr>
+        </p:nvGrpSpPr>
+        <p:grpSpPr>
+          <a:xfrm>
+            <a:off x="-25397" y="0"/>
+            <a:ext cx="12005350" cy="6644081"/>
+            <a:chOff x="-25397" y="0"/>
+            <a:chExt cx="12005350" cy="6644081"/>
+          </a:xfrm>
+        </p:grpSpPr>
+        <p:sp useBgFill="1">
+          <p:nvSpPr>
+            <p:cNvPr id="17" name="Rectangle 16">
+              <a:extLst>
+                <a:ext uri="{FF2B5EF4-FFF2-40B4-BE49-F238E27FC236}">
+                  <a16:creationId xmlns:a16="http://schemas.microsoft.com/office/drawing/2014/main" id="{2D031218-C353-46BE-8BA0-03B929089EAB}"/>
+                </a:ext>
+                <a:ext uri="{C183D7F6-B498-43B3-948B-1728B52AA6E4}">
+                  <adec:decorative xmlns:adec="http://schemas.microsoft.com/office/drawing/2017/decorative" val="1"/>
+                </a:ext>
+              </a:extLst>
+            </p:cNvPr>
+            <p:cNvSpPr/>
+            <p:nvPr>
+              <p:extLst>
+                <p:ext uri="{386F3935-93C4-4BCD-93E2-E3B085C9AB24}">
+                  <p16:designElem xmlns:p16="http://schemas.microsoft.com/office/powerpoint/2015/main" val="1"/>
+                </p:ext>
+              </p:extLst>
+            </p:nvPr>
+          </p:nvSpPr>
+          <p:spPr>
+            <a:xfrm>
+              <a:off x="1" y="0"/>
+              <a:ext cx="11979952" cy="6644081"/>
+            </a:xfrm>
+            <a:prstGeom prst="rect">
+              <a:avLst/>
+            </a:prstGeom>
+            <a:ln>
+              <a:noFill/>
+            </a:ln>
+            <a:effectLst>
+              <a:outerShdw blurRad="98425" dist="76200" dir="4380000" algn="tl" rotWithShape="0">
+                <a:srgbClr val="000000">
+                  <a:alpha val="68000"/>
+                </a:srgbClr>
+              </a:outerShdw>
+            </a:effectLst>
+          </p:spPr>
+          <p:style>
+            <a:lnRef idx="1">
+              <a:schemeClr val="accent1"/>
+            </a:lnRef>
+            <a:fillRef idx="3">
+              <a:schemeClr val="accent1"/>
+            </a:fillRef>
+            <a:effectRef idx="2">
+              <a:schemeClr val="accent1"/>
+            </a:effectRef>
+            <a:fontRef idx="minor">
+              <a:schemeClr val="lt1"/>
+            </a:fontRef>
+          </p:style>
+        </p:sp>
+        <p:sp>
+          <p:nvSpPr>
+            <p:cNvPr id="18" name="Freeform 11">
+              <a:extLst>
+                <a:ext uri="{FF2B5EF4-FFF2-40B4-BE49-F238E27FC236}">
+                  <a16:creationId xmlns:a16="http://schemas.microsoft.com/office/drawing/2014/main" id="{63018239-79C0-4159-AE08-A6113D9AD9C6}"/>
+                </a:ext>
+                <a:ext uri="{C183D7F6-B498-43B3-948B-1728B52AA6E4}">
+                  <adec:decorative xmlns:adec="http://schemas.microsoft.com/office/drawing/2017/decorative" val="1"/>
+                </a:ext>
+              </a:extLst>
+            </p:cNvPr>
+            <p:cNvSpPr/>
+            <p:nvPr>
+              <p:extLst>
+                <p:ext uri="{386F3935-93C4-4BCD-93E2-E3B085C9AB24}">
+                  <p16:designElem xmlns:p16="http://schemas.microsoft.com/office/powerpoint/2015/main" val="1"/>
+                </p:ext>
+              </p:extLst>
+            </p:nvPr>
+          </p:nvSpPr>
+          <p:spPr>
+            <a:xfrm>
+              <a:off x="-25397" y="0"/>
+              <a:ext cx="11773291" cy="6419514"/>
+            </a:xfrm>
+            <a:custGeom>
+              <a:avLst/>
+              <a:gdLst/>
+              <a:ahLst/>
+              <a:cxnLst/>
+              <a:rect l="l" t="t" r="r" b="b"/>
+              <a:pathLst>
+                <a:path w="11773291" h="6419514">
+                  <a:moveTo>
+                    <a:pt x="11750059" y="0"/>
+                  </a:moveTo>
+                  <a:lnTo>
+                    <a:pt x="11773291" y="6419514"/>
+                  </a:lnTo>
+                  <a:lnTo>
+                    <a:pt x="0" y="6411047"/>
+                  </a:lnTo>
+                </a:path>
+              </a:pathLst>
+            </a:custGeom>
+            <a:ln w="82550">
+              <a:solidFill>
+                <a:schemeClr val="tx1">
+                  <a:lumMod val="50000"/>
+                  <a:lumOff val="50000"/>
+                </a:schemeClr>
+              </a:solidFill>
+              <a:miter lim="800000"/>
+            </a:ln>
+          </p:spPr>
+          <p:style>
+            <a:lnRef idx="2">
+              <a:schemeClr val="accent1"/>
+            </a:lnRef>
+            <a:fillRef idx="0">
+              <a:schemeClr val="accent1"/>
+            </a:fillRef>
+            <a:effectRef idx="1">
+              <a:schemeClr val="accent1"/>
+            </a:effectRef>
+            <a:fontRef idx="minor">
+              <a:schemeClr val="tx1"/>
+            </a:fontRef>
+          </p:style>
+        </p:sp>
+        <p:sp>
+          <p:nvSpPr>
+            <p:cNvPr id="19" name="Rectangle 18">
+              <a:extLst>
+                <a:ext uri="{FF2B5EF4-FFF2-40B4-BE49-F238E27FC236}">
+                  <a16:creationId xmlns:a16="http://schemas.microsoft.com/office/drawing/2014/main" id="{A68094AE-62A3-4DD8-B617-758BE447B78B}"/>
+                </a:ext>
+                <a:ext uri="{C183D7F6-B498-43B3-948B-1728B52AA6E4}">
+                  <adec:decorative xmlns:adec="http://schemas.microsoft.com/office/drawing/2017/decorative" val="1"/>
+                </a:ext>
+              </a:extLst>
+            </p:cNvPr>
+            <p:cNvSpPr/>
+            <p:nvPr>
+              <p:extLst>
+                <p:ext uri="{386F3935-93C4-4BCD-93E2-E3B085C9AB24}">
+                  <p16:designElem xmlns:p16="http://schemas.microsoft.com/office/powerpoint/2015/main" val="1"/>
+                </p:ext>
+              </p:extLst>
+            </p:nvPr>
+          </p:nvSpPr>
+          <p:spPr>
+            <a:xfrm>
+              <a:off x="1" y="5600215"/>
+              <a:ext cx="11706512" cy="780581"/>
+            </a:xfrm>
+            <a:prstGeom prst="rect">
+              <a:avLst/>
+            </a:prstGeom>
+            <a:gradFill flip="none" rotWithShape="1">
+              <a:gsLst>
+                <a:gs pos="34000">
+                  <a:schemeClr val="accent1"/>
+                </a:gs>
+                <a:gs pos="100000">
+                  <a:schemeClr val="accent1">
+                    <a:lumMod val="50000"/>
+                  </a:schemeClr>
+                </a:gs>
+              </a:gsLst>
+              <a:path path="circle">
+                <a:fillToRect l="50000" t="50000" r="50000" b="50000"/>
+              </a:path>
+              <a:tileRect/>
+            </a:gradFill>
+            <a:ln>
+              <a:noFill/>
+            </a:ln>
+          </p:spPr>
+          <p:style>
+            <a:lnRef idx="1">
+              <a:schemeClr val="accent1"/>
+            </a:lnRef>
+            <a:fillRef idx="3">
+              <a:schemeClr val="accent1"/>
+            </a:fillRef>
+            <a:effectRef idx="2">
+              <a:schemeClr val="accent1"/>
+            </a:effectRef>
+            <a:fontRef idx="minor">
+              <a:schemeClr val="lt1"/>
+            </a:fontRef>
+          </p:style>
+        </p:sp>
+      </p:grpSp>
+      <p:pic>
+        <p:nvPicPr>
           <p:cNvPr id="9" name="Picture 8" descr="Two cartoon characters in a lab&#10;&#10;Description automatically generated">
             <a:extLst>
               <a:ext uri="{FF2B5EF4-FFF2-40B4-BE49-F238E27FC236}">
@@ -10830,10 +13984,10 @@
           <p:nvPr/>
         </p:nvPicPr>
         <p:blipFill>
-          <a:blip r:embed="rId2">
+          <a:blip r:embed="rId4">
             <a:extLst>
               <a:ext uri="{837473B0-CC2E-450A-ABE3-18F120FF3D39}">
-                <a1611:picAttrSrcUrl xmlns:a1611="http://schemas.microsoft.com/office/drawing/2016/11/main" r:id="rId3"/>
+                <a1611:picAttrSrcUrl xmlns:a1611="http://schemas.microsoft.com/office/drawing/2016/11/main" r:id="rId5"/>
               </a:ext>
             </a:extLst>
           </a:blip>
@@ -10843,12 +13997,20 @@
         </p:blipFill>
         <p:spPr>
           <a:xfrm>
-            <a:off x="2840225" y="1811165"/>
-            <a:ext cx="6085663" cy="2434264"/>
+            <a:off x="404225" y="628739"/>
+            <a:ext cx="10912820" cy="4365128"/>
           </a:xfrm>
           <a:prstGeom prst="rect">
             <a:avLst/>
           </a:prstGeom>
+          <a:ln w="57150" cmpd="thinThick">
+            <a:solidFill>
+              <a:schemeClr val="bg1">
+                <a:lumMod val="50000"/>
+              </a:schemeClr>
+            </a:solidFill>
+            <a:miter lim="800000"/>
+          </a:ln>
         </p:spPr>
       </p:pic>
     </p:spTree>
@@ -11100,7 +14262,7 @@
               <a:buChar char="•"/>
             </a:pPr>
             <a:r>
-              <a:rPr lang="en-US" sz="1600" dirty="0">
+              <a:rPr lang="en-US" sz="1600" b="1" dirty="0">
                 <a:latin typeface="Calibri" panose="020F0502020204030204" pitchFamily="34" charset="0"/>
                 <a:cs typeface="Calibri" panose="020F0502020204030204" pitchFamily="34" charset="0"/>
               </a:rPr>
@@ -11128,6 +14290,79 @@
               <a:latin typeface="Calibri" panose="020F0502020204030204" pitchFamily="34" charset="0"/>
               <a:cs typeface="Calibri" panose="020F0502020204030204" pitchFamily="34" charset="0"/>
             </a:endParaRPr>
+          </a:p>
+        </p:txBody>
+      </p:sp>
+      <p:pic>
+        <p:nvPicPr>
+          <p:cNvPr id="5" name="Picture 4" descr="A screenshot of a computer&#10;&#10;Description automatically generated">
+            <a:extLst>
+              <a:ext uri="{FF2B5EF4-FFF2-40B4-BE49-F238E27FC236}">
+                <a16:creationId xmlns:a16="http://schemas.microsoft.com/office/drawing/2014/main" id="{ECA34C17-B8E0-79C1-16A4-24637C106BBB}"/>
+              </a:ext>
+            </a:extLst>
+          </p:cNvPr>
+          <p:cNvPicPr>
+            <a:picLocks noChangeAspect="1"/>
+          </p:cNvPicPr>
+          <p:nvPr/>
+        </p:nvPicPr>
+        <p:blipFill>
+          <a:blip r:embed="rId2"/>
+          <a:stretch>
+            <a:fillRect/>
+          </a:stretch>
+        </p:blipFill>
+        <p:spPr>
+          <a:xfrm>
+            <a:off x="217170" y="1757680"/>
+            <a:ext cx="7772400" cy="3685656"/>
+          </a:xfrm>
+          <a:prstGeom prst="rect">
+            <a:avLst/>
+          </a:prstGeom>
+        </p:spPr>
+      </p:pic>
+      <p:sp>
+        <p:nvSpPr>
+          <p:cNvPr id="6" name="TextBox 5">
+            <a:extLst>
+              <a:ext uri="{FF2B5EF4-FFF2-40B4-BE49-F238E27FC236}">
+                <a16:creationId xmlns:a16="http://schemas.microsoft.com/office/drawing/2014/main" id="{27B41F84-0489-D66D-0024-701C74726539}"/>
+              </a:ext>
+            </a:extLst>
+          </p:cNvPr>
+          <p:cNvSpPr txBox="1"/>
+          <p:nvPr/>
+        </p:nvSpPr>
+        <p:spPr>
+          <a:xfrm>
+            <a:off x="8310623" y="2754004"/>
+            <a:ext cx="2673752" cy="1815882"/>
+          </a:xfrm>
+          <a:prstGeom prst="rect">
+            <a:avLst/>
+          </a:prstGeom>
+          <a:noFill/>
+        </p:spPr>
+        <p:txBody>
+          <a:bodyPr wrap="square" rtlCol="0">
+            <a:spAutoFit/>
+          </a:bodyPr>
+          <a:lstStyle/>
+          <a:p>
+            <a:r>
+              <a:rPr lang="en-US" sz="1600" b="1" dirty="0">
+                <a:solidFill>
+                  <a:schemeClr val="accent1">
+                    <a:lumMod val="75000"/>
+                  </a:schemeClr>
+                </a:solidFill>
+                <a:latin typeface="Calibri" panose="020F0502020204030204" pitchFamily="34" charset="0"/>
+                <a:cs typeface="Calibri" panose="020F0502020204030204" pitchFamily="34" charset="0"/>
+              </a:rPr>
+              <a:t>**Students with Undergraduate, Master, or PhD degrees had lower computer skills than the 'Other' group, with noticeable differences backed by data.**</a:t>
+            </a:r>
           </a:p>
         </p:txBody>
       </p:sp>
@@ -11229,7 +14464,7 @@
               <a:buChar char="•"/>
             </a:pPr>
             <a:r>
-              <a:rPr lang="en-US" sz="1600" dirty="0">
+              <a:rPr lang="en-US" sz="1600" b="1" dirty="0">
                 <a:latin typeface="Calibri" panose="020F0502020204030204" pitchFamily="34" charset="0"/>
                 <a:cs typeface="Calibri" panose="020F0502020204030204" pitchFamily="34" charset="0"/>
               </a:rPr>
@@ -11358,7 +14593,7 @@
               <a:buChar char="•"/>
             </a:pPr>
             <a:r>
-              <a:rPr lang="en-US" sz="1600" dirty="0">
+              <a:rPr lang="en-US" sz="1600" b="1" dirty="0">
                 <a:latin typeface="Calibri" panose="020F0502020204030204" pitchFamily="34" charset="0"/>
                 <a:cs typeface="Calibri" panose="020F0502020204030204" pitchFamily="34" charset="0"/>
               </a:rPr>
@@ -11386,6 +14621,79 @@
               <a:latin typeface="Calibri" panose="020F0502020204030204" pitchFamily="34" charset="0"/>
               <a:cs typeface="Calibri" panose="020F0502020204030204" pitchFamily="34" charset="0"/>
             </a:endParaRPr>
+          </a:p>
+        </p:txBody>
+      </p:sp>
+      <p:pic>
+        <p:nvPicPr>
+          <p:cNvPr id="5" name="Picture 4" descr="A white background with black text&#10;&#10;Description automatically generated">
+            <a:extLst>
+              <a:ext uri="{FF2B5EF4-FFF2-40B4-BE49-F238E27FC236}">
+                <a16:creationId xmlns:a16="http://schemas.microsoft.com/office/drawing/2014/main" id="{A1C602C5-43F8-8226-15EC-42B831C7B806}"/>
+              </a:ext>
+            </a:extLst>
+          </p:cNvPr>
+          <p:cNvPicPr>
+            <a:picLocks noChangeAspect="1"/>
+          </p:cNvPicPr>
+          <p:nvPr/>
+        </p:nvPicPr>
+        <p:blipFill>
+          <a:blip r:embed="rId2"/>
+          <a:stretch>
+            <a:fillRect/>
+          </a:stretch>
+        </p:blipFill>
+        <p:spPr>
+          <a:xfrm>
+            <a:off x="899159" y="1968500"/>
+            <a:ext cx="9906001" cy="2452197"/>
+          </a:xfrm>
+          <a:prstGeom prst="rect">
+            <a:avLst/>
+          </a:prstGeom>
+        </p:spPr>
+      </p:pic>
+      <p:sp>
+        <p:nvSpPr>
+          <p:cNvPr id="6" name="TextBox 5">
+            <a:extLst>
+              <a:ext uri="{FF2B5EF4-FFF2-40B4-BE49-F238E27FC236}">
+                <a16:creationId xmlns:a16="http://schemas.microsoft.com/office/drawing/2014/main" id="{E9569D80-0EF6-15C3-E582-938286B01A35}"/>
+              </a:ext>
+            </a:extLst>
+          </p:cNvPr>
+          <p:cNvSpPr txBox="1"/>
+          <p:nvPr/>
+        </p:nvSpPr>
+        <p:spPr>
+          <a:xfrm>
+            <a:off x="548641" y="4856124"/>
+            <a:ext cx="10256520" cy="338554"/>
+          </a:xfrm>
+          <a:prstGeom prst="rect">
+            <a:avLst/>
+          </a:prstGeom>
+          <a:noFill/>
+        </p:spPr>
+        <p:txBody>
+          <a:bodyPr wrap="square" rtlCol="0">
+            <a:spAutoFit/>
+          </a:bodyPr>
+          <a:lstStyle/>
+          <a:p>
+            <a:r>
+              <a:rPr lang="en-US" sz="1600" dirty="0">
+                <a:solidFill>
+                  <a:schemeClr val="accent1">
+                    <a:lumMod val="75000"/>
+                  </a:schemeClr>
+                </a:solidFill>
+                <a:latin typeface="Calibri" panose="020F0502020204030204" pitchFamily="34" charset="0"/>
+                <a:cs typeface="Calibri" panose="020F0502020204030204" pitchFamily="34" charset="0"/>
+              </a:rPr>
+              <a:t>**people who said "Yes" to mental health issues earn about $7,993 to $8,936 more than those who said "No”*</a:t>
+            </a:r>
           </a:p>
         </p:txBody>
       </p:sp>
@@ -11504,16 +14812,12 @@
           <a:lstStyle/>
           <a:p>
             <a:r>
-              <a:rPr lang="en-US">
+              <a:rPr lang="en-US" dirty="0">
                 <a:latin typeface="Calibri" panose="020F0502020204030204" pitchFamily="34" charset="0"/>
                 <a:cs typeface="Calibri" panose="020F0502020204030204" pitchFamily="34" charset="0"/>
               </a:rPr>
               <a:t>We will put conclusions here.</a:t>
             </a:r>
-            <a:endParaRPr lang="en-US" dirty="0">
-              <a:latin typeface="Calibri" panose="020F0502020204030204" pitchFamily="34" charset="0"/>
-              <a:cs typeface="Calibri" panose="020F0502020204030204" pitchFamily="34" charset="0"/>
-            </a:endParaRPr>
           </a:p>
         </p:txBody>
       </p:sp>
